--- a/rampPosterNSGPRetreat.pptx
+++ b/rampPosterNSGPRetreat.pptx
@@ -4146,7 +4146,7 @@
         </p:nvSpPr>
         <p:spPr>
           <a:xfrm>
-            <a:off x="1149732" y="5451222"/>
+            <a:off x="1149732" y="4751094"/>
             <a:ext cx="19985245" cy="10512810"/>
           </a:xfrm>
           <a:prstGeom prst="roundRect">
@@ -5129,7 +5129,7 @@
         <p:spPr>
           <a:xfrm>
             <a:off x="11450986" y="17225838"/>
-            <a:ext cx="9683989" cy="4201150"/>
+            <a:ext cx="9683989" cy="1938992"/>
           </a:xfrm>
           <a:prstGeom prst="rect">
             <a:avLst/>
@@ -5152,15 +5152,12 @@
                 <a:latin typeface="Avenir Heavy"/>
                 <a:cs typeface="Avenir Heavy"/>
               </a:rPr>
-              <a:t>Mode</a:t>
-            </a:r>
-            <a:r>
-              <a:rPr lang="en-US" sz="3200" noProof="1">
-                <a:latin typeface="Avenir Heavy"/>
-                <a:cs typeface="Avenir Heavy"/>
-              </a:rPr>
-              <a:t>l</a:t>
-            </a:r>
+              <a:t>Subjects</a:t>
+            </a:r>
+            <a:endParaRPr lang="en-US" sz="3200" noProof="1">
+              <a:latin typeface="Avenir Heavy"/>
+              <a:cs typeface="Avenir Heavy"/>
+            </a:endParaRPr>
           </a:p>
           <a:p>
             <a:pPr>
@@ -5172,153 +5169,7 @@
               <a:rPr lang="en-US" sz="2400" noProof="1">
                 <a:latin typeface="Avenir Roman" panose="02000503020000020003" pitchFamily="2" charset="0"/>
               </a:rPr>
-              <a:t>To better capture response times and choices from the CPT we made two modifications to the DDM:</a:t>
-            </a:r>
-          </a:p>
-          <a:p>
-            <a:pPr>
-              <a:spcAft>
-                <a:spcPts val="600"/>
-              </a:spcAft>
-            </a:pPr>
-            <a:r>
-              <a:rPr lang="en-US" sz="2400" noProof="1">
-                <a:latin typeface="Avenir Roman" panose="02000503020000020003" pitchFamily="2" charset="0"/>
-              </a:rPr>
-              <a:t>1. Modified the DDM to capture non-response</a:t>
-            </a:r>
-            <a:r>
-              <a:rPr lang="en-US" sz="2400" baseline="30000" noProof="1">
-                <a:latin typeface="Avenir Roman" panose="02000503020000020003" pitchFamily="2" charset="0"/>
-              </a:rPr>
-              <a:t>3</a:t>
-            </a:r>
-            <a:r>
-              <a:rPr lang="en-US" sz="2400" baseline="30000" noProof="1">
-                <a:latin typeface="Avenir Roman" panose="02000503020000020003" pitchFamily="2" charset="0"/>
-                <a:cs typeface="Avenir Light"/>
-              </a:rPr>
-              <a:t> </a:t>
-            </a:r>
-            <a:r>
-              <a:rPr lang="en-US" sz="2400" noProof="1">
-                <a:latin typeface="Avenir Roman" panose="02000503020000020003" pitchFamily="2" charset="0"/>
-              </a:rPr>
-              <a:t>:</a:t>
-            </a:r>
-          </a:p>
-          <a:p>
-            <a:pPr algn="ctr">
-              <a:spcAft>
-                <a:spcPts val="600"/>
-              </a:spcAft>
-            </a:pPr>
-            <a:r>
-              <a:rPr lang="en-US" sz="2400" noProof="1">
-                <a:latin typeface="Avenir Roman" panose="02000503020000020003" pitchFamily="2" charset="0"/>
-              </a:rPr>
-              <a:t> </a:t>
-            </a:r>
-            <a:r>
-              <a:rPr lang="en-US" sz="2400" noProof="1">
-                <a:latin typeface="Avenir Roman" panose="02000503020000020003" pitchFamily="2" charset="0"/>
-                <a:cs typeface="Avenir Light"/>
-              </a:rPr>
-              <a:t>p(go|a,z,v). </a:t>
-            </a:r>
-          </a:p>
-          <a:p>
-            <a:pPr>
-              <a:spcAft>
-                <a:spcPts val="600"/>
-              </a:spcAft>
-            </a:pPr>
-            <a:r>
-              <a:rPr lang="en-US" sz="2400" noProof="1">
-                <a:latin typeface="Avenir Roman" panose="02000503020000020003" pitchFamily="2" charset="0"/>
-                <a:cs typeface="Avenir Light"/>
-              </a:rPr>
-              <a:t>2. Mixture model to capture fast commission errors:</a:t>
-            </a:r>
-          </a:p>
-          <a:p>
-            <a:pPr algn="ctr">
-              <a:spcAft>
-                <a:spcPts val="600"/>
-              </a:spcAft>
-            </a:pPr>
-            <a:r>
-              <a:rPr lang="en-US" sz="2400" noProof="1">
-                <a:latin typeface="Avenir Roman" panose="02000503020000020003" pitchFamily="2" charset="0"/>
-              </a:rPr>
-              <a:t>V</a:t>
-            </a:r>
-            <a:r>
-              <a:rPr lang="en-US" sz="2400" baseline="-25000" noProof="1">
-                <a:latin typeface="Avenir Roman" panose="02000503020000020003" pitchFamily="2" charset="0"/>
-              </a:rPr>
-              <a:t>i,j,nogo</a:t>
-            </a:r>
-            <a:r>
-              <a:rPr lang="en-US" sz="2400" noProof="1">
-                <a:latin typeface="Avenir Roman" panose="02000503020000020003" pitchFamily="2" charset="0"/>
-              </a:rPr>
-              <a:t> = cat(p(V</a:t>
-            </a:r>
-            <a:r>
-              <a:rPr lang="en-US" sz="2400" baseline="-25000" noProof="1">
-                <a:latin typeface="Avenir Roman" panose="02000503020000020003" pitchFamily="2" charset="0"/>
-              </a:rPr>
-              <a:t>go</a:t>
-            </a:r>
-            <a:r>
-              <a:rPr lang="en-US" sz="2400" noProof="1">
-                <a:latin typeface="Avenir Roman" panose="02000503020000020003" pitchFamily="2" charset="0"/>
-              </a:rPr>
-              <a:t>),p(V</a:t>
-            </a:r>
-            <a:r>
-              <a:rPr lang="en-US" sz="2400" baseline="-25000" noProof="1">
-                <a:latin typeface="Avenir Roman" panose="02000503020000020003" pitchFamily="2" charset="0"/>
-              </a:rPr>
-              <a:t>nogo</a:t>
-            </a:r>
-            <a:r>
-              <a:rPr lang="en-US" sz="2400" noProof="1">
-                <a:latin typeface="Avenir Roman" panose="02000503020000020003" pitchFamily="2" charset="0"/>
-              </a:rPr>
-              <a:t>)),</a:t>
-            </a:r>
-          </a:p>
-          <a:p>
-            <a:pPr>
-              <a:spcAft>
-                <a:spcPts val="600"/>
-              </a:spcAft>
-            </a:pPr>
-            <a:r>
-              <a:rPr lang="en-US" sz="2400" i="1" noProof="1">
-                <a:latin typeface="Avenir Roman" panose="02000503020000020003" pitchFamily="2" charset="0"/>
-              </a:rPr>
-              <a:t>i</a:t>
-            </a:r>
-            <a:r>
-              <a:rPr lang="en-US" sz="2400" noProof="1">
-                <a:latin typeface="Avenir Roman" panose="02000503020000020003" pitchFamily="2" charset="0"/>
-              </a:rPr>
-              <a:t>=trial, </a:t>
-            </a:r>
-            <a:r>
-              <a:rPr lang="en-US" sz="2400" i="1" noProof="1">
-                <a:latin typeface="Avenir Roman" panose="02000503020000020003" pitchFamily="2" charset="0"/>
-              </a:rPr>
-              <a:t>j=</a:t>
-            </a:r>
-            <a:r>
-              <a:rPr lang="en-US" sz="2400" noProof="1">
-                <a:latin typeface="Avenir Roman" panose="02000503020000020003" pitchFamily="2" charset="0"/>
-              </a:rPr>
-              <a:t>subject.</a:t>
+              <a:t>207 Participants were recruited via Amazon’s mechanical turk; (127 male; 76 female; 4 declined to answer).  </a:t>
             </a:r>
           </a:p>
           <a:p>
@@ -5349,7 +5200,7 @@
         <p:spPr>
           <a:xfrm>
             <a:off x="1387626" y="17225838"/>
-            <a:ext cx="9540000" cy="8556188"/>
+            <a:ext cx="9540000" cy="8186857"/>
           </a:xfrm>
           <a:prstGeom prst="rect">
             <a:avLst/>
@@ -5372,7 +5223,7 @@
                 <a:latin typeface="Avenir Roman" panose="02000503020000020003" pitchFamily="2" charset="0"/>
                 <a:cs typeface="Avenir Heavy"/>
               </a:rPr>
-              <a:t>Data</a:t>
+              <a:t>Task</a:t>
             </a:r>
           </a:p>
           <a:p>

--- a/rampPosterNSGPRetreat.pptx
+++ b/rampPosterNSGPRetreat.pptx
@@ -526,312 +526,9 @@
         <p:spPr/>
         <p:txBody>
           <a:bodyPr>
-            <a:normAutofit fontScale="25000" lnSpcReduction="20000"/>
+            <a:normAutofit/>
           </a:bodyPr>
           <a:lstStyle/>
-          <a:p>
-            <a:endParaRPr lang="en-US" sz="5400" noProof="1">
-              <a:latin typeface="Avenir Roman" panose="02000503020000020003" pitchFamily="2" charset="0"/>
-            </a:endParaRPr>
-          </a:p>
-          <a:p>
-            <a:pPr marL="0" marR="0" lvl="0" indent="0" algn="l" defTabSz="3986369" rtl="0" eaLnBrk="1" fontAlgn="auto" latinLnBrk="0" hangingPunct="1">
-              <a:lnSpc>
-                <a:spcPct val="100000"/>
-              </a:lnSpc>
-              <a:spcBef>
-                <a:spcPts val="0"/>
-              </a:spcBef>
-              <a:spcAft>
-                <a:spcPts val="0"/>
-              </a:spcAft>
-              <a:buClrTx/>
-              <a:buSzTx/>
-              <a:buFontTx/>
-              <a:buNone/>
-              <a:tabLst/>
-              <a:defRPr/>
-            </a:pPr>
-            <a:r>
-              <a:rPr lang="en-US" sz="5400" noProof="1">
-                <a:latin typeface="Avenir Roman" panose="02000503020000020003" pitchFamily="2" charset="0"/>
-              </a:rPr>
-              <a:t>After 6 weeks of treatment responders were shown to have greater improvement compared to non-responders on accumulation of evidence (drift rate: </a:t>
-            </a:r>
-            <a:r>
-              <a:rPr lang="en-US" sz="5400" i="1" noProof="1">
-                <a:latin typeface="Avenir Roman" panose="02000503020000020003" pitchFamily="2" charset="0"/>
-              </a:rPr>
-              <a:t>v</a:t>
-            </a:r>
-            <a:r>
-              <a:rPr lang="en-US" sz="5400" noProof="1">
-                <a:latin typeface="Avenir Roman" panose="02000503020000020003" pitchFamily="2" charset="0"/>
-              </a:rPr>
-              <a:t>) and response caution (boundary separation: </a:t>
-            </a:r>
-            <a:r>
-              <a:rPr lang="en-US" sz="5400" i="1" noProof="1">
-                <a:latin typeface="Avenir Roman" panose="02000503020000020003" pitchFamily="2" charset="0"/>
-              </a:rPr>
-              <a:t>a</a:t>
-            </a:r>
-            <a:r>
-              <a:rPr lang="en-US" sz="5400" noProof="1">
-                <a:latin typeface="Avenir Roman" panose="02000503020000020003" pitchFamily="2" charset="0"/>
-              </a:rPr>
-              <a:t>). </a:t>
-            </a:r>
-          </a:p>
-          <a:p>
-            <a:pPr marL="0" marR="0" lvl="0" indent="0" algn="l" defTabSz="3986369" rtl="0" eaLnBrk="1" fontAlgn="auto" latinLnBrk="0" hangingPunct="1">
-              <a:lnSpc>
-                <a:spcPct val="100000"/>
-              </a:lnSpc>
-              <a:spcBef>
-                <a:spcPts val="0"/>
-              </a:spcBef>
-              <a:spcAft>
-                <a:spcPts val="0"/>
-              </a:spcAft>
-              <a:buClrTx/>
-              <a:buSzTx/>
-              <a:buFontTx/>
-              <a:buNone/>
-              <a:tabLst/>
-              <a:defRPr/>
-            </a:pPr>
-            <a:endParaRPr lang="en-US" sz="5400" noProof="1">
-              <a:latin typeface="Avenir Roman" panose="02000503020000020003" pitchFamily="2" charset="0"/>
-            </a:endParaRPr>
-          </a:p>
-          <a:p>
-            <a:pPr marL="0" marR="0" lvl="0" indent="0" algn="l" defTabSz="3986369" rtl="0" eaLnBrk="1" fontAlgn="auto" latinLnBrk="0" hangingPunct="1">
-              <a:lnSpc>
-                <a:spcPct val="100000"/>
-              </a:lnSpc>
-              <a:spcBef>
-                <a:spcPts val="0"/>
-              </a:spcBef>
-              <a:spcAft>
-                <a:spcPts val="0"/>
-              </a:spcAft>
-              <a:buClrTx/>
-              <a:buSzTx/>
-              <a:buFontTx/>
-              <a:buNone/>
-              <a:tabLst/>
-              <a:defRPr/>
-            </a:pPr>
-            <a:r>
-              <a:rPr lang="en-US" sz="5400" noProof="1">
-                <a:solidFill>
-                  <a:schemeClr val="tx1"/>
-                </a:solidFill>
-                <a:latin typeface="Avenir Roman" panose="02000503020000020003" pitchFamily="2" charset="0"/>
-              </a:rPr>
-              <a:t>Twelve of 42 non-responders remained on medication after 1 year.</a:t>
-            </a:r>
-          </a:p>
-          <a:p>
-            <a:pPr marL="0" marR="0" lvl="0" indent="0" algn="l" defTabSz="3986369" rtl="0" eaLnBrk="1" fontAlgn="auto" latinLnBrk="0" hangingPunct="1">
-              <a:lnSpc>
-                <a:spcPct val="100000"/>
-              </a:lnSpc>
-              <a:spcBef>
-                <a:spcPts val="0"/>
-              </a:spcBef>
-              <a:spcAft>
-                <a:spcPts val="0"/>
-              </a:spcAft>
-              <a:buClrTx/>
-              <a:buSzTx/>
-              <a:buFontTx/>
-              <a:buNone/>
-              <a:tabLst/>
-              <a:defRPr/>
-            </a:pPr>
-            <a:endParaRPr lang="en-US" sz="5400" noProof="1">
-              <a:solidFill>
-                <a:schemeClr val="tx1"/>
-              </a:solidFill>
-              <a:latin typeface="Avenir Roman" panose="02000503020000020003" pitchFamily="2" charset="0"/>
-            </a:endParaRPr>
-          </a:p>
-          <a:p>
-            <a:pPr marL="0" marR="0" lvl="0" indent="0" algn="l" defTabSz="3986369" rtl="0" eaLnBrk="1" fontAlgn="auto" latinLnBrk="0" hangingPunct="1">
-              <a:lnSpc>
-                <a:spcPct val="100000"/>
-              </a:lnSpc>
-              <a:spcBef>
-                <a:spcPts val="0"/>
-              </a:spcBef>
-              <a:spcAft>
-                <a:spcPts val="0"/>
-              </a:spcAft>
-              <a:buClrTx/>
-              <a:buSzTx/>
-              <a:buFontTx/>
-              <a:buNone/>
-              <a:tabLst/>
-              <a:defRPr/>
-            </a:pPr>
-            <a:r>
-              <a:rPr lang="en-US" sz="5400" noProof="1">
-                <a:solidFill>
-                  <a:schemeClr val="tx1"/>
-                </a:solidFill>
-                <a:latin typeface="Avenir Roman" panose="02000503020000020003" pitchFamily="2" charset="0"/>
-              </a:rPr>
-              <a:t>, such as the adult ADHD self-report scale (ASRS) and  Global Assessment of Functioning (GAF),</a:t>
-            </a:r>
-          </a:p>
-          <a:p>
-            <a:pPr marL="0" marR="0" lvl="0" indent="0" algn="l" defTabSz="3986369" rtl="0" eaLnBrk="1" fontAlgn="auto" latinLnBrk="0" hangingPunct="1">
-              <a:lnSpc>
-                <a:spcPct val="100000"/>
-              </a:lnSpc>
-              <a:spcBef>
-                <a:spcPts val="0"/>
-              </a:spcBef>
-              <a:spcAft>
-                <a:spcPts val="0"/>
-              </a:spcAft>
-              <a:buClrTx/>
-              <a:buSzTx/>
-              <a:buFontTx/>
-              <a:buNone/>
-              <a:tabLst/>
-              <a:defRPr/>
-            </a:pPr>
-            <a:endParaRPr lang="en-US" sz="5400" noProof="1">
-              <a:latin typeface="Avenir Roman" panose="02000503020000020003" pitchFamily="2" charset="0"/>
-            </a:endParaRPr>
-          </a:p>
-          <a:p>
-            <a:pPr marL="0" marR="0" lvl="0" indent="0" algn="l" defTabSz="3986369" rtl="0" eaLnBrk="1" fontAlgn="auto" latinLnBrk="0" hangingPunct="1">
-              <a:lnSpc>
-                <a:spcPct val="100000"/>
-              </a:lnSpc>
-              <a:spcBef>
-                <a:spcPts val="0"/>
-              </a:spcBef>
-              <a:spcAft>
-                <a:spcPts val="0"/>
-              </a:spcAft>
-              <a:buClrTx/>
-              <a:buSzTx/>
-              <a:buFontTx/>
-              <a:buNone/>
-              <a:tabLst/>
-              <a:defRPr/>
-            </a:pPr>
-            <a:r>
-              <a:rPr lang="en-US" sz="5400" noProof="1">
-                <a:solidFill>
-                  <a:schemeClr val="tx1"/>
-                </a:solidFill>
-                <a:latin typeface="Avenir Roman" panose="02000503020000020003" pitchFamily="2" charset="0"/>
-              </a:rPr>
-              <a:t>If shown to be helpful, computational modeling of commonly used neuropsychological tests, such as the CPT, can be used as a tool for earlier detection of medication response.</a:t>
-            </a:r>
-          </a:p>
-          <a:p>
-            <a:pPr marL="0" marR="0" lvl="0" indent="0" algn="l" defTabSz="3986369" rtl="0" eaLnBrk="1" fontAlgn="auto" latinLnBrk="0" hangingPunct="1">
-              <a:lnSpc>
-                <a:spcPct val="100000"/>
-              </a:lnSpc>
-              <a:spcBef>
-                <a:spcPts val="0"/>
-              </a:spcBef>
-              <a:spcAft>
-                <a:spcPts val="0"/>
-              </a:spcAft>
-              <a:buClrTx/>
-              <a:buSzTx/>
-              <a:buFontTx/>
-              <a:buNone/>
-              <a:tabLst/>
-              <a:defRPr/>
-            </a:pPr>
-            <a:endParaRPr lang="en-US" sz="5400" noProof="1">
-              <a:solidFill>
-                <a:schemeClr val="tx1"/>
-              </a:solidFill>
-              <a:latin typeface="Avenir Roman" panose="02000503020000020003" pitchFamily="2" charset="0"/>
-            </a:endParaRPr>
-          </a:p>
-          <a:p>
-            <a:pPr marL="0" marR="0" lvl="0" indent="0" algn="l" defTabSz="3986369" rtl="0" eaLnBrk="1" fontAlgn="auto" latinLnBrk="0" hangingPunct="1">
-              <a:lnSpc>
-                <a:spcPct val="100000"/>
-              </a:lnSpc>
-              <a:spcBef>
-                <a:spcPts val="0"/>
-              </a:spcBef>
-              <a:spcAft>
-                <a:spcPts val="0"/>
-              </a:spcAft>
-              <a:buClrTx/>
-              <a:buSzTx/>
-              <a:buFontTx/>
-              <a:buNone/>
-              <a:tabLst/>
-              <a:defRPr/>
-            </a:pPr>
-            <a:endParaRPr lang="en-US" sz="5400" noProof="1">
-              <a:solidFill>
-                <a:schemeClr val="tx1"/>
-              </a:solidFill>
-              <a:latin typeface="Avenir Roman" panose="02000503020000020003" pitchFamily="2" charset="0"/>
-            </a:endParaRPr>
-          </a:p>
-          <a:p>
-            <a:pPr marL="0" marR="0" lvl="0" indent="0" algn="l" defTabSz="3986369" rtl="0" eaLnBrk="1" fontAlgn="auto" latinLnBrk="0" hangingPunct="1">
-              <a:lnSpc>
-                <a:spcPct val="100000"/>
-              </a:lnSpc>
-              <a:spcBef>
-                <a:spcPts val="0"/>
-              </a:spcBef>
-              <a:spcAft>
-                <a:spcPts val="0"/>
-              </a:spcAft>
-              <a:buClrTx/>
-              <a:buSzTx/>
-              <a:buFontTx/>
-              <a:buNone/>
-              <a:tabLst/>
-              <a:defRPr/>
-            </a:pPr>
-            <a:r>
-              <a:rPr lang="nb-NO" sz="5400" dirty="0" err="1">
-                <a:latin typeface="Avenir Roman" panose="02000503020000020003" pitchFamily="2" charset="0"/>
-              </a:rPr>
-              <a:t>across</a:t>
-            </a:r>
-            <a:r>
-              <a:rPr lang="nb-NO" sz="5400" dirty="0">
-                <a:latin typeface="Avenir Roman" panose="02000503020000020003" pitchFamily="2" charset="0"/>
-              </a:rPr>
-              <a:t> </a:t>
-            </a:r>
-            <a:r>
-              <a:rPr lang="nb-NO" sz="5400" dirty="0" err="1">
-                <a:latin typeface="Avenir Roman" panose="02000503020000020003" pitchFamily="2" charset="0"/>
-              </a:rPr>
-              <a:t>condition</a:t>
-            </a:r>
-            <a:r>
-              <a:rPr lang="nb-NO" sz="5400" dirty="0">
-                <a:latin typeface="Avenir Roman" panose="02000503020000020003" pitchFamily="2" charset="0"/>
-              </a:rPr>
-              <a:t> </a:t>
-            </a:r>
-            <a:endParaRPr lang="en-US" sz="5400" noProof="1">
-              <a:latin typeface="Avenir Roman" panose="02000503020000020003" pitchFamily="2" charset="0"/>
-            </a:endParaRPr>
-          </a:p>
           <a:p>
             <a:endParaRPr lang="de-DE" dirty="0"/>
           </a:p>
@@ -4045,7 +3742,7 @@
         <p:spPr>
           <a:xfrm>
             <a:off x="22241640" y="4536503"/>
-            <a:ext cx="19800000" cy="1018085"/>
+            <a:ext cx="19800000" cy="1079641"/>
           </a:xfrm>
           <a:prstGeom prst="rect">
             <a:avLst/>
@@ -4063,6 +3760,16 @@
           <a:p>
             <a:pPr algn="ctr"/>
             <a:r>
+              <a:rPr lang="en-US" sz="4400" noProof="1">
+                <a:solidFill>
+                  <a:srgbClr val="000000"/>
+                </a:solidFill>
+                <a:latin typeface="Avenir Heavy"/>
+                <a:cs typeface="Avenir Heavy"/>
+              </a:rPr>
+              <a:t>Results</a:t>
+            </a:r>
+            <a:r>
               <a:rPr lang="en-US" sz="4000" noProof="1">
                 <a:solidFill>
                   <a:srgbClr val="000000"/>
@@ -4070,7 +3777,7 @@
                 <a:latin typeface="Avenir Heavy"/>
                 <a:cs typeface="Avenir Heavy"/>
               </a:rPr>
-              <a:t>Results </a:t>
+              <a:t> </a:t>
             </a:r>
           </a:p>
         </p:txBody>
@@ -4206,7 +3913,7 @@
                 </a:solidFill>
                 <a:latin typeface="Avenir Roman" panose="02000503020000020003" pitchFamily="2" charset="0"/>
               </a:rPr>
-              <a:t>Phasic dopamine (DA) spikes in the striatum occur when participants experience reward, effectively reinforcing rewarding actions. This DA spike is called a positive Reward Prediction Error (RPE). RPEs are key to learning, evidenced in rodents and in humans.</a:t>
+              <a:t>Phasic dopamine (DA) spikes in the striatum occur when participants experience reward, effectively reinforcing rewarding actions. This DA spike is called a positive Reward Prediction Error (RPE). Phasic RPEs are key to learning, evidenced in rodents and in humans (Fig 1A).</a:t>
             </a:r>
           </a:p>
           <a:p>
@@ -4233,7 +3940,7 @@
                 </a:solidFill>
                 <a:latin typeface="Avenir Roman" panose="02000503020000020003" pitchFamily="2" charset="0"/>
               </a:rPr>
-              <a:t>Seperately from providing RPEs, DA also encodes motivation and subsequently decreases reaction time. The closer a rodent is to a reward, the faster they will respond.</a:t>
+              <a:t>Seperately from providing RPEs, DA also encodes motivation and vigor. Slowly changing levels of striatal DA (tonic) corresponds to opportunity cost.</a:t>
             </a:r>
           </a:p>
           <a:p>
@@ -4260,10 +3967,115 @@
                 </a:solidFill>
                 <a:latin typeface="Avenir Roman" panose="02000503020000020003" pitchFamily="2" charset="0"/>
               </a:rPr>
-              <a:t>DA also affects risky decision making. </a:t>
-            </a:r>
-          </a:p>
-          <a:p>
+              <a:t>Hamid et al., 2015  unified the concepts of tonic (motivation) and phasic (learning) DA, showing that dynamically evolving levels of striatal DA signal cost/benefit (a value signal) in rodents (Fig 1B).</a:t>
+            </a:r>
+          </a:p>
+          <a:p>
+            <a:pPr marL="342900" indent="-342900">
+              <a:buFont typeface="Arial" panose="020B0604020202020204" pitchFamily="34" charset="0"/>
+              <a:buChar char="•"/>
+            </a:pPr>
+            <a:endParaRPr lang="en-US" sz="2400" noProof="1">
+              <a:solidFill>
+                <a:schemeClr val="tx1"/>
+              </a:solidFill>
+              <a:latin typeface="Avenir Roman" panose="02000503020000020003" pitchFamily="2" charset="0"/>
+            </a:endParaRPr>
+          </a:p>
+          <a:p>
+            <a:pPr marL="342900" indent="-342900">
+              <a:buFont typeface="Arial" panose="020B0604020202020204" pitchFamily="34" charset="0"/>
+              <a:buChar char="•"/>
+            </a:pPr>
+            <a:r>
+              <a:rPr lang="en-US" sz="2400" noProof="1">
+                <a:solidFill>
+                  <a:schemeClr val="tx1"/>
+                </a:solidFill>
+                <a:latin typeface="Avenir Roman" panose="02000503020000020003" pitchFamily="2" charset="0"/>
+              </a:rPr>
+              <a:t>Extending this idea of DA’s purpose, other work has been done showing that pharmacologically manipulating DA affects humans’ cost/benefit risky decision making.</a:t>
+            </a:r>
+          </a:p>
+          <a:p>
+            <a:pPr marL="342900" indent="-342900">
+              <a:buFont typeface="Arial" panose="020B0604020202020204" pitchFamily="34" charset="0"/>
+              <a:buChar char="•"/>
+            </a:pPr>
+            <a:endParaRPr lang="en-US" sz="2400" noProof="1">
+              <a:solidFill>
+                <a:schemeClr val="tx1"/>
+              </a:solidFill>
+              <a:latin typeface="Avenir Roman" panose="02000503020000020003" pitchFamily="2" charset="0"/>
+            </a:endParaRPr>
+          </a:p>
+          <a:p>
+            <a:pPr marL="342900" indent="-342900">
+              <a:buFont typeface="Arial" panose="020B0604020202020204" pitchFamily="34" charset="0"/>
+              <a:buChar char="•"/>
+            </a:pPr>
+            <a:r>
+              <a:rPr lang="en-US" sz="2400" noProof="1">
+                <a:solidFill>
+                  <a:schemeClr val="tx1"/>
+                </a:solidFill>
+                <a:latin typeface="Avenir Roman" panose="02000503020000020003" pitchFamily="2" charset="0"/>
+              </a:rPr>
+              <a:t>There is also evidence that rodents experience striatal DA ramping as they approach a reward. This striatal DA ramp scales to the distance to the reward (Fig. 1C).</a:t>
+            </a:r>
+          </a:p>
+          <a:p>
+            <a:pPr marL="342900" indent="-342900">
+              <a:buFont typeface="Arial" panose="020B0604020202020204" pitchFamily="34" charset="0"/>
+              <a:buChar char="•"/>
+            </a:pPr>
+            <a:endParaRPr lang="en-US" sz="2400" noProof="1">
+              <a:solidFill>
+                <a:schemeClr val="tx1"/>
+              </a:solidFill>
+              <a:latin typeface="Avenir Roman" panose="02000503020000020003" pitchFamily="2" charset="0"/>
+            </a:endParaRPr>
+          </a:p>
+          <a:p>
+            <a:pPr marL="342900" indent="-342900">
+              <a:buFont typeface="Arial" panose="020B0604020202020204" pitchFamily="34" charset="0"/>
+              <a:buChar char="•"/>
+            </a:pPr>
+            <a:r>
+              <a:rPr lang="en-US" sz="2400" noProof="1">
+                <a:solidFill>
+                  <a:schemeClr val="tx1"/>
+                </a:solidFill>
+                <a:latin typeface="Avenir Roman" panose="02000503020000020003" pitchFamily="2" charset="0"/>
+              </a:rPr>
+              <a:t>If humans and rodents striatal DA dynamics are similar, than humans’ cost/benefit calculations should change as a function of proximity to reward.</a:t>
+            </a:r>
+          </a:p>
+          <a:p>
+            <a:endParaRPr lang="en-US" sz="2400" noProof="1">
+              <a:solidFill>
+                <a:schemeClr val="tx1"/>
+              </a:solidFill>
+              <a:latin typeface="Avenir Roman" panose="02000503020000020003" pitchFamily="2" charset="0"/>
+            </a:endParaRPr>
+          </a:p>
+          <a:p>
+            <a:pPr marL="342900" indent="-342900">
+              <a:buFont typeface="Arial" panose="020B0604020202020204" pitchFamily="34" charset="0"/>
+              <a:buChar char="•"/>
+            </a:pPr>
+            <a:endParaRPr lang="en-US" sz="2400" noProof="1">
+              <a:solidFill>
+                <a:schemeClr val="tx1"/>
+              </a:solidFill>
+              <a:latin typeface="Avenir Roman" panose="02000503020000020003" pitchFamily="2" charset="0"/>
+            </a:endParaRPr>
+          </a:p>
+          <a:p>
+            <a:pPr marL="342900" indent="-342900">
+              <a:buFont typeface="Arial" panose="020B0604020202020204" pitchFamily="34" charset="0"/>
+              <a:buChar char="•"/>
+            </a:pPr>
             <a:endParaRPr lang="en-US" sz="2400" noProof="1">
               <a:solidFill>
                 <a:schemeClr val="tx1"/>
@@ -4322,111 +4134,6 @@
               </a:solidFill>
               <a:latin typeface="Avenir Roman" panose="02000503020000020003" pitchFamily="2" charset="0"/>
               <a:ea typeface="MS Mincho" panose="02020609040205080304" pitchFamily="49" charset="-128"/>
-            </a:endParaRPr>
-          </a:p>
-          <a:p>
-            <a:endParaRPr lang="en-US" sz="2400" dirty="0">
-              <a:solidFill>
-                <a:sysClr val="windowText" lastClr="000000"/>
-              </a:solidFill>
-              <a:latin typeface="Avenir Roman" panose="02000503020000020003" pitchFamily="2" charset="0"/>
-              <a:ea typeface="MS Mincho" panose="02020609040205080304" pitchFamily="49" charset="-128"/>
-            </a:endParaRPr>
-          </a:p>
-          <a:p>
-            <a:endParaRPr lang="en-US" sz="2400" dirty="0">
-              <a:solidFill>
-                <a:sysClr val="windowText" lastClr="000000"/>
-              </a:solidFill>
-              <a:latin typeface="Avenir Roman" panose="02000503020000020003" pitchFamily="2" charset="0"/>
-              <a:ea typeface="MS Mincho" panose="02020609040205080304" pitchFamily="49" charset="-128"/>
-            </a:endParaRPr>
-          </a:p>
-          <a:p>
-            <a:endParaRPr lang="en-US" sz="2400" b="1" dirty="0">
-              <a:solidFill>
-                <a:sysClr val="windowText" lastClr="000000"/>
-              </a:solidFill>
-              <a:latin typeface="Avenir Roman" panose="02000503020000020003" pitchFamily="2" charset="0"/>
-              <a:ea typeface="MS Mincho" panose="02020609040205080304" pitchFamily="49" charset="-128"/>
-            </a:endParaRPr>
-          </a:p>
-          <a:p>
-            <a:r>
-              <a:rPr lang="en-US" sz="2000" b="1" dirty="0">
-                <a:solidFill>
-                  <a:sysClr val="windowText" lastClr="000000"/>
-                </a:solidFill>
-                <a:latin typeface="Avenir Roman" panose="02000503020000020003" pitchFamily="2" charset="0"/>
-                <a:ea typeface="MS Mincho" panose="02020609040205080304" pitchFamily="49" charset="-128"/>
-              </a:rPr>
-              <a:t>Fig.</a:t>
-            </a:r>
-            <a:r>
-              <a:rPr lang="en-US" sz="2000" dirty="0">
-                <a:solidFill>
-                  <a:sysClr val="windowText" lastClr="000000"/>
-                </a:solidFill>
-                <a:latin typeface="Avenir Roman" panose="02000503020000020003" pitchFamily="2" charset="0"/>
-                <a:ea typeface="MS Mincho" panose="02020609040205080304" pitchFamily="49" charset="-128"/>
-              </a:rPr>
-              <a:t> Computational models mediate between neurobiological and functional levels. </a:t>
-            </a:r>
-            <a:r>
-              <a:rPr lang="en-US" sz="2000" b="1" dirty="0">
-                <a:solidFill>
-                  <a:sysClr val="windowText" lastClr="000000"/>
-                </a:solidFill>
-                <a:latin typeface="Avenir Roman" panose="02000503020000020003" pitchFamily="2" charset="0"/>
-                <a:ea typeface="MS Mincho" panose="02020609040205080304" pitchFamily="49" charset="-128"/>
-              </a:rPr>
-              <a:t>A</a:t>
-            </a:r>
-            <a:r>
-              <a:rPr lang="en-US" sz="2000" dirty="0">
-                <a:solidFill>
-                  <a:sysClr val="windowText" lastClr="000000"/>
-                </a:solidFill>
-                <a:latin typeface="Avenir Roman" panose="02000503020000020003" pitchFamily="2" charset="0"/>
-                <a:ea typeface="MS Mincho" panose="02020609040205080304" pitchFamily="49" charset="-128"/>
-              </a:rPr>
-              <a:t>. In a simplified model of ADHD and its medication, a patient’s neurobiology results in catecholamine deficiency, which impairs neurobiological processes underlying e.g. decision making. These impairments in turn manifest as ADHD symptoms. Medication response can be explained by higher catecholamine levels, which improve impaired processes, which in turn reduces symptoms. </a:t>
-            </a:r>
-            <a:r>
-              <a:rPr lang="en-US" sz="2000" b="1" dirty="0">
-                <a:solidFill>
-                  <a:sysClr val="windowText" lastClr="000000"/>
-                </a:solidFill>
-                <a:latin typeface="Avenir Roman" panose="02000503020000020003" pitchFamily="2" charset="0"/>
-                <a:ea typeface="MS Mincho" panose="02020609040205080304" pitchFamily="49" charset="-128"/>
-              </a:rPr>
-              <a:t>B. </a:t>
-            </a:r>
-            <a:r>
-              <a:rPr lang="en-US" sz="2000" dirty="0">
-                <a:solidFill>
-                  <a:sysClr val="windowText" lastClr="000000"/>
-                </a:solidFill>
-                <a:latin typeface="Avenir Roman" panose="02000503020000020003" pitchFamily="2" charset="0"/>
-                <a:ea typeface="MS Mincho" panose="02020609040205080304" pitchFamily="49" charset="-128"/>
-              </a:rPr>
-              <a:t>Computational psychiatry pipeline for approach to classification of clinical groups. B adapted from</a:t>
-            </a:r>
-            <a:r>
-              <a:rPr lang="en-US" sz="2000" baseline="30000" dirty="0">
-                <a:solidFill>
-                  <a:sysClr val="windowText" lastClr="000000"/>
-                </a:solidFill>
-                <a:latin typeface="Avenir Roman" panose="02000503020000020003" pitchFamily="2" charset="0"/>
-                <a:ea typeface="MS Mincho" panose="02020609040205080304" pitchFamily="49" charset="-128"/>
-              </a:rPr>
-              <a:t>2.</a:t>
-            </a:r>
-            <a:endParaRPr lang="en-US" sz="2000" dirty="0">
-              <a:solidFill>
-                <a:sysClr val="windowText" lastClr="000000"/>
-              </a:solidFill>
-              <a:latin typeface="Avenir Roman" panose="02000503020000020003" pitchFamily="2" charset="0"/>
             </a:endParaRPr>
           </a:p>
           <a:p>
@@ -4488,7 +4195,7 @@
         <p:spPr>
           <a:xfrm>
             <a:off x="811563" y="4536502"/>
-            <a:ext cx="19800000" cy="1018086"/>
+            <a:ext cx="19800000" cy="1079641"/>
           </a:xfrm>
           <a:prstGeom prst="rect">
             <a:avLst/>
@@ -4506,12 +4213,16 @@
           <a:p>
             <a:pPr algn="ctr"/>
             <a:r>
-              <a:rPr lang="en-US" sz="4000" noProof="1">
+              <a:rPr lang="en-US" sz="4400" noProof="1">
                 <a:latin typeface="Avenir Heavy"/>
                 <a:cs typeface="Avenir Heavy"/>
               </a:rPr>
               <a:t>Background</a:t>
             </a:r>
+            <a:endParaRPr lang="en-US" sz="4000" noProof="1">
+              <a:latin typeface="Avenir Heavy"/>
+              <a:cs typeface="Avenir Heavy"/>
+            </a:endParaRPr>
           </a:p>
         </p:txBody>
       </p:sp>
@@ -4524,7 +4235,7 @@
         <p:spPr>
           <a:xfrm>
             <a:off x="22248094" y="19272542"/>
-            <a:ext cx="19793546" cy="1018086"/>
+            <a:ext cx="19793546" cy="1079641"/>
           </a:xfrm>
           <a:prstGeom prst="rect">
             <a:avLst/>
@@ -4542,7 +4253,7 @@
           <a:p>
             <a:pPr algn="ctr"/>
             <a:r>
-              <a:rPr lang="en-US" sz="4000" noProof="1">
+              <a:rPr lang="en-US" sz="4400" noProof="1">
                 <a:solidFill>
                   <a:srgbClr val="000000"/>
                 </a:solidFill>
@@ -4894,82 +4605,6 @@
       </p:sp>
       <p:sp>
         <p:nvSpPr>
-          <p:cNvPr id="48" name="Textfeld 47"/>
-          <p:cNvSpPr txBox="1"/>
-          <p:nvPr/>
-        </p:nvSpPr>
-        <p:spPr>
-          <a:xfrm>
-            <a:off x="22241639" y="5451222"/>
-            <a:ext cx="19253053" cy="3693319"/>
-          </a:xfrm>
-          <a:prstGeom prst="rect">
-            <a:avLst/>
-          </a:prstGeom>
-          <a:noFill/>
-        </p:spPr>
-        <p:txBody>
-          <a:bodyPr wrap="square" rtlCol="0">
-            <a:spAutoFit/>
-          </a:bodyPr>
-          <a:lstStyle/>
-          <a:p>
-            <a:r>
-              <a:rPr lang="en-US" sz="3000" noProof="1">
-                <a:latin typeface="Avenir Roman" panose="02000503020000020003" pitchFamily="2" charset="0"/>
-              </a:rPr>
-              <a:t>Performance on the CPT modeled with a modified drift diffusion model. Adult patients with ADHD were tested before onset of medication treatment and after 6 weeks of treatment. Baseline performance did not differ substantially between responders and non-responders on any of the parameters. </a:t>
-            </a:r>
-          </a:p>
-          <a:p>
-            <a:endParaRPr lang="en-US" sz="3000" noProof="1">
-              <a:latin typeface="Avenir Roman" panose="02000503020000020003" pitchFamily="2" charset="0"/>
-            </a:endParaRPr>
-          </a:p>
-          <a:p>
-            <a:r>
-              <a:rPr lang="en-US" sz="3000" b="1" noProof="1">
-                <a:latin typeface="Avenir Roman" panose="02000503020000020003" pitchFamily="2" charset="0"/>
-              </a:rPr>
-              <a:t>Effects of 6 weeks medication treatment:</a:t>
-            </a:r>
-          </a:p>
-          <a:p>
-            <a:pPr marL="342900" indent="-342900">
-              <a:buFont typeface="Arial" panose="020B0604020202020204" pitchFamily="34" charset="0"/>
-              <a:buChar char="•"/>
-            </a:pPr>
-            <a:r>
-              <a:rPr lang="en-US" sz="3000" b="1" noProof="1">
-                <a:latin typeface="Avenir Roman" panose="02000503020000020003" pitchFamily="2" charset="0"/>
-              </a:rPr>
-              <a:t>Drift rate (v) improved more for responders than non-responders.</a:t>
-            </a:r>
-          </a:p>
-          <a:p>
-            <a:pPr marL="342900" indent="-342900">
-              <a:buFont typeface="Arial" panose="020B0604020202020204" pitchFamily="34" charset="0"/>
-              <a:buChar char="•"/>
-            </a:pPr>
-            <a:r>
-              <a:rPr lang="en-US" sz="3000" b="1" noProof="1">
-                <a:latin typeface="Avenir Roman" panose="02000503020000020003" pitchFamily="2" charset="0"/>
-              </a:rPr>
-              <a:t>Decision threshold (a) increased more for responders than non-responders.</a:t>
-            </a:r>
-            <a:endParaRPr lang="en-US" sz="3000" noProof="1">
-              <a:latin typeface="Avenir Roman" panose="02000503020000020003" pitchFamily="2" charset="0"/>
-            </a:endParaRPr>
-          </a:p>
-          <a:p>
-            <a:endParaRPr lang="en-US" sz="2400" noProof="1">
-              <a:latin typeface="Avenir Roman" panose="02000503020000020003" pitchFamily="2" charset="0"/>
-            </a:endParaRPr>
-          </a:p>
-        </p:txBody>
-      </p:sp>
-      <p:sp>
-        <p:nvSpPr>
           <p:cNvPr id="1028" name="Rectangle 4"/>
           <p:cNvSpPr>
             <a:spLocks noChangeArrowheads="1"/>
@@ -5017,8 +4652,8 @@
         </p:nvSpPr>
         <p:spPr>
           <a:xfrm>
-            <a:off x="1149732" y="16001702"/>
-            <a:ext cx="19276760" cy="1046785"/>
+            <a:off x="828717" y="17154309"/>
+            <a:ext cx="19276760" cy="1079641"/>
           </a:xfrm>
           <a:prstGeom prst="rect">
             <a:avLst/>
@@ -5036,14 +4671,14 @@
           <a:p>
             <a:pPr algn="ctr"/>
             <a:r>
-              <a:rPr lang="en-US" sz="4000" noProof="1">
+              <a:rPr lang="en-US" sz="4400" noProof="1">
                 <a:solidFill>
                   <a:srgbClr val="000000"/>
                 </a:solidFill>
                 <a:latin typeface="Avenir Heavy"/>
                 <a:cs typeface="Avenir Heavy"/>
               </a:rPr>
-              <a:t>Methods</a:t>
+              <a:t>Question</a:t>
             </a:r>
           </a:p>
         </p:txBody>
@@ -5084,42 +4719,6 @@
           </a:prstGeom>
         </p:spPr>
       </p:pic>
-      <p:pic>
-        <p:nvPicPr>
-          <p:cNvPr id="97" name="Picture 96">
-            <a:extLst>
-              <a:ext uri="{FF2B5EF4-FFF2-40B4-BE49-F238E27FC236}">
-                <a16:creationId xmlns:a16="http://schemas.microsoft.com/office/drawing/2014/main" id="{0D8DD044-3644-4040-9B41-53B05006A6B9}"/>
-              </a:ext>
-            </a:extLst>
-          </p:cNvPr>
-          <p:cNvPicPr>
-            <a:picLocks noChangeAspect="1"/>
-          </p:cNvPicPr>
-          <p:nvPr/>
-        </p:nvPicPr>
-        <p:blipFill>
-          <a:blip r:embed="rId5" cstate="print">
-            <a:extLst>
-              <a:ext uri="{28A0092B-C50C-407E-A947-70E740481C1C}">
-                <a14:useLocalDpi xmlns:a14="http://schemas.microsoft.com/office/drawing/2010/main" val="0"/>
-              </a:ext>
-            </a:extLst>
-          </a:blip>
-          <a:stretch>
-            <a:fillRect/>
-          </a:stretch>
-        </p:blipFill>
-        <p:spPr>
-          <a:xfrm>
-            <a:off x="3632836" y="10286729"/>
-            <a:ext cx="4554002" cy="3310883"/>
-          </a:xfrm>
-          <a:prstGeom prst="rect">
-            <a:avLst/>
-          </a:prstGeom>
-        </p:spPr>
-      </p:pic>
       <p:sp>
         <p:nvSpPr>
           <p:cNvPr id="45" name="Textfeld 44"/>
@@ -5128,8 +4727,8 @@
         </p:nvSpPr>
         <p:spPr>
           <a:xfrm>
-            <a:off x="11450986" y="17225838"/>
-            <a:ext cx="9683989" cy="1938992"/>
+            <a:off x="11721861" y="21590627"/>
+            <a:ext cx="9683989" cy="3647152"/>
           </a:xfrm>
           <a:prstGeom prst="rect">
             <a:avLst/>
@@ -5169,7 +4768,46 @@
               <a:rPr lang="en-US" sz="2400" noProof="1">
                 <a:latin typeface="Avenir Roman" panose="02000503020000020003" pitchFamily="2" charset="0"/>
               </a:rPr>
-              <a:t>207 Participants were recruited via Amazon’s mechanical turk; (127 male; 76 female; 4 declined to answer).  </a:t>
+              <a:t>207 Participants were recruited via Amazon’s mechanical turk; (127 male; 76 female; 4 declined to answer) and were between the age of 18-40.</a:t>
+            </a:r>
+          </a:p>
+          <a:p>
+            <a:pPr>
+              <a:spcAft>
+                <a:spcPts val="600"/>
+              </a:spcAft>
+            </a:pPr>
+            <a:r>
+              <a:rPr lang="en-US" sz="2400" noProof="1">
+                <a:latin typeface="Avenir Roman" panose="02000503020000020003" pitchFamily="2" charset="0"/>
+              </a:rPr>
+              <a:t>Participants underwent 133 trials (~45 minutes) and were given $3 base pay plus whatever they won on a chosen trial (0$ - $4 extra).</a:t>
+            </a:r>
+          </a:p>
+          <a:p>
+            <a:pPr>
+              <a:spcAft>
+                <a:spcPts val="600"/>
+              </a:spcAft>
+            </a:pPr>
+            <a:r>
+              <a:rPr lang="en-US" sz="2400" noProof="1">
+                <a:latin typeface="Avenir Roman" panose="02000503020000020003" pitchFamily="2" charset="0"/>
+              </a:rPr>
+              <a:t>There was the option to gamble on 86.39 % of trials.</a:t>
+            </a:r>
+          </a:p>
+          <a:p>
+            <a:pPr>
+              <a:spcAft>
+                <a:spcPts val="600"/>
+              </a:spcAft>
+            </a:pPr>
+            <a:r>
+              <a:rPr lang="en-US" sz="2400" noProof="1">
+                <a:latin typeface="Avenir Roman" panose="02000503020000020003" pitchFamily="2" charset="0"/>
+              </a:rPr>
+              <a:t>Trials were broken down into low/mid/high value and low/mid/high mag</a:t>
             </a:r>
           </a:p>
           <a:p>
@@ -5199,8 +4837,8 @@
         </p:nvSpPr>
         <p:spPr>
           <a:xfrm>
-            <a:off x="1387626" y="17225838"/>
-            <a:ext cx="9540000" cy="8186857"/>
+            <a:off x="2206980" y="21590627"/>
+            <a:ext cx="9052699" cy="2262158"/>
           </a:xfrm>
           <a:prstGeom prst="rect">
             <a:avLst/>
@@ -5232,12 +4870,9 @@
                 <a:spcPts val="600"/>
               </a:spcAft>
             </a:pPr>
-            <a:r>
-              <a:rPr lang="en-US" sz="2400" noProof="1">
-                <a:latin typeface="Avenir Roman" panose="02000503020000020003" pitchFamily="2" charset="0"/>
-              </a:rPr>
-              <a:t>Patients retrospectively grouped by medication response at one-year endpoint. Performance on CPT compared between groups before medication start and after 6 weeks of medication.</a:t>
-            </a:r>
+            <a:endParaRPr lang="en-US" sz="2400" noProof="1">
+              <a:latin typeface="Avenir Roman" panose="02000503020000020003" pitchFamily="2" charset="0"/>
+            </a:endParaRPr>
           </a:p>
           <a:p>
             <a:pPr>
@@ -5251,132 +4886,6 @@
             </a:endParaRPr>
           </a:p>
           <a:p>
-            <a:pPr>
-              <a:spcAft>
-                <a:spcPts val="600"/>
-              </a:spcAft>
-            </a:pPr>
-            <a:endParaRPr lang="en-US" sz="2400" noProof="1">
-              <a:latin typeface="Avenir Roman" panose="02000503020000020003" pitchFamily="2" charset="0"/>
-              <a:cs typeface="Avenir Light"/>
-            </a:endParaRPr>
-          </a:p>
-          <a:p>
-            <a:pPr>
-              <a:spcAft>
-                <a:spcPts val="600"/>
-              </a:spcAft>
-            </a:pPr>
-            <a:endParaRPr lang="en-US" sz="2400" noProof="1">
-              <a:latin typeface="Avenir Roman" panose="02000503020000020003" pitchFamily="2" charset="0"/>
-              <a:cs typeface="Avenir Light"/>
-            </a:endParaRPr>
-          </a:p>
-          <a:p>
-            <a:pPr>
-              <a:spcAft>
-                <a:spcPts val="600"/>
-              </a:spcAft>
-            </a:pPr>
-            <a:endParaRPr lang="en-US" sz="2400" noProof="1">
-              <a:latin typeface="Avenir Roman" panose="02000503020000020003" pitchFamily="2" charset="0"/>
-              <a:cs typeface="Avenir Light"/>
-            </a:endParaRPr>
-          </a:p>
-          <a:p>
-            <a:pPr>
-              <a:spcAft>
-                <a:spcPts val="600"/>
-              </a:spcAft>
-            </a:pPr>
-            <a:endParaRPr lang="en-US" sz="2400" noProof="1">
-              <a:latin typeface="Avenir Roman" panose="02000503020000020003" pitchFamily="2" charset="0"/>
-              <a:cs typeface="Avenir Light"/>
-            </a:endParaRPr>
-          </a:p>
-          <a:p>
-            <a:pPr>
-              <a:spcAft>
-                <a:spcPts val="600"/>
-              </a:spcAft>
-            </a:pPr>
-            <a:endParaRPr lang="en-US" sz="2400" noProof="1">
-              <a:latin typeface="Avenir Roman" panose="02000503020000020003" pitchFamily="2" charset="0"/>
-              <a:cs typeface="Avenir Light"/>
-            </a:endParaRPr>
-          </a:p>
-          <a:p>
-            <a:pPr>
-              <a:spcAft>
-                <a:spcPts val="600"/>
-              </a:spcAft>
-            </a:pPr>
-            <a:endParaRPr lang="en-US" sz="2400" noProof="1">
-              <a:latin typeface="Avenir Roman" panose="02000503020000020003" pitchFamily="2" charset="0"/>
-              <a:cs typeface="Avenir Light"/>
-            </a:endParaRPr>
-          </a:p>
-          <a:p>
-            <a:pPr>
-              <a:spcAft>
-                <a:spcPts val="600"/>
-              </a:spcAft>
-            </a:pPr>
-            <a:endParaRPr lang="en-US" sz="3000" noProof="1">
-              <a:latin typeface="Avenir Heavy"/>
-              <a:cs typeface="Avenir Heavy"/>
-            </a:endParaRPr>
-          </a:p>
-          <a:p>
-            <a:pPr>
-              <a:spcAft>
-                <a:spcPts val="600"/>
-              </a:spcAft>
-            </a:pPr>
-            <a:endParaRPr lang="en-US" sz="3000" noProof="1">
-              <a:latin typeface="Avenir Heavy"/>
-              <a:cs typeface="Avenir Heavy"/>
-            </a:endParaRPr>
-          </a:p>
-          <a:p>
-            <a:pPr>
-              <a:spcAft>
-                <a:spcPts val="600"/>
-              </a:spcAft>
-            </a:pPr>
-            <a:r>
-              <a:rPr lang="en-US" sz="3000" noProof="1">
-                <a:latin typeface="Avenir Heavy"/>
-                <a:cs typeface="Avenir Heavy"/>
-              </a:rPr>
-              <a:t>Task</a:t>
-            </a:r>
-          </a:p>
-          <a:p>
-            <a:pPr>
-              <a:spcAft>
-                <a:spcPts val="600"/>
-              </a:spcAft>
-            </a:pPr>
-            <a:r>
-              <a:rPr lang="en-US" sz="2400" noProof="1">
-                <a:latin typeface="Avenir Roman" panose="02000503020000020003" pitchFamily="2" charset="0"/>
-              </a:rPr>
-              <a:t>CPT: 360 trials, 90% go-trials, 10% no-go trials. 14 minutes test session. </a:t>
-            </a:r>
-          </a:p>
-          <a:p>
-            <a:pPr>
-              <a:spcAft>
-                <a:spcPts val="600"/>
-              </a:spcAft>
-            </a:pPr>
-            <a:endParaRPr lang="en-US" sz="2400" noProof="1">
-              <a:latin typeface="Avenir Roman" panose="02000503020000020003" pitchFamily="2" charset="0"/>
-              <a:cs typeface="Avenir Light"/>
-            </a:endParaRPr>
-          </a:p>
-          <a:p>
             <a:pPr marL="457200" indent="-457200">
               <a:buFont typeface="Arial"/>
               <a:buChar char="•"/>
@@ -5394,77 +4903,6 @@
           </a:p>
         </p:txBody>
       </p:sp>
-      <p:pic>
-        <p:nvPicPr>
-          <p:cNvPr id="102" name="Picture 101">
-            <a:extLst>
-              <a:ext uri="{FF2B5EF4-FFF2-40B4-BE49-F238E27FC236}">
-                <a16:creationId xmlns:a16="http://schemas.microsoft.com/office/drawing/2014/main" id="{636657B6-E080-E94F-BFA6-D8841103586F}"/>
-              </a:ext>
-            </a:extLst>
-          </p:cNvPr>
-          <p:cNvPicPr>
-            <a:picLocks noChangeAspect="1"/>
-          </p:cNvPicPr>
-          <p:nvPr/>
-        </p:nvPicPr>
-        <p:blipFill rotWithShape="1">
-          <a:blip r:embed="rId6">
-            <a:extLst>
-              <a:ext uri="{28A0092B-C50C-407E-A947-70E740481C1C}">
-                <a14:useLocalDpi xmlns:a14="http://schemas.microsoft.com/office/drawing/2010/main" val="0"/>
-              </a:ext>
-            </a:extLst>
-          </a:blip>
-          <a:srcRect b="48845"/>
-          <a:stretch/>
-        </p:blipFill>
-        <p:spPr>
-          <a:xfrm>
-            <a:off x="22413962" y="10307557"/>
-            <a:ext cx="10684886" cy="6073200"/>
-          </a:xfrm>
-          <a:prstGeom prst="rect">
-            <a:avLst/>
-          </a:prstGeom>
-        </p:spPr>
-      </p:pic>
-      <p:pic>
-        <p:nvPicPr>
-          <p:cNvPr id="75" name="Picture 74">
-            <a:extLst>
-              <a:ext uri="{FF2B5EF4-FFF2-40B4-BE49-F238E27FC236}">
-                <a16:creationId xmlns:a16="http://schemas.microsoft.com/office/drawing/2014/main" id="{4254B7C7-8049-0D43-B17B-FF9940D5448E}"/>
-              </a:ext>
-            </a:extLst>
-          </p:cNvPr>
-          <p:cNvPicPr>
-            <a:picLocks noChangeAspect="1"/>
-          </p:cNvPicPr>
-          <p:nvPr/>
-        </p:nvPicPr>
-        <p:blipFill>
-          <a:blip r:embed="rId7" cstate="print">
-            <a:extLst>
-              <a:ext uri="{28A0092B-C50C-407E-A947-70E740481C1C}">
-                <a14:useLocalDpi xmlns:a14="http://schemas.microsoft.com/office/drawing/2010/main" val="0"/>
-              </a:ext>
-            </a:extLst>
-          </a:blip>
-          <a:stretch>
-            <a:fillRect/>
-          </a:stretch>
-        </p:blipFill>
-        <p:spPr>
-          <a:xfrm>
-            <a:off x="2585890" y="24559271"/>
-            <a:ext cx="6578600" cy="3187700"/>
-          </a:xfrm>
-          <a:prstGeom prst="rect">
-            <a:avLst/>
-          </a:prstGeom>
-        </p:spPr>
-      </p:pic>
       <p:sp>
         <p:nvSpPr>
           <p:cNvPr id="104" name="Rectangle 103">
@@ -5878,7 +5316,7 @@
           <p:nvPr/>
         </p:nvPicPr>
         <p:blipFill>
-          <a:blip r:embed="rId8"/>
+          <a:blip r:embed="rId5"/>
           <a:stretch>
             <a:fillRect/>
           </a:stretch>
@@ -5891,39 +5329,6 @@
           <a:prstGeom prst="rect">
             <a:avLst/>
           </a:prstGeom>
-        </p:spPr>
-      </p:pic>
-      <p:pic>
-        <p:nvPicPr>
-          <p:cNvPr id="137" name="Shape 137" descr="pipeline_levels.pdf">
-            <a:extLst>
-              <a:ext uri="{FF2B5EF4-FFF2-40B4-BE49-F238E27FC236}">
-                <a16:creationId xmlns:a16="http://schemas.microsoft.com/office/drawing/2014/main" id="{DCF9B731-3156-1245-9632-6254918188E4}"/>
-              </a:ext>
-            </a:extLst>
-          </p:cNvPr>
-          <p:cNvPicPr preferRelativeResize="0"/>
-          <p:nvPr/>
-        </p:nvPicPr>
-        <p:blipFill rotWithShape="1">
-          <a:blip r:embed="rId9">
-            <a:alphaModFix/>
-          </a:blip>
-          <a:srcRect/>
-          <a:stretch/>
-        </p:blipFill>
-        <p:spPr>
-          <a:xfrm>
-            <a:off x="10327738" y="10886330"/>
-            <a:ext cx="8877900" cy="2294400"/>
-          </a:xfrm>
-          <a:prstGeom prst="rect">
-            <a:avLst/>
-          </a:prstGeom>
-          <a:noFill/>
-          <a:ln>
-            <a:noFill/>
-          </a:ln>
         </p:spPr>
       </p:pic>
       <p:sp>
@@ -5940,7 +5345,7 @@
         </p:nvSpPr>
         <p:spPr>
           <a:xfrm>
-            <a:off x="1703924" y="10286729"/>
+            <a:off x="2250455" y="11334526"/>
             <a:ext cx="407484" cy="461665"/>
           </a:xfrm>
           <a:prstGeom prst="rect">
@@ -5977,7 +5382,7 @@
         </p:nvSpPr>
         <p:spPr>
           <a:xfrm>
-            <a:off x="9969879" y="10309124"/>
+            <a:off x="8350886" y="11334526"/>
             <a:ext cx="407484" cy="461665"/>
           </a:xfrm>
           <a:prstGeom prst="rect">
@@ -6014,7 +5419,7 @@
         </p:nvSpPr>
         <p:spPr>
           <a:xfrm>
-            <a:off x="22428642" y="9674387"/>
+            <a:off x="22687640" y="6161911"/>
             <a:ext cx="407484" cy="461665"/>
           </a:xfrm>
           <a:prstGeom prst="rect">
@@ -6153,77 +5558,6 @@
           </a:p>
         </p:txBody>
       </p:sp>
-      <p:pic>
-        <p:nvPicPr>
-          <p:cNvPr id="160" name="Picture 159">
-            <a:extLst>
-              <a:ext uri="{FF2B5EF4-FFF2-40B4-BE49-F238E27FC236}">
-                <a16:creationId xmlns:a16="http://schemas.microsoft.com/office/drawing/2014/main" id="{DFB0268F-8009-4B45-BFCB-2B60EEA841FB}"/>
-              </a:ext>
-            </a:extLst>
-          </p:cNvPr>
-          <p:cNvPicPr>
-            <a:picLocks noChangeAspect="1"/>
-          </p:cNvPicPr>
-          <p:nvPr/>
-        </p:nvPicPr>
-        <p:blipFill>
-          <a:blip r:embed="rId10">
-            <a:extLst>
-              <a:ext uri="{28A0092B-C50C-407E-A947-70E740481C1C}">
-                <a14:useLocalDpi xmlns:a14="http://schemas.microsoft.com/office/drawing/2010/main" val="0"/>
-              </a:ext>
-            </a:extLst>
-          </a:blip>
-          <a:stretch>
-            <a:fillRect/>
-          </a:stretch>
-        </p:blipFill>
-        <p:spPr>
-          <a:xfrm>
-            <a:off x="33677716" y="10691333"/>
-            <a:ext cx="7822215" cy="5688884"/>
-          </a:xfrm>
-          <a:prstGeom prst="rect">
-            <a:avLst/>
-          </a:prstGeom>
-        </p:spPr>
-      </p:pic>
-      <p:pic>
-        <p:nvPicPr>
-          <p:cNvPr id="166" name="Picture 165">
-            <a:extLst>
-              <a:ext uri="{FF2B5EF4-FFF2-40B4-BE49-F238E27FC236}">
-                <a16:creationId xmlns:a16="http://schemas.microsoft.com/office/drawing/2014/main" id="{CB7189FD-E91D-934A-8FFF-6F2E9D865EB7}"/>
-              </a:ext>
-            </a:extLst>
-          </p:cNvPr>
-          <p:cNvPicPr>
-            <a:picLocks noChangeAspect="1"/>
-          </p:cNvPicPr>
-          <p:nvPr/>
-        </p:nvPicPr>
-        <p:blipFill rotWithShape="1">
-          <a:blip r:embed="rId11">
-            <a:extLst>
-              <a:ext uri="{28A0092B-C50C-407E-A947-70E740481C1C}">
-                <a14:useLocalDpi xmlns:a14="http://schemas.microsoft.com/office/drawing/2010/main" val="0"/>
-              </a:ext>
-            </a:extLst>
-          </a:blip>
-          <a:srcRect t="18571" b="5829"/>
-          <a:stretch/>
-        </p:blipFill>
-        <p:spPr>
-          <a:xfrm>
-            <a:off x="2216703" y="19112233"/>
-            <a:ext cx="6947787" cy="3939341"/>
-          </a:xfrm>
-          <a:prstGeom prst="rect">
-            <a:avLst/>
-          </a:prstGeom>
-        </p:spPr>
-      </p:pic>
       <p:sp>
         <p:nvSpPr>
           <p:cNvPr id="167" name="Rectangle 166">
@@ -6330,43 +5664,6 @@
       </p:sp>
       <p:sp>
         <p:nvSpPr>
-          <p:cNvPr id="170" name="TextBox 169">
-            <a:extLst>
-              <a:ext uri="{FF2B5EF4-FFF2-40B4-BE49-F238E27FC236}">
-                <a16:creationId xmlns:a16="http://schemas.microsoft.com/office/drawing/2014/main" id="{1384C7FE-2473-1C47-A459-313020AB7C4B}"/>
-              </a:ext>
-            </a:extLst>
-          </p:cNvPr>
-          <p:cNvSpPr txBox="1"/>
-          <p:nvPr/>
-        </p:nvSpPr>
-        <p:spPr>
-          <a:xfrm>
-            <a:off x="23095124" y="10250598"/>
-            <a:ext cx="1293944" cy="400110"/>
-          </a:xfrm>
-          <a:prstGeom prst="rect">
-            <a:avLst/>
-          </a:prstGeom>
-          <a:noFill/>
-        </p:spPr>
-        <p:txBody>
-          <a:bodyPr wrap="none" rtlCol="0">
-            <a:spAutoFit/>
-          </a:bodyPr>
-          <a:lstStyle/>
-          <a:p>
-            <a:r>
-              <a:rPr lang="en-US" sz="2000" b="1" dirty="0">
-                <a:latin typeface="Avenir Roman" panose="02000503020000020003" pitchFamily="2" charset="0"/>
-              </a:rPr>
-              <a:t>Drift rate</a:t>
-            </a:r>
-          </a:p>
-        </p:txBody>
-      </p:sp>
-      <p:sp>
-        <p:nvSpPr>
           <p:cNvPr id="172" name="Rectangle 171">
             <a:extLst>
               <a:ext uri="{FF2B5EF4-FFF2-40B4-BE49-F238E27FC236}">
@@ -6506,7 +5803,7 @@
           <p:nvPr/>
         </p:nvPicPr>
         <p:blipFill>
-          <a:blip r:embed="rId12" cstate="print">
+          <a:blip r:embed="rId6" cstate="print">
             <a:extLst>
               <a:ext uri="{28A0092B-C50C-407E-A947-70E740481C1C}">
                 <a14:useLocalDpi xmlns:a14="http://schemas.microsoft.com/office/drawing/2010/main" val="0"/>
@@ -6521,6 +5818,1106 @@
           <a:xfrm>
             <a:off x="34768476" y="1447417"/>
             <a:ext cx="4679380" cy="1643193"/>
+          </a:xfrm>
+          <a:prstGeom prst="rect">
+            <a:avLst/>
+          </a:prstGeom>
+        </p:spPr>
+      </p:pic>
+      <p:pic>
+        <p:nvPicPr>
+          <p:cNvPr id="3" name="Picture 2">
+            <a:extLst>
+              <a:ext uri="{FF2B5EF4-FFF2-40B4-BE49-F238E27FC236}">
+                <a16:creationId xmlns:a16="http://schemas.microsoft.com/office/drawing/2014/main" id="{48403E6E-102D-4D9F-82FF-4E086E89CCAA}"/>
+              </a:ext>
+            </a:extLst>
+          </p:cNvPr>
+          <p:cNvPicPr>
+            <a:picLocks noChangeAspect="1"/>
+          </p:cNvPicPr>
+          <p:nvPr/>
+        </p:nvPicPr>
+        <p:blipFill>
+          <a:blip r:embed="rId7"/>
+          <a:stretch>
+            <a:fillRect/>
+          </a:stretch>
+        </p:blipFill>
+        <p:spPr>
+          <a:xfrm>
+            <a:off x="9309664" y="12334898"/>
+            <a:ext cx="2245601" cy="3611432"/>
+          </a:xfrm>
+          <a:prstGeom prst="rect">
+            <a:avLst/>
+          </a:prstGeom>
+        </p:spPr>
+      </p:pic>
+      <p:sp>
+        <p:nvSpPr>
+          <p:cNvPr id="42" name="TextBox 41">
+            <a:extLst>
+              <a:ext uri="{FF2B5EF4-FFF2-40B4-BE49-F238E27FC236}">
+                <a16:creationId xmlns:a16="http://schemas.microsoft.com/office/drawing/2014/main" id="{DFDF3AFD-AAF1-4F27-8A78-45F62D1D581D}"/>
+              </a:ext>
+            </a:extLst>
+          </p:cNvPr>
+          <p:cNvSpPr txBox="1"/>
+          <p:nvPr/>
+        </p:nvSpPr>
+        <p:spPr>
+          <a:xfrm>
+            <a:off x="12967499" y="11349938"/>
+            <a:ext cx="407484" cy="461665"/>
+          </a:xfrm>
+          <a:prstGeom prst="rect">
+            <a:avLst/>
+          </a:prstGeom>
+          <a:noFill/>
+        </p:spPr>
+        <p:txBody>
+          <a:bodyPr wrap="square" rtlCol="0">
+            <a:spAutoFit/>
+          </a:bodyPr>
+          <a:lstStyle/>
+          <a:p>
+            <a:r>
+              <a:rPr lang="en-US" sz="2400" b="1" dirty="0">
+                <a:latin typeface="Avenir Roman" panose="02000503020000020003" pitchFamily="2" charset="0"/>
+              </a:rPr>
+              <a:t>C</a:t>
+            </a:r>
+          </a:p>
+        </p:txBody>
+      </p:sp>
+      <p:pic>
+        <p:nvPicPr>
+          <p:cNvPr id="6" name="Picture 5">
+            <a:extLst>
+              <a:ext uri="{FF2B5EF4-FFF2-40B4-BE49-F238E27FC236}">
+                <a16:creationId xmlns:a16="http://schemas.microsoft.com/office/drawing/2014/main" id="{1CA746C1-4ABB-453B-AED2-77A0351E9D88}"/>
+              </a:ext>
+            </a:extLst>
+          </p:cNvPr>
+          <p:cNvPicPr>
+            <a:picLocks noChangeAspect="1"/>
+          </p:cNvPicPr>
+          <p:nvPr/>
+        </p:nvPicPr>
+        <p:blipFill>
+          <a:blip r:embed="rId8"/>
+          <a:stretch>
+            <a:fillRect/>
+          </a:stretch>
+        </p:blipFill>
+        <p:spPr>
+          <a:xfrm>
+            <a:off x="13068793" y="12334898"/>
+            <a:ext cx="5394725" cy="3013177"/>
+          </a:xfrm>
+          <a:prstGeom prst="rect">
+            <a:avLst/>
+          </a:prstGeom>
+        </p:spPr>
+      </p:pic>
+      <p:sp>
+        <p:nvSpPr>
+          <p:cNvPr id="44" name="Rectangle 43">
+            <a:extLst>
+              <a:ext uri="{FF2B5EF4-FFF2-40B4-BE49-F238E27FC236}">
+                <a16:creationId xmlns:a16="http://schemas.microsoft.com/office/drawing/2014/main" id="{6468B8EB-E44C-4611-BEEA-A19E64F2AC9D}"/>
+              </a:ext>
+            </a:extLst>
+          </p:cNvPr>
+          <p:cNvSpPr/>
+          <p:nvPr/>
+        </p:nvSpPr>
+        <p:spPr>
+          <a:xfrm>
+            <a:off x="12967499" y="15826219"/>
+            <a:ext cx="6236677" cy="553998"/>
+          </a:xfrm>
+          <a:prstGeom prst="rect">
+            <a:avLst/>
+          </a:prstGeom>
+        </p:spPr>
+        <p:txBody>
+          <a:bodyPr wrap="square">
+            <a:spAutoFit/>
+          </a:bodyPr>
+          <a:lstStyle/>
+          <a:p>
+            <a:r>
+              <a:rPr lang="en-US" sz="1000" dirty="0">
+                <a:latin typeface="Arial" panose="020B0604020202020204" pitchFamily="34" charset="0"/>
+                <a:cs typeface="Arial" panose="020B0604020202020204" pitchFamily="34" charset="0"/>
+              </a:rPr>
+              <a:t>Adapted from Hamid, A. A., Pettibone, J. R., </a:t>
+            </a:r>
+            <a:r>
+              <a:rPr lang="en-US" sz="1000" dirty="0" err="1">
+                <a:latin typeface="Arial" panose="020B0604020202020204" pitchFamily="34" charset="0"/>
+                <a:cs typeface="Arial" panose="020B0604020202020204" pitchFamily="34" charset="0"/>
+              </a:rPr>
+              <a:t>Mabrouk</a:t>
+            </a:r>
+            <a:r>
+              <a:rPr lang="en-US" sz="1000" dirty="0">
+                <a:latin typeface="Arial" panose="020B0604020202020204" pitchFamily="34" charset="0"/>
+                <a:cs typeface="Arial" panose="020B0604020202020204" pitchFamily="34" charset="0"/>
+              </a:rPr>
+              <a:t>, O. S., Hetrick, V. L., Schmidt, R., Vander </a:t>
+            </a:r>
+            <a:r>
+              <a:rPr lang="en-US" sz="1000" dirty="0" err="1">
+                <a:latin typeface="Arial" panose="020B0604020202020204" pitchFamily="34" charset="0"/>
+                <a:cs typeface="Arial" panose="020B0604020202020204" pitchFamily="34" charset="0"/>
+              </a:rPr>
+              <a:t>Weele</a:t>
+            </a:r>
+            <a:r>
+              <a:rPr lang="en-US" sz="1000" dirty="0">
+                <a:latin typeface="Arial" panose="020B0604020202020204" pitchFamily="34" charset="0"/>
+                <a:cs typeface="Arial" panose="020B0604020202020204" pitchFamily="34" charset="0"/>
+              </a:rPr>
+              <a:t>, C. M., ... &amp; </a:t>
+            </a:r>
+            <a:r>
+              <a:rPr lang="en-US" sz="1000" dirty="0" err="1">
+                <a:latin typeface="Arial" panose="020B0604020202020204" pitchFamily="34" charset="0"/>
+                <a:cs typeface="Arial" panose="020B0604020202020204" pitchFamily="34" charset="0"/>
+              </a:rPr>
+              <a:t>Berke</a:t>
+            </a:r>
+            <a:endParaRPr lang="en-US" sz="1000" dirty="0">
+              <a:latin typeface="Arial" panose="020B0604020202020204" pitchFamily="34" charset="0"/>
+              <a:cs typeface="Arial" panose="020B0604020202020204" pitchFamily="34" charset="0"/>
+            </a:endParaRPr>
+          </a:p>
+          <a:p>
+            <a:r>
+              <a:rPr lang="en-US" sz="1000" dirty="0">
+                <a:latin typeface="Arial" panose="020B0604020202020204" pitchFamily="34" charset="0"/>
+                <a:cs typeface="Arial" panose="020B0604020202020204" pitchFamily="34" charset="0"/>
+              </a:rPr>
+              <a:t>, J. D. (2016). Mesolimbic dopamine signals the value of work. </a:t>
+            </a:r>
+            <a:r>
+              <a:rPr lang="en-US" sz="1000" i="1" dirty="0">
+                <a:latin typeface="Arial" panose="020B0604020202020204" pitchFamily="34" charset="0"/>
+                <a:cs typeface="Arial" panose="020B0604020202020204" pitchFamily="34" charset="0"/>
+              </a:rPr>
+              <a:t>Nature neuroscience</a:t>
+            </a:r>
+            <a:r>
+              <a:rPr lang="en-US" sz="1000" dirty="0">
+                <a:latin typeface="Arial" panose="020B0604020202020204" pitchFamily="34" charset="0"/>
+                <a:cs typeface="Arial" panose="020B0604020202020204" pitchFamily="34" charset="0"/>
+              </a:rPr>
+              <a:t>, </a:t>
+            </a:r>
+            <a:r>
+              <a:rPr lang="en-US" sz="1000" i="1" dirty="0">
+                <a:latin typeface="Arial" panose="020B0604020202020204" pitchFamily="34" charset="0"/>
+                <a:cs typeface="Arial" panose="020B0604020202020204" pitchFamily="34" charset="0"/>
+              </a:rPr>
+              <a:t>19</a:t>
+            </a:r>
+            <a:r>
+              <a:rPr lang="en-US" sz="1000" dirty="0">
+                <a:latin typeface="Arial" panose="020B0604020202020204" pitchFamily="34" charset="0"/>
+                <a:cs typeface="Arial" panose="020B0604020202020204" pitchFamily="34" charset="0"/>
+              </a:rPr>
+              <a:t>(1), 117.</a:t>
+            </a:r>
+            <a:endParaRPr lang="en-US" sz="600" dirty="0">
+              <a:latin typeface="Arial" panose="020B0604020202020204" pitchFamily="34" charset="0"/>
+              <a:cs typeface="Arial" panose="020B0604020202020204" pitchFamily="34" charset="0"/>
+            </a:endParaRPr>
+          </a:p>
+        </p:txBody>
+      </p:sp>
+      <p:pic>
+        <p:nvPicPr>
+          <p:cNvPr id="7" name="Picture 6">
+            <a:extLst>
+              <a:ext uri="{FF2B5EF4-FFF2-40B4-BE49-F238E27FC236}">
+                <a16:creationId xmlns:a16="http://schemas.microsoft.com/office/drawing/2014/main" id="{2C8DB4F9-A0CB-43CA-A802-CD00291CBC98}"/>
+              </a:ext>
+            </a:extLst>
+          </p:cNvPr>
+          <p:cNvPicPr>
+            <a:picLocks noChangeAspect="1"/>
+          </p:cNvPicPr>
+          <p:nvPr/>
+        </p:nvPicPr>
+        <p:blipFill>
+          <a:blip r:embed="rId9"/>
+          <a:stretch>
+            <a:fillRect/>
+          </a:stretch>
+        </p:blipFill>
+        <p:spPr>
+          <a:xfrm>
+            <a:off x="2684597" y="11504529"/>
+            <a:ext cx="4419600" cy="2495550"/>
+          </a:xfrm>
+          <a:prstGeom prst="rect">
+            <a:avLst/>
+          </a:prstGeom>
+        </p:spPr>
+      </p:pic>
+      <p:pic>
+        <p:nvPicPr>
+          <p:cNvPr id="8" name="Picture 7">
+            <a:extLst>
+              <a:ext uri="{FF2B5EF4-FFF2-40B4-BE49-F238E27FC236}">
+                <a16:creationId xmlns:a16="http://schemas.microsoft.com/office/drawing/2014/main" id="{F773136E-22FD-430D-92BC-89B9CAC023AE}"/>
+              </a:ext>
+            </a:extLst>
+          </p:cNvPr>
+          <p:cNvPicPr>
+            <a:picLocks noChangeAspect="1"/>
+          </p:cNvPicPr>
+          <p:nvPr/>
+        </p:nvPicPr>
+        <p:blipFill>
+          <a:blip r:embed="rId10"/>
+          <a:stretch>
+            <a:fillRect/>
+          </a:stretch>
+        </p:blipFill>
+        <p:spPr>
+          <a:xfrm>
+            <a:off x="2819372" y="14062200"/>
+            <a:ext cx="4352925" cy="2571750"/>
+          </a:xfrm>
+          <a:prstGeom prst="rect">
+            <a:avLst/>
+          </a:prstGeom>
+        </p:spPr>
+      </p:pic>
+      <p:pic>
+        <p:nvPicPr>
+          <p:cNvPr id="47" name="Picture 46">
+            <a:extLst>
+              <a:ext uri="{FF2B5EF4-FFF2-40B4-BE49-F238E27FC236}">
+                <a16:creationId xmlns:a16="http://schemas.microsoft.com/office/drawing/2014/main" id="{3A8A40A0-F1DC-41ED-ABDA-5B566EAB6CDC}"/>
+              </a:ext>
+            </a:extLst>
+          </p:cNvPr>
+          <p:cNvPicPr>
+            <a:picLocks noChangeAspect="1"/>
+          </p:cNvPicPr>
+          <p:nvPr/>
+        </p:nvPicPr>
+        <p:blipFill>
+          <a:blip r:embed="rId11"/>
+          <a:stretch>
+            <a:fillRect/>
+          </a:stretch>
+        </p:blipFill>
+        <p:spPr>
+          <a:xfrm>
+            <a:off x="4502724" y="27102750"/>
+            <a:ext cx="1280686" cy="798001"/>
+          </a:xfrm>
+          <a:prstGeom prst="rect">
+            <a:avLst/>
+          </a:prstGeom>
+        </p:spPr>
+      </p:pic>
+      <p:pic>
+        <p:nvPicPr>
+          <p:cNvPr id="49" name="Picture 48">
+            <a:extLst>
+              <a:ext uri="{FF2B5EF4-FFF2-40B4-BE49-F238E27FC236}">
+                <a16:creationId xmlns:a16="http://schemas.microsoft.com/office/drawing/2014/main" id="{D805674C-87EF-407E-9655-61EBDE023E8A}"/>
+              </a:ext>
+            </a:extLst>
+          </p:cNvPr>
+          <p:cNvPicPr>
+            <a:picLocks noChangeAspect="1"/>
+          </p:cNvPicPr>
+          <p:nvPr/>
+        </p:nvPicPr>
+        <p:blipFill>
+          <a:blip r:embed="rId12"/>
+          <a:stretch>
+            <a:fillRect/>
+          </a:stretch>
+        </p:blipFill>
+        <p:spPr>
+          <a:xfrm>
+            <a:off x="4137199" y="22757280"/>
+            <a:ext cx="2000323" cy="1276567"/>
+          </a:xfrm>
+          <a:prstGeom prst="rect">
+            <a:avLst/>
+          </a:prstGeom>
+        </p:spPr>
+      </p:pic>
+      <p:pic>
+        <p:nvPicPr>
+          <p:cNvPr id="50" name="Picture 49">
+            <a:extLst>
+              <a:ext uri="{FF2B5EF4-FFF2-40B4-BE49-F238E27FC236}">
+                <a16:creationId xmlns:a16="http://schemas.microsoft.com/office/drawing/2014/main" id="{0E0A66A5-B6FF-4021-A76A-E5271E4F7F1B}"/>
+              </a:ext>
+            </a:extLst>
+          </p:cNvPr>
+          <p:cNvPicPr>
+            <a:picLocks noChangeAspect="1"/>
+          </p:cNvPicPr>
+          <p:nvPr/>
+        </p:nvPicPr>
+        <p:blipFill>
+          <a:blip r:embed="rId13"/>
+          <a:stretch>
+            <a:fillRect/>
+          </a:stretch>
+        </p:blipFill>
+        <p:spPr>
+          <a:xfrm>
+            <a:off x="3990703" y="24189906"/>
+            <a:ext cx="2229285" cy="1520984"/>
+          </a:xfrm>
+          <a:prstGeom prst="rect">
+            <a:avLst/>
+          </a:prstGeom>
+        </p:spPr>
+      </p:pic>
+      <p:pic>
+        <p:nvPicPr>
+          <p:cNvPr id="51" name="Picture 50">
+            <a:extLst>
+              <a:ext uri="{FF2B5EF4-FFF2-40B4-BE49-F238E27FC236}">
+                <a16:creationId xmlns:a16="http://schemas.microsoft.com/office/drawing/2014/main" id="{086F6B7E-0303-4E25-B41F-F3DF8F03E697}"/>
+              </a:ext>
+            </a:extLst>
+          </p:cNvPr>
+          <p:cNvPicPr>
+            <a:picLocks noChangeAspect="1"/>
+          </p:cNvPicPr>
+          <p:nvPr/>
+        </p:nvPicPr>
+        <p:blipFill>
+          <a:blip r:embed="rId14"/>
+          <a:stretch>
+            <a:fillRect/>
+          </a:stretch>
+        </p:blipFill>
+        <p:spPr>
+          <a:xfrm>
+            <a:off x="4452164" y="25727668"/>
+            <a:ext cx="1331246" cy="968179"/>
+          </a:xfrm>
+          <a:prstGeom prst="rect">
+            <a:avLst/>
+          </a:prstGeom>
+        </p:spPr>
+      </p:pic>
+      <p:pic>
+        <p:nvPicPr>
+          <p:cNvPr id="52" name="Picture 51">
+            <a:extLst>
+              <a:ext uri="{FF2B5EF4-FFF2-40B4-BE49-F238E27FC236}">
+                <a16:creationId xmlns:a16="http://schemas.microsoft.com/office/drawing/2014/main" id="{96E3C8F3-7FFF-4B06-8ECE-28D6109C8461}"/>
+              </a:ext>
+            </a:extLst>
+          </p:cNvPr>
+          <p:cNvPicPr>
+            <a:picLocks noChangeAspect="1"/>
+          </p:cNvPicPr>
+          <p:nvPr/>
+        </p:nvPicPr>
+        <p:blipFill>
+          <a:blip r:embed="rId15"/>
+          <a:stretch>
+            <a:fillRect/>
+          </a:stretch>
+        </p:blipFill>
+        <p:spPr>
+          <a:xfrm>
+            <a:off x="6134403" y="28263011"/>
+            <a:ext cx="1708230" cy="1241665"/>
+          </a:xfrm>
+          <a:prstGeom prst="rect">
+            <a:avLst/>
+          </a:prstGeom>
+        </p:spPr>
+      </p:pic>
+      <p:pic>
+        <p:nvPicPr>
+          <p:cNvPr id="54" name="Picture 53">
+            <a:extLst>
+              <a:ext uri="{FF2B5EF4-FFF2-40B4-BE49-F238E27FC236}">
+                <a16:creationId xmlns:a16="http://schemas.microsoft.com/office/drawing/2014/main" id="{2858241D-9298-4347-954F-B5CEBE377C9B}"/>
+              </a:ext>
+            </a:extLst>
+          </p:cNvPr>
+          <p:cNvPicPr>
+            <a:picLocks noChangeAspect="1"/>
+          </p:cNvPicPr>
+          <p:nvPr/>
+        </p:nvPicPr>
+        <p:blipFill>
+          <a:blip r:embed="rId16"/>
+          <a:stretch>
+            <a:fillRect/>
+          </a:stretch>
+        </p:blipFill>
+        <p:spPr>
+          <a:xfrm>
+            <a:off x="2523881" y="28281970"/>
+            <a:ext cx="1613318" cy="1028212"/>
+          </a:xfrm>
+          <a:prstGeom prst="rect">
+            <a:avLst/>
+          </a:prstGeom>
+        </p:spPr>
+      </p:pic>
+      <p:sp>
+        <p:nvSpPr>
+          <p:cNvPr id="57" name="Rectangle 56">
+            <a:extLst>
+              <a:ext uri="{FF2B5EF4-FFF2-40B4-BE49-F238E27FC236}">
+                <a16:creationId xmlns:a16="http://schemas.microsoft.com/office/drawing/2014/main" id="{BD2F5DB4-7F23-40B4-B0A1-CBF2044FCA38}"/>
+              </a:ext>
+            </a:extLst>
+          </p:cNvPr>
+          <p:cNvSpPr/>
+          <p:nvPr/>
+        </p:nvSpPr>
+        <p:spPr>
+          <a:xfrm>
+            <a:off x="4361380" y="27002013"/>
+            <a:ext cx="1501629" cy="968179"/>
+          </a:xfrm>
+          <a:prstGeom prst="rect">
+            <a:avLst/>
+          </a:prstGeom>
+          <a:noFill/>
+        </p:spPr>
+        <p:style>
+          <a:lnRef idx="2">
+            <a:schemeClr val="dk1"/>
+          </a:lnRef>
+          <a:fillRef idx="1">
+            <a:schemeClr val="lt1"/>
+          </a:fillRef>
+          <a:effectRef idx="0">
+            <a:schemeClr val="dk1"/>
+          </a:effectRef>
+          <a:fontRef idx="minor">
+            <a:schemeClr val="dk1"/>
+          </a:fontRef>
+        </p:style>
+        <p:txBody>
+          <a:bodyPr rtlCol="0" anchor="ctr"/>
+          <a:lstStyle/>
+          <a:p>
+            <a:pPr algn="ctr"/>
+            <a:endParaRPr lang="en-US"/>
+          </a:p>
+        </p:txBody>
+      </p:sp>
+      <p:sp>
+        <p:nvSpPr>
+          <p:cNvPr id="58" name="Rectangle 57">
+            <a:extLst>
+              <a:ext uri="{FF2B5EF4-FFF2-40B4-BE49-F238E27FC236}">
+                <a16:creationId xmlns:a16="http://schemas.microsoft.com/office/drawing/2014/main" id="{42548168-D14B-466A-9E15-4B5AC00245A9}"/>
+              </a:ext>
+            </a:extLst>
+          </p:cNvPr>
+          <p:cNvSpPr/>
+          <p:nvPr/>
+        </p:nvSpPr>
+        <p:spPr>
+          <a:xfrm>
+            <a:off x="2452611" y="28197660"/>
+            <a:ext cx="1501629" cy="968179"/>
+          </a:xfrm>
+          <a:prstGeom prst="rect">
+            <a:avLst/>
+          </a:prstGeom>
+          <a:noFill/>
+        </p:spPr>
+        <p:style>
+          <a:lnRef idx="2">
+            <a:schemeClr val="dk1"/>
+          </a:lnRef>
+          <a:fillRef idx="1">
+            <a:schemeClr val="lt1"/>
+          </a:fillRef>
+          <a:effectRef idx="0">
+            <a:schemeClr val="dk1"/>
+          </a:effectRef>
+          <a:fontRef idx="minor">
+            <a:schemeClr val="dk1"/>
+          </a:fontRef>
+        </p:style>
+        <p:txBody>
+          <a:bodyPr rtlCol="0" anchor="ctr"/>
+          <a:lstStyle/>
+          <a:p>
+            <a:pPr algn="ctr"/>
+            <a:endParaRPr lang="en-US"/>
+          </a:p>
+        </p:txBody>
+      </p:sp>
+      <p:sp>
+        <p:nvSpPr>
+          <p:cNvPr id="59" name="Rectangle 58">
+            <a:extLst>
+              <a:ext uri="{FF2B5EF4-FFF2-40B4-BE49-F238E27FC236}">
+                <a16:creationId xmlns:a16="http://schemas.microsoft.com/office/drawing/2014/main" id="{EFA18916-58BF-41EF-BDC1-16B912DB3467}"/>
+              </a:ext>
+            </a:extLst>
+          </p:cNvPr>
+          <p:cNvSpPr/>
+          <p:nvPr/>
+        </p:nvSpPr>
+        <p:spPr>
+          <a:xfrm>
+            <a:off x="6237704" y="28209724"/>
+            <a:ext cx="1501629" cy="968179"/>
+          </a:xfrm>
+          <a:prstGeom prst="rect">
+            <a:avLst/>
+          </a:prstGeom>
+          <a:noFill/>
+        </p:spPr>
+        <p:style>
+          <a:lnRef idx="2">
+            <a:schemeClr val="dk1"/>
+          </a:lnRef>
+          <a:fillRef idx="1">
+            <a:schemeClr val="lt1"/>
+          </a:fillRef>
+          <a:effectRef idx="0">
+            <a:schemeClr val="dk1"/>
+          </a:effectRef>
+          <a:fontRef idx="minor">
+            <a:schemeClr val="dk1"/>
+          </a:fontRef>
+        </p:style>
+        <p:txBody>
+          <a:bodyPr rtlCol="0" anchor="ctr"/>
+          <a:lstStyle/>
+          <a:p>
+            <a:pPr algn="ctr"/>
+            <a:endParaRPr lang="en-US"/>
+          </a:p>
+        </p:txBody>
+      </p:sp>
+      <p:sp>
+        <p:nvSpPr>
+          <p:cNvPr id="60" name="Rectangle 59">
+            <a:extLst>
+              <a:ext uri="{FF2B5EF4-FFF2-40B4-BE49-F238E27FC236}">
+                <a16:creationId xmlns:a16="http://schemas.microsoft.com/office/drawing/2014/main" id="{2983FC3C-452F-4F60-BEC7-E5FFD6C46D2F}"/>
+              </a:ext>
+            </a:extLst>
+          </p:cNvPr>
+          <p:cNvSpPr/>
+          <p:nvPr/>
+        </p:nvSpPr>
+        <p:spPr>
+          <a:xfrm>
+            <a:off x="4366972" y="25641449"/>
+            <a:ext cx="1501629" cy="968179"/>
+          </a:xfrm>
+          <a:prstGeom prst="rect">
+            <a:avLst/>
+          </a:prstGeom>
+          <a:noFill/>
+        </p:spPr>
+        <p:style>
+          <a:lnRef idx="2">
+            <a:schemeClr val="dk1"/>
+          </a:lnRef>
+          <a:fillRef idx="1">
+            <a:schemeClr val="lt1"/>
+          </a:fillRef>
+          <a:effectRef idx="0">
+            <a:schemeClr val="dk1"/>
+          </a:effectRef>
+          <a:fontRef idx="minor">
+            <a:schemeClr val="dk1"/>
+          </a:fontRef>
+        </p:style>
+        <p:txBody>
+          <a:bodyPr rtlCol="0" anchor="ctr"/>
+          <a:lstStyle/>
+          <a:p>
+            <a:pPr algn="ctr"/>
+            <a:endParaRPr lang="en-US"/>
+          </a:p>
+        </p:txBody>
+      </p:sp>
+      <p:sp>
+        <p:nvSpPr>
+          <p:cNvPr id="61" name="Rectangle 60">
+            <a:extLst>
+              <a:ext uri="{FF2B5EF4-FFF2-40B4-BE49-F238E27FC236}">
+                <a16:creationId xmlns:a16="http://schemas.microsoft.com/office/drawing/2014/main" id="{EDECE0DC-282C-45F8-9FF2-2D4BAC31ACC2}"/>
+              </a:ext>
+            </a:extLst>
+          </p:cNvPr>
+          <p:cNvSpPr/>
+          <p:nvPr/>
+        </p:nvSpPr>
+        <p:spPr>
+          <a:xfrm>
+            <a:off x="4361379" y="24270569"/>
+            <a:ext cx="1501629" cy="968179"/>
+          </a:xfrm>
+          <a:prstGeom prst="rect">
+            <a:avLst/>
+          </a:prstGeom>
+          <a:noFill/>
+        </p:spPr>
+        <p:style>
+          <a:lnRef idx="2">
+            <a:schemeClr val="dk1"/>
+          </a:lnRef>
+          <a:fillRef idx="1">
+            <a:schemeClr val="lt1"/>
+          </a:fillRef>
+          <a:effectRef idx="0">
+            <a:schemeClr val="dk1"/>
+          </a:effectRef>
+          <a:fontRef idx="minor">
+            <a:schemeClr val="dk1"/>
+          </a:fontRef>
+        </p:style>
+        <p:txBody>
+          <a:bodyPr rtlCol="0" anchor="ctr"/>
+          <a:lstStyle/>
+          <a:p>
+            <a:pPr algn="ctr"/>
+            <a:endParaRPr lang="en-US"/>
+          </a:p>
+        </p:txBody>
+      </p:sp>
+      <p:sp>
+        <p:nvSpPr>
+          <p:cNvPr id="62" name="Rectangle 61">
+            <a:extLst>
+              <a:ext uri="{FF2B5EF4-FFF2-40B4-BE49-F238E27FC236}">
+                <a16:creationId xmlns:a16="http://schemas.microsoft.com/office/drawing/2014/main" id="{6A6F06AC-4E05-4843-AF85-8998BB67009B}"/>
+              </a:ext>
+            </a:extLst>
+          </p:cNvPr>
+          <p:cNvSpPr/>
+          <p:nvPr/>
+        </p:nvSpPr>
+        <p:spPr>
+          <a:xfrm>
+            <a:off x="4361380" y="22926551"/>
+            <a:ext cx="1501629" cy="968179"/>
+          </a:xfrm>
+          <a:prstGeom prst="rect">
+            <a:avLst/>
+          </a:prstGeom>
+          <a:noFill/>
+        </p:spPr>
+        <p:style>
+          <a:lnRef idx="2">
+            <a:schemeClr val="dk1"/>
+          </a:lnRef>
+          <a:fillRef idx="1">
+            <a:schemeClr val="lt1"/>
+          </a:fillRef>
+          <a:effectRef idx="0">
+            <a:schemeClr val="dk1"/>
+          </a:effectRef>
+          <a:fontRef idx="minor">
+            <a:schemeClr val="dk1"/>
+          </a:fontRef>
+        </p:style>
+        <p:txBody>
+          <a:bodyPr rtlCol="0" anchor="ctr"/>
+          <a:lstStyle/>
+          <a:p>
+            <a:pPr algn="ctr"/>
+            <a:endParaRPr lang="en-US"/>
+          </a:p>
+        </p:txBody>
+      </p:sp>
+      <p:cxnSp>
+        <p:nvCxnSpPr>
+          <p:cNvPr id="63" name="Straight Arrow Connector 62">
+            <a:extLst>
+              <a:ext uri="{FF2B5EF4-FFF2-40B4-BE49-F238E27FC236}">
+                <a16:creationId xmlns:a16="http://schemas.microsoft.com/office/drawing/2014/main" id="{2ECB481E-173F-43FB-8709-DB6005326FF7}"/>
+              </a:ext>
+            </a:extLst>
+          </p:cNvPr>
+          <p:cNvCxnSpPr>
+            <a:cxnSpLocks/>
+            <a:stCxn id="62" idx="2"/>
+            <a:endCxn id="61" idx="0"/>
+          </p:cNvCxnSpPr>
+          <p:nvPr/>
+        </p:nvCxnSpPr>
+        <p:spPr>
+          <a:xfrm flipH="1">
+            <a:off x="5112194" y="23894730"/>
+            <a:ext cx="1" cy="375839"/>
+          </a:xfrm>
+          <a:prstGeom prst="straightConnector1">
+            <a:avLst/>
+          </a:prstGeom>
+          <a:ln>
+            <a:tailEnd type="triangle"/>
+          </a:ln>
+        </p:spPr>
+        <p:style>
+          <a:lnRef idx="1">
+            <a:schemeClr val="dk1"/>
+          </a:lnRef>
+          <a:fillRef idx="0">
+            <a:schemeClr val="dk1"/>
+          </a:fillRef>
+          <a:effectRef idx="0">
+            <a:schemeClr val="dk1"/>
+          </a:effectRef>
+          <a:fontRef idx="minor">
+            <a:schemeClr val="tx1"/>
+          </a:fontRef>
+        </p:style>
+      </p:cxnSp>
+      <p:cxnSp>
+        <p:nvCxnSpPr>
+          <p:cNvPr id="64" name="Straight Arrow Connector 63">
+            <a:extLst>
+              <a:ext uri="{FF2B5EF4-FFF2-40B4-BE49-F238E27FC236}">
+                <a16:creationId xmlns:a16="http://schemas.microsoft.com/office/drawing/2014/main" id="{912072CB-D060-488D-B3E7-412861BC2C5B}"/>
+              </a:ext>
+            </a:extLst>
+          </p:cNvPr>
+          <p:cNvCxnSpPr>
+            <a:cxnSpLocks/>
+          </p:cNvCxnSpPr>
+          <p:nvPr/>
+        </p:nvCxnSpPr>
+        <p:spPr>
+          <a:xfrm flipH="1">
+            <a:off x="5105345" y="25264271"/>
+            <a:ext cx="1" cy="341011"/>
+          </a:xfrm>
+          <a:prstGeom prst="straightConnector1">
+            <a:avLst/>
+          </a:prstGeom>
+          <a:ln>
+            <a:tailEnd type="triangle"/>
+          </a:ln>
+        </p:spPr>
+        <p:style>
+          <a:lnRef idx="1">
+            <a:schemeClr val="dk1"/>
+          </a:lnRef>
+          <a:fillRef idx="0">
+            <a:schemeClr val="dk1"/>
+          </a:fillRef>
+          <a:effectRef idx="0">
+            <a:schemeClr val="dk1"/>
+          </a:effectRef>
+          <a:fontRef idx="minor">
+            <a:schemeClr val="tx1"/>
+          </a:fontRef>
+        </p:style>
+      </p:cxnSp>
+      <p:cxnSp>
+        <p:nvCxnSpPr>
+          <p:cNvPr id="65" name="Straight Arrow Connector 64">
+            <a:extLst>
+              <a:ext uri="{FF2B5EF4-FFF2-40B4-BE49-F238E27FC236}">
+                <a16:creationId xmlns:a16="http://schemas.microsoft.com/office/drawing/2014/main" id="{3CC3E831-96ED-44ED-8FB9-351D07BD761B}"/>
+              </a:ext>
+            </a:extLst>
+          </p:cNvPr>
+          <p:cNvCxnSpPr>
+            <a:cxnSpLocks/>
+          </p:cNvCxnSpPr>
+          <p:nvPr/>
+        </p:nvCxnSpPr>
+        <p:spPr>
+          <a:xfrm flipH="1">
+            <a:off x="5112195" y="26620346"/>
+            <a:ext cx="5592" cy="306166"/>
+          </a:xfrm>
+          <a:prstGeom prst="straightConnector1">
+            <a:avLst/>
+          </a:prstGeom>
+          <a:ln>
+            <a:tailEnd type="triangle"/>
+          </a:ln>
+        </p:spPr>
+        <p:style>
+          <a:lnRef idx="1">
+            <a:schemeClr val="dk1"/>
+          </a:lnRef>
+          <a:fillRef idx="0">
+            <a:schemeClr val="dk1"/>
+          </a:fillRef>
+          <a:effectRef idx="0">
+            <a:schemeClr val="dk1"/>
+          </a:effectRef>
+          <a:fontRef idx="minor">
+            <a:schemeClr val="tx1"/>
+          </a:fontRef>
+        </p:style>
+      </p:cxnSp>
+      <p:cxnSp>
+        <p:nvCxnSpPr>
+          <p:cNvPr id="66" name="Straight Arrow Connector 65">
+            <a:extLst>
+              <a:ext uri="{FF2B5EF4-FFF2-40B4-BE49-F238E27FC236}">
+                <a16:creationId xmlns:a16="http://schemas.microsoft.com/office/drawing/2014/main" id="{45C7E555-6B10-4A73-86E3-A920743486F5}"/>
+              </a:ext>
+            </a:extLst>
+          </p:cNvPr>
+          <p:cNvCxnSpPr>
+            <a:cxnSpLocks/>
+          </p:cNvCxnSpPr>
+          <p:nvPr/>
+        </p:nvCxnSpPr>
+        <p:spPr>
+          <a:xfrm flipH="1">
+            <a:off x="3954240" y="27965437"/>
+            <a:ext cx="387565" cy="232223"/>
+          </a:xfrm>
+          <a:prstGeom prst="straightConnector1">
+            <a:avLst/>
+          </a:prstGeom>
+          <a:ln>
+            <a:tailEnd type="triangle"/>
+          </a:ln>
+        </p:spPr>
+        <p:style>
+          <a:lnRef idx="1">
+            <a:schemeClr val="dk1"/>
+          </a:lnRef>
+          <a:fillRef idx="0">
+            <a:schemeClr val="dk1"/>
+          </a:fillRef>
+          <a:effectRef idx="0">
+            <a:schemeClr val="dk1"/>
+          </a:effectRef>
+          <a:fontRef idx="minor">
+            <a:schemeClr val="tx1"/>
+          </a:fontRef>
+        </p:style>
+      </p:cxnSp>
+      <p:cxnSp>
+        <p:nvCxnSpPr>
+          <p:cNvPr id="67" name="Straight Arrow Connector 66">
+            <a:extLst>
+              <a:ext uri="{FF2B5EF4-FFF2-40B4-BE49-F238E27FC236}">
+                <a16:creationId xmlns:a16="http://schemas.microsoft.com/office/drawing/2014/main" id="{A48438F9-7F4C-4DBA-88B8-EE0B65E81A7E}"/>
+              </a:ext>
+            </a:extLst>
+          </p:cNvPr>
+          <p:cNvCxnSpPr>
+            <a:cxnSpLocks/>
+          </p:cNvCxnSpPr>
+          <p:nvPr/>
+        </p:nvCxnSpPr>
+        <p:spPr>
+          <a:xfrm>
+            <a:off x="5863009" y="27974495"/>
+            <a:ext cx="356979" cy="246571"/>
+          </a:xfrm>
+          <a:prstGeom prst="straightConnector1">
+            <a:avLst/>
+          </a:prstGeom>
+          <a:ln>
+            <a:tailEnd type="triangle"/>
+          </a:ln>
+        </p:spPr>
+        <p:style>
+          <a:lnRef idx="1">
+            <a:schemeClr val="dk1"/>
+          </a:lnRef>
+          <a:fillRef idx="0">
+            <a:schemeClr val="dk1"/>
+          </a:fillRef>
+          <a:effectRef idx="0">
+            <a:schemeClr val="dk1"/>
+          </a:effectRef>
+          <a:fontRef idx="minor">
+            <a:schemeClr val="tx1"/>
+          </a:fontRef>
+        </p:style>
+      </p:cxnSp>
+      <p:sp>
+        <p:nvSpPr>
+          <p:cNvPr id="68" name="Rechteck 31">
+            <a:extLst>
+              <a:ext uri="{FF2B5EF4-FFF2-40B4-BE49-F238E27FC236}">
+                <a16:creationId xmlns:a16="http://schemas.microsoft.com/office/drawing/2014/main" id="{03066899-B7B6-405E-B0F0-7E1962A7BB6D}"/>
+              </a:ext>
+            </a:extLst>
+          </p:cNvPr>
+          <p:cNvSpPr/>
+          <p:nvPr/>
+        </p:nvSpPr>
+        <p:spPr>
+          <a:xfrm>
+            <a:off x="828717" y="20106158"/>
+            <a:ext cx="19276760" cy="1079641"/>
+          </a:xfrm>
+          <a:prstGeom prst="rect">
+            <a:avLst/>
+          </a:prstGeom>
+          <a:noFill/>
+          <a:ln>
+            <a:noFill/>
+          </a:ln>
+        </p:spPr>
+        <p:txBody>
+          <a:bodyPr wrap="square" lIns="398636" tIns="199320" rIns="398636" bIns="199320">
+            <a:spAutoFit/>
+          </a:bodyPr>
+          <a:lstStyle/>
+          <a:p>
+            <a:pPr algn="ctr"/>
+            <a:r>
+              <a:rPr lang="en-US" sz="4400" noProof="1">
+                <a:solidFill>
+                  <a:srgbClr val="000000"/>
+                </a:solidFill>
+                <a:latin typeface="Avenir Heavy"/>
+                <a:cs typeface="Avenir Heavy"/>
+              </a:rPr>
+              <a:t>Methods</a:t>
+            </a:r>
+            <a:endParaRPr lang="en-US" sz="4000" noProof="1">
+              <a:solidFill>
+                <a:srgbClr val="000000"/>
+              </a:solidFill>
+              <a:latin typeface="Avenir Heavy"/>
+              <a:cs typeface="Avenir Heavy"/>
+            </a:endParaRPr>
+          </a:p>
+        </p:txBody>
+      </p:sp>
+      <p:sp>
+        <p:nvSpPr>
+          <p:cNvPr id="69" name="Textfeld 44">
+            <a:extLst>
+              <a:ext uri="{FF2B5EF4-FFF2-40B4-BE49-F238E27FC236}">
+                <a16:creationId xmlns:a16="http://schemas.microsoft.com/office/drawing/2014/main" id="{36D6F0E0-1BBC-44A7-8A25-BC1D484CDE46}"/>
+              </a:ext>
+            </a:extLst>
+          </p:cNvPr>
+          <p:cNvSpPr txBox="1"/>
+          <p:nvPr/>
+        </p:nvSpPr>
+        <p:spPr>
+          <a:xfrm>
+            <a:off x="1744576" y="18048501"/>
+            <a:ext cx="17375775" cy="1892826"/>
+          </a:xfrm>
+          <a:prstGeom prst="rect">
+            <a:avLst/>
+          </a:prstGeom>
+          <a:noFill/>
+        </p:spPr>
+        <p:txBody>
+          <a:bodyPr wrap="square" rtlCol="0">
+            <a:spAutoFit/>
+          </a:bodyPr>
+          <a:lstStyle/>
+          <a:p>
+            <a:pPr algn="ctr">
+              <a:spcAft>
+                <a:spcPts val="600"/>
+              </a:spcAft>
+            </a:pPr>
+            <a:r>
+              <a:rPr lang="en-US" sz="4000" noProof="1">
+                <a:latin typeface="Avenir Heavy"/>
+                <a:cs typeface="Avenir Heavy"/>
+              </a:rPr>
+              <a:t>As the distance to a reward decreases does a participant’s propensity to gamble (via an adjusting value function) change?</a:t>
+            </a:r>
+            <a:endParaRPr lang="en-US" sz="3600" noProof="1">
+              <a:latin typeface="Avenir Roman" panose="02000503020000020003" pitchFamily="2" charset="0"/>
+            </a:endParaRPr>
+          </a:p>
+          <a:p>
+            <a:pPr algn="ctr">
+              <a:spcAft>
+                <a:spcPts val="600"/>
+              </a:spcAft>
+            </a:pPr>
+            <a:endParaRPr lang="en-US" sz="3200" noProof="1">
+              <a:latin typeface="Avenir Heavy"/>
+              <a:cs typeface="Avenir Heavy"/>
+            </a:endParaRPr>
+          </a:p>
+        </p:txBody>
+      </p:sp>
+      <p:pic>
+        <p:nvPicPr>
+          <p:cNvPr id="9" name="Picture 8">
+            <a:extLst>
+              <a:ext uri="{FF2B5EF4-FFF2-40B4-BE49-F238E27FC236}">
+                <a16:creationId xmlns:a16="http://schemas.microsoft.com/office/drawing/2014/main" id="{EA0C0A50-AF34-4F81-A6A0-3321E67C0453}"/>
+              </a:ext>
+            </a:extLst>
+          </p:cNvPr>
+          <p:cNvPicPr>
+            <a:picLocks noChangeAspect="1"/>
+          </p:cNvPicPr>
+          <p:nvPr/>
+        </p:nvPicPr>
+        <p:blipFill>
+          <a:blip r:embed="rId17"/>
+          <a:stretch>
+            <a:fillRect/>
+          </a:stretch>
+        </p:blipFill>
+        <p:spPr>
+          <a:xfrm>
+            <a:off x="13118127" y="25344532"/>
+            <a:ext cx="5763067" cy="4160144"/>
+          </a:xfrm>
+          <a:prstGeom prst="rect">
+            <a:avLst/>
+          </a:prstGeom>
+        </p:spPr>
+      </p:pic>
+      <p:pic>
+        <p:nvPicPr>
+          <p:cNvPr id="10" name="Picture 9">
+            <a:extLst>
+              <a:ext uri="{FF2B5EF4-FFF2-40B4-BE49-F238E27FC236}">
+                <a16:creationId xmlns:a16="http://schemas.microsoft.com/office/drawing/2014/main" id="{BA15B837-FAA8-4C00-AFFD-0EAE18C6616E}"/>
+              </a:ext>
+            </a:extLst>
+          </p:cNvPr>
+          <p:cNvPicPr>
+            <a:picLocks noChangeAspect="1"/>
+          </p:cNvPicPr>
+          <p:nvPr/>
+        </p:nvPicPr>
+        <p:blipFill>
+          <a:blip r:embed="rId18"/>
+          <a:stretch>
+            <a:fillRect/>
+          </a:stretch>
+        </p:blipFill>
+        <p:spPr>
+          <a:xfrm>
+            <a:off x="23477943" y="6012303"/>
+            <a:ext cx="7361905" cy="5314286"/>
           </a:xfrm>
           <a:prstGeom prst="rect">
             <a:avLst/>

--- a/rampPosterNSGPRetreat.pptx
+++ b/rampPosterNSGPRetreat.pptx
@@ -209,7 +209,7 @@
             <a:fld id="{7528212C-E14D-47E6-BF5A-B7E00B760EDE}" type="datetimeFigureOut">
               <a:rPr lang="de-DE" smtClean="0"/>
               <a:pPr/>
-              <a:t>11.10.2018</a:t>
+              <a:t>13.10.2018</a:t>
             </a:fld>
             <a:endParaRPr lang="de-DE" dirty="0"/>
           </a:p>
@@ -746,7 +746,7 @@
             <a:fld id="{0DBF1F82-4E5B-4407-973D-C7AE76259AD1}" type="datetimeFigureOut">
               <a:rPr lang="de-DE" smtClean="0"/>
               <a:pPr/>
-              <a:t>11.10.2018</a:t>
+              <a:t>13.10.2018</a:t>
             </a:fld>
             <a:endParaRPr lang="de-DE" dirty="0"/>
           </a:p>
@@ -911,7 +911,7 @@
             <a:fld id="{0DBF1F82-4E5B-4407-973D-C7AE76259AD1}" type="datetimeFigureOut">
               <a:rPr lang="de-DE" smtClean="0"/>
               <a:pPr/>
-              <a:t>11.10.2018</a:t>
+              <a:t>13.10.2018</a:t>
             </a:fld>
             <a:endParaRPr lang="de-DE" dirty="0"/>
           </a:p>
@@ -1086,7 +1086,7 @@
             <a:fld id="{0DBF1F82-4E5B-4407-973D-C7AE76259AD1}" type="datetimeFigureOut">
               <a:rPr lang="de-DE" smtClean="0"/>
               <a:pPr/>
-              <a:t>11.10.2018</a:t>
+              <a:t>13.10.2018</a:t>
             </a:fld>
             <a:endParaRPr lang="de-DE" dirty="0"/>
           </a:p>
@@ -1251,7 +1251,7 @@
             <a:fld id="{0DBF1F82-4E5B-4407-973D-C7AE76259AD1}" type="datetimeFigureOut">
               <a:rPr lang="de-DE" smtClean="0"/>
               <a:pPr/>
-              <a:t>11.10.2018</a:t>
+              <a:t>13.10.2018</a:t>
             </a:fld>
             <a:endParaRPr lang="de-DE" dirty="0"/>
           </a:p>
@@ -1493,7 +1493,7 @@
             <a:fld id="{0DBF1F82-4E5B-4407-973D-C7AE76259AD1}" type="datetimeFigureOut">
               <a:rPr lang="de-DE" smtClean="0"/>
               <a:pPr/>
-              <a:t>11.10.2018</a:t>
+              <a:t>13.10.2018</a:t>
             </a:fld>
             <a:endParaRPr lang="de-DE" dirty="0"/>
           </a:p>
@@ -1775,7 +1775,7 @@
             <a:fld id="{0DBF1F82-4E5B-4407-973D-C7AE76259AD1}" type="datetimeFigureOut">
               <a:rPr lang="de-DE" smtClean="0"/>
               <a:pPr/>
-              <a:t>11.10.2018</a:t>
+              <a:t>13.10.2018</a:t>
             </a:fld>
             <a:endParaRPr lang="de-DE" dirty="0"/>
           </a:p>
@@ -2196,7 +2196,7 @@
             <a:fld id="{0DBF1F82-4E5B-4407-973D-C7AE76259AD1}" type="datetimeFigureOut">
               <a:rPr lang="de-DE" smtClean="0"/>
               <a:pPr/>
-              <a:t>11.10.2018</a:t>
+              <a:t>13.10.2018</a:t>
             </a:fld>
             <a:endParaRPr lang="de-DE" dirty="0"/>
           </a:p>
@@ -2310,7 +2310,7 @@
             <a:fld id="{0DBF1F82-4E5B-4407-973D-C7AE76259AD1}" type="datetimeFigureOut">
               <a:rPr lang="de-DE" smtClean="0"/>
               <a:pPr/>
-              <a:t>11.10.2018</a:t>
+              <a:t>13.10.2018</a:t>
             </a:fld>
             <a:endParaRPr lang="de-DE" dirty="0"/>
           </a:p>
@@ -2402,7 +2402,7 @@
             <a:fld id="{0DBF1F82-4E5B-4407-973D-C7AE76259AD1}" type="datetimeFigureOut">
               <a:rPr lang="de-DE" smtClean="0"/>
               <a:pPr/>
-              <a:t>11.10.2018</a:t>
+              <a:t>13.10.2018</a:t>
             </a:fld>
             <a:endParaRPr lang="de-DE" dirty="0"/>
           </a:p>
@@ -2674,7 +2674,7 @@
             <a:fld id="{0DBF1F82-4E5B-4407-973D-C7AE76259AD1}" type="datetimeFigureOut">
               <a:rPr lang="de-DE" smtClean="0"/>
               <a:pPr/>
-              <a:t>11.10.2018</a:t>
+              <a:t>13.10.2018</a:t>
             </a:fld>
             <a:endParaRPr lang="de-DE" dirty="0"/>
           </a:p>
@@ -2923,7 +2923,7 @@
             <a:fld id="{0DBF1F82-4E5B-4407-973D-C7AE76259AD1}" type="datetimeFigureOut">
               <a:rPr lang="de-DE" smtClean="0"/>
               <a:pPr/>
-              <a:t>11.10.2018</a:t>
+              <a:t>13.10.2018</a:t>
             </a:fld>
             <a:endParaRPr lang="de-DE" dirty="0"/>
           </a:p>
@@ -3131,7 +3131,7 @@
             <a:fld id="{0DBF1F82-4E5B-4407-973D-C7AE76259AD1}" type="datetimeFigureOut">
               <a:rPr lang="de-DE" smtClean="0"/>
               <a:pPr/>
-              <a:t>11.10.2018</a:t>
+              <a:t>13.10.2018</a:t>
             </a:fld>
             <a:endParaRPr lang="de-DE" dirty="0"/>
           </a:p>
@@ -4234,7 +4234,7 @@
         </p:nvSpPr>
         <p:spPr>
           <a:xfrm>
-            <a:off x="22248094" y="19272542"/>
+            <a:off x="21846552" y="21691027"/>
             <a:ext cx="19793546" cy="1079641"/>
           </a:xfrm>
           <a:prstGeom prst="rect">
@@ -4260,7 +4260,7 @@
                 <a:latin typeface="Avenir Heavy"/>
                 <a:cs typeface="Avenir Heavy"/>
               </a:rPr>
-              <a:t>Conclusions and future directions</a:t>
+              <a:t>Conclusions</a:t>
             </a:r>
           </a:p>
         </p:txBody>
@@ -4273,8 +4273,8 @@
         </p:nvSpPr>
         <p:spPr>
           <a:xfrm>
-            <a:off x="22241640" y="25362742"/>
-            <a:ext cx="19646663" cy="3172522"/>
+            <a:off x="22159136" y="26130639"/>
+            <a:ext cx="19646663" cy="2864745"/>
           </a:xfrm>
           <a:prstGeom prst="rect">
             <a:avLst/>
@@ -4295,7 +4295,7 @@
                 <a:solidFill>
                   <a:srgbClr val="000000"/>
                 </a:solidFill>
-                <a:latin typeface="Avenir Roman" panose="02000503020000020003" pitchFamily="2" charset="0"/>
+                <a:latin typeface="Avenir Roman" panose="02000503020000020003"/>
                 <a:cs typeface="Avenir Heavy"/>
               </a:rPr>
               <a:t>References:</a:t>
@@ -4307,163 +4307,202 @@
             </a:pPr>
             <a:r>
               <a:rPr lang="en-US" sz="2000" dirty="0">
-                <a:latin typeface="Avenir Roman" panose="02000503020000020003" pitchFamily="2" charset="0"/>
-              </a:rPr>
-              <a:t>Retz, W., &amp; Retz-</a:t>
-            </a:r>
-            <a:r>
-              <a:rPr lang="en-US" sz="2000" dirty="0" err="1">
-                <a:latin typeface="Avenir Roman" panose="02000503020000020003" pitchFamily="2" charset="0"/>
-              </a:rPr>
-              <a:t>Junginger</a:t>
+                <a:latin typeface="Avenir Roman" panose="02000503020000020003"/>
+              </a:rPr>
+              <a:t>Schultz, W. (2001). Book review: Reward signaling by dopamine neurons. </a:t>
+            </a:r>
+            <a:r>
+              <a:rPr lang="en-US" sz="2000" i="1" dirty="0">
+                <a:latin typeface="Avenir Roman" panose="02000503020000020003"/>
+              </a:rPr>
+              <a:t>The Neuroscientist</a:t>
             </a:r>
             <a:r>
               <a:rPr lang="en-US" sz="2000" dirty="0">
-                <a:latin typeface="Avenir Roman" panose="02000503020000020003" pitchFamily="2" charset="0"/>
-              </a:rPr>
-              <a:t>, P. (2014). Prediction of methylphenidate treatment outcome in adults with attention-deficit/hyperactivity disorder (ADHD). </a:t>
+                <a:latin typeface="Avenir Roman" panose="02000503020000020003"/>
+              </a:rPr>
+              <a:t>, </a:t>
             </a:r>
             <a:r>
               <a:rPr lang="en-US" sz="2000" i="1" dirty="0">
-                <a:latin typeface="Avenir Roman" panose="02000503020000020003" pitchFamily="2" charset="0"/>
-              </a:rPr>
-              <a:t>European Archives of Psychiatry and Clinical Neuroscience</a:t>
+                <a:latin typeface="Avenir Roman" panose="02000503020000020003"/>
+              </a:rPr>
+              <a:t>7</a:t>
             </a:r>
             <a:r>
               <a:rPr lang="en-US" sz="2000" dirty="0">
-                <a:latin typeface="Avenir Roman" panose="02000503020000020003" pitchFamily="2" charset="0"/>
-              </a:rPr>
-              <a:t>, </a:t>
-            </a:r>
-            <a:r>
-              <a:rPr lang="en-US" sz="2000" i="1" dirty="0">
-                <a:latin typeface="Avenir Roman" panose="02000503020000020003" pitchFamily="2" charset="0"/>
-              </a:rPr>
-              <a:t>264</a:t>
-            </a:r>
-            <a:r>
-              <a:rPr lang="en-US" sz="2000" dirty="0">
-                <a:latin typeface="Avenir Roman" panose="02000503020000020003" pitchFamily="2" charset="0"/>
-              </a:rPr>
-              <a:t>(S1), 35–43</a:t>
-            </a:r>
-            <a:r>
-              <a:rPr lang="nb-NO" sz="2000" dirty="0">
-                <a:latin typeface="Avenir Roman" panose="02000503020000020003" pitchFamily="2" charset="0"/>
-              </a:rPr>
-              <a:t> </a:t>
+                <a:latin typeface="Avenir Roman" panose="02000503020000020003"/>
+              </a:rPr>
+              <a:t>(4), 293-302</a:t>
             </a:r>
           </a:p>
           <a:p>
             <a:pPr marL="457200" indent="-457200">
-              <a:buFontTx/>
               <a:buAutoNum type="arabicPeriod"/>
             </a:pPr>
             <a:r>
+              <a:rPr lang="en-US" sz="2000" dirty="0">
+                <a:latin typeface="Avenir Roman" panose="02000503020000020003"/>
+              </a:rPr>
+              <a:t>Howe, M. W., Tierney, P. L., Sandberg, S. G., Phillips, P. E., &amp; </a:t>
+            </a:r>
+            <a:r>
               <a:rPr lang="en-US" sz="2000" dirty="0" err="1">
-                <a:latin typeface="Avenir Roman" panose="02000503020000020003" pitchFamily="2" charset="0"/>
-              </a:rPr>
-              <a:t>Wiecki</a:t>
+                <a:latin typeface="Avenir Roman" panose="02000503020000020003"/>
+              </a:rPr>
+              <a:t>Graybiel</a:t>
             </a:r>
             <a:r>
               <a:rPr lang="en-US" sz="2000" dirty="0">
-                <a:latin typeface="Avenir Roman" panose="02000503020000020003" pitchFamily="2" charset="0"/>
-              </a:rPr>
-              <a:t>, T. V., Poland, J., &amp; Frank, M. J. (2015). Model-Based Cognitive Neuroscience Approaches to Computational Psychiatry: Clustering and Classification. </a:t>
+                <a:latin typeface="Avenir Roman" panose="02000503020000020003"/>
+              </a:rPr>
+              <a:t>, A. M. (2013). Prolonged dopamine </a:t>
+            </a:r>
+            <a:r>
+              <a:rPr lang="en-US" sz="2000" dirty="0" err="1">
+                <a:latin typeface="Avenir Roman" panose="02000503020000020003"/>
+              </a:rPr>
+              <a:t>signalling</a:t>
+            </a:r>
+            <a:r>
+              <a:rPr lang="en-US" sz="2000" dirty="0">
+                <a:latin typeface="Avenir Roman" panose="02000503020000020003"/>
+              </a:rPr>
+              <a:t> in striatum signals proximity and value of distant rewards. </a:t>
             </a:r>
             <a:r>
               <a:rPr lang="en-US" sz="2000" i="1" dirty="0">
-                <a:latin typeface="Avenir Roman" panose="02000503020000020003" pitchFamily="2" charset="0"/>
-              </a:rPr>
-              <a:t>Clinical Psychological Science</a:t>
+                <a:latin typeface="Avenir Roman" panose="02000503020000020003"/>
+              </a:rPr>
+              <a:t>Nature</a:t>
             </a:r>
             <a:r>
               <a:rPr lang="en-US" sz="2000" dirty="0">
-                <a:latin typeface="Avenir Roman" panose="02000503020000020003" pitchFamily="2" charset="0"/>
-              </a:rPr>
-              <a:t>, </a:t>
+                <a:latin typeface="Avenir Roman" panose="02000503020000020003"/>
+              </a:rPr>
+              <a:t>, </a:t>
             </a:r>
             <a:r>
               <a:rPr lang="en-US" sz="2000" i="1" dirty="0">
-                <a:latin typeface="Avenir Roman" panose="02000503020000020003" pitchFamily="2" charset="0"/>
-              </a:rPr>
-              <a:t>3</a:t>
+                <a:latin typeface="Avenir Roman" panose="02000503020000020003"/>
+              </a:rPr>
+              <a:t>500</a:t>
             </a:r>
             <a:r>
               <a:rPr lang="en-US" sz="2000" dirty="0">
-                <a:latin typeface="Avenir Roman" panose="02000503020000020003" pitchFamily="2" charset="0"/>
-              </a:rPr>
-              <a:t>(3), 378–399.</a:t>
-            </a:r>
-            <a:endParaRPr lang="nb-NO" sz="2000" dirty="0">
-              <a:latin typeface="Avenir Roman" panose="02000503020000020003" pitchFamily="2" charset="0"/>
-            </a:endParaRPr>
+                <a:latin typeface="Avenir Roman" panose="02000503020000020003"/>
+              </a:rPr>
+              <a:t>(7464), 575.</a:t>
+            </a:r>
           </a:p>
           <a:p>
             <a:pPr marL="457200" indent="-457200">
-              <a:buFontTx/>
               <a:buAutoNum type="arabicPeriod"/>
             </a:pPr>
             <a:r>
-              <a:rPr lang="en-US" sz="2000" noProof="1">
-                <a:latin typeface="Avenir Roman" panose="02000503020000020003" pitchFamily="2" charset="0"/>
-              </a:rPr>
-              <a:t>Ratcliff, R., Huang-Pollock, C. L., &amp; McKoon, G. (2016). Modeling Individual Differences in the Go/No-Go Task With a Diffusion Model. </a:t>
-            </a:r>
-            <a:r>
-              <a:rPr lang="en-US" sz="2000" i="1" noProof="1">
-                <a:latin typeface="Avenir Roman" panose="02000503020000020003" pitchFamily="2" charset="0"/>
-              </a:rPr>
-              <a:t>Decision</a:t>
-            </a:r>
-            <a:r>
-              <a:rPr lang="en-US" sz="2000" noProof="1">
-                <a:latin typeface="Avenir Roman" panose="02000503020000020003" pitchFamily="2" charset="0"/>
-              </a:rPr>
-              <a:t>, 1–22. </a:t>
-            </a:r>
-            <a:endParaRPr lang="en-US" sz="2000" noProof="1">
-              <a:solidFill>
-                <a:srgbClr val="000000"/>
-              </a:solidFill>
-              <a:latin typeface="Avenir Roman" panose="02000503020000020003" pitchFamily="2" charset="0"/>
-            </a:endParaRPr>
+              <a:rPr lang="en-US" sz="2000" dirty="0">
+                <a:latin typeface="Avenir Roman" panose="02000503020000020003"/>
+              </a:rPr>
+              <a:t>Hamid, A. A., Pettibone, J. R., Mabrouk, O. S., Hetrick, V. L., Schmidt, R., Vander </a:t>
+            </a:r>
+            <a:r>
+              <a:rPr lang="en-US" sz="2000" dirty="0" err="1">
+                <a:latin typeface="Avenir Roman" panose="02000503020000020003"/>
+              </a:rPr>
+              <a:t>Weele</a:t>
+            </a:r>
+            <a:r>
+              <a:rPr lang="en-US" sz="2000" dirty="0">
+                <a:latin typeface="Avenir Roman" panose="02000503020000020003"/>
+              </a:rPr>
+              <a:t>, C. M., ... &amp; </a:t>
+            </a:r>
+            <a:r>
+              <a:rPr lang="en-US" sz="2000" dirty="0" err="1">
+                <a:latin typeface="Avenir Roman" panose="02000503020000020003"/>
+              </a:rPr>
+              <a:t>Berke</a:t>
+            </a:r>
+            <a:r>
+              <a:rPr lang="en-US" sz="2000" dirty="0">
+                <a:latin typeface="Avenir Roman" panose="02000503020000020003"/>
+              </a:rPr>
+              <a:t>, J. D. (2016). Mesolimbic dopamine signals the value of work. </a:t>
+            </a:r>
+            <a:r>
+              <a:rPr lang="en-US" sz="2000" i="1" dirty="0">
+                <a:latin typeface="Avenir Roman" panose="02000503020000020003"/>
+              </a:rPr>
+              <a:t>Nature neuroscience</a:t>
+            </a:r>
+            <a:r>
+              <a:rPr lang="en-US" sz="2000" dirty="0">
+                <a:latin typeface="Avenir Roman" panose="02000503020000020003"/>
+              </a:rPr>
+              <a:t>, </a:t>
+            </a:r>
+            <a:r>
+              <a:rPr lang="en-US" sz="2000" i="1" dirty="0">
+                <a:latin typeface="Avenir Roman" panose="02000503020000020003"/>
+              </a:rPr>
+              <a:t>19</a:t>
+            </a:r>
+            <a:r>
+              <a:rPr lang="en-US" sz="2000" dirty="0">
+                <a:latin typeface="Avenir Roman" panose="02000503020000020003"/>
+              </a:rPr>
+              <a:t>(1), 117.</a:t>
+            </a:r>
           </a:p>
           <a:p>
             <a:pPr marL="457200" indent="-457200">
-              <a:buFontTx/>
               <a:buAutoNum type="arabicPeriod"/>
             </a:pPr>
             <a:r>
-              <a:rPr lang="en-US" sz="2000" noProof="1">
-                <a:latin typeface="Avenir Roman" panose="02000503020000020003" pitchFamily="2" charset="0"/>
-              </a:rPr>
-              <a:t>Fredriksen, M., Dahl, A. A., Martinsen, E. W., Klungsøyr, O., Haavik, J., &amp; Peleikis, D. E. (2014). Effectiveness of one-year pharmacological treatment of adult attention-deficit/ hyperactivity disorder (ADHD): An open-label prospective study of time in treatment, dose, side-effects and comorbidity. </a:t>
-            </a:r>
-            <a:r>
-              <a:rPr lang="en-US" sz="2000" i="1" noProof="1">
-                <a:latin typeface="Avenir Roman" panose="02000503020000020003" pitchFamily="2" charset="0"/>
-              </a:rPr>
-              <a:t>European Neuropsychopharmacology</a:t>
-            </a:r>
-            <a:r>
-              <a:rPr lang="en-US" sz="2000" noProof="1">
-                <a:latin typeface="Avenir Roman" panose="02000503020000020003" pitchFamily="2" charset="0"/>
-              </a:rPr>
-              <a:t>, </a:t>
-            </a:r>
-            <a:r>
-              <a:rPr lang="en-US" sz="2000" i="1" noProof="1">
-                <a:latin typeface="Avenir Roman" panose="02000503020000020003" pitchFamily="2" charset="0"/>
-              </a:rPr>
-              <a:t>24</a:t>
-            </a:r>
-            <a:r>
-              <a:rPr lang="en-US" sz="2000" noProof="1">
-                <a:latin typeface="Avenir Roman" panose="02000503020000020003" pitchFamily="2" charset="0"/>
-              </a:rPr>
-              <a:t>(12), 1873–1884.</a:t>
-            </a:r>
+              <a:rPr lang="en-US" sz="2000" dirty="0">
+                <a:latin typeface="Avenir Roman" panose="02000503020000020003"/>
+              </a:rPr>
+              <a:t>Collins, A. G., &amp; Frank, M. J. (2014). Opponent actor learning (</a:t>
+            </a:r>
+            <a:r>
+              <a:rPr lang="en-US" sz="2000" dirty="0" err="1">
+                <a:latin typeface="Avenir Roman" panose="02000503020000020003"/>
+              </a:rPr>
+              <a:t>OpAL</a:t>
+            </a:r>
+            <a:r>
+              <a:rPr lang="en-US" sz="2000" dirty="0">
+                <a:latin typeface="Avenir Roman" panose="02000503020000020003"/>
+              </a:rPr>
+              <a:t>): Modeling interactive effects of striatal dopamine on reinforcement learning and choice incentive. </a:t>
+            </a:r>
+            <a:r>
+              <a:rPr lang="en-US" sz="2000" i="1" dirty="0">
+                <a:latin typeface="Avenir Roman" panose="02000503020000020003"/>
+              </a:rPr>
+              <a:t>Psychological review</a:t>
+            </a:r>
+            <a:r>
+              <a:rPr lang="en-US" sz="2000" dirty="0">
+                <a:latin typeface="Avenir Roman" panose="02000503020000020003"/>
+              </a:rPr>
+              <a:t>, </a:t>
+            </a:r>
+            <a:r>
+              <a:rPr lang="en-US" sz="2000" i="1" dirty="0">
+                <a:latin typeface="Avenir Roman" panose="02000503020000020003"/>
+              </a:rPr>
+              <a:t>121</a:t>
+            </a:r>
+            <a:r>
+              <a:rPr lang="en-US" sz="2000" dirty="0">
+                <a:latin typeface="Avenir Roman" panose="02000503020000020003"/>
+              </a:rPr>
+              <a:t>(3), 337.</a:t>
+            </a:r>
+            <a:endParaRPr lang="en-US" sz="2000" noProof="1">
+              <a:latin typeface="Avenir Roman" panose="02000503020000020003"/>
+            </a:endParaRPr>
           </a:p>
         </p:txBody>
       </p:sp>
@@ -4683,42 +4722,6 @@
           </a:p>
         </p:txBody>
       </p:sp>
-      <p:pic>
-        <p:nvPicPr>
-          <p:cNvPr id="17" name="Picture 16">
-            <a:extLst>
-              <a:ext uri="{FF2B5EF4-FFF2-40B4-BE49-F238E27FC236}">
-                <a16:creationId xmlns:a16="http://schemas.microsoft.com/office/drawing/2014/main" id="{4F9026F6-9EEB-3B4E-841B-D521E1A78304}"/>
-              </a:ext>
-            </a:extLst>
-          </p:cNvPr>
-          <p:cNvPicPr>
-            <a:picLocks noChangeAspect="1"/>
-          </p:cNvPicPr>
-          <p:nvPr/>
-        </p:nvPicPr>
-        <p:blipFill>
-          <a:blip r:embed="rId4" cstate="print">
-            <a:extLst>
-              <a:ext uri="{28A0092B-C50C-407E-A947-70E740481C1C}">
-                <a14:useLocalDpi xmlns:a14="http://schemas.microsoft.com/office/drawing/2010/main" val="0"/>
-              </a:ext>
-            </a:extLst>
-          </a:blip>
-          <a:stretch>
-            <a:fillRect/>
-          </a:stretch>
-        </p:blipFill>
-        <p:spPr>
-          <a:xfrm>
-            <a:off x="39849398" y="1424671"/>
-            <a:ext cx="1790700" cy="1790700"/>
-          </a:xfrm>
-          <a:prstGeom prst="rect">
-            <a:avLst/>
-          </a:prstGeom>
-        </p:spPr>
-      </p:pic>
       <p:sp>
         <p:nvSpPr>
           <p:cNvPr id="45" name="Textfeld 44"/>
@@ -4917,8 +4920,8 @@
         </p:nvSpPr>
         <p:spPr>
           <a:xfrm>
-            <a:off x="22435344" y="16557713"/>
-            <a:ext cx="18340658" cy="1015663"/>
+            <a:off x="22310814" y="20281257"/>
+            <a:ext cx="18340658" cy="707886"/>
           </a:xfrm>
           <a:prstGeom prst="rect">
             <a:avLst/>
@@ -4934,73 +4937,7 @@
               <a:rPr lang="nb-NO" sz="2000" b="1" dirty="0">
                 <a:latin typeface="Avenir Roman" panose="02000503020000020003" pitchFamily="2" charset="0"/>
               </a:rPr>
-              <a:t>Fig. </a:t>
-            </a:r>
-            <a:r>
-              <a:rPr lang="nb-NO" sz="2000" dirty="0" err="1">
-                <a:latin typeface="Avenir Roman" panose="02000503020000020003" pitchFamily="2" charset="0"/>
-              </a:rPr>
-              <a:t>Effect</a:t>
-            </a:r>
-            <a:r>
-              <a:rPr lang="nb-NO" sz="2000" dirty="0">
-                <a:latin typeface="Avenir Roman" panose="02000503020000020003" pitchFamily="2" charset="0"/>
-              </a:rPr>
-              <a:t> </a:t>
-            </a:r>
-            <a:r>
-              <a:rPr lang="nb-NO" sz="2000" dirty="0" err="1">
-                <a:latin typeface="Avenir Roman" panose="02000503020000020003" pitchFamily="2" charset="0"/>
-              </a:rPr>
-              <a:t>of</a:t>
-            </a:r>
-            <a:r>
-              <a:rPr lang="nb-NO" sz="2000" dirty="0">
-                <a:latin typeface="Avenir Roman" panose="02000503020000020003" pitchFamily="2" charset="0"/>
-              </a:rPr>
-              <a:t> medication on </a:t>
-            </a:r>
-            <a:r>
-              <a:rPr lang="nb-NO" sz="2000" dirty="0" err="1">
-                <a:latin typeface="Avenir Roman" panose="02000503020000020003" pitchFamily="2" charset="0"/>
-              </a:rPr>
-              <a:t>model</a:t>
-            </a:r>
-            <a:r>
-              <a:rPr lang="nb-NO" sz="2000" dirty="0">
-                <a:latin typeface="Avenir Roman" panose="02000503020000020003" pitchFamily="2" charset="0"/>
-              </a:rPr>
-              <a:t> parameters and </a:t>
-            </a:r>
-            <a:r>
-              <a:rPr lang="nb-NO" sz="2000" dirty="0" err="1">
-                <a:latin typeface="Avenir Roman" panose="02000503020000020003" pitchFamily="2" charset="0"/>
-              </a:rPr>
-              <a:t>posterior</a:t>
-            </a:r>
-            <a:r>
-              <a:rPr lang="nb-NO" sz="2000" dirty="0">
-                <a:latin typeface="Avenir Roman" panose="02000503020000020003" pitchFamily="2" charset="0"/>
-              </a:rPr>
-              <a:t> </a:t>
-            </a:r>
-            <a:r>
-              <a:rPr lang="nb-NO" sz="2000" dirty="0" err="1">
-                <a:latin typeface="Avenir Roman" panose="02000503020000020003" pitchFamily="2" charset="0"/>
-              </a:rPr>
-              <a:t>predicitive</a:t>
-            </a:r>
-            <a:r>
-              <a:rPr lang="nb-NO" sz="2000" dirty="0">
-                <a:latin typeface="Avenir Roman" panose="02000503020000020003" pitchFamily="2" charset="0"/>
-              </a:rPr>
-              <a:t> </a:t>
-            </a:r>
-            <a:r>
-              <a:rPr lang="nb-NO" sz="2000" dirty="0" err="1">
-                <a:latin typeface="Avenir Roman" panose="02000503020000020003" pitchFamily="2" charset="0"/>
-              </a:rPr>
-              <a:t>checks</a:t>
+              <a:t>Fig 1</a:t>
             </a:r>
             <a:r>
               <a:rPr lang="nb-NO" sz="2000" dirty="0">
@@ -5316,14 +5253,14 @@
           <p:nvPr/>
         </p:nvPicPr>
         <p:blipFill>
-          <a:blip r:embed="rId5"/>
+          <a:blip r:embed="rId4"/>
           <a:stretch>
             <a:fillRect/>
           </a:stretch>
         </p:blipFill>
         <p:spPr>
           <a:xfrm>
-            <a:off x="4151928" y="1110241"/>
+            <a:off x="5105345" y="1051545"/>
             <a:ext cx="2073960" cy="2419560"/>
           </a:xfrm>
           <a:prstGeom prst="rect">
@@ -5456,7 +5393,7 @@
         </p:nvSpPr>
         <p:spPr>
           <a:xfrm>
-            <a:off x="29110706" y="9668396"/>
+            <a:off x="29243137" y="5101215"/>
             <a:ext cx="407484" cy="461665"/>
           </a:xfrm>
           <a:prstGeom prst="rect">
@@ -5493,7 +5430,7 @@
         </p:nvSpPr>
         <p:spPr>
           <a:xfrm>
-            <a:off x="33706139" y="9664998"/>
+            <a:off x="34393549" y="5517117"/>
             <a:ext cx="407484" cy="461665"/>
           </a:xfrm>
           <a:prstGeom prst="rect">
@@ -5530,8 +5467,8 @@
         </p:nvSpPr>
         <p:spPr>
           <a:xfrm>
-            <a:off x="22241639" y="20474904"/>
-            <a:ext cx="19253053" cy="3231654"/>
+            <a:off x="22201696" y="22956193"/>
+            <a:ext cx="19253053" cy="2923877"/>
           </a:xfrm>
           <a:prstGeom prst="rect">
             <a:avLst/>
@@ -5544,12 +5481,55 @@
           </a:bodyPr>
           <a:lstStyle/>
           <a:p>
-            <a:r>
-              <a:rPr lang="en-US" sz="3000" noProof="1">
+            <a:pPr marL="457200" indent="-457200">
+              <a:buFont typeface="Arial" panose="020B0604020202020204" pitchFamily="34" charset="0"/>
+              <a:buChar char="•"/>
+            </a:pPr>
+            <a:r>
+              <a:rPr lang="en-US" sz="3200" noProof="1">
                 <a:latin typeface="Avenir Roman" panose="02000503020000020003" pitchFamily="2" charset="0"/>
               </a:rPr>
-              <a:t>Computational modeling identified improved performance for responders compared to non-responders after 6 weeks of medication treatment. Specifically, responders showed increased rate of evidence accumulation and extended decision thresholds compared to non-responders. The results show promise for using individual model parameters in combination with clinical assessment measures and demographic variables for earlier prediction of medication response in ADHD. Future directions are to use measures for classification of medication response with machine learning-algorithms. </a:t>
-            </a:r>
+              <a:t>The later the gamble interrupted in the progress bar (i.e. the closer the participant was to the reward), the more likely a participant gambled and the lower their RT tended to be. </a:t>
+            </a:r>
+          </a:p>
+          <a:p>
+            <a:pPr marL="457200" indent="-457200">
+              <a:buFont typeface="Arial" panose="020B0604020202020204" pitchFamily="34" charset="0"/>
+              <a:buChar char="•"/>
+            </a:pPr>
+            <a:r>
+              <a:rPr lang="en-US" sz="3200" noProof="1">
+                <a:latin typeface="Avenir Roman" panose="02000503020000020003" pitchFamily="2" charset="0"/>
+              </a:rPr>
+              <a:t>The more pronounced a participant’s gamble ramp was, the more negative their RT ramp tended to be.</a:t>
+            </a:r>
+          </a:p>
+          <a:p>
+            <a:pPr marL="457200" indent="-457200">
+              <a:buFont typeface="Arial" panose="020B0604020202020204" pitchFamily="34" charset="0"/>
+              <a:buChar char="•"/>
+            </a:pPr>
+            <a:r>
+              <a:rPr lang="en-US" sz="3200" noProof="1">
+                <a:latin typeface="Avenir Roman" panose="02000503020000020003" pitchFamily="2" charset="0"/>
+              </a:rPr>
+              <a:t>Magnitude had no effect on driving the decision to gamble. Value did.</a:t>
+            </a:r>
+          </a:p>
+          <a:p>
+            <a:pPr marL="457200" indent="-457200">
+              <a:buFont typeface="Arial" panose="020B0604020202020204" pitchFamily="34" charset="0"/>
+              <a:buChar char="•"/>
+            </a:pPr>
+            <a:r>
+              <a:rPr lang="en-US" sz="3200" noProof="1">
+                <a:latin typeface="Avenir Roman" panose="02000503020000020003" pitchFamily="2" charset="0"/>
+              </a:rPr>
+              <a:t>These pilot data are consistent with the theory that DA dynamics modulate a value function in humans.</a:t>
+            </a:r>
+            <a:endParaRPr lang="en-US" sz="3000" noProof="1">
+              <a:latin typeface="Avenir Roman" panose="02000503020000020003" pitchFamily="2" charset="0"/>
+            </a:endParaRPr>
           </a:p>
           <a:p>
             <a:endParaRPr lang="en-US" sz="2400" noProof="1">
@@ -5714,80 +5694,6 @@
           </a:p>
         </p:txBody>
       </p:sp>
-      <p:sp>
-        <p:nvSpPr>
-          <p:cNvPr id="171" name="TextBox 170">
-            <a:extLst>
-              <a:ext uri="{FF2B5EF4-FFF2-40B4-BE49-F238E27FC236}">
-                <a16:creationId xmlns:a16="http://schemas.microsoft.com/office/drawing/2014/main" id="{C0C51189-FC04-5748-BA11-1898B6497F44}"/>
-              </a:ext>
-            </a:extLst>
-          </p:cNvPr>
-          <p:cNvSpPr txBox="1"/>
-          <p:nvPr/>
-        </p:nvSpPr>
-        <p:spPr>
-          <a:xfrm>
-            <a:off x="23095124" y="13259742"/>
-            <a:ext cx="2414892" cy="400110"/>
-          </a:xfrm>
-          <a:prstGeom prst="rect">
-            <a:avLst/>
-          </a:prstGeom>
-          <a:noFill/>
-        </p:spPr>
-        <p:txBody>
-          <a:bodyPr wrap="none" rtlCol="0">
-            <a:spAutoFit/>
-          </a:bodyPr>
-          <a:lstStyle/>
-          <a:p>
-            <a:r>
-              <a:rPr lang="en-US" sz="2000" b="1" dirty="0">
-                <a:latin typeface="Avenir Roman" panose="02000503020000020003" pitchFamily="2" charset="0"/>
-              </a:rPr>
-              <a:t>Decision threshold</a:t>
-            </a:r>
-          </a:p>
-        </p:txBody>
-      </p:sp>
-      <p:sp>
-        <p:nvSpPr>
-          <p:cNvPr id="173" name="TextBox 172">
-            <a:extLst>
-              <a:ext uri="{FF2B5EF4-FFF2-40B4-BE49-F238E27FC236}">
-                <a16:creationId xmlns:a16="http://schemas.microsoft.com/office/drawing/2014/main" id="{FB669046-4B89-2B46-A113-92C4F651739E}"/>
-              </a:ext>
-            </a:extLst>
-          </p:cNvPr>
-          <p:cNvSpPr txBox="1"/>
-          <p:nvPr/>
-        </p:nvSpPr>
-        <p:spPr>
-          <a:xfrm rot="16200000">
-            <a:off x="22505527" y="11403777"/>
-            <a:ext cx="284052" cy="323165"/>
-          </a:xfrm>
-          <a:prstGeom prst="rect">
-            <a:avLst/>
-          </a:prstGeom>
-          <a:noFill/>
-        </p:spPr>
-        <p:txBody>
-          <a:bodyPr wrap="none" rtlCol="0">
-            <a:spAutoFit/>
-          </a:bodyPr>
-          <a:lstStyle/>
-          <a:p>
-            <a:r>
-              <a:rPr lang="en-US" sz="1500" b="1" dirty="0">
-                <a:latin typeface="Avenir Roman" panose="02000503020000020003" pitchFamily="2" charset="0"/>
-              </a:rPr>
-              <a:t>v</a:t>
-            </a:r>
-          </a:p>
-        </p:txBody>
-      </p:sp>
       <p:pic>
         <p:nvPicPr>
           <p:cNvPr id="5" name="Picture 4">
@@ -5803,7 +5709,7 @@
           <p:nvPr/>
         </p:nvPicPr>
         <p:blipFill>
-          <a:blip r:embed="rId6" cstate="print">
+          <a:blip r:embed="rId5" cstate="print">
             <a:extLst>
               <a:ext uri="{28A0092B-C50C-407E-A947-70E740481C1C}">
                 <a14:useLocalDpi xmlns:a14="http://schemas.microsoft.com/office/drawing/2010/main" val="0"/>
@@ -5816,8 +5722,8 @@
         </p:blipFill>
         <p:spPr>
           <a:xfrm>
-            <a:off x="34768476" y="1447417"/>
-            <a:ext cx="4679380" cy="1643193"/>
+            <a:off x="35657464" y="1524146"/>
+            <a:ext cx="5118538" cy="1797406"/>
           </a:xfrm>
           <a:prstGeom prst="rect">
             <a:avLst/>
@@ -5839,14 +5745,14 @@
           <p:nvPr/>
         </p:nvPicPr>
         <p:blipFill>
-          <a:blip r:embed="rId7"/>
+          <a:blip r:embed="rId6"/>
           <a:stretch>
             <a:fillRect/>
           </a:stretch>
         </p:blipFill>
         <p:spPr>
           <a:xfrm>
-            <a:off x="9309664" y="12334898"/>
+            <a:off x="9342149" y="12860721"/>
             <a:ext cx="2245601" cy="3611432"/>
           </a:xfrm>
           <a:prstGeom prst="rect">
@@ -5906,7 +5812,7 @@
           <p:nvPr/>
         </p:nvPicPr>
         <p:blipFill>
-          <a:blip r:embed="rId8"/>
+          <a:blip r:embed="rId7"/>
           <a:stretch>
             <a:fillRect/>
           </a:stretch>
@@ -5936,7 +5842,7 @@
         <p:spPr>
           <a:xfrm>
             <a:off x="12967499" y="15826219"/>
-            <a:ext cx="6236677" cy="553998"/>
+            <a:ext cx="6236677" cy="369332"/>
           </a:xfrm>
           <a:prstGeom prst="rect">
             <a:avLst/>
@@ -5949,92 +5855,66 @@
           <a:lstStyle/>
           <a:p>
             <a:r>
-              <a:rPr lang="en-US" sz="1000" dirty="0">
-                <a:latin typeface="Arial" panose="020B0604020202020204" pitchFamily="34" charset="0"/>
+              <a:rPr lang="en-US" sz="900" dirty="0">
+                <a:latin typeface="Avenir Roman" panose="02000503020000020003"/>
                 <a:cs typeface="Arial" panose="020B0604020202020204" pitchFamily="34" charset="0"/>
               </a:rPr>
-              <a:t>Adapted from Hamid, A. A., Pettibone, J. R., </a:t>
-            </a:r>
-            <a:r>
-              <a:rPr lang="en-US" sz="1000" dirty="0" err="1">
-                <a:latin typeface="Arial" panose="020B0604020202020204" pitchFamily="34" charset="0"/>
-                <a:cs typeface="Arial" panose="020B0604020202020204" pitchFamily="34" charset="0"/>
-              </a:rPr>
-              <a:t>Mabrouk</a:t>
-            </a:r>
-            <a:r>
-              <a:rPr lang="en-US" sz="1000" dirty="0">
-                <a:latin typeface="Arial" panose="020B0604020202020204" pitchFamily="34" charset="0"/>
-                <a:cs typeface="Arial" panose="020B0604020202020204" pitchFamily="34" charset="0"/>
-              </a:rPr>
-              <a:t>, O. S., Hetrick, V. L., Schmidt, R., Vander </a:t>
-            </a:r>
-            <a:r>
-              <a:rPr lang="en-US" sz="1000" dirty="0" err="1">
-                <a:latin typeface="Arial" panose="020B0604020202020204" pitchFamily="34" charset="0"/>
-                <a:cs typeface="Arial" panose="020B0604020202020204" pitchFamily="34" charset="0"/>
-              </a:rPr>
-              <a:t>Weele</a:t>
-            </a:r>
-            <a:r>
-              <a:rPr lang="en-US" sz="1000" dirty="0">
-                <a:latin typeface="Arial" panose="020B0604020202020204" pitchFamily="34" charset="0"/>
-                <a:cs typeface="Arial" panose="020B0604020202020204" pitchFamily="34" charset="0"/>
-              </a:rPr>
-              <a:t>, C. M., ... &amp; </a:t>
-            </a:r>
-            <a:r>
-              <a:rPr lang="en-US" sz="1000" dirty="0" err="1">
-                <a:latin typeface="Arial" panose="020B0604020202020204" pitchFamily="34" charset="0"/>
-                <a:cs typeface="Arial" panose="020B0604020202020204" pitchFamily="34" charset="0"/>
-              </a:rPr>
-              <a:t>Berke</a:t>
-            </a:r>
-            <a:endParaRPr lang="en-US" sz="1000" dirty="0">
-              <a:latin typeface="Arial" panose="020B0604020202020204" pitchFamily="34" charset="0"/>
-              <a:cs typeface="Arial" panose="020B0604020202020204" pitchFamily="34" charset="0"/>
-            </a:endParaRPr>
-          </a:p>
-          <a:p>
-            <a:r>
-              <a:rPr lang="en-US" sz="1000" dirty="0">
-                <a:latin typeface="Arial" panose="020B0604020202020204" pitchFamily="34" charset="0"/>
-                <a:cs typeface="Arial" panose="020B0604020202020204" pitchFamily="34" charset="0"/>
-              </a:rPr>
-              <a:t>, J. D. (2016). Mesolimbic dopamine signals the value of work. </a:t>
-            </a:r>
-            <a:r>
-              <a:rPr lang="en-US" sz="1000" i="1" dirty="0">
-                <a:latin typeface="Arial" panose="020B0604020202020204" pitchFamily="34" charset="0"/>
-                <a:cs typeface="Arial" panose="020B0604020202020204" pitchFamily="34" charset="0"/>
-              </a:rPr>
-              <a:t>Nature neuroscience</a:t>
-            </a:r>
-            <a:r>
-              <a:rPr lang="en-US" sz="1000" dirty="0">
-                <a:latin typeface="Arial" panose="020B0604020202020204" pitchFamily="34" charset="0"/>
-                <a:cs typeface="Arial" panose="020B0604020202020204" pitchFamily="34" charset="0"/>
+              <a:t>Adapted from Fig. 2e </a:t>
+            </a:r>
+            <a:r>
+              <a:rPr lang="en-US" sz="900" dirty="0">
+                <a:latin typeface="Avenir Roman" panose="02000503020000020003"/>
+              </a:rPr>
+              <a:t>Howe, M. W., Tierney, P. L., Sandberg, S. G., Phillips, P. E., &amp; </a:t>
+            </a:r>
+            <a:r>
+              <a:rPr lang="en-US" sz="900" dirty="0" err="1">
+                <a:latin typeface="Avenir Roman" panose="02000503020000020003"/>
+              </a:rPr>
+              <a:t>Graybiel</a:t>
+            </a:r>
+            <a:r>
+              <a:rPr lang="en-US" sz="900" dirty="0">
+                <a:latin typeface="Avenir Roman" panose="02000503020000020003"/>
+              </a:rPr>
+              <a:t>, A. M. (2013). Prolonged dopamine </a:t>
+            </a:r>
+            <a:r>
+              <a:rPr lang="en-US" sz="900" dirty="0" err="1">
+                <a:latin typeface="Avenir Roman" panose="02000503020000020003"/>
+              </a:rPr>
+              <a:t>signalling</a:t>
+            </a:r>
+            <a:r>
+              <a:rPr lang="en-US" sz="900" dirty="0">
+                <a:latin typeface="Avenir Roman" panose="02000503020000020003"/>
+              </a:rPr>
+              <a:t> in striatum signals proximity and value of distant rewards. </a:t>
+            </a:r>
+            <a:r>
+              <a:rPr lang="en-US" sz="900" i="1" dirty="0">
+                <a:latin typeface="Avenir Roman" panose="02000503020000020003"/>
+              </a:rPr>
+              <a:t>Nature</a:t>
+            </a:r>
+            <a:r>
+              <a:rPr lang="en-US" sz="900" dirty="0">
+                <a:latin typeface="Avenir Roman" panose="02000503020000020003"/>
               </a:rPr>
               <a:t>, </a:t>
             </a:r>
             <a:r>
-              <a:rPr lang="en-US" sz="1000" i="1" dirty="0">
-                <a:latin typeface="Arial" panose="020B0604020202020204" pitchFamily="34" charset="0"/>
-                <a:cs typeface="Arial" panose="020B0604020202020204" pitchFamily="34" charset="0"/>
-              </a:rPr>
-              <a:t>19</a:t>
-            </a:r>
-            <a:r>
-              <a:rPr lang="en-US" sz="1000" dirty="0">
-                <a:latin typeface="Arial" panose="020B0604020202020204" pitchFamily="34" charset="0"/>
-                <a:cs typeface="Arial" panose="020B0604020202020204" pitchFamily="34" charset="0"/>
-              </a:rPr>
-              <a:t>(1), 117.</a:t>
-            </a:r>
-            <a:endParaRPr lang="en-US" sz="600" dirty="0">
-              <a:latin typeface="Arial" panose="020B0604020202020204" pitchFamily="34" charset="0"/>
-              <a:cs typeface="Arial" panose="020B0604020202020204" pitchFamily="34" charset="0"/>
-            </a:endParaRPr>
+              <a:rPr lang="en-US" sz="900" i="1" dirty="0">
+                <a:latin typeface="Avenir Roman" panose="02000503020000020003"/>
+              </a:rPr>
+              <a:t>500</a:t>
+            </a:r>
+            <a:r>
+              <a:rPr lang="en-US" sz="900" dirty="0">
+                <a:latin typeface="Avenir Roman" panose="02000503020000020003"/>
+              </a:rPr>
+              <a:t>(7464), 575.</a:t>
+            </a:r>
           </a:p>
         </p:txBody>
       </p:sp>
@@ -6053,7 +5933,7 @@
           <p:nvPr/>
         </p:nvPicPr>
         <p:blipFill>
-          <a:blip r:embed="rId9"/>
+          <a:blip r:embed="rId8"/>
           <a:stretch>
             <a:fillRect/>
           </a:stretch>
@@ -6083,7 +5963,7 @@
           <p:nvPr/>
         </p:nvPicPr>
         <p:blipFill>
-          <a:blip r:embed="rId10"/>
+          <a:blip r:embed="rId9"/>
           <a:stretch>
             <a:fillRect/>
           </a:stretch>
@@ -6113,7 +5993,7 @@
           <p:nvPr/>
         </p:nvPicPr>
         <p:blipFill>
-          <a:blip r:embed="rId11"/>
+          <a:blip r:embed="rId10"/>
           <a:stretch>
             <a:fillRect/>
           </a:stretch>
@@ -6143,7 +6023,7 @@
           <p:nvPr/>
         </p:nvPicPr>
         <p:blipFill>
-          <a:blip r:embed="rId12"/>
+          <a:blip r:embed="rId11"/>
           <a:stretch>
             <a:fillRect/>
           </a:stretch>
@@ -6173,7 +6053,7 @@
           <p:nvPr/>
         </p:nvPicPr>
         <p:blipFill>
-          <a:blip r:embed="rId13"/>
+          <a:blip r:embed="rId12"/>
           <a:stretch>
             <a:fillRect/>
           </a:stretch>
@@ -6203,7 +6083,7 @@
           <p:nvPr/>
         </p:nvPicPr>
         <p:blipFill>
-          <a:blip r:embed="rId14"/>
+          <a:blip r:embed="rId13"/>
           <a:stretch>
             <a:fillRect/>
           </a:stretch>
@@ -6233,7 +6113,7 @@
           <p:nvPr/>
         </p:nvPicPr>
         <p:blipFill>
-          <a:blip r:embed="rId15"/>
+          <a:blip r:embed="rId14"/>
           <a:stretch>
             <a:fillRect/>
           </a:stretch>
@@ -6263,7 +6143,7 @@
           <p:nvPr/>
         </p:nvPicPr>
         <p:blipFill>
-          <a:blip r:embed="rId16"/>
+          <a:blip r:embed="rId15"/>
           <a:stretch>
             <a:fillRect/>
           </a:stretch>
@@ -6821,7 +6701,7 @@
         </p:nvSpPr>
         <p:spPr>
           <a:xfrm>
-            <a:off x="1744576" y="18048501"/>
+            <a:off x="1889280" y="18637624"/>
             <a:ext cx="17375775" cy="1892826"/>
           </a:xfrm>
           <a:prstGeom prst="rect">
@@ -6879,6 +6759,501 @@
           <p:nvPr/>
         </p:nvPicPr>
         <p:blipFill>
+          <a:blip r:embed="rId16"/>
+          <a:stretch>
+            <a:fillRect/>
+          </a:stretch>
+        </p:blipFill>
+        <p:spPr>
+          <a:xfrm>
+            <a:off x="7172297" y="21800180"/>
+            <a:ext cx="3753718" cy="2709670"/>
+          </a:xfrm>
+          <a:prstGeom prst="rect">
+            <a:avLst/>
+          </a:prstGeom>
+        </p:spPr>
+      </p:pic>
+      <p:graphicFrame>
+        <p:nvGraphicFramePr>
+          <p:cNvPr id="11" name="Table 10">
+            <a:extLst>
+              <a:ext uri="{FF2B5EF4-FFF2-40B4-BE49-F238E27FC236}">
+                <a16:creationId xmlns:a16="http://schemas.microsoft.com/office/drawing/2014/main" id="{E7F8CEE6-4264-477D-B029-B92049E74451}"/>
+              </a:ext>
+            </a:extLst>
+          </p:cNvPr>
+          <p:cNvGraphicFramePr>
+            <a:graphicFrameLocks noGrp="1"/>
+          </p:cNvGraphicFramePr>
+          <p:nvPr>
+            <p:extLst>
+              <p:ext uri="{D42A27DB-BD31-4B8C-83A1-F6EECF244321}">
+                <p14:modId xmlns:p14="http://schemas.microsoft.com/office/powerpoint/2010/main" val="514510582"/>
+              </p:ext>
+            </p:extLst>
+          </p:nvPr>
+        </p:nvGraphicFramePr>
+        <p:xfrm>
+          <a:off x="9192722" y="25554971"/>
+          <a:ext cx="7676624" cy="2247807"/>
+        </p:xfrm>
+        <a:graphic>
+          <a:graphicData uri="http://schemas.openxmlformats.org/drawingml/2006/table">
+            <a:tbl>
+              <a:tblPr firstRow="1" bandRow="1">
+                <a:tableStyleId>{5940675A-B579-460E-94D1-54222C63F5DA}</a:tableStyleId>
+              </a:tblPr>
+              <a:tblGrid>
+                <a:gridCol w="3644176">
+                  <a:extLst>
+                    <a:ext uri="{9D8B030D-6E8A-4147-A177-3AD203B41FA5}">
+                      <a16:colId xmlns:a16="http://schemas.microsoft.com/office/drawing/2014/main" val="3187685577"/>
+                    </a:ext>
+                  </a:extLst>
+                </a:gridCol>
+                <a:gridCol w="4032448">
+                  <a:extLst>
+                    <a:ext uri="{9D8B030D-6E8A-4147-A177-3AD203B41FA5}">
+                      <a16:colId xmlns:a16="http://schemas.microsoft.com/office/drawing/2014/main" val="4213025412"/>
+                    </a:ext>
+                  </a:extLst>
+                </a:gridCol>
+              </a:tblGrid>
+              <a:tr h="815883">
+                <a:tc>
+                  <a:txBody>
+                    <a:bodyPr/>
+                    <a:lstStyle/>
+                    <a:p>
+                      <a:r>
+                        <a:rPr lang="en-US" sz="2000" dirty="0"/>
+                        <a:t>Guaranteed amount  = $1 or $2</a:t>
+                      </a:r>
+                    </a:p>
+                  </a:txBody>
+                  <a:tcPr marL="56283" marR="56283" marT="28142" marB="28142"/>
+                </a:tc>
+                <a:tc>
+                  <a:txBody>
+                    <a:bodyPr/>
+                    <a:lstStyle/>
+                    <a:p>
+                      <a:pPr marL="0" marR="0" lvl="0" indent="0" algn="l" defTabSz="3986369" rtl="0" eaLnBrk="1" fontAlgn="auto" latinLnBrk="0" hangingPunct="1">
+                        <a:lnSpc>
+                          <a:spcPct val="100000"/>
+                        </a:lnSpc>
+                        <a:spcBef>
+                          <a:spcPts val="0"/>
+                        </a:spcBef>
+                        <a:spcAft>
+                          <a:spcPts val="0"/>
+                        </a:spcAft>
+                        <a:buClrTx/>
+                        <a:buSzTx/>
+                        <a:buFontTx/>
+                        <a:buNone/>
+                        <a:tabLst/>
+                        <a:defRPr/>
+                      </a:pPr>
+                      <a:r>
+                        <a:rPr lang="en-US" sz="2000" dirty="0"/>
+                        <a:t>Gamble = 1.5 x guaranteed amount</a:t>
+                      </a:r>
+                    </a:p>
+                  </a:txBody>
+                  <a:tcPr marL="56283" marR="56283" marT="28142" marB="28142"/>
+                </a:tc>
+                <a:extLst>
+                  <a:ext uri="{0D108BD9-81ED-4DB2-BD59-A6C34878D82A}">
+                    <a16:rowId xmlns:a16="http://schemas.microsoft.com/office/drawing/2014/main" val="2480911570"/>
+                  </a:ext>
+                </a:extLst>
+              </a:tr>
+              <a:tr h="715962">
+                <a:tc>
+                  <a:txBody>
+                    <a:bodyPr/>
+                    <a:lstStyle/>
+                    <a:p>
+                      <a:pPr marL="0" marR="0" lvl="0" indent="0" algn="l" defTabSz="3986369" rtl="0" eaLnBrk="1" fontAlgn="auto" latinLnBrk="0" hangingPunct="1">
+                        <a:lnSpc>
+                          <a:spcPct val="100000"/>
+                        </a:lnSpc>
+                        <a:spcBef>
+                          <a:spcPts val="0"/>
+                        </a:spcBef>
+                        <a:spcAft>
+                          <a:spcPts val="0"/>
+                        </a:spcAft>
+                        <a:buClrTx/>
+                        <a:buSzTx/>
+                        <a:buFontTx/>
+                        <a:buNone/>
+                        <a:tabLst/>
+                        <a:defRPr/>
+                      </a:pPr>
+                      <a:r>
+                        <a:rPr lang="en-US" sz="2000" dirty="0"/>
+                        <a:t>Guaranteed amount  = $3 or $4</a:t>
+                      </a:r>
+                    </a:p>
+                    <a:p>
+                      <a:endParaRPr lang="en-US" sz="2000" dirty="0"/>
+                    </a:p>
+                  </a:txBody>
+                  <a:tcPr marL="56283" marR="56283" marT="28142" marB="28142"/>
+                </a:tc>
+                <a:tc>
+                  <a:txBody>
+                    <a:bodyPr/>
+                    <a:lstStyle/>
+                    <a:p>
+                      <a:pPr marL="0" marR="0" lvl="0" indent="0" algn="l" defTabSz="3986369" rtl="0" eaLnBrk="1" fontAlgn="auto" latinLnBrk="0" hangingPunct="1">
+                        <a:lnSpc>
+                          <a:spcPct val="100000"/>
+                        </a:lnSpc>
+                        <a:spcBef>
+                          <a:spcPts val="0"/>
+                        </a:spcBef>
+                        <a:spcAft>
+                          <a:spcPts val="0"/>
+                        </a:spcAft>
+                        <a:buClrTx/>
+                        <a:buSzTx/>
+                        <a:buFontTx/>
+                        <a:buNone/>
+                        <a:tabLst/>
+                        <a:defRPr/>
+                      </a:pPr>
+                      <a:r>
+                        <a:rPr lang="en-US" sz="2000" dirty="0"/>
+                        <a:t>Gamble = 2 x guaranteed amount</a:t>
+                      </a:r>
+                    </a:p>
+                    <a:p>
+                      <a:endParaRPr lang="en-US" sz="2000" dirty="0"/>
+                    </a:p>
+                  </a:txBody>
+                  <a:tcPr marL="56283" marR="56283" marT="28142" marB="28142"/>
+                </a:tc>
+                <a:extLst>
+                  <a:ext uri="{0D108BD9-81ED-4DB2-BD59-A6C34878D82A}">
+                    <a16:rowId xmlns:a16="http://schemas.microsoft.com/office/drawing/2014/main" val="2786918704"/>
+                  </a:ext>
+                </a:extLst>
+              </a:tr>
+              <a:tr h="715962">
+                <a:tc>
+                  <a:txBody>
+                    <a:bodyPr/>
+                    <a:lstStyle/>
+                    <a:p>
+                      <a:pPr marL="0" marR="0" lvl="0" indent="0" algn="l" defTabSz="3986369" rtl="0" eaLnBrk="1" fontAlgn="auto" latinLnBrk="0" hangingPunct="1">
+                        <a:lnSpc>
+                          <a:spcPct val="100000"/>
+                        </a:lnSpc>
+                        <a:spcBef>
+                          <a:spcPts val="0"/>
+                        </a:spcBef>
+                        <a:spcAft>
+                          <a:spcPts val="0"/>
+                        </a:spcAft>
+                        <a:buClrTx/>
+                        <a:buSzTx/>
+                        <a:buFontTx/>
+                        <a:buNone/>
+                        <a:tabLst/>
+                        <a:defRPr/>
+                      </a:pPr>
+                      <a:r>
+                        <a:rPr lang="en-US" sz="2000" dirty="0"/>
+                        <a:t>Guaranteed amount  = $5 or $6</a:t>
+                      </a:r>
+                    </a:p>
+                    <a:p>
+                      <a:endParaRPr lang="en-US" sz="2000" dirty="0"/>
+                    </a:p>
+                  </a:txBody>
+                  <a:tcPr marL="56283" marR="56283" marT="28142" marB="28142"/>
+                </a:tc>
+                <a:tc>
+                  <a:txBody>
+                    <a:bodyPr/>
+                    <a:lstStyle/>
+                    <a:p>
+                      <a:pPr marL="0" marR="0" lvl="0" indent="0" algn="l" defTabSz="3986369" rtl="0" eaLnBrk="1" fontAlgn="auto" latinLnBrk="0" hangingPunct="1">
+                        <a:lnSpc>
+                          <a:spcPct val="100000"/>
+                        </a:lnSpc>
+                        <a:spcBef>
+                          <a:spcPts val="0"/>
+                        </a:spcBef>
+                        <a:spcAft>
+                          <a:spcPts val="0"/>
+                        </a:spcAft>
+                        <a:buClrTx/>
+                        <a:buSzTx/>
+                        <a:buFontTx/>
+                        <a:buNone/>
+                        <a:tabLst/>
+                        <a:defRPr/>
+                      </a:pPr>
+                      <a:r>
+                        <a:rPr lang="en-US" sz="2000" dirty="0"/>
+                        <a:t>Gamble = 3 x guaranteed amount</a:t>
+                      </a:r>
+                    </a:p>
+                    <a:p>
+                      <a:endParaRPr lang="en-US" sz="2000" dirty="0"/>
+                    </a:p>
+                  </a:txBody>
+                  <a:tcPr marL="56283" marR="56283" marT="28142" marB="28142"/>
+                </a:tc>
+                <a:extLst>
+                  <a:ext uri="{0D108BD9-81ED-4DB2-BD59-A6C34878D82A}">
+                    <a16:rowId xmlns:a16="http://schemas.microsoft.com/office/drawing/2014/main" val="4130959178"/>
+                  </a:ext>
+                </a:extLst>
+              </a:tr>
+            </a:tbl>
+          </a:graphicData>
+        </a:graphic>
+      </p:graphicFrame>
+      <p:sp>
+        <p:nvSpPr>
+          <p:cNvPr id="70" name="Textfeld 44">
+            <a:extLst>
+              <a:ext uri="{FF2B5EF4-FFF2-40B4-BE49-F238E27FC236}">
+                <a16:creationId xmlns:a16="http://schemas.microsoft.com/office/drawing/2014/main" id="{5BCA6E63-6CE0-4078-B929-68FC4F101713}"/>
+              </a:ext>
+            </a:extLst>
+          </p:cNvPr>
+          <p:cNvSpPr txBox="1"/>
+          <p:nvPr/>
+        </p:nvSpPr>
+        <p:spPr>
+          <a:xfrm>
+            <a:off x="9923353" y="24842377"/>
+            <a:ext cx="1925438" cy="461665"/>
+          </a:xfrm>
+          <a:prstGeom prst="rect">
+            <a:avLst/>
+          </a:prstGeom>
+          <a:noFill/>
+        </p:spPr>
+        <p:txBody>
+          <a:bodyPr wrap="square" rtlCol="0">
+            <a:spAutoFit/>
+          </a:bodyPr>
+          <a:lstStyle/>
+          <a:p>
+            <a:pPr>
+              <a:spcAft>
+                <a:spcPts val="600"/>
+              </a:spcAft>
+            </a:pPr>
+            <a:r>
+              <a:rPr lang="en-US" sz="2400" noProof="1">
+                <a:latin typeface="Avenir Heavy"/>
+                <a:cs typeface="Avenir Heavy"/>
+              </a:rPr>
+              <a:t>Magnitude</a:t>
+            </a:r>
+          </a:p>
+        </p:txBody>
+      </p:sp>
+      <p:sp>
+        <p:nvSpPr>
+          <p:cNvPr id="71" name="Textfeld 44">
+            <a:extLst>
+              <a:ext uri="{FF2B5EF4-FFF2-40B4-BE49-F238E27FC236}">
+                <a16:creationId xmlns:a16="http://schemas.microsoft.com/office/drawing/2014/main" id="{817011CE-9F7F-46EC-BC03-D276FFE946FA}"/>
+              </a:ext>
+            </a:extLst>
+          </p:cNvPr>
+          <p:cNvSpPr txBox="1"/>
+          <p:nvPr/>
+        </p:nvSpPr>
+        <p:spPr>
+          <a:xfrm>
+            <a:off x="14148381" y="24923157"/>
+            <a:ext cx="1430613" cy="461665"/>
+          </a:xfrm>
+          <a:prstGeom prst="rect">
+            <a:avLst/>
+          </a:prstGeom>
+          <a:noFill/>
+        </p:spPr>
+        <p:txBody>
+          <a:bodyPr wrap="square" rtlCol="0">
+            <a:spAutoFit/>
+          </a:bodyPr>
+          <a:lstStyle/>
+          <a:p>
+            <a:pPr>
+              <a:spcAft>
+                <a:spcPts val="600"/>
+              </a:spcAft>
+            </a:pPr>
+            <a:r>
+              <a:rPr lang="en-US" sz="2400" noProof="1">
+                <a:latin typeface="Avenir Heavy"/>
+                <a:cs typeface="Avenir Heavy"/>
+              </a:rPr>
+              <a:t>Value</a:t>
+            </a:r>
+            <a:endParaRPr lang="en-US" sz="3200" noProof="1">
+              <a:latin typeface="Avenir Heavy"/>
+              <a:cs typeface="Avenir Heavy"/>
+            </a:endParaRPr>
+          </a:p>
+        </p:txBody>
+      </p:sp>
+      <p:sp>
+        <p:nvSpPr>
+          <p:cNvPr id="72" name="Textfeld 44">
+            <a:extLst>
+              <a:ext uri="{FF2B5EF4-FFF2-40B4-BE49-F238E27FC236}">
+                <a16:creationId xmlns:a16="http://schemas.microsoft.com/office/drawing/2014/main" id="{B0939118-83AE-4C7A-811D-0D2591853B3A}"/>
+              </a:ext>
+            </a:extLst>
+          </p:cNvPr>
+          <p:cNvSpPr txBox="1"/>
+          <p:nvPr/>
+        </p:nvSpPr>
+        <p:spPr>
+          <a:xfrm>
+            <a:off x="8071759" y="25594433"/>
+            <a:ext cx="1430613" cy="461665"/>
+          </a:xfrm>
+          <a:prstGeom prst="rect">
+            <a:avLst/>
+          </a:prstGeom>
+          <a:noFill/>
+        </p:spPr>
+        <p:txBody>
+          <a:bodyPr wrap="square" rtlCol="0">
+            <a:spAutoFit/>
+          </a:bodyPr>
+          <a:lstStyle/>
+          <a:p>
+            <a:pPr>
+              <a:spcAft>
+                <a:spcPts val="600"/>
+              </a:spcAft>
+            </a:pPr>
+            <a:r>
+              <a:rPr lang="en-US" sz="2400" noProof="1">
+                <a:latin typeface="Avenir Heavy"/>
+                <a:cs typeface="Avenir Heavy"/>
+              </a:rPr>
+              <a:t>Low</a:t>
+            </a:r>
+          </a:p>
+        </p:txBody>
+      </p:sp>
+      <p:sp>
+        <p:nvSpPr>
+          <p:cNvPr id="73" name="Textfeld 44">
+            <a:extLst>
+              <a:ext uri="{FF2B5EF4-FFF2-40B4-BE49-F238E27FC236}">
+                <a16:creationId xmlns:a16="http://schemas.microsoft.com/office/drawing/2014/main" id="{923DB65B-20F5-46A4-8750-8C130F6636C4}"/>
+              </a:ext>
+            </a:extLst>
+          </p:cNvPr>
+          <p:cNvSpPr txBox="1"/>
+          <p:nvPr/>
+        </p:nvSpPr>
+        <p:spPr>
+          <a:xfrm>
+            <a:off x="8120436" y="26476472"/>
+            <a:ext cx="1430613" cy="461665"/>
+          </a:xfrm>
+          <a:prstGeom prst="rect">
+            <a:avLst/>
+          </a:prstGeom>
+          <a:noFill/>
+        </p:spPr>
+        <p:txBody>
+          <a:bodyPr wrap="square" rtlCol="0">
+            <a:spAutoFit/>
+          </a:bodyPr>
+          <a:lstStyle/>
+          <a:p>
+            <a:pPr>
+              <a:spcAft>
+                <a:spcPts val="600"/>
+              </a:spcAft>
+            </a:pPr>
+            <a:r>
+              <a:rPr lang="en-US" sz="2400" noProof="1">
+                <a:latin typeface="Avenir Heavy"/>
+                <a:cs typeface="Avenir Heavy"/>
+              </a:rPr>
+              <a:t>Mid</a:t>
+            </a:r>
+          </a:p>
+        </p:txBody>
+      </p:sp>
+      <p:sp>
+        <p:nvSpPr>
+          <p:cNvPr id="74" name="Textfeld 44">
+            <a:extLst>
+              <a:ext uri="{FF2B5EF4-FFF2-40B4-BE49-F238E27FC236}">
+                <a16:creationId xmlns:a16="http://schemas.microsoft.com/office/drawing/2014/main" id="{54E8FA0F-F89B-40CD-A13D-C3FFAE3B07AA}"/>
+              </a:ext>
+            </a:extLst>
+          </p:cNvPr>
+          <p:cNvSpPr txBox="1"/>
+          <p:nvPr/>
+        </p:nvSpPr>
+        <p:spPr>
+          <a:xfrm>
+            <a:off x="8120436" y="27246794"/>
+            <a:ext cx="1430613" cy="461665"/>
+          </a:xfrm>
+          <a:prstGeom prst="rect">
+            <a:avLst/>
+          </a:prstGeom>
+          <a:noFill/>
+        </p:spPr>
+        <p:txBody>
+          <a:bodyPr wrap="square" rtlCol="0">
+            <a:spAutoFit/>
+          </a:bodyPr>
+          <a:lstStyle/>
+          <a:p>
+            <a:pPr>
+              <a:spcAft>
+                <a:spcPts val="600"/>
+              </a:spcAft>
+            </a:pPr>
+            <a:r>
+              <a:rPr lang="en-US" sz="2400" noProof="1">
+                <a:latin typeface="Avenir Heavy"/>
+                <a:cs typeface="Avenir Heavy"/>
+              </a:rPr>
+              <a:t>High</a:t>
+            </a:r>
+          </a:p>
+        </p:txBody>
+      </p:sp>
+      <p:pic>
+        <p:nvPicPr>
+          <p:cNvPr id="14" name="Picture 13">
+            <a:extLst>
+              <a:ext uri="{FF2B5EF4-FFF2-40B4-BE49-F238E27FC236}">
+                <a16:creationId xmlns:a16="http://schemas.microsoft.com/office/drawing/2014/main" id="{37EA5C10-EBAE-4F94-BF9C-02C2E7AE6402}"/>
+              </a:ext>
+            </a:extLst>
+          </p:cNvPr>
+          <p:cNvPicPr>
+            <a:picLocks noChangeAspect="1"/>
+          </p:cNvPicPr>
+          <p:nvPr/>
+        </p:nvPicPr>
+        <p:blipFill>
           <a:blip r:embed="rId17"/>
           <a:stretch>
             <a:fillRect/>
@@ -6886,8 +7261,8 @@
         </p:blipFill>
         <p:spPr>
           <a:xfrm>
-            <a:off x="13118127" y="25344532"/>
-            <a:ext cx="5763067" cy="4160144"/>
+            <a:off x="32303577" y="5809031"/>
+            <a:ext cx="7206849" cy="4987633"/>
           </a:xfrm>
           <a:prstGeom prst="rect">
             <a:avLst/>
@@ -6896,10 +7271,10 @@
       </p:pic>
       <p:pic>
         <p:nvPicPr>
-          <p:cNvPr id="10" name="Picture 9">
+          <p:cNvPr id="15" name="Picture 14">
             <a:extLst>
               <a:ext uri="{FF2B5EF4-FFF2-40B4-BE49-F238E27FC236}">
-                <a16:creationId xmlns:a16="http://schemas.microsoft.com/office/drawing/2014/main" id="{BA15B837-FAA8-4C00-AFFD-0EAE18C6616E}"/>
+                <a16:creationId xmlns:a16="http://schemas.microsoft.com/office/drawing/2014/main" id="{B21FF649-CC80-4410-B235-3990E73E414A}"/>
               </a:ext>
             </a:extLst>
           </p:cNvPr>
@@ -6916,14 +7291,342 @@
         </p:blipFill>
         <p:spPr>
           <a:xfrm>
-            <a:off x="23477943" y="6012303"/>
-            <a:ext cx="7361905" cy="5314286"/>
+            <a:off x="23350099" y="5685635"/>
+            <a:ext cx="7554911" cy="5228516"/>
           </a:xfrm>
           <a:prstGeom prst="rect">
             <a:avLst/>
           </a:prstGeom>
         </p:spPr>
       </p:pic>
+      <p:pic>
+        <p:nvPicPr>
+          <p:cNvPr id="19" name="Picture 18">
+            <a:extLst>
+              <a:ext uri="{FF2B5EF4-FFF2-40B4-BE49-F238E27FC236}">
+                <a16:creationId xmlns:a16="http://schemas.microsoft.com/office/drawing/2014/main" id="{E9B075B2-E420-4DC5-A394-3E1BC9CAAF8E}"/>
+              </a:ext>
+            </a:extLst>
+          </p:cNvPr>
+          <p:cNvPicPr>
+            <a:picLocks noChangeAspect="1"/>
+          </p:cNvPicPr>
+          <p:nvPr/>
+        </p:nvPicPr>
+        <p:blipFill>
+          <a:blip r:embed="rId19"/>
+          <a:stretch>
+            <a:fillRect/>
+          </a:stretch>
+        </p:blipFill>
+        <p:spPr>
+          <a:xfrm>
+            <a:off x="23095784" y="11459918"/>
+            <a:ext cx="6123809" cy="4238095"/>
+          </a:xfrm>
+          <a:prstGeom prst="rect">
+            <a:avLst/>
+          </a:prstGeom>
+        </p:spPr>
+      </p:pic>
+      <p:pic>
+        <p:nvPicPr>
+          <p:cNvPr id="20" name="Picture 19">
+            <a:extLst>
+              <a:ext uri="{FF2B5EF4-FFF2-40B4-BE49-F238E27FC236}">
+                <a16:creationId xmlns:a16="http://schemas.microsoft.com/office/drawing/2014/main" id="{25D0B9FF-EBA7-4057-9FF5-166E224CEB1E}"/>
+              </a:ext>
+            </a:extLst>
+          </p:cNvPr>
+          <p:cNvPicPr>
+            <a:picLocks noChangeAspect="1"/>
+          </p:cNvPicPr>
+          <p:nvPr/>
+        </p:nvPicPr>
+        <p:blipFill>
+          <a:blip r:embed="rId20"/>
+          <a:stretch>
+            <a:fillRect/>
+          </a:stretch>
+        </p:blipFill>
+        <p:spPr>
+          <a:xfrm>
+            <a:off x="29820225" y="11446291"/>
+            <a:ext cx="5208106" cy="3604366"/>
+          </a:xfrm>
+          <a:prstGeom prst="rect">
+            <a:avLst/>
+          </a:prstGeom>
+        </p:spPr>
+      </p:pic>
+      <p:pic>
+        <p:nvPicPr>
+          <p:cNvPr id="21" name="Picture 20">
+            <a:extLst>
+              <a:ext uri="{FF2B5EF4-FFF2-40B4-BE49-F238E27FC236}">
+                <a16:creationId xmlns:a16="http://schemas.microsoft.com/office/drawing/2014/main" id="{8AF87953-9730-4E0D-97C6-8B0264BBA168}"/>
+              </a:ext>
+            </a:extLst>
+          </p:cNvPr>
+          <p:cNvPicPr>
+            <a:picLocks noChangeAspect="1"/>
+          </p:cNvPicPr>
+          <p:nvPr/>
+        </p:nvPicPr>
+        <p:blipFill>
+          <a:blip r:embed="rId21"/>
+          <a:stretch>
+            <a:fillRect/>
+          </a:stretch>
+        </p:blipFill>
+        <p:spPr>
+          <a:xfrm>
+            <a:off x="35507653" y="11657938"/>
+            <a:ext cx="5208105" cy="3604365"/>
+          </a:xfrm>
+          <a:prstGeom prst="rect">
+            <a:avLst/>
+          </a:prstGeom>
+        </p:spPr>
+      </p:pic>
+      <p:pic>
+        <p:nvPicPr>
+          <p:cNvPr id="23" name="Picture 22">
+            <a:extLst>
+              <a:ext uri="{FF2B5EF4-FFF2-40B4-BE49-F238E27FC236}">
+                <a16:creationId xmlns:a16="http://schemas.microsoft.com/office/drawing/2014/main" id="{B4A4C5E0-FC9D-44C5-BB8A-46FE4738229B}"/>
+              </a:ext>
+            </a:extLst>
+          </p:cNvPr>
+          <p:cNvPicPr>
+            <a:picLocks noChangeAspect="1"/>
+          </p:cNvPicPr>
+          <p:nvPr/>
+        </p:nvPicPr>
+        <p:blipFill>
+          <a:blip r:embed="rId22"/>
+          <a:stretch>
+            <a:fillRect/>
+          </a:stretch>
+        </p:blipFill>
+        <p:spPr>
+          <a:xfrm>
+            <a:off x="32899352" y="15826219"/>
+            <a:ext cx="6123809" cy="4238095"/>
+          </a:xfrm>
+          <a:prstGeom prst="rect">
+            <a:avLst/>
+          </a:prstGeom>
+        </p:spPr>
+      </p:pic>
+      <p:pic>
+        <p:nvPicPr>
+          <p:cNvPr id="25" name="Picture 24">
+            <a:extLst>
+              <a:ext uri="{FF2B5EF4-FFF2-40B4-BE49-F238E27FC236}">
+                <a16:creationId xmlns:a16="http://schemas.microsoft.com/office/drawing/2014/main" id="{AF9EA6F7-A073-4F4D-A468-26E2BA902DF3}"/>
+              </a:ext>
+            </a:extLst>
+          </p:cNvPr>
+          <p:cNvPicPr>
+            <a:picLocks noChangeAspect="1"/>
+          </p:cNvPicPr>
+          <p:nvPr/>
+        </p:nvPicPr>
+        <p:blipFill>
+          <a:blip r:embed="rId23"/>
+          <a:stretch>
+            <a:fillRect/>
+          </a:stretch>
+        </p:blipFill>
+        <p:spPr>
+          <a:xfrm>
+            <a:off x="26061453" y="16028909"/>
+            <a:ext cx="5617120" cy="4054790"/>
+          </a:xfrm>
+          <a:prstGeom prst="rect">
+            <a:avLst/>
+          </a:prstGeom>
+        </p:spPr>
+      </p:pic>
+      <p:sp>
+        <p:nvSpPr>
+          <p:cNvPr id="78" name="Rectangle 77">
+            <a:extLst>
+              <a:ext uri="{FF2B5EF4-FFF2-40B4-BE49-F238E27FC236}">
+                <a16:creationId xmlns:a16="http://schemas.microsoft.com/office/drawing/2014/main" id="{F46199EF-AEBD-436B-87B9-1AADD63FA297}"/>
+              </a:ext>
+            </a:extLst>
+          </p:cNvPr>
+          <p:cNvSpPr/>
+          <p:nvPr/>
+        </p:nvSpPr>
+        <p:spPr>
+          <a:xfrm>
+            <a:off x="7314124" y="16863485"/>
+            <a:ext cx="6236677" cy="369332"/>
+          </a:xfrm>
+          <a:prstGeom prst="rect">
+            <a:avLst/>
+          </a:prstGeom>
+        </p:spPr>
+        <p:txBody>
+          <a:bodyPr wrap="square">
+            <a:spAutoFit/>
+          </a:bodyPr>
+          <a:lstStyle/>
+          <a:p>
+            <a:r>
+              <a:rPr lang="en-US" sz="900" dirty="0">
+                <a:latin typeface="Avenir Roman" panose="02000503020000020003"/>
+                <a:cs typeface="Arial" panose="020B0604020202020204" pitchFamily="34" charset="0"/>
+              </a:rPr>
+              <a:t>Adapted from Fig. 4a Hamid, A. A., Pettibone, J. R., </a:t>
+            </a:r>
+            <a:r>
+              <a:rPr lang="en-US" sz="900" dirty="0" err="1">
+                <a:latin typeface="Avenir Roman" panose="02000503020000020003"/>
+                <a:cs typeface="Arial" panose="020B0604020202020204" pitchFamily="34" charset="0"/>
+              </a:rPr>
+              <a:t>Mabrouk</a:t>
+            </a:r>
+            <a:r>
+              <a:rPr lang="en-US" sz="900" dirty="0">
+                <a:latin typeface="Avenir Roman" panose="02000503020000020003"/>
+                <a:cs typeface="Arial" panose="020B0604020202020204" pitchFamily="34" charset="0"/>
+              </a:rPr>
+              <a:t>, O. S., Hetrick, V. L., Schmidt, R., Vander </a:t>
+            </a:r>
+            <a:r>
+              <a:rPr lang="en-US" sz="900" dirty="0" err="1">
+                <a:latin typeface="Avenir Roman" panose="02000503020000020003"/>
+                <a:cs typeface="Arial" panose="020B0604020202020204" pitchFamily="34" charset="0"/>
+              </a:rPr>
+              <a:t>Weele</a:t>
+            </a:r>
+            <a:r>
+              <a:rPr lang="en-US" sz="900" dirty="0">
+                <a:latin typeface="Avenir Roman" panose="02000503020000020003"/>
+                <a:cs typeface="Arial" panose="020B0604020202020204" pitchFamily="34" charset="0"/>
+              </a:rPr>
+              <a:t>, C. M., ... &amp; </a:t>
+            </a:r>
+            <a:r>
+              <a:rPr lang="en-US" sz="900" dirty="0" err="1">
+                <a:latin typeface="Avenir Roman" panose="02000503020000020003"/>
+                <a:cs typeface="Arial" panose="020B0604020202020204" pitchFamily="34" charset="0"/>
+              </a:rPr>
+              <a:t>Berke</a:t>
+            </a:r>
+            <a:r>
+              <a:rPr lang="en-US" sz="900" dirty="0">
+                <a:latin typeface="Avenir Roman" panose="02000503020000020003"/>
+                <a:cs typeface="Arial" panose="020B0604020202020204" pitchFamily="34" charset="0"/>
+              </a:rPr>
+              <a:t>, J. D. (2016). Mesolimbic dopamine signals the value of work. </a:t>
+            </a:r>
+            <a:r>
+              <a:rPr lang="en-US" sz="900" i="1" dirty="0">
+                <a:latin typeface="Avenir Roman" panose="02000503020000020003"/>
+                <a:cs typeface="Arial" panose="020B0604020202020204" pitchFamily="34" charset="0"/>
+              </a:rPr>
+              <a:t>Nature neuroscience</a:t>
+            </a:r>
+            <a:r>
+              <a:rPr lang="en-US" sz="900" dirty="0">
+                <a:latin typeface="Avenir Roman" panose="02000503020000020003"/>
+                <a:cs typeface="Arial" panose="020B0604020202020204" pitchFamily="34" charset="0"/>
+              </a:rPr>
+              <a:t>, </a:t>
+            </a:r>
+            <a:r>
+              <a:rPr lang="en-US" sz="900" i="1" dirty="0">
+                <a:latin typeface="Avenir Roman" panose="02000503020000020003"/>
+                <a:cs typeface="Arial" panose="020B0604020202020204" pitchFamily="34" charset="0"/>
+              </a:rPr>
+              <a:t>19</a:t>
+            </a:r>
+            <a:r>
+              <a:rPr lang="en-US" sz="900" dirty="0">
+                <a:latin typeface="Avenir Roman" panose="02000503020000020003"/>
+                <a:cs typeface="Arial" panose="020B0604020202020204" pitchFamily="34" charset="0"/>
+              </a:rPr>
+              <a:t>(1), 117. </a:t>
+            </a:r>
+            <a:endParaRPr lang="en-US" sz="500" dirty="0">
+              <a:latin typeface="Avenir Roman" panose="02000503020000020003"/>
+              <a:cs typeface="Arial" panose="020B0604020202020204" pitchFamily="34" charset="0"/>
+            </a:endParaRPr>
+          </a:p>
+        </p:txBody>
+      </p:sp>
+      <p:sp>
+        <p:nvSpPr>
+          <p:cNvPr id="79" name="Rectangle 78">
+            <a:extLst>
+              <a:ext uri="{FF2B5EF4-FFF2-40B4-BE49-F238E27FC236}">
+                <a16:creationId xmlns:a16="http://schemas.microsoft.com/office/drawing/2014/main" id="{C9E794C2-EB8A-4936-8ED3-68120D89277B}"/>
+              </a:ext>
+            </a:extLst>
+          </p:cNvPr>
+          <p:cNvSpPr/>
+          <p:nvPr/>
+        </p:nvSpPr>
+        <p:spPr>
+          <a:xfrm>
+            <a:off x="1018860" y="17017921"/>
+            <a:ext cx="6236677" cy="230832"/>
+          </a:xfrm>
+          <a:prstGeom prst="rect">
+            <a:avLst/>
+          </a:prstGeom>
+        </p:spPr>
+        <p:txBody>
+          <a:bodyPr wrap="square">
+            <a:spAutoFit/>
+          </a:bodyPr>
+          <a:lstStyle/>
+          <a:p>
+            <a:r>
+              <a:rPr lang="en-US" sz="900" dirty="0">
+                <a:latin typeface="Avenir Roman" panose="02000503020000020003"/>
+                <a:cs typeface="Arial" panose="020B0604020202020204" pitchFamily="34" charset="0"/>
+              </a:rPr>
+              <a:t>Adapted from </a:t>
+            </a:r>
+            <a:r>
+              <a:rPr lang="en-US" sz="900" dirty="0">
+                <a:latin typeface="Avenir Roman" panose="02000503020000020003"/>
+              </a:rPr>
+              <a:t>Schultz, W. (2001). Book review: Reward signaling by dopamine neurons. </a:t>
+            </a:r>
+            <a:r>
+              <a:rPr lang="en-US" sz="900" i="1" dirty="0">
+                <a:latin typeface="Avenir Roman" panose="02000503020000020003"/>
+              </a:rPr>
+              <a:t>The Neuroscientist</a:t>
+            </a:r>
+            <a:r>
+              <a:rPr lang="en-US" sz="900" dirty="0">
+                <a:latin typeface="Avenir Roman" panose="02000503020000020003"/>
+              </a:rPr>
+              <a:t>, </a:t>
+            </a:r>
+            <a:r>
+              <a:rPr lang="en-US" sz="900" i="1" dirty="0">
+                <a:latin typeface="Avenir Roman" panose="02000503020000020003"/>
+              </a:rPr>
+              <a:t>7</a:t>
+            </a:r>
+            <a:r>
+              <a:rPr lang="en-US" sz="900" dirty="0">
+                <a:latin typeface="Avenir Roman" panose="02000503020000020003"/>
+              </a:rPr>
+              <a:t>(4), 293-302</a:t>
+            </a:r>
+          </a:p>
+        </p:txBody>
+      </p:sp>
     </p:spTree>
   </p:cSld>
   <p:clrMapOvr>

--- a/rampPosterNSGPRetreat.pptx
+++ b/rampPosterNSGPRetreat.pptx
@@ -209,7 +209,7 @@
             <a:fld id="{7528212C-E14D-47E6-BF5A-B7E00B760EDE}" type="datetimeFigureOut">
               <a:rPr lang="de-DE" smtClean="0"/>
               <a:pPr/>
-              <a:t>13.10.2018</a:t>
+              <a:t>14.10.2018</a:t>
             </a:fld>
             <a:endParaRPr lang="de-DE" dirty="0"/>
           </a:p>
@@ -746,7 +746,7 @@
             <a:fld id="{0DBF1F82-4E5B-4407-973D-C7AE76259AD1}" type="datetimeFigureOut">
               <a:rPr lang="de-DE" smtClean="0"/>
               <a:pPr/>
-              <a:t>13.10.2018</a:t>
+              <a:t>14.10.2018</a:t>
             </a:fld>
             <a:endParaRPr lang="de-DE" dirty="0"/>
           </a:p>
@@ -911,7 +911,7 @@
             <a:fld id="{0DBF1F82-4E5B-4407-973D-C7AE76259AD1}" type="datetimeFigureOut">
               <a:rPr lang="de-DE" smtClean="0"/>
               <a:pPr/>
-              <a:t>13.10.2018</a:t>
+              <a:t>14.10.2018</a:t>
             </a:fld>
             <a:endParaRPr lang="de-DE" dirty="0"/>
           </a:p>
@@ -1086,7 +1086,7 @@
             <a:fld id="{0DBF1F82-4E5B-4407-973D-C7AE76259AD1}" type="datetimeFigureOut">
               <a:rPr lang="de-DE" smtClean="0"/>
               <a:pPr/>
-              <a:t>13.10.2018</a:t>
+              <a:t>14.10.2018</a:t>
             </a:fld>
             <a:endParaRPr lang="de-DE" dirty="0"/>
           </a:p>
@@ -1251,7 +1251,7 @@
             <a:fld id="{0DBF1F82-4E5B-4407-973D-C7AE76259AD1}" type="datetimeFigureOut">
               <a:rPr lang="de-DE" smtClean="0"/>
               <a:pPr/>
-              <a:t>13.10.2018</a:t>
+              <a:t>14.10.2018</a:t>
             </a:fld>
             <a:endParaRPr lang="de-DE" dirty="0"/>
           </a:p>
@@ -1493,7 +1493,7 @@
             <a:fld id="{0DBF1F82-4E5B-4407-973D-C7AE76259AD1}" type="datetimeFigureOut">
               <a:rPr lang="de-DE" smtClean="0"/>
               <a:pPr/>
-              <a:t>13.10.2018</a:t>
+              <a:t>14.10.2018</a:t>
             </a:fld>
             <a:endParaRPr lang="de-DE" dirty="0"/>
           </a:p>
@@ -1775,7 +1775,7 @@
             <a:fld id="{0DBF1F82-4E5B-4407-973D-C7AE76259AD1}" type="datetimeFigureOut">
               <a:rPr lang="de-DE" smtClean="0"/>
               <a:pPr/>
-              <a:t>13.10.2018</a:t>
+              <a:t>14.10.2018</a:t>
             </a:fld>
             <a:endParaRPr lang="de-DE" dirty="0"/>
           </a:p>
@@ -2196,7 +2196,7 @@
             <a:fld id="{0DBF1F82-4E5B-4407-973D-C7AE76259AD1}" type="datetimeFigureOut">
               <a:rPr lang="de-DE" smtClean="0"/>
               <a:pPr/>
-              <a:t>13.10.2018</a:t>
+              <a:t>14.10.2018</a:t>
             </a:fld>
             <a:endParaRPr lang="de-DE" dirty="0"/>
           </a:p>
@@ -2310,7 +2310,7 @@
             <a:fld id="{0DBF1F82-4E5B-4407-973D-C7AE76259AD1}" type="datetimeFigureOut">
               <a:rPr lang="de-DE" smtClean="0"/>
               <a:pPr/>
-              <a:t>13.10.2018</a:t>
+              <a:t>14.10.2018</a:t>
             </a:fld>
             <a:endParaRPr lang="de-DE" dirty="0"/>
           </a:p>
@@ -2402,7 +2402,7 @@
             <a:fld id="{0DBF1F82-4E5B-4407-973D-C7AE76259AD1}" type="datetimeFigureOut">
               <a:rPr lang="de-DE" smtClean="0"/>
               <a:pPr/>
-              <a:t>13.10.2018</a:t>
+              <a:t>14.10.2018</a:t>
             </a:fld>
             <a:endParaRPr lang="de-DE" dirty="0"/>
           </a:p>
@@ -2674,7 +2674,7 @@
             <a:fld id="{0DBF1F82-4E5B-4407-973D-C7AE76259AD1}" type="datetimeFigureOut">
               <a:rPr lang="de-DE" smtClean="0"/>
               <a:pPr/>
-              <a:t>13.10.2018</a:t>
+              <a:t>14.10.2018</a:t>
             </a:fld>
             <a:endParaRPr lang="de-DE" dirty="0"/>
           </a:p>
@@ -2923,7 +2923,7 @@
             <a:fld id="{0DBF1F82-4E5B-4407-973D-C7AE76259AD1}" type="datetimeFigureOut">
               <a:rPr lang="de-DE" smtClean="0"/>
               <a:pPr/>
-              <a:t>13.10.2018</a:t>
+              <a:t>14.10.2018</a:t>
             </a:fld>
             <a:endParaRPr lang="de-DE" dirty="0"/>
           </a:p>
@@ -3131,7 +3131,7 @@
             <a:fld id="{0DBF1F82-4E5B-4407-973D-C7AE76259AD1}" type="datetimeFigureOut">
               <a:rPr lang="de-DE" smtClean="0"/>
               <a:pPr/>
-              <a:t>13.10.2018</a:t>
+              <a:t>14.10.2018</a:t>
             </a:fld>
             <a:endParaRPr lang="de-DE" dirty="0"/>
           </a:p>
@@ -3741,7 +3741,7 @@
         </p:nvSpPr>
         <p:spPr>
           <a:xfrm>
-            <a:off x="22241640" y="4536503"/>
+            <a:off x="22113571" y="4712656"/>
             <a:ext cx="19800000" cy="1079641"/>
           </a:xfrm>
           <a:prstGeom prst="rect">
@@ -3854,7 +3854,7 @@
         <p:spPr>
           <a:xfrm>
             <a:off x="1149732" y="4751094"/>
-            <a:ext cx="19985245" cy="10512810"/>
+            <a:ext cx="19985245" cy="6369888"/>
           </a:xfrm>
           <a:prstGeom prst="roundRect">
             <a:avLst>
@@ -3886,7 +3886,7 @@
           <a:bodyPr lIns="398636" tIns="199320" rIns="398636" bIns="199320" rtlCol="0" anchor="t"/>
           <a:lstStyle/>
           <a:p>
-            <a:endParaRPr lang="en-US" sz="2400" b="1" noProof="1">
+            <a:endParaRPr lang="en-US" sz="2600" b="1" noProof="1">
               <a:solidFill>
                 <a:schemeClr val="tx1"/>
               </a:solidFill>
@@ -3894,7 +3894,7 @@
             </a:endParaRPr>
           </a:p>
           <a:p>
-            <a:endParaRPr lang="en-US" sz="2400" noProof="1">
+            <a:endParaRPr lang="en-US" sz="2600" noProof="1">
               <a:solidFill>
                 <a:schemeClr val="tx1"/>
               </a:solidFill>
@@ -3907,7 +3907,7 @@
               <a:buChar char="•"/>
             </a:pPr>
             <a:r>
-              <a:rPr lang="en-US" sz="2400" noProof="1">
+              <a:rPr lang="en-US" sz="2600" noProof="1">
                 <a:solidFill>
                   <a:schemeClr val="tx1"/>
                 </a:solidFill>
@@ -3917,11 +3917,7 @@
             </a:r>
           </a:p>
           <a:p>
-            <a:pPr marL="342900" indent="-342900">
-              <a:buFont typeface="Arial" panose="020B0604020202020204" pitchFamily="34" charset="0"/>
-              <a:buChar char="•"/>
-            </a:pPr>
-            <a:endParaRPr lang="en-US" sz="2400" noProof="1">
+            <a:endParaRPr lang="en-US" sz="2600" noProof="1">
               <a:solidFill>
                 <a:schemeClr val="tx1"/>
               </a:solidFill>
@@ -3934,21 +3930,17 @@
               <a:buChar char="•"/>
             </a:pPr>
             <a:r>
-              <a:rPr lang="en-US" sz="2400" noProof="1">
+              <a:rPr lang="en-US" sz="2600" noProof="1">
                 <a:solidFill>
                   <a:schemeClr val="tx1"/>
                 </a:solidFill>
                 <a:latin typeface="Avenir Roman" panose="02000503020000020003" pitchFamily="2" charset="0"/>
               </a:rPr>
-              <a:t>Seperately from providing RPEs, DA also encodes motivation and vigor. Slowly changing levels of striatal DA (tonic) corresponds to opportunity cost.</a:t>
-            </a:r>
-          </a:p>
-          <a:p>
-            <a:pPr marL="342900" indent="-342900">
-              <a:buFont typeface="Arial" panose="020B0604020202020204" pitchFamily="34" charset="0"/>
-              <a:buChar char="•"/>
-            </a:pPr>
-            <a:endParaRPr lang="en-US" sz="2400" noProof="1">
+              <a:t>There is also evidence that rodents experience striatal DA ramping as they approach an anticipated reward. This striatal DA ramp scales to the distance to the reward (Fig. 1B).</a:t>
+            </a:r>
+          </a:p>
+          <a:p>
+            <a:endParaRPr lang="en-US" sz="2600" noProof="1">
               <a:solidFill>
                 <a:schemeClr val="tx1"/>
               </a:solidFill>
@@ -3961,21 +3953,17 @@
               <a:buChar char="•"/>
             </a:pPr>
             <a:r>
-              <a:rPr lang="en-US" sz="2400" noProof="1">
+              <a:rPr lang="en-US" sz="2600" noProof="1">
                 <a:solidFill>
                   <a:schemeClr val="tx1"/>
                 </a:solidFill>
                 <a:latin typeface="Avenir Roman" panose="02000503020000020003" pitchFamily="2" charset="0"/>
               </a:rPr>
-              <a:t>Hamid et al., 2015  unified the concepts of tonic (motivation) and phasic (learning) DA, showing that dynamically evolving levels of striatal DA signal cost/benefit (a value signal) in rodents (Fig 1B).</a:t>
-            </a:r>
-          </a:p>
-          <a:p>
-            <a:pPr marL="342900" indent="-342900">
-              <a:buFont typeface="Arial" panose="020B0604020202020204" pitchFamily="34" charset="0"/>
-              <a:buChar char="•"/>
-            </a:pPr>
-            <a:endParaRPr lang="en-US" sz="2400" noProof="1">
+              <a:t>It is unclear how striatal DA affects performance. Striatal DA may be affecting general vigor, speeding up all actions indiscriminately. However, recent work suggests that striatal DA also affects cost/benefit weighting (i.e. a value) (Fig. 1C). There has been recent evidence that rodents’ striatal DA concentrations encode such a value function (Fig. 1D).</a:t>
+            </a:r>
+          </a:p>
+          <a:p>
+            <a:endParaRPr lang="en-US" sz="2600" noProof="1">
               <a:solidFill>
                 <a:schemeClr val="tx1"/>
               </a:solidFill>
@@ -3988,71 +3976,17 @@
               <a:buChar char="•"/>
             </a:pPr>
             <a:r>
-              <a:rPr lang="en-US" sz="2400" noProof="1">
+              <a:rPr lang="en-US" sz="2600" noProof="1">
                 <a:solidFill>
                   <a:schemeClr val="tx1"/>
                 </a:solidFill>
                 <a:latin typeface="Avenir Roman" panose="02000503020000020003" pitchFamily="2" charset="0"/>
               </a:rPr>
-              <a:t>Extending this idea of DA’s purpose, other work has been done showing that pharmacologically manipulating DA affects humans’ cost/benefit risky decision making.</a:t>
-            </a:r>
-          </a:p>
-          <a:p>
-            <a:pPr marL="342900" indent="-342900">
-              <a:buFont typeface="Arial" panose="020B0604020202020204" pitchFamily="34" charset="0"/>
-              <a:buChar char="•"/>
-            </a:pPr>
-            <a:endParaRPr lang="en-US" sz="2400" noProof="1">
-              <a:solidFill>
-                <a:schemeClr val="tx1"/>
-              </a:solidFill>
-              <a:latin typeface="Avenir Roman" panose="02000503020000020003" pitchFamily="2" charset="0"/>
-            </a:endParaRPr>
-          </a:p>
-          <a:p>
-            <a:pPr marL="342900" indent="-342900">
-              <a:buFont typeface="Arial" panose="020B0604020202020204" pitchFamily="34" charset="0"/>
-              <a:buChar char="•"/>
-            </a:pPr>
-            <a:r>
-              <a:rPr lang="en-US" sz="2400" noProof="1">
-                <a:solidFill>
-                  <a:schemeClr val="tx1"/>
-                </a:solidFill>
-                <a:latin typeface="Avenir Roman" panose="02000503020000020003" pitchFamily="2" charset="0"/>
-              </a:rPr>
-              <a:t>There is also evidence that rodents experience striatal DA ramping as they approach a reward. This striatal DA ramp scales to the distance to the reward (Fig. 1C).</a:t>
-            </a:r>
-          </a:p>
-          <a:p>
-            <a:pPr marL="342900" indent="-342900">
-              <a:buFont typeface="Arial" panose="020B0604020202020204" pitchFamily="34" charset="0"/>
-              <a:buChar char="•"/>
-            </a:pPr>
-            <a:endParaRPr lang="en-US" sz="2400" noProof="1">
-              <a:solidFill>
-                <a:schemeClr val="tx1"/>
-              </a:solidFill>
-              <a:latin typeface="Avenir Roman" panose="02000503020000020003" pitchFamily="2" charset="0"/>
-            </a:endParaRPr>
-          </a:p>
-          <a:p>
-            <a:pPr marL="342900" indent="-342900">
-              <a:buFont typeface="Arial" panose="020B0604020202020204" pitchFamily="34" charset="0"/>
-              <a:buChar char="•"/>
-            </a:pPr>
-            <a:r>
-              <a:rPr lang="en-US" sz="2400" noProof="1">
-                <a:solidFill>
-                  <a:schemeClr val="tx1"/>
-                </a:solidFill>
-                <a:latin typeface="Avenir Roman" panose="02000503020000020003" pitchFamily="2" charset="0"/>
-              </a:rPr>
-              <a:t>If humans and rodents striatal DA dynamics are similar, than humans’ cost/benefit calculations should change as a function of proximity to reward.</a:t>
-            </a:r>
-          </a:p>
-          <a:p>
-            <a:endParaRPr lang="en-US" sz="2400" noProof="1">
+              <a:t>If humans and rodents striatal DA dynamics are similar and DA modulates value calculation, than humans’ cost/benefit calculations should change as a function of proximity to a reward. More precisely, people should become increasingly risk-seeking the closer they are to an anticipated reward. </a:t>
+            </a:r>
+          </a:p>
+          <a:p>
+            <a:endParaRPr lang="en-US" sz="2600" noProof="1">
               <a:solidFill>
                 <a:schemeClr val="tx1"/>
               </a:solidFill>
@@ -4234,7 +4168,7 @@
         </p:nvSpPr>
         <p:spPr>
           <a:xfrm>
-            <a:off x="21846552" y="21691027"/>
+            <a:off x="21835384" y="22569526"/>
             <a:ext cx="19793546" cy="1079641"/>
           </a:xfrm>
           <a:prstGeom prst="rect">
@@ -4273,8 +4207,8 @@
         </p:nvSpPr>
         <p:spPr>
           <a:xfrm>
-            <a:off x="22159136" y="26130639"/>
-            <a:ext cx="19646663" cy="2864745"/>
+            <a:off x="22281467" y="26615818"/>
+            <a:ext cx="19646663" cy="2341525"/>
           </a:xfrm>
           <a:prstGeom prst="rect">
             <a:avLst/>
@@ -4291,7 +4225,7 @@
           <a:lstStyle/>
           <a:p>
             <a:r>
-              <a:rPr lang="en-US" sz="2000" b="1" noProof="1">
+              <a:rPr lang="en-US" sz="1800" b="1" noProof="1">
                 <a:solidFill>
                   <a:srgbClr val="000000"/>
                 </a:solidFill>
@@ -4306,31 +4240,31 @@
               <a:buAutoNum type="arabicPeriod"/>
             </a:pPr>
             <a:r>
-              <a:rPr lang="en-US" sz="2000" dirty="0">
+              <a:rPr lang="en-US" sz="1800" dirty="0">
                 <a:latin typeface="Avenir Roman" panose="02000503020000020003"/>
               </a:rPr>
               <a:t>Schultz, W. (2001). Book review: Reward signaling by dopamine neurons. </a:t>
             </a:r>
             <a:r>
-              <a:rPr lang="en-US" sz="2000" i="1" dirty="0">
+              <a:rPr lang="en-US" sz="1800" i="1" dirty="0">
                 <a:latin typeface="Avenir Roman" panose="02000503020000020003"/>
               </a:rPr>
               <a:t>The Neuroscientist</a:t>
             </a:r>
             <a:r>
-              <a:rPr lang="en-US" sz="2000" dirty="0">
+              <a:rPr lang="en-US" sz="1800" dirty="0">
                 <a:latin typeface="Avenir Roman" panose="02000503020000020003"/>
               </a:rPr>
               <a:t>, </a:t>
             </a:r>
             <a:r>
-              <a:rPr lang="en-US" sz="2000" i="1" dirty="0">
+              <a:rPr lang="en-US" sz="1800" i="1" dirty="0">
                 <a:latin typeface="Avenir Roman" panose="02000503020000020003"/>
               </a:rPr>
               <a:t>7</a:t>
             </a:r>
             <a:r>
-              <a:rPr lang="en-US" sz="2000" dirty="0">
+              <a:rPr lang="en-US" sz="1800" dirty="0">
                 <a:latin typeface="Avenir Roman" panose="02000503020000020003"/>
               </a:rPr>
               <a:t>(4), 293-302</a:t>
@@ -4341,55 +4275,55 @@
               <a:buAutoNum type="arabicPeriod"/>
             </a:pPr>
             <a:r>
-              <a:rPr lang="en-US" sz="2000" dirty="0">
+              <a:rPr lang="en-US" sz="1800" dirty="0">
                 <a:latin typeface="Avenir Roman" panose="02000503020000020003"/>
               </a:rPr>
               <a:t>Howe, M. W., Tierney, P. L., Sandberg, S. G., Phillips, P. E., &amp; </a:t>
             </a:r>
             <a:r>
-              <a:rPr lang="en-US" sz="2000" dirty="0" err="1">
+              <a:rPr lang="en-US" sz="1800" dirty="0" err="1">
                 <a:latin typeface="Avenir Roman" panose="02000503020000020003"/>
               </a:rPr>
               <a:t>Graybiel</a:t>
             </a:r>
             <a:r>
-              <a:rPr lang="en-US" sz="2000" dirty="0">
+              <a:rPr lang="en-US" sz="1800" dirty="0">
                 <a:latin typeface="Avenir Roman" panose="02000503020000020003"/>
               </a:rPr>
               <a:t>, A. M. (2013). Prolonged dopamine </a:t>
             </a:r>
             <a:r>
-              <a:rPr lang="en-US" sz="2000" dirty="0" err="1">
+              <a:rPr lang="en-US" sz="1800" dirty="0" err="1">
                 <a:latin typeface="Avenir Roman" panose="02000503020000020003"/>
               </a:rPr>
               <a:t>signalling</a:t>
             </a:r>
             <a:r>
-              <a:rPr lang="en-US" sz="2000" dirty="0">
+              <a:rPr lang="en-US" sz="1800" dirty="0">
                 <a:latin typeface="Avenir Roman" panose="02000503020000020003"/>
               </a:rPr>
               <a:t> in striatum signals proximity and value of distant rewards. </a:t>
             </a:r>
             <a:r>
-              <a:rPr lang="en-US" sz="2000" i="1" dirty="0">
+              <a:rPr lang="en-US" sz="1800" i="1" dirty="0">
                 <a:latin typeface="Avenir Roman" panose="02000503020000020003"/>
               </a:rPr>
               <a:t>Nature</a:t>
             </a:r>
             <a:r>
-              <a:rPr lang="en-US" sz="2000" dirty="0">
+              <a:rPr lang="en-US" sz="1800" dirty="0">
                 <a:latin typeface="Avenir Roman" panose="02000503020000020003"/>
               </a:rPr>
               <a:t>, </a:t>
             </a:r>
             <a:r>
-              <a:rPr lang="en-US" sz="2000" i="1" dirty="0">
+              <a:rPr lang="en-US" sz="1800" i="1" dirty="0">
                 <a:latin typeface="Avenir Roman" panose="02000503020000020003"/>
               </a:rPr>
               <a:t>500</a:t>
             </a:r>
             <a:r>
-              <a:rPr lang="en-US" sz="2000" dirty="0">
+              <a:rPr lang="en-US" sz="1800" dirty="0">
                 <a:latin typeface="Avenir Roman" panose="02000503020000020003"/>
               </a:rPr>
               <a:t>(7464), 575.</a:t>
@@ -4400,55 +4334,55 @@
               <a:buAutoNum type="arabicPeriod"/>
             </a:pPr>
             <a:r>
-              <a:rPr lang="en-US" sz="2000" dirty="0">
+              <a:rPr lang="en-US" sz="1800" dirty="0">
                 <a:latin typeface="Avenir Roman" panose="02000503020000020003"/>
               </a:rPr>
               <a:t>Hamid, A. A., Pettibone, J. R., Mabrouk, O. S., Hetrick, V. L., Schmidt, R., Vander </a:t>
             </a:r>
             <a:r>
-              <a:rPr lang="en-US" sz="2000" dirty="0" err="1">
+              <a:rPr lang="en-US" sz="1800" dirty="0" err="1">
                 <a:latin typeface="Avenir Roman" panose="02000503020000020003"/>
               </a:rPr>
               <a:t>Weele</a:t>
             </a:r>
             <a:r>
-              <a:rPr lang="en-US" sz="2000" dirty="0">
+              <a:rPr lang="en-US" sz="1800" dirty="0">
                 <a:latin typeface="Avenir Roman" panose="02000503020000020003"/>
               </a:rPr>
               <a:t>, C. M., ... &amp; </a:t>
             </a:r>
             <a:r>
-              <a:rPr lang="en-US" sz="2000" dirty="0" err="1">
+              <a:rPr lang="en-US" sz="1800" dirty="0" err="1">
                 <a:latin typeface="Avenir Roman" panose="02000503020000020003"/>
               </a:rPr>
               <a:t>Berke</a:t>
             </a:r>
             <a:r>
-              <a:rPr lang="en-US" sz="2000" dirty="0">
+              <a:rPr lang="en-US" sz="1800" dirty="0">
                 <a:latin typeface="Avenir Roman" panose="02000503020000020003"/>
               </a:rPr>
               <a:t>, J. D. (2016). Mesolimbic dopamine signals the value of work. </a:t>
             </a:r>
             <a:r>
-              <a:rPr lang="en-US" sz="2000" i="1" dirty="0">
+              <a:rPr lang="en-US" sz="1800" i="1" dirty="0">
                 <a:latin typeface="Avenir Roman" panose="02000503020000020003"/>
               </a:rPr>
               <a:t>Nature neuroscience</a:t>
             </a:r>
             <a:r>
-              <a:rPr lang="en-US" sz="2000" dirty="0">
+              <a:rPr lang="en-US" sz="1800" dirty="0">
                 <a:latin typeface="Avenir Roman" panose="02000503020000020003"/>
               </a:rPr>
               <a:t>, </a:t>
             </a:r>
             <a:r>
-              <a:rPr lang="en-US" sz="2000" i="1" dirty="0">
+              <a:rPr lang="en-US" sz="1800" i="1" dirty="0">
                 <a:latin typeface="Avenir Roman" panose="02000503020000020003"/>
               </a:rPr>
               <a:t>19</a:t>
             </a:r>
             <a:r>
-              <a:rPr lang="en-US" sz="2000" dirty="0">
+              <a:rPr lang="en-US" sz="1800" dirty="0">
                 <a:latin typeface="Avenir Roman" panose="02000503020000020003"/>
               </a:rPr>
               <a:t>(1), 117.</a:t>
@@ -4459,48 +4393,48 @@
               <a:buAutoNum type="arabicPeriod"/>
             </a:pPr>
             <a:r>
-              <a:rPr lang="en-US" sz="2000" dirty="0">
+              <a:rPr lang="en-US" sz="1800" dirty="0">
                 <a:latin typeface="Avenir Roman" panose="02000503020000020003"/>
               </a:rPr>
               <a:t>Collins, A. G., &amp; Frank, M. J. (2014). Opponent actor learning (</a:t>
             </a:r>
             <a:r>
-              <a:rPr lang="en-US" sz="2000" dirty="0" err="1">
+              <a:rPr lang="en-US" sz="1800" dirty="0" err="1">
                 <a:latin typeface="Avenir Roman" panose="02000503020000020003"/>
               </a:rPr>
               <a:t>OpAL</a:t>
             </a:r>
             <a:r>
-              <a:rPr lang="en-US" sz="2000" dirty="0">
+              <a:rPr lang="en-US" sz="1800" dirty="0">
                 <a:latin typeface="Avenir Roman" panose="02000503020000020003"/>
               </a:rPr>
               <a:t>): Modeling interactive effects of striatal dopamine on reinforcement learning and choice incentive. </a:t>
             </a:r>
             <a:r>
-              <a:rPr lang="en-US" sz="2000" i="1" dirty="0">
+              <a:rPr lang="en-US" sz="1800" i="1" dirty="0">
                 <a:latin typeface="Avenir Roman" panose="02000503020000020003"/>
               </a:rPr>
               <a:t>Psychological review</a:t>
             </a:r>
             <a:r>
-              <a:rPr lang="en-US" sz="2000" dirty="0">
+              <a:rPr lang="en-US" sz="1800" dirty="0">
                 <a:latin typeface="Avenir Roman" panose="02000503020000020003"/>
               </a:rPr>
               <a:t>, </a:t>
             </a:r>
             <a:r>
-              <a:rPr lang="en-US" sz="2000" i="1" dirty="0">
+              <a:rPr lang="en-US" sz="1800" i="1" dirty="0">
                 <a:latin typeface="Avenir Roman" panose="02000503020000020003"/>
               </a:rPr>
               <a:t>121</a:t>
             </a:r>
             <a:r>
-              <a:rPr lang="en-US" sz="2000" dirty="0">
+              <a:rPr lang="en-US" sz="1800" dirty="0">
                 <a:latin typeface="Avenir Roman" panose="02000503020000020003"/>
               </a:rPr>
               <a:t>(3), 337.</a:t>
             </a:r>
-            <a:endParaRPr lang="en-US" sz="2000" noProof="1">
+            <a:endParaRPr lang="en-US" sz="1800" noProof="1">
               <a:latin typeface="Avenir Roman" panose="02000503020000020003"/>
             </a:endParaRPr>
           </a:p>
@@ -4691,7 +4625,7 @@
         </p:nvSpPr>
         <p:spPr>
           <a:xfrm>
-            <a:off x="828717" y="17154309"/>
+            <a:off x="794082" y="17590706"/>
             <a:ext cx="19276760" cy="1079641"/>
           </a:xfrm>
           <a:prstGeom prst="rect">
@@ -4730,8 +4664,8 @@
         </p:nvSpPr>
         <p:spPr>
           <a:xfrm>
-            <a:off x="11721861" y="21590627"/>
-            <a:ext cx="9683989" cy="3647152"/>
+            <a:off x="11358488" y="25336999"/>
+            <a:ext cx="9683989" cy="3447098"/>
           </a:xfrm>
           <a:prstGeom prst="rect">
             <a:avLst/>
@@ -4809,16 +4743,10 @@
             <a:r>
               <a:rPr lang="en-US" sz="2400" noProof="1">
                 <a:latin typeface="Avenir Roman" panose="02000503020000020003" pitchFamily="2" charset="0"/>
-              </a:rPr>
-              <a:t>Trials were broken down into low/mid/high value and low/mid/high mag</a:t>
-            </a:r>
-          </a:p>
-          <a:p>
-            <a:pPr>
-              <a:spcAft>
-                <a:spcPts val="600"/>
-              </a:spcAft>
-            </a:pPr>
+                <a:cs typeface="Avenir Heavy"/>
+              </a:rPr>
+              <a:t>Each trial had a value attribute (low/mid/high) and a magnitude attribute (low/mid/high)</a:t>
+            </a:r>
             <a:endParaRPr lang="en-US" sz="3200" noProof="1">
               <a:latin typeface="Avenir Heavy"/>
               <a:cs typeface="Avenir Heavy"/>
@@ -4840,8 +4768,8 @@
         </p:nvSpPr>
         <p:spPr>
           <a:xfrm>
-            <a:off x="2206980" y="21590627"/>
-            <a:ext cx="9052699" cy="2262158"/>
+            <a:off x="6900799" y="21073016"/>
+            <a:ext cx="974479" cy="1000274"/>
           </a:xfrm>
           <a:prstGeom prst="rect">
             <a:avLst/>
@@ -4866,376 +4794,15 @@
               </a:rPr>
               <a:t>Task</a:t>
             </a:r>
-          </a:p>
-          <a:p>
-            <a:pPr>
-              <a:spcAft>
-                <a:spcPts val="600"/>
-              </a:spcAft>
-            </a:pPr>
-            <a:endParaRPr lang="en-US" sz="2400" noProof="1">
-              <a:latin typeface="Avenir Roman" panose="02000503020000020003" pitchFamily="2" charset="0"/>
-            </a:endParaRPr>
-          </a:p>
-          <a:p>
-            <a:pPr>
-              <a:spcAft>
-                <a:spcPts val="600"/>
-              </a:spcAft>
-            </a:pPr>
             <a:endParaRPr lang="en-US" sz="2400" noProof="1">
               <a:latin typeface="Avenir Roman" panose="02000503020000020003" pitchFamily="2" charset="0"/>
               <a:cs typeface="Avenir Light"/>
             </a:endParaRPr>
           </a:p>
           <a:p>
-            <a:pPr marL="457200" indent="-457200">
-              <a:buFont typeface="Arial"/>
-              <a:buChar char="•"/>
-            </a:pPr>
-            <a:endParaRPr lang="en-US" sz="2400" noProof="1">
-              <a:latin typeface="Avenir Roman" panose="02000503020000020003" pitchFamily="2" charset="0"/>
-              <a:cs typeface="Avenir Light"/>
-            </a:endParaRPr>
-          </a:p>
-          <a:p>
             <a:endParaRPr lang="en-US" sz="2400" noProof="1">
               <a:latin typeface="Avenir Roman" panose="02000503020000020003" pitchFamily="2" charset="0"/>
               <a:cs typeface="Avenir Heavy"/>
-            </a:endParaRPr>
-          </a:p>
-        </p:txBody>
-      </p:sp>
-      <p:sp>
-        <p:nvSpPr>
-          <p:cNvPr id="104" name="Rectangle 103">
-            <a:extLst>
-              <a:ext uri="{FF2B5EF4-FFF2-40B4-BE49-F238E27FC236}">
-                <a16:creationId xmlns:a16="http://schemas.microsoft.com/office/drawing/2014/main" id="{AA121B25-CB42-274B-A54F-31FC6F41C355}"/>
-              </a:ext>
-            </a:extLst>
-          </p:cNvPr>
-          <p:cNvSpPr/>
-          <p:nvPr/>
-        </p:nvSpPr>
-        <p:spPr>
-          <a:xfrm>
-            <a:off x="22310814" y="20281257"/>
-            <a:ext cx="18340658" cy="707886"/>
-          </a:xfrm>
-          <a:prstGeom prst="rect">
-            <a:avLst/>
-          </a:prstGeom>
-        </p:spPr>
-        <p:txBody>
-          <a:bodyPr wrap="square">
-            <a:spAutoFit/>
-          </a:bodyPr>
-          <a:lstStyle/>
-          <a:p>
-            <a:r>
-              <a:rPr lang="nb-NO" sz="2000" b="1" dirty="0">
-                <a:latin typeface="Avenir Roman" panose="02000503020000020003" pitchFamily="2" charset="0"/>
-              </a:rPr>
-              <a:t>Fig 1</a:t>
-            </a:r>
-            <a:r>
-              <a:rPr lang="nb-NO" sz="2000" dirty="0">
-                <a:latin typeface="Avenir Roman" panose="02000503020000020003" pitchFamily="2" charset="0"/>
-              </a:rPr>
-              <a:t>. </a:t>
-            </a:r>
-            <a:r>
-              <a:rPr lang="nb-NO" sz="2000" b="1" dirty="0">
-                <a:latin typeface="Avenir Roman" panose="02000503020000020003" pitchFamily="2" charset="0"/>
-              </a:rPr>
-              <a:t>A. </a:t>
-            </a:r>
-            <a:r>
-              <a:rPr lang="nb-NO" sz="2000" dirty="0" err="1">
-                <a:latin typeface="Avenir Roman" panose="02000503020000020003" pitchFamily="2" charset="0"/>
-              </a:rPr>
-              <a:t>Error</a:t>
-            </a:r>
-            <a:r>
-              <a:rPr lang="nb-NO" sz="2000" dirty="0">
-                <a:latin typeface="Avenir Roman" panose="02000503020000020003" pitchFamily="2" charset="0"/>
-              </a:rPr>
-              <a:t> bars </a:t>
-            </a:r>
-            <a:r>
-              <a:rPr lang="nb-NO" sz="2000" dirty="0" err="1">
-                <a:latin typeface="Avenir Roman" panose="02000503020000020003" pitchFamily="2" charset="0"/>
-              </a:rPr>
-              <a:t>represent</a:t>
-            </a:r>
-            <a:r>
-              <a:rPr lang="nb-NO" sz="2000" dirty="0">
-                <a:latin typeface="Avenir Roman" panose="02000503020000020003" pitchFamily="2" charset="0"/>
-              </a:rPr>
-              <a:t> 95% </a:t>
-            </a:r>
-            <a:r>
-              <a:rPr lang="nb-NO" sz="2000" dirty="0" err="1">
-                <a:latin typeface="Avenir Roman" panose="02000503020000020003" pitchFamily="2" charset="0"/>
-              </a:rPr>
-              <a:t>highest</a:t>
-            </a:r>
-            <a:r>
-              <a:rPr lang="nb-NO" sz="2000" dirty="0">
-                <a:latin typeface="Avenir Roman" panose="02000503020000020003" pitchFamily="2" charset="0"/>
-              </a:rPr>
-              <a:t> </a:t>
-            </a:r>
-            <a:r>
-              <a:rPr lang="nb-NO" sz="2000" dirty="0" err="1">
-                <a:latin typeface="Avenir Roman" panose="02000503020000020003" pitchFamily="2" charset="0"/>
-              </a:rPr>
-              <a:t>density</a:t>
-            </a:r>
-            <a:r>
-              <a:rPr lang="nb-NO" sz="2000" dirty="0">
-                <a:latin typeface="Avenir Roman" panose="02000503020000020003" pitchFamily="2" charset="0"/>
-              </a:rPr>
-              <a:t> </a:t>
-            </a:r>
-            <a:r>
-              <a:rPr lang="nb-NO" sz="2000" dirty="0" err="1">
-                <a:latin typeface="Avenir Roman" panose="02000503020000020003" pitchFamily="2" charset="0"/>
-              </a:rPr>
-              <a:t>intervals</a:t>
-            </a:r>
-            <a:r>
-              <a:rPr lang="nb-NO" sz="2000" dirty="0">
-                <a:latin typeface="Avenir Roman" panose="02000503020000020003" pitchFamily="2" charset="0"/>
-              </a:rPr>
-              <a:t> (HDI). </a:t>
-            </a:r>
-            <a:r>
-              <a:rPr lang="nb-NO" sz="2000" b="1" dirty="0">
-                <a:latin typeface="Avenir Roman" panose="02000503020000020003" pitchFamily="2" charset="0"/>
-              </a:rPr>
-              <a:t>B.</a:t>
-            </a:r>
-            <a:r>
-              <a:rPr lang="nb-NO" sz="2000" dirty="0">
-                <a:latin typeface="Avenir Roman" panose="02000503020000020003" pitchFamily="2" charset="0"/>
-              </a:rPr>
-              <a:t> </a:t>
-            </a:r>
-            <a:r>
-              <a:rPr lang="nb-NO" sz="2000" dirty="0" err="1">
-                <a:latin typeface="Avenir Roman" panose="02000503020000020003" pitchFamily="2" charset="0"/>
-              </a:rPr>
-              <a:t>Density</a:t>
-            </a:r>
-            <a:r>
-              <a:rPr lang="nb-NO" sz="2000" dirty="0">
-                <a:latin typeface="Avenir Roman" panose="02000503020000020003" pitchFamily="2" charset="0"/>
-              </a:rPr>
-              <a:t> plots are </a:t>
-            </a:r>
-            <a:r>
-              <a:rPr lang="nb-NO" sz="2000" dirty="0" err="1">
-                <a:latin typeface="Avenir Roman" panose="02000503020000020003" pitchFamily="2" charset="0"/>
-              </a:rPr>
-              <a:t>posterior</a:t>
-            </a:r>
-            <a:r>
-              <a:rPr lang="nb-NO" sz="2000" dirty="0">
-                <a:latin typeface="Avenir Roman" panose="02000503020000020003" pitchFamily="2" charset="0"/>
-              </a:rPr>
-              <a:t> </a:t>
-            </a:r>
-            <a:r>
-              <a:rPr lang="nb-NO" sz="2000" dirty="0" err="1">
-                <a:latin typeface="Avenir Roman" panose="02000503020000020003" pitchFamily="2" charset="0"/>
-              </a:rPr>
-              <a:t>distributions</a:t>
-            </a:r>
-            <a:r>
-              <a:rPr lang="nb-NO" sz="2000" dirty="0">
-                <a:latin typeface="Avenir Roman" panose="02000503020000020003" pitchFamily="2" charset="0"/>
-              </a:rPr>
-              <a:t> </a:t>
-            </a:r>
-            <a:r>
-              <a:rPr lang="nb-NO" sz="2000" dirty="0" err="1">
-                <a:latin typeface="Avenir Roman" panose="02000503020000020003" pitchFamily="2" charset="0"/>
-              </a:rPr>
-              <a:t>of</a:t>
-            </a:r>
-            <a:r>
-              <a:rPr lang="nb-NO" sz="2000" dirty="0">
-                <a:latin typeface="Avenir Roman" panose="02000503020000020003" pitchFamily="2" charset="0"/>
-              </a:rPr>
-              <a:t> medication response x </a:t>
-            </a:r>
-            <a:r>
-              <a:rPr lang="nb-NO" sz="2000" dirty="0" err="1">
-                <a:latin typeface="Avenir Roman" panose="02000503020000020003" pitchFamily="2" charset="0"/>
-              </a:rPr>
-              <a:t>session</a:t>
-            </a:r>
-            <a:r>
-              <a:rPr lang="nb-NO" sz="2000" dirty="0">
-                <a:latin typeface="Avenir Roman" panose="02000503020000020003" pitchFamily="2" charset="0"/>
-              </a:rPr>
-              <a:t> </a:t>
-            </a:r>
-            <a:r>
-              <a:rPr lang="nb-NO" sz="2000" dirty="0" err="1">
-                <a:latin typeface="Avenir Roman" panose="02000503020000020003" pitchFamily="2" charset="0"/>
-              </a:rPr>
-              <a:t>interaction</a:t>
-            </a:r>
-            <a:r>
-              <a:rPr lang="nb-NO" sz="2000" dirty="0">
-                <a:latin typeface="Avenir Roman" panose="02000503020000020003" pitchFamily="2" charset="0"/>
-              </a:rPr>
-              <a:t> </a:t>
-            </a:r>
-            <a:r>
-              <a:rPr lang="nb-NO" sz="2000" dirty="0" err="1">
-                <a:latin typeface="Avenir Roman" panose="02000503020000020003" pitchFamily="2" charset="0"/>
-              </a:rPr>
-              <a:t>effects</a:t>
-            </a:r>
-            <a:r>
-              <a:rPr lang="nb-NO" sz="2000" dirty="0">
-                <a:latin typeface="Avenir Roman" panose="02000503020000020003" pitchFamily="2" charset="0"/>
-              </a:rPr>
-              <a:t>, and </a:t>
-            </a:r>
-            <a:r>
-              <a:rPr lang="nb-NO" sz="2000" dirty="0" err="1">
-                <a:latin typeface="Avenir Roman" panose="02000503020000020003" pitchFamily="2" charset="0"/>
-              </a:rPr>
-              <a:t>horizontal</a:t>
-            </a:r>
-            <a:r>
-              <a:rPr lang="nb-NO" sz="2000" dirty="0">
-                <a:latin typeface="Avenir Roman" panose="02000503020000020003" pitchFamily="2" charset="0"/>
-              </a:rPr>
-              <a:t> bars show </a:t>
-            </a:r>
-            <a:r>
-              <a:rPr lang="nb-NO" sz="2000" dirty="0" err="1">
-                <a:latin typeface="Avenir Roman" panose="02000503020000020003" pitchFamily="2" charset="0"/>
-              </a:rPr>
-              <a:t>the</a:t>
-            </a:r>
-            <a:r>
-              <a:rPr lang="nb-NO" sz="2000" dirty="0">
-                <a:latin typeface="Avenir Roman" panose="02000503020000020003" pitchFamily="2" charset="0"/>
-              </a:rPr>
-              <a:t> 95% HDI. </a:t>
-            </a:r>
-            <a:r>
-              <a:rPr lang="nb-NO" sz="2000" b="1" dirty="0">
-                <a:latin typeface="Avenir Roman" panose="02000503020000020003" pitchFamily="2" charset="0"/>
-              </a:rPr>
-              <a:t>C. </a:t>
-            </a:r>
-            <a:r>
-              <a:rPr lang="nb-NO" sz="2000" dirty="0" err="1">
-                <a:latin typeface="Avenir Roman" panose="02000503020000020003" pitchFamily="2" charset="0"/>
-              </a:rPr>
-              <a:t>Quantile</a:t>
-            </a:r>
-            <a:r>
-              <a:rPr lang="nb-NO" sz="2000" dirty="0">
-                <a:latin typeface="Avenir Roman" panose="02000503020000020003" pitchFamily="2" charset="0"/>
-              </a:rPr>
-              <a:t> </a:t>
-            </a:r>
-            <a:r>
-              <a:rPr lang="nb-NO" sz="2000" dirty="0" err="1">
-                <a:latin typeface="Avenir Roman" panose="02000503020000020003" pitchFamily="2" charset="0"/>
-              </a:rPr>
-              <a:t>probability</a:t>
-            </a:r>
-            <a:r>
-              <a:rPr lang="nb-NO" sz="2000" dirty="0">
-                <a:latin typeface="Avenir Roman" panose="02000503020000020003" pitchFamily="2" charset="0"/>
-              </a:rPr>
-              <a:t> plot and </a:t>
-            </a:r>
-            <a:r>
-              <a:rPr lang="nb-NO" sz="2000" dirty="0" err="1">
-                <a:latin typeface="Avenir Roman" panose="02000503020000020003" pitchFamily="2" charset="0"/>
-              </a:rPr>
-              <a:t>density</a:t>
-            </a:r>
-            <a:r>
-              <a:rPr lang="nb-NO" sz="2000" dirty="0">
-                <a:latin typeface="Avenir Roman" panose="02000503020000020003" pitchFamily="2" charset="0"/>
-              </a:rPr>
-              <a:t> plot for </a:t>
-            </a:r>
-            <a:r>
-              <a:rPr lang="nb-NO" sz="2000" dirty="0" err="1">
-                <a:latin typeface="Avenir Roman" panose="02000503020000020003" pitchFamily="2" charset="0"/>
-              </a:rPr>
-              <a:t>observed</a:t>
-            </a:r>
-            <a:r>
-              <a:rPr lang="nb-NO" sz="2000" dirty="0">
-                <a:latin typeface="Avenir Roman" panose="02000503020000020003" pitchFamily="2" charset="0"/>
-              </a:rPr>
-              <a:t> and </a:t>
-            </a:r>
-            <a:r>
-              <a:rPr lang="nb-NO" sz="2000" dirty="0" err="1">
-                <a:latin typeface="Avenir Roman" panose="02000503020000020003" pitchFamily="2" charset="0"/>
-              </a:rPr>
-              <a:t>predicted</a:t>
-            </a:r>
-            <a:r>
-              <a:rPr lang="nb-NO" sz="2000" dirty="0">
-                <a:latin typeface="Avenir Roman" panose="02000503020000020003" pitchFamily="2" charset="0"/>
-              </a:rPr>
-              <a:t> </a:t>
-            </a:r>
-            <a:r>
-              <a:rPr lang="nb-NO" sz="2000" dirty="0" err="1">
-                <a:latin typeface="Avenir Roman" panose="02000503020000020003" pitchFamily="2" charset="0"/>
-              </a:rPr>
-              <a:t>accuracy</a:t>
-            </a:r>
-            <a:r>
-              <a:rPr lang="nb-NO" sz="2000" dirty="0">
-                <a:latin typeface="Avenir Roman" panose="02000503020000020003" pitchFamily="2" charset="0"/>
-              </a:rPr>
-              <a:t> and response time </a:t>
-            </a:r>
-            <a:r>
-              <a:rPr lang="nb-NO" sz="2000" dirty="0" err="1">
-                <a:latin typeface="Avenir Roman" panose="02000503020000020003" pitchFamily="2" charset="0"/>
-              </a:rPr>
-              <a:t>across</a:t>
-            </a:r>
-            <a:r>
-              <a:rPr lang="nb-NO" sz="2000" dirty="0">
-                <a:latin typeface="Avenir Roman" panose="02000503020000020003" pitchFamily="2" charset="0"/>
-              </a:rPr>
-              <a:t> </a:t>
-            </a:r>
-            <a:r>
-              <a:rPr lang="nb-NO" sz="2000" dirty="0" err="1">
-                <a:latin typeface="Avenir Roman" panose="02000503020000020003" pitchFamily="2" charset="0"/>
-              </a:rPr>
-              <a:t>conditions</a:t>
-            </a:r>
-            <a:r>
-              <a:rPr lang="nb-NO" sz="2000" dirty="0">
-                <a:latin typeface="Avenir Roman" panose="02000503020000020003" pitchFamily="2" charset="0"/>
-              </a:rPr>
-              <a:t>.</a:t>
-            </a:r>
-            <a:endParaRPr lang="nb-NO" sz="2000" b="1" dirty="0">
-              <a:effectLst/>
-              <a:latin typeface="Avenir Roman" panose="02000503020000020003" pitchFamily="2" charset="0"/>
             </a:endParaRPr>
           </a:p>
         </p:txBody>
@@ -5282,7 +4849,7 @@
         </p:nvSpPr>
         <p:spPr>
           <a:xfrm>
-            <a:off x="2250455" y="11334526"/>
+            <a:off x="1635456" y="11424731"/>
             <a:ext cx="407484" cy="461665"/>
           </a:xfrm>
           <a:prstGeom prst="rect">
@@ -5319,7 +4886,7 @@
         </p:nvSpPr>
         <p:spPr>
           <a:xfrm>
-            <a:off x="8350886" y="11334526"/>
+            <a:off x="6243063" y="11424730"/>
             <a:ext cx="407484" cy="461665"/>
           </a:xfrm>
           <a:prstGeom prst="rect">
@@ -5393,7 +4960,7 @@
         </p:nvSpPr>
         <p:spPr>
           <a:xfrm>
-            <a:off x="29243137" y="5101215"/>
+            <a:off x="32496526" y="6161896"/>
             <a:ext cx="407484" cy="461665"/>
           </a:xfrm>
           <a:prstGeom prst="rect">
@@ -5430,7 +4997,7 @@
         </p:nvSpPr>
         <p:spPr>
           <a:xfrm>
-            <a:off x="34393549" y="5517117"/>
+            <a:off x="22707358" y="11622604"/>
             <a:ext cx="407484" cy="461665"/>
           </a:xfrm>
           <a:prstGeom prst="rect">
@@ -5467,8 +5034,8 @@
         </p:nvSpPr>
         <p:spPr>
           <a:xfrm>
-            <a:off x="22201696" y="22956193"/>
-            <a:ext cx="19253053" cy="2923877"/>
+            <a:off x="22387045" y="23869297"/>
+            <a:ext cx="19253053" cy="2462213"/>
           </a:xfrm>
           <a:prstGeom prst="rect">
             <a:avLst/>
@@ -5486,7 +5053,7 @@
               <a:buChar char="•"/>
             </a:pPr>
             <a:r>
-              <a:rPr lang="en-US" sz="3200" noProof="1">
+              <a:rPr lang="en-US" sz="2600" noProof="1">
                 <a:latin typeface="Avenir Roman" panose="02000503020000020003" pitchFamily="2" charset="0"/>
               </a:rPr>
               <a:t>The later the gamble interrupted in the progress bar (i.e. the closer the participant was to the reward), the more likely a participant gambled and the lower their RT tended to be. </a:t>
@@ -5498,7 +5065,7 @@
               <a:buChar char="•"/>
             </a:pPr>
             <a:r>
-              <a:rPr lang="en-US" sz="3200" noProof="1">
+              <a:rPr lang="en-US" sz="2600" noProof="1">
                 <a:latin typeface="Avenir Roman" panose="02000503020000020003" pitchFamily="2" charset="0"/>
               </a:rPr>
               <a:t>The more pronounced a participant’s gamble ramp was, the more negative their RT ramp tended to be.</a:t>
@@ -5510,10 +5077,10 @@
               <a:buChar char="•"/>
             </a:pPr>
             <a:r>
-              <a:rPr lang="en-US" sz="3200" noProof="1">
+              <a:rPr lang="en-US" sz="2600" noProof="1">
                 <a:latin typeface="Avenir Roman" panose="02000503020000020003" pitchFamily="2" charset="0"/>
               </a:rPr>
-              <a:t>Magnitude had no effect on driving the decision to gamble. Value did.</a:t>
+              <a:t>Magnitude had no effect on driving the decision to gamble but a higher value gamble increased a participant’s propensity to gamble.</a:t>
             </a:r>
           </a:p>
           <a:p>
@@ -5522,14 +5089,11 @@
               <a:buChar char="•"/>
             </a:pPr>
             <a:r>
-              <a:rPr lang="en-US" sz="3200" noProof="1">
+              <a:rPr lang="en-US" sz="2600" noProof="1">
                 <a:latin typeface="Avenir Roman" panose="02000503020000020003" pitchFamily="2" charset="0"/>
               </a:rPr>
-              <a:t>These pilot data are consistent with the theory that DA dynamics modulate a value function in humans.</a:t>
-            </a:r>
-            <a:endParaRPr lang="en-US" sz="3000" noProof="1">
-              <a:latin typeface="Avenir Roman" panose="02000503020000020003" pitchFamily="2" charset="0"/>
-            </a:endParaRPr>
+              <a:t>These pilot data are consistent with the theory that DA dynamics affect how humans calculate the value of a reward.</a:t>
+            </a:r>
           </a:p>
           <a:p>
             <a:endParaRPr lang="en-US" sz="2400" noProof="1">
@@ -5752,8 +5316,8 @@
         </p:blipFill>
         <p:spPr>
           <a:xfrm>
-            <a:off x="9342149" y="12860721"/>
-            <a:ext cx="2245601" cy="3611432"/>
+            <a:off x="18651236" y="12366835"/>
+            <a:ext cx="2403797" cy="3865847"/>
           </a:xfrm>
           <a:prstGeom prst="rect">
             <a:avLst/>
@@ -5774,7 +5338,7 @@
         </p:nvSpPr>
         <p:spPr>
           <a:xfrm>
-            <a:off x="12967499" y="11349938"/>
+            <a:off x="12482193" y="11420871"/>
             <a:ext cx="407484" cy="461665"/>
           </a:xfrm>
           <a:prstGeom prst="rect">
@@ -5819,8 +5383,8 @@
         </p:blipFill>
         <p:spPr>
           <a:xfrm>
-            <a:off x="13068793" y="12334898"/>
-            <a:ext cx="5394725" cy="3013177"/>
+            <a:off x="6301245" y="12677351"/>
+            <a:ext cx="5869179" cy="3278179"/>
           </a:xfrm>
           <a:prstGeom prst="rect">
             <a:avLst/>
@@ -5841,7 +5405,7 @@
         </p:nvSpPr>
         <p:spPr>
           <a:xfrm>
-            <a:off x="12967499" y="15826219"/>
+            <a:off x="14520348" y="17021778"/>
             <a:ext cx="6236677" cy="369332"/>
           </a:xfrm>
           <a:prstGeom prst="rect">
@@ -5940,8 +5504,8 @@
         </p:blipFill>
         <p:spPr>
           <a:xfrm>
-            <a:off x="2684597" y="11504529"/>
-            <a:ext cx="4419600" cy="2495550"/>
+            <a:off x="1905835" y="11987888"/>
+            <a:ext cx="3655466" cy="2064078"/>
           </a:xfrm>
           <a:prstGeom prst="rect">
             <a:avLst/>
@@ -5970,671 +5534,14 @@
         </p:blipFill>
         <p:spPr>
           <a:xfrm>
-            <a:off x="2819372" y="14062200"/>
-            <a:ext cx="4352925" cy="2571750"/>
+            <a:off x="2026760" y="14126196"/>
+            <a:ext cx="3498756" cy="2067099"/>
           </a:xfrm>
           <a:prstGeom prst="rect">
             <a:avLst/>
           </a:prstGeom>
         </p:spPr>
       </p:pic>
-      <p:pic>
-        <p:nvPicPr>
-          <p:cNvPr id="47" name="Picture 46">
-            <a:extLst>
-              <a:ext uri="{FF2B5EF4-FFF2-40B4-BE49-F238E27FC236}">
-                <a16:creationId xmlns:a16="http://schemas.microsoft.com/office/drawing/2014/main" id="{3A8A40A0-F1DC-41ED-ABDA-5B566EAB6CDC}"/>
-              </a:ext>
-            </a:extLst>
-          </p:cNvPr>
-          <p:cNvPicPr>
-            <a:picLocks noChangeAspect="1"/>
-          </p:cNvPicPr>
-          <p:nvPr/>
-        </p:nvPicPr>
-        <p:blipFill>
-          <a:blip r:embed="rId10"/>
-          <a:stretch>
-            <a:fillRect/>
-          </a:stretch>
-        </p:blipFill>
-        <p:spPr>
-          <a:xfrm>
-            <a:off x="4502724" y="27102750"/>
-            <a:ext cx="1280686" cy="798001"/>
-          </a:xfrm>
-          <a:prstGeom prst="rect">
-            <a:avLst/>
-          </a:prstGeom>
-        </p:spPr>
-      </p:pic>
-      <p:pic>
-        <p:nvPicPr>
-          <p:cNvPr id="49" name="Picture 48">
-            <a:extLst>
-              <a:ext uri="{FF2B5EF4-FFF2-40B4-BE49-F238E27FC236}">
-                <a16:creationId xmlns:a16="http://schemas.microsoft.com/office/drawing/2014/main" id="{D805674C-87EF-407E-9655-61EBDE023E8A}"/>
-              </a:ext>
-            </a:extLst>
-          </p:cNvPr>
-          <p:cNvPicPr>
-            <a:picLocks noChangeAspect="1"/>
-          </p:cNvPicPr>
-          <p:nvPr/>
-        </p:nvPicPr>
-        <p:blipFill>
-          <a:blip r:embed="rId11"/>
-          <a:stretch>
-            <a:fillRect/>
-          </a:stretch>
-        </p:blipFill>
-        <p:spPr>
-          <a:xfrm>
-            <a:off x="4137199" y="22757280"/>
-            <a:ext cx="2000323" cy="1276567"/>
-          </a:xfrm>
-          <a:prstGeom prst="rect">
-            <a:avLst/>
-          </a:prstGeom>
-        </p:spPr>
-      </p:pic>
-      <p:pic>
-        <p:nvPicPr>
-          <p:cNvPr id="50" name="Picture 49">
-            <a:extLst>
-              <a:ext uri="{FF2B5EF4-FFF2-40B4-BE49-F238E27FC236}">
-                <a16:creationId xmlns:a16="http://schemas.microsoft.com/office/drawing/2014/main" id="{0E0A66A5-B6FF-4021-A76A-E5271E4F7F1B}"/>
-              </a:ext>
-            </a:extLst>
-          </p:cNvPr>
-          <p:cNvPicPr>
-            <a:picLocks noChangeAspect="1"/>
-          </p:cNvPicPr>
-          <p:nvPr/>
-        </p:nvPicPr>
-        <p:blipFill>
-          <a:blip r:embed="rId12"/>
-          <a:stretch>
-            <a:fillRect/>
-          </a:stretch>
-        </p:blipFill>
-        <p:spPr>
-          <a:xfrm>
-            <a:off x="3990703" y="24189906"/>
-            <a:ext cx="2229285" cy="1520984"/>
-          </a:xfrm>
-          <a:prstGeom prst="rect">
-            <a:avLst/>
-          </a:prstGeom>
-        </p:spPr>
-      </p:pic>
-      <p:pic>
-        <p:nvPicPr>
-          <p:cNvPr id="51" name="Picture 50">
-            <a:extLst>
-              <a:ext uri="{FF2B5EF4-FFF2-40B4-BE49-F238E27FC236}">
-                <a16:creationId xmlns:a16="http://schemas.microsoft.com/office/drawing/2014/main" id="{086F6B7E-0303-4E25-B41F-F3DF8F03E697}"/>
-              </a:ext>
-            </a:extLst>
-          </p:cNvPr>
-          <p:cNvPicPr>
-            <a:picLocks noChangeAspect="1"/>
-          </p:cNvPicPr>
-          <p:nvPr/>
-        </p:nvPicPr>
-        <p:blipFill>
-          <a:blip r:embed="rId13"/>
-          <a:stretch>
-            <a:fillRect/>
-          </a:stretch>
-        </p:blipFill>
-        <p:spPr>
-          <a:xfrm>
-            <a:off x="4452164" y="25727668"/>
-            <a:ext cx="1331246" cy="968179"/>
-          </a:xfrm>
-          <a:prstGeom prst="rect">
-            <a:avLst/>
-          </a:prstGeom>
-        </p:spPr>
-      </p:pic>
-      <p:pic>
-        <p:nvPicPr>
-          <p:cNvPr id="52" name="Picture 51">
-            <a:extLst>
-              <a:ext uri="{FF2B5EF4-FFF2-40B4-BE49-F238E27FC236}">
-                <a16:creationId xmlns:a16="http://schemas.microsoft.com/office/drawing/2014/main" id="{96E3C8F3-7FFF-4B06-8ECE-28D6109C8461}"/>
-              </a:ext>
-            </a:extLst>
-          </p:cNvPr>
-          <p:cNvPicPr>
-            <a:picLocks noChangeAspect="1"/>
-          </p:cNvPicPr>
-          <p:nvPr/>
-        </p:nvPicPr>
-        <p:blipFill>
-          <a:blip r:embed="rId14"/>
-          <a:stretch>
-            <a:fillRect/>
-          </a:stretch>
-        </p:blipFill>
-        <p:spPr>
-          <a:xfrm>
-            <a:off x="6134403" y="28263011"/>
-            <a:ext cx="1708230" cy="1241665"/>
-          </a:xfrm>
-          <a:prstGeom prst="rect">
-            <a:avLst/>
-          </a:prstGeom>
-        </p:spPr>
-      </p:pic>
-      <p:pic>
-        <p:nvPicPr>
-          <p:cNvPr id="54" name="Picture 53">
-            <a:extLst>
-              <a:ext uri="{FF2B5EF4-FFF2-40B4-BE49-F238E27FC236}">
-                <a16:creationId xmlns:a16="http://schemas.microsoft.com/office/drawing/2014/main" id="{2858241D-9298-4347-954F-B5CEBE377C9B}"/>
-              </a:ext>
-            </a:extLst>
-          </p:cNvPr>
-          <p:cNvPicPr>
-            <a:picLocks noChangeAspect="1"/>
-          </p:cNvPicPr>
-          <p:nvPr/>
-        </p:nvPicPr>
-        <p:blipFill>
-          <a:blip r:embed="rId15"/>
-          <a:stretch>
-            <a:fillRect/>
-          </a:stretch>
-        </p:blipFill>
-        <p:spPr>
-          <a:xfrm>
-            <a:off x="2523881" y="28281970"/>
-            <a:ext cx="1613318" cy="1028212"/>
-          </a:xfrm>
-          <a:prstGeom prst="rect">
-            <a:avLst/>
-          </a:prstGeom>
-        </p:spPr>
-      </p:pic>
-      <p:sp>
-        <p:nvSpPr>
-          <p:cNvPr id="57" name="Rectangle 56">
-            <a:extLst>
-              <a:ext uri="{FF2B5EF4-FFF2-40B4-BE49-F238E27FC236}">
-                <a16:creationId xmlns:a16="http://schemas.microsoft.com/office/drawing/2014/main" id="{BD2F5DB4-7F23-40B4-B0A1-CBF2044FCA38}"/>
-              </a:ext>
-            </a:extLst>
-          </p:cNvPr>
-          <p:cNvSpPr/>
-          <p:nvPr/>
-        </p:nvSpPr>
-        <p:spPr>
-          <a:xfrm>
-            <a:off x="4361380" y="27002013"/>
-            <a:ext cx="1501629" cy="968179"/>
-          </a:xfrm>
-          <a:prstGeom prst="rect">
-            <a:avLst/>
-          </a:prstGeom>
-          <a:noFill/>
-        </p:spPr>
-        <p:style>
-          <a:lnRef idx="2">
-            <a:schemeClr val="dk1"/>
-          </a:lnRef>
-          <a:fillRef idx="1">
-            <a:schemeClr val="lt1"/>
-          </a:fillRef>
-          <a:effectRef idx="0">
-            <a:schemeClr val="dk1"/>
-          </a:effectRef>
-          <a:fontRef idx="minor">
-            <a:schemeClr val="dk1"/>
-          </a:fontRef>
-        </p:style>
-        <p:txBody>
-          <a:bodyPr rtlCol="0" anchor="ctr"/>
-          <a:lstStyle/>
-          <a:p>
-            <a:pPr algn="ctr"/>
-            <a:endParaRPr lang="en-US"/>
-          </a:p>
-        </p:txBody>
-      </p:sp>
-      <p:sp>
-        <p:nvSpPr>
-          <p:cNvPr id="58" name="Rectangle 57">
-            <a:extLst>
-              <a:ext uri="{FF2B5EF4-FFF2-40B4-BE49-F238E27FC236}">
-                <a16:creationId xmlns:a16="http://schemas.microsoft.com/office/drawing/2014/main" id="{42548168-D14B-466A-9E15-4B5AC00245A9}"/>
-              </a:ext>
-            </a:extLst>
-          </p:cNvPr>
-          <p:cNvSpPr/>
-          <p:nvPr/>
-        </p:nvSpPr>
-        <p:spPr>
-          <a:xfrm>
-            <a:off x="2452611" y="28197660"/>
-            <a:ext cx="1501629" cy="968179"/>
-          </a:xfrm>
-          <a:prstGeom prst="rect">
-            <a:avLst/>
-          </a:prstGeom>
-          <a:noFill/>
-        </p:spPr>
-        <p:style>
-          <a:lnRef idx="2">
-            <a:schemeClr val="dk1"/>
-          </a:lnRef>
-          <a:fillRef idx="1">
-            <a:schemeClr val="lt1"/>
-          </a:fillRef>
-          <a:effectRef idx="0">
-            <a:schemeClr val="dk1"/>
-          </a:effectRef>
-          <a:fontRef idx="minor">
-            <a:schemeClr val="dk1"/>
-          </a:fontRef>
-        </p:style>
-        <p:txBody>
-          <a:bodyPr rtlCol="0" anchor="ctr"/>
-          <a:lstStyle/>
-          <a:p>
-            <a:pPr algn="ctr"/>
-            <a:endParaRPr lang="en-US"/>
-          </a:p>
-        </p:txBody>
-      </p:sp>
-      <p:sp>
-        <p:nvSpPr>
-          <p:cNvPr id="59" name="Rectangle 58">
-            <a:extLst>
-              <a:ext uri="{FF2B5EF4-FFF2-40B4-BE49-F238E27FC236}">
-                <a16:creationId xmlns:a16="http://schemas.microsoft.com/office/drawing/2014/main" id="{EFA18916-58BF-41EF-BDC1-16B912DB3467}"/>
-              </a:ext>
-            </a:extLst>
-          </p:cNvPr>
-          <p:cNvSpPr/>
-          <p:nvPr/>
-        </p:nvSpPr>
-        <p:spPr>
-          <a:xfrm>
-            <a:off x="6237704" y="28209724"/>
-            <a:ext cx="1501629" cy="968179"/>
-          </a:xfrm>
-          <a:prstGeom prst="rect">
-            <a:avLst/>
-          </a:prstGeom>
-          <a:noFill/>
-        </p:spPr>
-        <p:style>
-          <a:lnRef idx="2">
-            <a:schemeClr val="dk1"/>
-          </a:lnRef>
-          <a:fillRef idx="1">
-            <a:schemeClr val="lt1"/>
-          </a:fillRef>
-          <a:effectRef idx="0">
-            <a:schemeClr val="dk1"/>
-          </a:effectRef>
-          <a:fontRef idx="minor">
-            <a:schemeClr val="dk1"/>
-          </a:fontRef>
-        </p:style>
-        <p:txBody>
-          <a:bodyPr rtlCol="0" anchor="ctr"/>
-          <a:lstStyle/>
-          <a:p>
-            <a:pPr algn="ctr"/>
-            <a:endParaRPr lang="en-US"/>
-          </a:p>
-        </p:txBody>
-      </p:sp>
-      <p:sp>
-        <p:nvSpPr>
-          <p:cNvPr id="60" name="Rectangle 59">
-            <a:extLst>
-              <a:ext uri="{FF2B5EF4-FFF2-40B4-BE49-F238E27FC236}">
-                <a16:creationId xmlns:a16="http://schemas.microsoft.com/office/drawing/2014/main" id="{2983FC3C-452F-4F60-BEC7-E5FFD6C46D2F}"/>
-              </a:ext>
-            </a:extLst>
-          </p:cNvPr>
-          <p:cNvSpPr/>
-          <p:nvPr/>
-        </p:nvSpPr>
-        <p:spPr>
-          <a:xfrm>
-            <a:off x="4366972" y="25641449"/>
-            <a:ext cx="1501629" cy="968179"/>
-          </a:xfrm>
-          <a:prstGeom prst="rect">
-            <a:avLst/>
-          </a:prstGeom>
-          <a:noFill/>
-        </p:spPr>
-        <p:style>
-          <a:lnRef idx="2">
-            <a:schemeClr val="dk1"/>
-          </a:lnRef>
-          <a:fillRef idx="1">
-            <a:schemeClr val="lt1"/>
-          </a:fillRef>
-          <a:effectRef idx="0">
-            <a:schemeClr val="dk1"/>
-          </a:effectRef>
-          <a:fontRef idx="minor">
-            <a:schemeClr val="dk1"/>
-          </a:fontRef>
-        </p:style>
-        <p:txBody>
-          <a:bodyPr rtlCol="0" anchor="ctr"/>
-          <a:lstStyle/>
-          <a:p>
-            <a:pPr algn="ctr"/>
-            <a:endParaRPr lang="en-US"/>
-          </a:p>
-        </p:txBody>
-      </p:sp>
-      <p:sp>
-        <p:nvSpPr>
-          <p:cNvPr id="61" name="Rectangle 60">
-            <a:extLst>
-              <a:ext uri="{FF2B5EF4-FFF2-40B4-BE49-F238E27FC236}">
-                <a16:creationId xmlns:a16="http://schemas.microsoft.com/office/drawing/2014/main" id="{EDECE0DC-282C-45F8-9FF2-2D4BAC31ACC2}"/>
-              </a:ext>
-            </a:extLst>
-          </p:cNvPr>
-          <p:cNvSpPr/>
-          <p:nvPr/>
-        </p:nvSpPr>
-        <p:spPr>
-          <a:xfrm>
-            <a:off x="4361379" y="24270569"/>
-            <a:ext cx="1501629" cy="968179"/>
-          </a:xfrm>
-          <a:prstGeom prst="rect">
-            <a:avLst/>
-          </a:prstGeom>
-          <a:noFill/>
-        </p:spPr>
-        <p:style>
-          <a:lnRef idx="2">
-            <a:schemeClr val="dk1"/>
-          </a:lnRef>
-          <a:fillRef idx="1">
-            <a:schemeClr val="lt1"/>
-          </a:fillRef>
-          <a:effectRef idx="0">
-            <a:schemeClr val="dk1"/>
-          </a:effectRef>
-          <a:fontRef idx="minor">
-            <a:schemeClr val="dk1"/>
-          </a:fontRef>
-        </p:style>
-        <p:txBody>
-          <a:bodyPr rtlCol="0" anchor="ctr"/>
-          <a:lstStyle/>
-          <a:p>
-            <a:pPr algn="ctr"/>
-            <a:endParaRPr lang="en-US"/>
-          </a:p>
-        </p:txBody>
-      </p:sp>
-      <p:sp>
-        <p:nvSpPr>
-          <p:cNvPr id="62" name="Rectangle 61">
-            <a:extLst>
-              <a:ext uri="{FF2B5EF4-FFF2-40B4-BE49-F238E27FC236}">
-                <a16:creationId xmlns:a16="http://schemas.microsoft.com/office/drawing/2014/main" id="{6A6F06AC-4E05-4843-AF85-8998BB67009B}"/>
-              </a:ext>
-            </a:extLst>
-          </p:cNvPr>
-          <p:cNvSpPr/>
-          <p:nvPr/>
-        </p:nvSpPr>
-        <p:spPr>
-          <a:xfrm>
-            <a:off x="4361380" y="22926551"/>
-            <a:ext cx="1501629" cy="968179"/>
-          </a:xfrm>
-          <a:prstGeom prst="rect">
-            <a:avLst/>
-          </a:prstGeom>
-          <a:noFill/>
-        </p:spPr>
-        <p:style>
-          <a:lnRef idx="2">
-            <a:schemeClr val="dk1"/>
-          </a:lnRef>
-          <a:fillRef idx="1">
-            <a:schemeClr val="lt1"/>
-          </a:fillRef>
-          <a:effectRef idx="0">
-            <a:schemeClr val="dk1"/>
-          </a:effectRef>
-          <a:fontRef idx="minor">
-            <a:schemeClr val="dk1"/>
-          </a:fontRef>
-        </p:style>
-        <p:txBody>
-          <a:bodyPr rtlCol="0" anchor="ctr"/>
-          <a:lstStyle/>
-          <a:p>
-            <a:pPr algn="ctr"/>
-            <a:endParaRPr lang="en-US"/>
-          </a:p>
-        </p:txBody>
-      </p:sp>
-      <p:cxnSp>
-        <p:nvCxnSpPr>
-          <p:cNvPr id="63" name="Straight Arrow Connector 62">
-            <a:extLst>
-              <a:ext uri="{FF2B5EF4-FFF2-40B4-BE49-F238E27FC236}">
-                <a16:creationId xmlns:a16="http://schemas.microsoft.com/office/drawing/2014/main" id="{2ECB481E-173F-43FB-8709-DB6005326FF7}"/>
-              </a:ext>
-            </a:extLst>
-          </p:cNvPr>
-          <p:cNvCxnSpPr>
-            <a:cxnSpLocks/>
-            <a:stCxn id="62" idx="2"/>
-            <a:endCxn id="61" idx="0"/>
-          </p:cNvCxnSpPr>
-          <p:nvPr/>
-        </p:nvCxnSpPr>
-        <p:spPr>
-          <a:xfrm flipH="1">
-            <a:off x="5112194" y="23894730"/>
-            <a:ext cx="1" cy="375839"/>
-          </a:xfrm>
-          <a:prstGeom prst="straightConnector1">
-            <a:avLst/>
-          </a:prstGeom>
-          <a:ln>
-            <a:tailEnd type="triangle"/>
-          </a:ln>
-        </p:spPr>
-        <p:style>
-          <a:lnRef idx="1">
-            <a:schemeClr val="dk1"/>
-          </a:lnRef>
-          <a:fillRef idx="0">
-            <a:schemeClr val="dk1"/>
-          </a:fillRef>
-          <a:effectRef idx="0">
-            <a:schemeClr val="dk1"/>
-          </a:effectRef>
-          <a:fontRef idx="minor">
-            <a:schemeClr val="tx1"/>
-          </a:fontRef>
-        </p:style>
-      </p:cxnSp>
-      <p:cxnSp>
-        <p:nvCxnSpPr>
-          <p:cNvPr id="64" name="Straight Arrow Connector 63">
-            <a:extLst>
-              <a:ext uri="{FF2B5EF4-FFF2-40B4-BE49-F238E27FC236}">
-                <a16:creationId xmlns:a16="http://schemas.microsoft.com/office/drawing/2014/main" id="{912072CB-D060-488D-B3E7-412861BC2C5B}"/>
-              </a:ext>
-            </a:extLst>
-          </p:cNvPr>
-          <p:cNvCxnSpPr>
-            <a:cxnSpLocks/>
-          </p:cNvCxnSpPr>
-          <p:nvPr/>
-        </p:nvCxnSpPr>
-        <p:spPr>
-          <a:xfrm flipH="1">
-            <a:off x="5105345" y="25264271"/>
-            <a:ext cx="1" cy="341011"/>
-          </a:xfrm>
-          <a:prstGeom prst="straightConnector1">
-            <a:avLst/>
-          </a:prstGeom>
-          <a:ln>
-            <a:tailEnd type="triangle"/>
-          </a:ln>
-        </p:spPr>
-        <p:style>
-          <a:lnRef idx="1">
-            <a:schemeClr val="dk1"/>
-          </a:lnRef>
-          <a:fillRef idx="0">
-            <a:schemeClr val="dk1"/>
-          </a:fillRef>
-          <a:effectRef idx="0">
-            <a:schemeClr val="dk1"/>
-          </a:effectRef>
-          <a:fontRef idx="minor">
-            <a:schemeClr val="tx1"/>
-          </a:fontRef>
-        </p:style>
-      </p:cxnSp>
-      <p:cxnSp>
-        <p:nvCxnSpPr>
-          <p:cNvPr id="65" name="Straight Arrow Connector 64">
-            <a:extLst>
-              <a:ext uri="{FF2B5EF4-FFF2-40B4-BE49-F238E27FC236}">
-                <a16:creationId xmlns:a16="http://schemas.microsoft.com/office/drawing/2014/main" id="{3CC3E831-96ED-44ED-8FB9-351D07BD761B}"/>
-              </a:ext>
-            </a:extLst>
-          </p:cNvPr>
-          <p:cNvCxnSpPr>
-            <a:cxnSpLocks/>
-          </p:cNvCxnSpPr>
-          <p:nvPr/>
-        </p:nvCxnSpPr>
-        <p:spPr>
-          <a:xfrm flipH="1">
-            <a:off x="5112195" y="26620346"/>
-            <a:ext cx="5592" cy="306166"/>
-          </a:xfrm>
-          <a:prstGeom prst="straightConnector1">
-            <a:avLst/>
-          </a:prstGeom>
-          <a:ln>
-            <a:tailEnd type="triangle"/>
-          </a:ln>
-        </p:spPr>
-        <p:style>
-          <a:lnRef idx="1">
-            <a:schemeClr val="dk1"/>
-          </a:lnRef>
-          <a:fillRef idx="0">
-            <a:schemeClr val="dk1"/>
-          </a:fillRef>
-          <a:effectRef idx="0">
-            <a:schemeClr val="dk1"/>
-          </a:effectRef>
-          <a:fontRef idx="minor">
-            <a:schemeClr val="tx1"/>
-          </a:fontRef>
-        </p:style>
-      </p:cxnSp>
-      <p:cxnSp>
-        <p:nvCxnSpPr>
-          <p:cNvPr id="66" name="Straight Arrow Connector 65">
-            <a:extLst>
-              <a:ext uri="{FF2B5EF4-FFF2-40B4-BE49-F238E27FC236}">
-                <a16:creationId xmlns:a16="http://schemas.microsoft.com/office/drawing/2014/main" id="{45C7E555-6B10-4A73-86E3-A920743486F5}"/>
-              </a:ext>
-            </a:extLst>
-          </p:cNvPr>
-          <p:cNvCxnSpPr>
-            <a:cxnSpLocks/>
-          </p:cNvCxnSpPr>
-          <p:nvPr/>
-        </p:nvCxnSpPr>
-        <p:spPr>
-          <a:xfrm flipH="1">
-            <a:off x="3954240" y="27965437"/>
-            <a:ext cx="387565" cy="232223"/>
-          </a:xfrm>
-          <a:prstGeom prst="straightConnector1">
-            <a:avLst/>
-          </a:prstGeom>
-          <a:ln>
-            <a:tailEnd type="triangle"/>
-          </a:ln>
-        </p:spPr>
-        <p:style>
-          <a:lnRef idx="1">
-            <a:schemeClr val="dk1"/>
-          </a:lnRef>
-          <a:fillRef idx="0">
-            <a:schemeClr val="dk1"/>
-          </a:fillRef>
-          <a:effectRef idx="0">
-            <a:schemeClr val="dk1"/>
-          </a:effectRef>
-          <a:fontRef idx="minor">
-            <a:schemeClr val="tx1"/>
-          </a:fontRef>
-        </p:style>
-      </p:cxnSp>
-      <p:cxnSp>
-        <p:nvCxnSpPr>
-          <p:cNvPr id="67" name="Straight Arrow Connector 66">
-            <a:extLst>
-              <a:ext uri="{FF2B5EF4-FFF2-40B4-BE49-F238E27FC236}">
-                <a16:creationId xmlns:a16="http://schemas.microsoft.com/office/drawing/2014/main" id="{A48438F9-7F4C-4DBA-88B8-EE0B65E81A7E}"/>
-              </a:ext>
-            </a:extLst>
-          </p:cNvPr>
-          <p:cNvCxnSpPr>
-            <a:cxnSpLocks/>
-          </p:cNvCxnSpPr>
-          <p:nvPr/>
-        </p:nvCxnSpPr>
-        <p:spPr>
-          <a:xfrm>
-            <a:off x="5863009" y="27974495"/>
-            <a:ext cx="356979" cy="246571"/>
-          </a:xfrm>
-          <a:prstGeom prst="straightConnector1">
-            <a:avLst/>
-          </a:prstGeom>
-          <a:ln>
-            <a:tailEnd type="triangle"/>
-          </a:ln>
-        </p:spPr>
-        <p:style>
-          <a:lnRef idx="1">
-            <a:schemeClr val="dk1"/>
-          </a:lnRef>
-          <a:fillRef idx="0">
-            <a:schemeClr val="dk1"/>
-          </a:fillRef>
-          <a:effectRef idx="0">
-            <a:schemeClr val="dk1"/>
-          </a:effectRef>
-          <a:fontRef idx="minor">
-            <a:schemeClr val="tx1"/>
-          </a:fontRef>
-        </p:style>
-      </p:cxnSp>
       <p:sp>
         <p:nvSpPr>
           <p:cNvPr id="68" name="Rechteck 31">
@@ -6649,7 +5556,7 @@
         </p:nvSpPr>
         <p:spPr>
           <a:xfrm>
-            <a:off x="828717" y="20106158"/>
+            <a:off x="719506" y="20220309"/>
             <a:ext cx="19276760" cy="1079641"/>
           </a:xfrm>
           <a:prstGeom prst="rect">
@@ -6701,7 +5608,7 @@
         </p:nvSpPr>
         <p:spPr>
           <a:xfrm>
-            <a:off x="1889280" y="18637624"/>
+            <a:off x="1889280" y="18573372"/>
             <a:ext cx="17375775" cy="1892826"/>
           </a:xfrm>
           <a:prstGeom prst="rect">
@@ -6721,13 +5628,13 @@
               </a:spcAft>
             </a:pPr>
             <a:r>
-              <a:rPr lang="en-US" sz="4000" noProof="1">
+              <a:rPr lang="en-US" sz="4000" b="1" noProof="1">
                 <a:latin typeface="Avenir Heavy"/>
                 <a:cs typeface="Avenir Heavy"/>
               </a:rPr>
               <a:t>As the distance to a reward decreases does a participant’s propensity to gamble (via an adjusting value function) change?</a:t>
             </a:r>
-            <a:endParaRPr lang="en-US" sz="3600" noProof="1">
+            <a:endParaRPr lang="en-US" sz="3600" b="1" noProof="1">
               <a:latin typeface="Avenir Roman" panose="02000503020000020003" pitchFamily="2" charset="0"/>
             </a:endParaRPr>
           </a:p>
@@ -6759,15 +5666,15 @@
           <p:nvPr/>
         </p:nvPicPr>
         <p:blipFill>
-          <a:blip r:embed="rId16"/>
+          <a:blip r:embed="rId10"/>
           <a:stretch>
             <a:fillRect/>
           </a:stretch>
         </p:blipFill>
         <p:spPr>
           <a:xfrm>
-            <a:off x="7172297" y="21800180"/>
-            <a:ext cx="3753718" cy="2709670"/>
+            <a:off x="15390818" y="21947588"/>
+            <a:ext cx="4367611" cy="3152816"/>
           </a:xfrm>
           <a:prstGeom prst="rect">
             <a:avLst/>
@@ -6789,13 +5696,13 @@
           <p:nvPr>
             <p:extLst>
               <p:ext uri="{D42A27DB-BD31-4B8C-83A1-F6EECF244321}">
-                <p14:modId xmlns:p14="http://schemas.microsoft.com/office/powerpoint/2010/main" val="514510582"/>
+                <p14:modId xmlns:p14="http://schemas.microsoft.com/office/powerpoint/2010/main" val="3726479041"/>
               </p:ext>
             </p:extLst>
           </p:nvPr>
         </p:nvGraphicFramePr>
         <p:xfrm>
-          <a:off x="9192722" y="25554971"/>
+          <a:off x="2657939" y="26211279"/>
           <a:ext cx="7676624" cy="2247807"/>
         </p:xfrm>
         <a:graphic>
@@ -7034,7 +5941,7 @@
         </p:nvSpPr>
         <p:spPr>
           <a:xfrm>
-            <a:off x="9923353" y="24842377"/>
+            <a:off x="3435078" y="25588413"/>
             <a:ext cx="1925438" cy="461665"/>
           </a:xfrm>
           <a:prstGeom prst="rect">
@@ -7077,7 +5984,7 @@
         </p:nvSpPr>
         <p:spPr>
           <a:xfrm>
-            <a:off x="14148381" y="24923157"/>
+            <a:off x="7613598" y="25579465"/>
             <a:ext cx="1430613" cy="461665"/>
           </a:xfrm>
           <a:prstGeom prst="rect">
@@ -7124,7 +6031,7 @@
         </p:nvSpPr>
         <p:spPr>
           <a:xfrm>
-            <a:off x="8071759" y="25594433"/>
+            <a:off x="1536976" y="26250741"/>
             <a:ext cx="1430613" cy="461665"/>
           </a:xfrm>
           <a:prstGeom prst="rect">
@@ -7167,7 +6074,7 @@
         </p:nvSpPr>
         <p:spPr>
           <a:xfrm>
-            <a:off x="8120436" y="26476472"/>
+            <a:off x="1585653" y="27132780"/>
             <a:ext cx="1430613" cy="461665"/>
           </a:xfrm>
           <a:prstGeom prst="rect">
@@ -7210,7 +6117,7 @@
         </p:nvSpPr>
         <p:spPr>
           <a:xfrm>
-            <a:off x="8120436" y="27246794"/>
+            <a:off x="1585653" y="27903102"/>
             <a:ext cx="1430613" cy="461665"/>
           </a:xfrm>
           <a:prstGeom prst="rect">
@@ -7254,15 +6161,15 @@
           <p:nvPr/>
         </p:nvPicPr>
         <p:blipFill>
-          <a:blip r:embed="rId17"/>
+          <a:blip r:embed="rId11"/>
           <a:stretch>
             <a:fillRect/>
           </a:stretch>
         </p:blipFill>
         <p:spPr>
           <a:xfrm>
-            <a:off x="32303577" y="5809031"/>
-            <a:ext cx="7206849" cy="4987633"/>
+            <a:off x="33190655" y="6707703"/>
+            <a:ext cx="6795295" cy="4702809"/>
           </a:xfrm>
           <a:prstGeom prst="rect">
             <a:avLst/>
@@ -7284,14 +6191,14 @@
           <p:nvPr/>
         </p:nvPicPr>
         <p:blipFill>
-          <a:blip r:embed="rId18"/>
+          <a:blip r:embed="rId12"/>
           <a:stretch>
             <a:fillRect/>
           </a:stretch>
         </p:blipFill>
         <p:spPr>
           <a:xfrm>
-            <a:off x="23350099" y="5685635"/>
+            <a:off x="23628496" y="6538803"/>
             <a:ext cx="7554911" cy="5228516"/>
           </a:xfrm>
           <a:prstGeom prst="rect">
@@ -7314,14 +6221,14 @@
           <p:nvPr/>
         </p:nvPicPr>
         <p:blipFill>
-          <a:blip r:embed="rId19"/>
+          <a:blip r:embed="rId13"/>
           <a:stretch>
             <a:fillRect/>
           </a:stretch>
         </p:blipFill>
         <p:spPr>
           <a:xfrm>
-            <a:off x="23095784" y="11459918"/>
+            <a:off x="23214190" y="11882536"/>
             <a:ext cx="6123809" cy="4238095"/>
           </a:xfrm>
           <a:prstGeom prst="rect">
@@ -7344,14 +6251,14 @@
           <p:nvPr/>
         </p:nvPicPr>
         <p:blipFill>
-          <a:blip r:embed="rId20"/>
+          <a:blip r:embed="rId14"/>
           <a:stretch>
             <a:fillRect/>
           </a:stretch>
         </p:blipFill>
         <p:spPr>
           <a:xfrm>
-            <a:off x="29820225" y="11446291"/>
+            <a:off x="30254088" y="12387352"/>
             <a:ext cx="5208106" cy="3604366"/>
           </a:xfrm>
           <a:prstGeom prst="rect">
@@ -7374,14 +6281,14 @@
           <p:nvPr/>
         </p:nvPicPr>
         <p:blipFill>
-          <a:blip r:embed="rId21"/>
+          <a:blip r:embed="rId15"/>
           <a:stretch>
             <a:fillRect/>
           </a:stretch>
         </p:blipFill>
         <p:spPr>
           <a:xfrm>
-            <a:off x="35507653" y="11657938"/>
+            <a:off x="35697760" y="12309642"/>
             <a:ext cx="5208105" cy="3604365"/>
           </a:xfrm>
           <a:prstGeom prst="rect">
@@ -7404,14 +6311,14 @@
           <p:nvPr/>
         </p:nvPicPr>
         <p:blipFill>
-          <a:blip r:embed="rId22"/>
+          <a:blip r:embed="rId16"/>
           <a:stretch>
             <a:fillRect/>
           </a:stretch>
         </p:blipFill>
         <p:spPr>
           <a:xfrm>
-            <a:off x="32899352" y="15826219"/>
+            <a:off x="33845471" y="16681675"/>
             <a:ext cx="6123809" cy="4238095"/>
           </a:xfrm>
           <a:prstGeom prst="rect">
@@ -7434,14 +6341,14 @@
           <p:nvPr/>
         </p:nvPicPr>
         <p:blipFill>
-          <a:blip r:embed="rId23"/>
+          <a:blip r:embed="rId17"/>
           <a:stretch>
             <a:fillRect/>
           </a:stretch>
         </p:blipFill>
         <p:spPr>
           <a:xfrm>
-            <a:off x="26061453" y="16028909"/>
+            <a:off x="25326359" y="16528016"/>
             <a:ext cx="5617120" cy="4054790"/>
           </a:xfrm>
           <a:prstGeom prst="rect">
@@ -7463,7 +6370,7 @@
         </p:nvSpPr>
         <p:spPr>
           <a:xfrm>
-            <a:off x="7314124" y="16863485"/>
+            <a:off x="7481851" y="17129833"/>
             <a:ext cx="6236677" cy="369332"/>
           </a:xfrm>
           <a:prstGeom prst="rect">
@@ -7574,7 +6481,7 @@
         </p:nvSpPr>
         <p:spPr>
           <a:xfrm>
-            <a:off x="1018860" y="17017921"/>
+            <a:off x="1279458" y="17194103"/>
             <a:ext cx="6236677" cy="230832"/>
           </a:xfrm>
           <a:prstGeom prst="rect">
@@ -7623,6 +6530,1200 @@
                 <a:latin typeface="Avenir Roman" panose="02000503020000020003"/>
               </a:rPr>
               <a:t>(4), 293-302</a:t>
+            </a:r>
+          </a:p>
+        </p:txBody>
+      </p:sp>
+      <p:grpSp>
+        <p:nvGrpSpPr>
+          <p:cNvPr id="75" name="Group 74">
+            <a:extLst>
+              <a:ext uri="{FF2B5EF4-FFF2-40B4-BE49-F238E27FC236}">
+                <a16:creationId xmlns:a16="http://schemas.microsoft.com/office/drawing/2014/main" id="{3B490E13-4894-41BE-89E5-7AABAB118510}"/>
+              </a:ext>
+            </a:extLst>
+          </p:cNvPr>
+          <p:cNvGrpSpPr/>
+          <p:nvPr/>
+        </p:nvGrpSpPr>
+        <p:grpSpPr>
+          <a:xfrm>
+            <a:off x="9423716" y="22625258"/>
+            <a:ext cx="1501629" cy="968179"/>
+            <a:chOff x="5193079" y="4397282"/>
+            <a:chExt cx="1501629" cy="968179"/>
+          </a:xfrm>
+        </p:grpSpPr>
+        <p:pic>
+          <p:nvPicPr>
+            <p:cNvPr id="76" name="Picture 75">
+              <a:extLst>
+                <a:ext uri="{FF2B5EF4-FFF2-40B4-BE49-F238E27FC236}">
+                  <a16:creationId xmlns:a16="http://schemas.microsoft.com/office/drawing/2014/main" id="{DB089E7D-330D-4B02-827B-9E0553E6C469}"/>
+                </a:ext>
+              </a:extLst>
+            </p:cNvPr>
+            <p:cNvPicPr>
+              <a:picLocks noChangeAspect="1"/>
+            </p:cNvPicPr>
+            <p:nvPr/>
+          </p:nvPicPr>
+          <p:blipFill>
+            <a:blip r:embed="rId18"/>
+            <a:stretch>
+              <a:fillRect/>
+            </a:stretch>
+          </p:blipFill>
+          <p:spPr>
+            <a:xfrm>
+              <a:off x="5334423" y="4498019"/>
+              <a:ext cx="1280686" cy="798001"/>
+            </a:xfrm>
+            <a:prstGeom prst="rect">
+              <a:avLst/>
+            </a:prstGeom>
+          </p:spPr>
+        </p:pic>
+        <p:sp>
+          <p:nvSpPr>
+            <p:cNvPr id="77" name="Rectangle 76">
+              <a:extLst>
+                <a:ext uri="{FF2B5EF4-FFF2-40B4-BE49-F238E27FC236}">
+                  <a16:creationId xmlns:a16="http://schemas.microsoft.com/office/drawing/2014/main" id="{9602A3DE-DCE2-46EA-A232-6E5587629C04}"/>
+                </a:ext>
+              </a:extLst>
+            </p:cNvPr>
+            <p:cNvSpPr/>
+            <p:nvPr/>
+          </p:nvSpPr>
+          <p:spPr>
+            <a:xfrm>
+              <a:off x="5193079" y="4397282"/>
+              <a:ext cx="1501629" cy="968179"/>
+            </a:xfrm>
+            <a:prstGeom prst="rect">
+              <a:avLst/>
+            </a:prstGeom>
+            <a:noFill/>
+          </p:spPr>
+          <p:style>
+            <a:lnRef idx="2">
+              <a:schemeClr val="dk1"/>
+            </a:lnRef>
+            <a:fillRef idx="1">
+              <a:schemeClr val="lt1"/>
+            </a:fillRef>
+            <a:effectRef idx="0">
+              <a:schemeClr val="dk1"/>
+            </a:effectRef>
+            <a:fontRef idx="minor">
+              <a:schemeClr val="dk1"/>
+            </a:fontRef>
+          </p:style>
+          <p:txBody>
+            <a:bodyPr rtlCol="0" anchor="ctr"/>
+            <a:lstStyle/>
+            <a:p>
+              <a:pPr algn="ctr"/>
+              <a:endParaRPr lang="en-US"/>
+            </a:p>
+          </p:txBody>
+        </p:sp>
+      </p:grpSp>
+      <p:grpSp>
+        <p:nvGrpSpPr>
+          <p:cNvPr id="80" name="Group 79">
+            <a:extLst>
+              <a:ext uri="{FF2B5EF4-FFF2-40B4-BE49-F238E27FC236}">
+                <a16:creationId xmlns:a16="http://schemas.microsoft.com/office/drawing/2014/main" id="{590BE123-8576-46DB-B14B-4F95382A6D1F}"/>
+              </a:ext>
+            </a:extLst>
+          </p:cNvPr>
+          <p:cNvGrpSpPr/>
+          <p:nvPr/>
+        </p:nvGrpSpPr>
+        <p:grpSpPr>
+          <a:xfrm>
+            <a:off x="12273125" y="21923262"/>
+            <a:ext cx="1684588" cy="1112522"/>
+            <a:chOff x="3284310" y="5592929"/>
+            <a:chExt cx="1684588" cy="1112522"/>
+          </a:xfrm>
+        </p:grpSpPr>
+        <p:pic>
+          <p:nvPicPr>
+            <p:cNvPr id="81" name="Picture 80">
+              <a:extLst>
+                <a:ext uri="{FF2B5EF4-FFF2-40B4-BE49-F238E27FC236}">
+                  <a16:creationId xmlns:a16="http://schemas.microsoft.com/office/drawing/2014/main" id="{760A7B42-C57C-4928-B0ED-B40DDEE89375}"/>
+                </a:ext>
+              </a:extLst>
+            </p:cNvPr>
+            <p:cNvPicPr>
+              <a:picLocks noChangeAspect="1"/>
+            </p:cNvPicPr>
+            <p:nvPr/>
+          </p:nvPicPr>
+          <p:blipFill>
+            <a:blip r:embed="rId19"/>
+            <a:stretch>
+              <a:fillRect/>
+            </a:stretch>
+          </p:blipFill>
+          <p:spPr>
+            <a:xfrm>
+              <a:off x="3355580" y="5677239"/>
+              <a:ext cx="1613318" cy="1028212"/>
+            </a:xfrm>
+            <a:prstGeom prst="rect">
+              <a:avLst/>
+            </a:prstGeom>
+          </p:spPr>
+        </p:pic>
+        <p:sp>
+          <p:nvSpPr>
+            <p:cNvPr id="82" name="Rectangle 81">
+              <a:extLst>
+                <a:ext uri="{FF2B5EF4-FFF2-40B4-BE49-F238E27FC236}">
+                  <a16:creationId xmlns:a16="http://schemas.microsoft.com/office/drawing/2014/main" id="{2ED23206-4959-4D4C-BD73-77F4F9BF3FCD}"/>
+                </a:ext>
+              </a:extLst>
+            </p:cNvPr>
+            <p:cNvSpPr/>
+            <p:nvPr/>
+          </p:nvSpPr>
+          <p:spPr>
+            <a:xfrm>
+              <a:off x="3284310" y="5592929"/>
+              <a:ext cx="1501629" cy="968179"/>
+            </a:xfrm>
+            <a:prstGeom prst="rect">
+              <a:avLst/>
+            </a:prstGeom>
+            <a:noFill/>
+          </p:spPr>
+          <p:style>
+            <a:lnRef idx="2">
+              <a:schemeClr val="dk1"/>
+            </a:lnRef>
+            <a:fillRef idx="1">
+              <a:schemeClr val="lt1"/>
+            </a:fillRef>
+            <a:effectRef idx="0">
+              <a:schemeClr val="dk1"/>
+            </a:effectRef>
+            <a:fontRef idx="minor">
+              <a:schemeClr val="dk1"/>
+            </a:fontRef>
+          </p:style>
+          <p:txBody>
+            <a:bodyPr rtlCol="0" anchor="ctr"/>
+            <a:lstStyle/>
+            <a:p>
+              <a:pPr algn="ctr"/>
+              <a:endParaRPr lang="en-US"/>
+            </a:p>
+          </p:txBody>
+        </p:sp>
+      </p:grpSp>
+      <p:grpSp>
+        <p:nvGrpSpPr>
+          <p:cNvPr id="83" name="Group 82">
+            <a:extLst>
+              <a:ext uri="{FF2B5EF4-FFF2-40B4-BE49-F238E27FC236}">
+                <a16:creationId xmlns:a16="http://schemas.microsoft.com/office/drawing/2014/main" id="{9611E2E5-F46B-43DC-A81D-A6756123F6D5}"/>
+              </a:ext>
+            </a:extLst>
+          </p:cNvPr>
+          <p:cNvGrpSpPr/>
+          <p:nvPr/>
+        </p:nvGrpSpPr>
+        <p:grpSpPr>
+          <a:xfrm>
+            <a:off x="12059338" y="23403101"/>
+            <a:ext cx="1951362" cy="1418391"/>
+            <a:chOff x="6844536" y="5592929"/>
+            <a:chExt cx="1951362" cy="1418391"/>
+          </a:xfrm>
+        </p:grpSpPr>
+        <p:pic>
+          <p:nvPicPr>
+            <p:cNvPr id="84" name="Picture 83">
+              <a:extLst>
+                <a:ext uri="{FF2B5EF4-FFF2-40B4-BE49-F238E27FC236}">
+                  <a16:creationId xmlns:a16="http://schemas.microsoft.com/office/drawing/2014/main" id="{1B6AF218-B0CA-4A6E-9911-0D447B1A1784}"/>
+                </a:ext>
+              </a:extLst>
+            </p:cNvPr>
+            <p:cNvPicPr>
+              <a:picLocks noChangeAspect="1"/>
+            </p:cNvPicPr>
+            <p:nvPr/>
+          </p:nvPicPr>
+          <p:blipFill>
+            <a:blip r:embed="rId20"/>
+            <a:stretch>
+              <a:fillRect/>
+            </a:stretch>
+          </p:blipFill>
+          <p:spPr>
+            <a:xfrm>
+              <a:off x="6844536" y="5592929"/>
+              <a:ext cx="1951362" cy="1418391"/>
+            </a:xfrm>
+            <a:prstGeom prst="rect">
+              <a:avLst/>
+            </a:prstGeom>
+          </p:spPr>
+        </p:pic>
+        <p:sp>
+          <p:nvSpPr>
+            <p:cNvPr id="85" name="Rectangle 84">
+              <a:extLst>
+                <a:ext uri="{FF2B5EF4-FFF2-40B4-BE49-F238E27FC236}">
+                  <a16:creationId xmlns:a16="http://schemas.microsoft.com/office/drawing/2014/main" id="{2B4A416F-B8CB-4738-99A4-1169582F4FAC}"/>
+                </a:ext>
+              </a:extLst>
+            </p:cNvPr>
+            <p:cNvSpPr/>
+            <p:nvPr/>
+          </p:nvSpPr>
+          <p:spPr>
+            <a:xfrm>
+              <a:off x="7069403" y="5604993"/>
+              <a:ext cx="1501629" cy="968179"/>
+            </a:xfrm>
+            <a:prstGeom prst="rect">
+              <a:avLst/>
+            </a:prstGeom>
+            <a:noFill/>
+          </p:spPr>
+          <p:style>
+            <a:lnRef idx="2">
+              <a:schemeClr val="dk1"/>
+            </a:lnRef>
+            <a:fillRef idx="1">
+              <a:schemeClr val="lt1"/>
+            </a:fillRef>
+            <a:effectRef idx="0">
+              <a:schemeClr val="dk1"/>
+            </a:effectRef>
+            <a:fontRef idx="minor">
+              <a:schemeClr val="dk1"/>
+            </a:fontRef>
+          </p:style>
+          <p:txBody>
+            <a:bodyPr rtlCol="0" anchor="ctr"/>
+            <a:lstStyle/>
+            <a:p>
+              <a:pPr algn="ctr"/>
+              <a:endParaRPr lang="en-US"/>
+            </a:p>
+          </p:txBody>
+        </p:sp>
+      </p:grpSp>
+      <p:grpSp>
+        <p:nvGrpSpPr>
+          <p:cNvPr id="86" name="Group 85">
+            <a:extLst>
+              <a:ext uri="{FF2B5EF4-FFF2-40B4-BE49-F238E27FC236}">
+                <a16:creationId xmlns:a16="http://schemas.microsoft.com/office/drawing/2014/main" id="{5C11FA0B-74C1-4A1A-8B9D-A9425C35A80D}"/>
+              </a:ext>
+            </a:extLst>
+          </p:cNvPr>
+          <p:cNvGrpSpPr/>
+          <p:nvPr/>
+        </p:nvGrpSpPr>
+        <p:grpSpPr>
+          <a:xfrm>
+            <a:off x="7231163" y="22657974"/>
+            <a:ext cx="1501629" cy="1054398"/>
+            <a:chOff x="819618" y="3498113"/>
+            <a:chExt cx="1501629" cy="1054398"/>
+          </a:xfrm>
+        </p:grpSpPr>
+        <p:pic>
+          <p:nvPicPr>
+            <p:cNvPr id="87" name="Picture 86">
+              <a:extLst>
+                <a:ext uri="{FF2B5EF4-FFF2-40B4-BE49-F238E27FC236}">
+                  <a16:creationId xmlns:a16="http://schemas.microsoft.com/office/drawing/2014/main" id="{C0F04ED6-05D6-4B09-BA57-DC7783AF24B0}"/>
+                </a:ext>
+              </a:extLst>
+            </p:cNvPr>
+            <p:cNvPicPr>
+              <a:picLocks noChangeAspect="1"/>
+            </p:cNvPicPr>
+            <p:nvPr/>
+          </p:nvPicPr>
+          <p:blipFill>
+            <a:blip r:embed="rId21"/>
+            <a:stretch>
+              <a:fillRect/>
+            </a:stretch>
+          </p:blipFill>
+          <p:spPr>
+            <a:xfrm>
+              <a:off x="904810" y="3584332"/>
+              <a:ext cx="1331246" cy="968179"/>
+            </a:xfrm>
+            <a:prstGeom prst="rect">
+              <a:avLst/>
+            </a:prstGeom>
+          </p:spPr>
+        </p:pic>
+        <p:sp>
+          <p:nvSpPr>
+            <p:cNvPr id="88" name="Rectangle 87">
+              <a:extLst>
+                <a:ext uri="{FF2B5EF4-FFF2-40B4-BE49-F238E27FC236}">
+                  <a16:creationId xmlns:a16="http://schemas.microsoft.com/office/drawing/2014/main" id="{A4DB7B73-7F9C-446B-B549-949C69B706C4}"/>
+                </a:ext>
+              </a:extLst>
+            </p:cNvPr>
+            <p:cNvSpPr/>
+            <p:nvPr/>
+          </p:nvSpPr>
+          <p:spPr>
+            <a:xfrm>
+              <a:off x="819618" y="3498113"/>
+              <a:ext cx="1501629" cy="968179"/>
+            </a:xfrm>
+            <a:prstGeom prst="rect">
+              <a:avLst/>
+            </a:prstGeom>
+            <a:noFill/>
+          </p:spPr>
+          <p:style>
+            <a:lnRef idx="2">
+              <a:schemeClr val="dk1"/>
+            </a:lnRef>
+            <a:fillRef idx="1">
+              <a:schemeClr val="lt1"/>
+            </a:fillRef>
+            <a:effectRef idx="0">
+              <a:schemeClr val="dk1"/>
+            </a:effectRef>
+            <a:fontRef idx="minor">
+              <a:schemeClr val="dk1"/>
+            </a:fontRef>
+          </p:style>
+          <p:txBody>
+            <a:bodyPr rtlCol="0" anchor="ctr"/>
+            <a:lstStyle/>
+            <a:p>
+              <a:pPr algn="ctr"/>
+              <a:endParaRPr lang="en-US"/>
+            </a:p>
+          </p:txBody>
+        </p:sp>
+      </p:grpSp>
+      <p:grpSp>
+        <p:nvGrpSpPr>
+          <p:cNvPr id="89" name="Group 88">
+            <a:extLst>
+              <a:ext uri="{FF2B5EF4-FFF2-40B4-BE49-F238E27FC236}">
+                <a16:creationId xmlns:a16="http://schemas.microsoft.com/office/drawing/2014/main" id="{19274681-EDFE-4769-9E97-8D35DB7434A0}"/>
+              </a:ext>
+            </a:extLst>
+          </p:cNvPr>
+          <p:cNvGrpSpPr/>
+          <p:nvPr/>
+        </p:nvGrpSpPr>
+        <p:grpSpPr>
+          <a:xfrm>
+            <a:off x="4671514" y="22591312"/>
+            <a:ext cx="2229285" cy="1520984"/>
+            <a:chOff x="443349" y="2046570"/>
+            <a:chExt cx="2229285" cy="1520984"/>
+          </a:xfrm>
+        </p:grpSpPr>
+        <p:pic>
+          <p:nvPicPr>
+            <p:cNvPr id="90" name="Picture 89">
+              <a:extLst>
+                <a:ext uri="{FF2B5EF4-FFF2-40B4-BE49-F238E27FC236}">
+                  <a16:creationId xmlns:a16="http://schemas.microsoft.com/office/drawing/2014/main" id="{4DBB5578-DBF0-46FC-BA72-00A6650801BF}"/>
+                </a:ext>
+              </a:extLst>
+            </p:cNvPr>
+            <p:cNvPicPr>
+              <a:picLocks noChangeAspect="1"/>
+            </p:cNvPicPr>
+            <p:nvPr/>
+          </p:nvPicPr>
+          <p:blipFill>
+            <a:blip r:embed="rId22"/>
+            <a:stretch>
+              <a:fillRect/>
+            </a:stretch>
+          </p:blipFill>
+          <p:spPr>
+            <a:xfrm>
+              <a:off x="443349" y="2046570"/>
+              <a:ext cx="2229285" cy="1520984"/>
+            </a:xfrm>
+            <a:prstGeom prst="rect">
+              <a:avLst/>
+            </a:prstGeom>
+          </p:spPr>
+        </p:pic>
+        <p:sp>
+          <p:nvSpPr>
+            <p:cNvPr id="91" name="Rectangle 90">
+              <a:extLst>
+                <a:ext uri="{FF2B5EF4-FFF2-40B4-BE49-F238E27FC236}">
+                  <a16:creationId xmlns:a16="http://schemas.microsoft.com/office/drawing/2014/main" id="{98CC7201-5778-433B-8855-2A10FA0FAC40}"/>
+                </a:ext>
+              </a:extLst>
+            </p:cNvPr>
+            <p:cNvSpPr/>
+            <p:nvPr/>
+          </p:nvSpPr>
+          <p:spPr>
+            <a:xfrm>
+              <a:off x="814025" y="2127233"/>
+              <a:ext cx="1501629" cy="968179"/>
+            </a:xfrm>
+            <a:prstGeom prst="rect">
+              <a:avLst/>
+            </a:prstGeom>
+            <a:noFill/>
+          </p:spPr>
+          <p:style>
+            <a:lnRef idx="2">
+              <a:schemeClr val="dk1"/>
+            </a:lnRef>
+            <a:fillRef idx="1">
+              <a:schemeClr val="lt1"/>
+            </a:fillRef>
+            <a:effectRef idx="0">
+              <a:schemeClr val="dk1"/>
+            </a:effectRef>
+            <a:fontRef idx="minor">
+              <a:schemeClr val="dk1"/>
+            </a:fontRef>
+          </p:style>
+          <p:txBody>
+            <a:bodyPr rtlCol="0" anchor="ctr"/>
+            <a:lstStyle/>
+            <a:p>
+              <a:pPr algn="ctr"/>
+              <a:endParaRPr lang="en-US"/>
+            </a:p>
+          </p:txBody>
+        </p:sp>
+      </p:grpSp>
+      <p:grpSp>
+        <p:nvGrpSpPr>
+          <p:cNvPr id="92" name="Group 91">
+            <a:extLst>
+              <a:ext uri="{FF2B5EF4-FFF2-40B4-BE49-F238E27FC236}">
+                <a16:creationId xmlns:a16="http://schemas.microsoft.com/office/drawing/2014/main" id="{F9D25BB0-C6EB-4768-BC78-20469533D434}"/>
+              </a:ext>
+            </a:extLst>
+          </p:cNvPr>
+          <p:cNvGrpSpPr/>
+          <p:nvPr/>
+        </p:nvGrpSpPr>
+        <p:grpSpPr>
+          <a:xfrm>
+            <a:off x="2610453" y="22482212"/>
+            <a:ext cx="2000323" cy="1276567"/>
+            <a:chOff x="564677" y="620001"/>
+            <a:chExt cx="2000323" cy="1276567"/>
+          </a:xfrm>
+        </p:grpSpPr>
+        <p:pic>
+          <p:nvPicPr>
+            <p:cNvPr id="93" name="Picture 92">
+              <a:extLst>
+                <a:ext uri="{FF2B5EF4-FFF2-40B4-BE49-F238E27FC236}">
+                  <a16:creationId xmlns:a16="http://schemas.microsoft.com/office/drawing/2014/main" id="{C884035C-8C96-4525-8A1C-349A7EFDBFCB}"/>
+                </a:ext>
+              </a:extLst>
+            </p:cNvPr>
+            <p:cNvPicPr>
+              <a:picLocks noChangeAspect="1"/>
+            </p:cNvPicPr>
+            <p:nvPr/>
+          </p:nvPicPr>
+          <p:blipFill>
+            <a:blip r:embed="rId23"/>
+            <a:stretch>
+              <a:fillRect/>
+            </a:stretch>
+          </p:blipFill>
+          <p:spPr>
+            <a:xfrm>
+              <a:off x="564677" y="620001"/>
+              <a:ext cx="2000323" cy="1276567"/>
+            </a:xfrm>
+            <a:prstGeom prst="rect">
+              <a:avLst/>
+            </a:prstGeom>
+          </p:spPr>
+        </p:pic>
+        <p:sp>
+          <p:nvSpPr>
+            <p:cNvPr id="94" name="Rectangle 93">
+              <a:extLst>
+                <a:ext uri="{FF2B5EF4-FFF2-40B4-BE49-F238E27FC236}">
+                  <a16:creationId xmlns:a16="http://schemas.microsoft.com/office/drawing/2014/main" id="{122E1A2E-4307-48E2-BB4F-A599D8AB53E6}"/>
+                </a:ext>
+              </a:extLst>
+            </p:cNvPr>
+            <p:cNvSpPr/>
+            <p:nvPr/>
+          </p:nvSpPr>
+          <p:spPr>
+            <a:xfrm>
+              <a:off x="814026" y="783215"/>
+              <a:ext cx="1501629" cy="968179"/>
+            </a:xfrm>
+            <a:prstGeom prst="rect">
+              <a:avLst/>
+            </a:prstGeom>
+            <a:noFill/>
+          </p:spPr>
+          <p:style>
+            <a:lnRef idx="2">
+              <a:schemeClr val="dk1"/>
+            </a:lnRef>
+            <a:fillRef idx="1">
+              <a:schemeClr val="lt1"/>
+            </a:fillRef>
+            <a:effectRef idx="0">
+              <a:schemeClr val="dk1"/>
+            </a:effectRef>
+            <a:fontRef idx="minor">
+              <a:schemeClr val="dk1"/>
+            </a:fontRef>
+          </p:style>
+          <p:txBody>
+            <a:bodyPr rtlCol="0" anchor="ctr"/>
+            <a:lstStyle/>
+            <a:p>
+              <a:pPr algn="ctr"/>
+              <a:endParaRPr lang="en-US"/>
+            </a:p>
+          </p:txBody>
+        </p:sp>
+      </p:grpSp>
+      <p:cxnSp>
+        <p:nvCxnSpPr>
+          <p:cNvPr id="95" name="Straight Arrow Connector 94">
+            <a:extLst>
+              <a:ext uri="{FF2B5EF4-FFF2-40B4-BE49-F238E27FC236}">
+                <a16:creationId xmlns:a16="http://schemas.microsoft.com/office/drawing/2014/main" id="{439E266D-AC50-4D35-8833-D367E9C376D8}"/>
+              </a:ext>
+            </a:extLst>
+          </p:cNvPr>
+          <p:cNvCxnSpPr>
+            <a:cxnSpLocks/>
+          </p:cNvCxnSpPr>
+          <p:nvPr/>
+        </p:nvCxnSpPr>
+        <p:spPr>
+          <a:xfrm>
+            <a:off x="6544106" y="23115394"/>
+            <a:ext cx="682595" cy="10205"/>
+          </a:xfrm>
+          <a:prstGeom prst="straightConnector1">
+            <a:avLst/>
+          </a:prstGeom>
+          <a:ln>
+            <a:tailEnd type="triangle"/>
+          </a:ln>
+        </p:spPr>
+        <p:style>
+          <a:lnRef idx="1">
+            <a:schemeClr val="dk1"/>
+          </a:lnRef>
+          <a:fillRef idx="0">
+            <a:schemeClr val="dk1"/>
+          </a:fillRef>
+          <a:effectRef idx="0">
+            <a:schemeClr val="dk1"/>
+          </a:effectRef>
+          <a:fontRef idx="minor">
+            <a:schemeClr val="tx1"/>
+          </a:fontRef>
+        </p:style>
+      </p:cxnSp>
+      <p:cxnSp>
+        <p:nvCxnSpPr>
+          <p:cNvPr id="96" name="Straight Arrow Connector 95">
+            <a:extLst>
+              <a:ext uri="{FF2B5EF4-FFF2-40B4-BE49-F238E27FC236}">
+                <a16:creationId xmlns:a16="http://schemas.microsoft.com/office/drawing/2014/main" id="{2A28F7A5-8EEE-4088-91E1-D0EC1CB97E9F}"/>
+              </a:ext>
+            </a:extLst>
+          </p:cNvPr>
+          <p:cNvCxnSpPr>
+            <a:cxnSpLocks/>
+            <a:stCxn id="77" idx="3"/>
+          </p:cNvCxnSpPr>
+          <p:nvPr/>
+        </p:nvCxnSpPr>
+        <p:spPr>
+          <a:xfrm flipV="1">
+            <a:off x="10925345" y="22893712"/>
+            <a:ext cx="1339451" cy="215636"/>
+          </a:xfrm>
+          <a:prstGeom prst="straightConnector1">
+            <a:avLst/>
+          </a:prstGeom>
+          <a:ln>
+            <a:tailEnd type="triangle"/>
+          </a:ln>
+        </p:spPr>
+        <p:style>
+          <a:lnRef idx="1">
+            <a:schemeClr val="dk1"/>
+          </a:lnRef>
+          <a:fillRef idx="0">
+            <a:schemeClr val="dk1"/>
+          </a:fillRef>
+          <a:effectRef idx="0">
+            <a:schemeClr val="dk1"/>
+          </a:effectRef>
+          <a:fontRef idx="minor">
+            <a:schemeClr val="tx1"/>
+          </a:fontRef>
+        </p:style>
+      </p:cxnSp>
+      <p:cxnSp>
+        <p:nvCxnSpPr>
+          <p:cNvPr id="97" name="Straight Arrow Connector 96">
+            <a:extLst>
+              <a:ext uri="{FF2B5EF4-FFF2-40B4-BE49-F238E27FC236}">
+                <a16:creationId xmlns:a16="http://schemas.microsoft.com/office/drawing/2014/main" id="{6A209332-646B-43F6-A080-E3531CF34F78}"/>
+              </a:ext>
+            </a:extLst>
+          </p:cNvPr>
+          <p:cNvCxnSpPr>
+            <a:cxnSpLocks/>
+            <a:stCxn id="77" idx="3"/>
+          </p:cNvCxnSpPr>
+          <p:nvPr/>
+        </p:nvCxnSpPr>
+        <p:spPr>
+          <a:xfrm>
+            <a:off x="10925345" y="23109348"/>
+            <a:ext cx="1347780" cy="305817"/>
+          </a:xfrm>
+          <a:prstGeom prst="straightConnector1">
+            <a:avLst/>
+          </a:prstGeom>
+          <a:ln>
+            <a:tailEnd type="triangle"/>
+          </a:ln>
+        </p:spPr>
+        <p:style>
+          <a:lnRef idx="1">
+            <a:schemeClr val="dk1"/>
+          </a:lnRef>
+          <a:fillRef idx="0">
+            <a:schemeClr val="dk1"/>
+          </a:fillRef>
+          <a:effectRef idx="0">
+            <a:schemeClr val="dk1"/>
+          </a:effectRef>
+          <a:fontRef idx="minor">
+            <a:schemeClr val="tx1"/>
+          </a:fontRef>
+        </p:style>
+      </p:cxnSp>
+      <p:sp>
+        <p:nvSpPr>
+          <p:cNvPr id="98" name="TextBox 97">
+            <a:extLst>
+              <a:ext uri="{FF2B5EF4-FFF2-40B4-BE49-F238E27FC236}">
+                <a16:creationId xmlns:a16="http://schemas.microsoft.com/office/drawing/2014/main" id="{99A79D2D-F6FD-4E80-B73E-2B108E262190}"/>
+              </a:ext>
+            </a:extLst>
+          </p:cNvPr>
+          <p:cNvSpPr txBox="1"/>
+          <p:nvPr/>
+        </p:nvSpPr>
+        <p:spPr>
+          <a:xfrm rot="755005">
+            <a:off x="11323681" y="23208690"/>
+            <a:ext cx="584968" cy="276999"/>
+          </a:xfrm>
+          <a:prstGeom prst="rect">
+            <a:avLst/>
+          </a:prstGeom>
+          <a:noFill/>
+        </p:spPr>
+        <p:txBody>
+          <a:bodyPr wrap="none" rtlCol="0">
+            <a:spAutoFit/>
+          </a:bodyPr>
+          <a:lstStyle/>
+          <a:p>
+            <a:r>
+              <a:rPr lang="en-US" sz="1200" dirty="0"/>
+              <a:t>Ignore</a:t>
+            </a:r>
+            <a:endParaRPr lang="en-US" sz="1400" dirty="0"/>
+          </a:p>
+        </p:txBody>
+      </p:sp>
+      <p:sp>
+        <p:nvSpPr>
+          <p:cNvPr id="99" name="TextBox 98">
+            <a:extLst>
+              <a:ext uri="{FF2B5EF4-FFF2-40B4-BE49-F238E27FC236}">
+                <a16:creationId xmlns:a16="http://schemas.microsoft.com/office/drawing/2014/main" id="{1896A311-0D10-4DDC-A0E8-1FB273D7439B}"/>
+              </a:ext>
+            </a:extLst>
+          </p:cNvPr>
+          <p:cNvSpPr txBox="1"/>
+          <p:nvPr/>
+        </p:nvSpPr>
+        <p:spPr>
+          <a:xfrm rot="21007395">
+            <a:off x="11288324" y="22752941"/>
+            <a:ext cx="671979" cy="276999"/>
+          </a:xfrm>
+          <a:prstGeom prst="rect">
+            <a:avLst/>
+          </a:prstGeom>
+          <a:noFill/>
+        </p:spPr>
+        <p:txBody>
+          <a:bodyPr wrap="none" rtlCol="0">
+            <a:spAutoFit/>
+          </a:bodyPr>
+          <a:lstStyle/>
+          <a:p>
+            <a:r>
+              <a:rPr lang="en-US" sz="1200" dirty="0"/>
+              <a:t>Gamble</a:t>
+            </a:r>
+            <a:endParaRPr lang="en-US" sz="1400" dirty="0"/>
+          </a:p>
+        </p:txBody>
+      </p:sp>
+      <p:cxnSp>
+        <p:nvCxnSpPr>
+          <p:cNvPr id="100" name="Straight Arrow Connector 99">
+            <a:extLst>
+              <a:ext uri="{FF2B5EF4-FFF2-40B4-BE49-F238E27FC236}">
+                <a16:creationId xmlns:a16="http://schemas.microsoft.com/office/drawing/2014/main" id="{64888D9A-98AE-4303-B272-3CBC1BAF0F2E}"/>
+              </a:ext>
+            </a:extLst>
+          </p:cNvPr>
+          <p:cNvCxnSpPr>
+            <a:cxnSpLocks/>
+          </p:cNvCxnSpPr>
+          <p:nvPr/>
+        </p:nvCxnSpPr>
+        <p:spPr>
+          <a:xfrm>
+            <a:off x="8736956" y="23122970"/>
+            <a:ext cx="682595" cy="10205"/>
+          </a:xfrm>
+          <a:prstGeom prst="straightConnector1">
+            <a:avLst/>
+          </a:prstGeom>
+          <a:ln>
+            <a:tailEnd type="triangle"/>
+          </a:ln>
+        </p:spPr>
+        <p:style>
+          <a:lnRef idx="1">
+            <a:schemeClr val="dk1"/>
+          </a:lnRef>
+          <a:fillRef idx="0">
+            <a:schemeClr val="dk1"/>
+          </a:fillRef>
+          <a:effectRef idx="0">
+            <a:schemeClr val="dk1"/>
+          </a:effectRef>
+          <a:fontRef idx="minor">
+            <a:schemeClr val="tx1"/>
+          </a:fontRef>
+        </p:style>
+      </p:cxnSp>
+      <p:cxnSp>
+        <p:nvCxnSpPr>
+          <p:cNvPr id="101" name="Straight Arrow Connector 100">
+            <a:extLst>
+              <a:ext uri="{FF2B5EF4-FFF2-40B4-BE49-F238E27FC236}">
+                <a16:creationId xmlns:a16="http://schemas.microsoft.com/office/drawing/2014/main" id="{FF9B8245-ECC1-4A9A-938A-A83756DD77EC}"/>
+              </a:ext>
+            </a:extLst>
+          </p:cNvPr>
+          <p:cNvCxnSpPr>
+            <a:cxnSpLocks/>
+          </p:cNvCxnSpPr>
+          <p:nvPr/>
+        </p:nvCxnSpPr>
+        <p:spPr>
+          <a:xfrm>
+            <a:off x="4355430" y="23125708"/>
+            <a:ext cx="682595" cy="10205"/>
+          </a:xfrm>
+          <a:prstGeom prst="straightConnector1">
+            <a:avLst/>
+          </a:prstGeom>
+          <a:ln>
+            <a:tailEnd type="triangle"/>
+          </a:ln>
+        </p:spPr>
+        <p:style>
+          <a:lnRef idx="1">
+            <a:schemeClr val="dk1"/>
+          </a:lnRef>
+          <a:fillRef idx="0">
+            <a:schemeClr val="dk1"/>
+          </a:fillRef>
+          <a:effectRef idx="0">
+            <a:schemeClr val="dk1"/>
+          </a:effectRef>
+          <a:fontRef idx="minor">
+            <a:schemeClr val="tx1"/>
+          </a:fontRef>
+        </p:style>
+      </p:cxnSp>
+      <p:sp>
+        <p:nvSpPr>
+          <p:cNvPr id="102" name="TextBox 101">
+            <a:extLst>
+              <a:ext uri="{FF2B5EF4-FFF2-40B4-BE49-F238E27FC236}">
+                <a16:creationId xmlns:a16="http://schemas.microsoft.com/office/drawing/2014/main" id="{75DB8D17-492E-433D-AE97-44EAE1F03583}"/>
+              </a:ext>
+            </a:extLst>
+          </p:cNvPr>
+          <p:cNvSpPr txBox="1"/>
+          <p:nvPr/>
+        </p:nvSpPr>
+        <p:spPr>
+          <a:xfrm>
+            <a:off x="30119548" y="11567885"/>
+            <a:ext cx="407484" cy="461665"/>
+          </a:xfrm>
+          <a:prstGeom prst="rect">
+            <a:avLst/>
+          </a:prstGeom>
+          <a:noFill/>
+        </p:spPr>
+        <p:txBody>
+          <a:bodyPr wrap="square" rtlCol="0">
+            <a:spAutoFit/>
+          </a:bodyPr>
+          <a:lstStyle/>
+          <a:p>
+            <a:r>
+              <a:rPr lang="en-US" sz="2400" b="1" dirty="0">
+                <a:latin typeface="Avenir Roman" panose="02000503020000020003" pitchFamily="2" charset="0"/>
+              </a:rPr>
+              <a:t>D</a:t>
+            </a:r>
+          </a:p>
+        </p:txBody>
+      </p:sp>
+      <p:sp>
+        <p:nvSpPr>
+          <p:cNvPr id="103" name="TextBox 102">
+            <a:extLst>
+              <a:ext uri="{FF2B5EF4-FFF2-40B4-BE49-F238E27FC236}">
+                <a16:creationId xmlns:a16="http://schemas.microsoft.com/office/drawing/2014/main" id="{2753FEF7-F272-4366-909E-CB2B97A7D6AF}"/>
+              </a:ext>
+            </a:extLst>
+          </p:cNvPr>
+          <p:cNvSpPr txBox="1"/>
+          <p:nvPr/>
+        </p:nvSpPr>
+        <p:spPr>
+          <a:xfrm>
+            <a:off x="35478594" y="11628710"/>
+            <a:ext cx="407484" cy="461665"/>
+          </a:xfrm>
+          <a:prstGeom prst="rect">
+            <a:avLst/>
+          </a:prstGeom>
+          <a:noFill/>
+        </p:spPr>
+        <p:txBody>
+          <a:bodyPr wrap="square" rtlCol="0">
+            <a:spAutoFit/>
+          </a:bodyPr>
+          <a:lstStyle/>
+          <a:p>
+            <a:r>
+              <a:rPr lang="en-US" sz="2400" b="1" dirty="0">
+                <a:latin typeface="Avenir Roman" panose="02000503020000020003" pitchFamily="2" charset="0"/>
+              </a:rPr>
+              <a:t>E</a:t>
+            </a:r>
+          </a:p>
+        </p:txBody>
+      </p:sp>
+      <p:sp>
+        <p:nvSpPr>
+          <p:cNvPr id="104" name="TextBox 103">
+            <a:extLst>
+              <a:ext uri="{FF2B5EF4-FFF2-40B4-BE49-F238E27FC236}">
+                <a16:creationId xmlns:a16="http://schemas.microsoft.com/office/drawing/2014/main" id="{3CBAC7C7-F11E-4088-B2AA-301534877E21}"/>
+              </a:ext>
+            </a:extLst>
+          </p:cNvPr>
+          <p:cNvSpPr txBox="1"/>
+          <p:nvPr/>
+        </p:nvSpPr>
+        <p:spPr>
+          <a:xfrm>
+            <a:off x="24813857" y="16466578"/>
+            <a:ext cx="407484" cy="461665"/>
+          </a:xfrm>
+          <a:prstGeom prst="rect">
+            <a:avLst/>
+          </a:prstGeom>
+          <a:noFill/>
+        </p:spPr>
+        <p:txBody>
+          <a:bodyPr wrap="square" rtlCol="0">
+            <a:spAutoFit/>
+          </a:bodyPr>
+          <a:lstStyle/>
+          <a:p>
+            <a:r>
+              <a:rPr lang="en-US" sz="2400" b="1" dirty="0">
+                <a:latin typeface="Avenir Roman" panose="02000503020000020003" pitchFamily="2" charset="0"/>
+              </a:rPr>
+              <a:t>F</a:t>
+            </a:r>
+          </a:p>
+        </p:txBody>
+      </p:sp>
+      <p:sp>
+        <p:nvSpPr>
+          <p:cNvPr id="105" name="TextBox 104">
+            <a:extLst>
+              <a:ext uri="{FF2B5EF4-FFF2-40B4-BE49-F238E27FC236}">
+                <a16:creationId xmlns:a16="http://schemas.microsoft.com/office/drawing/2014/main" id="{5C5B4E8E-5F4A-4885-8E16-B19A29901EDB}"/>
+              </a:ext>
+            </a:extLst>
+          </p:cNvPr>
+          <p:cNvSpPr txBox="1"/>
+          <p:nvPr/>
+        </p:nvSpPr>
+        <p:spPr>
+          <a:xfrm>
+            <a:off x="32837416" y="16531331"/>
+            <a:ext cx="407484" cy="461665"/>
+          </a:xfrm>
+          <a:prstGeom prst="rect">
+            <a:avLst/>
+          </a:prstGeom>
+          <a:noFill/>
+        </p:spPr>
+        <p:txBody>
+          <a:bodyPr wrap="square" rtlCol="0">
+            <a:spAutoFit/>
+          </a:bodyPr>
+          <a:lstStyle/>
+          <a:p>
+            <a:r>
+              <a:rPr lang="en-US" sz="2400" b="1" dirty="0">
+                <a:latin typeface="Avenir Roman" panose="02000503020000020003" pitchFamily="2" charset="0"/>
+              </a:rPr>
+              <a:t>G</a:t>
+            </a:r>
+          </a:p>
+        </p:txBody>
+      </p:sp>
+      <p:sp>
+        <p:nvSpPr>
+          <p:cNvPr id="106" name="Rectangle 105">
+            <a:extLst>
+              <a:ext uri="{FF2B5EF4-FFF2-40B4-BE49-F238E27FC236}">
+                <a16:creationId xmlns:a16="http://schemas.microsoft.com/office/drawing/2014/main" id="{013E8892-CB1C-4F7B-8A61-FA04DB0F69E1}"/>
+              </a:ext>
+            </a:extLst>
+          </p:cNvPr>
+          <p:cNvSpPr/>
+          <p:nvPr/>
+        </p:nvSpPr>
+        <p:spPr>
+          <a:xfrm>
+            <a:off x="22859190" y="20656725"/>
+            <a:ext cx="18340658" cy="1323439"/>
+          </a:xfrm>
+          <a:prstGeom prst="rect">
+            <a:avLst/>
+          </a:prstGeom>
+        </p:spPr>
+        <p:txBody>
+          <a:bodyPr wrap="square">
+            <a:spAutoFit/>
+          </a:bodyPr>
+          <a:lstStyle/>
+          <a:p>
+            <a:r>
+              <a:rPr lang="nb-NO" sz="2000" b="1" dirty="0">
+                <a:latin typeface="Avenir Roman" panose="02000503020000020003" pitchFamily="2" charset="0"/>
+              </a:rPr>
+              <a:t>Fig.2A. </a:t>
+            </a:r>
+            <a:r>
+              <a:rPr lang="nb-NO" sz="2000" dirty="0">
+                <a:latin typeface="Avenir Roman" panose="02000503020000020003" pitchFamily="2" charset="0"/>
+              </a:rPr>
+              <a:t>Overall propensity to gamble increases as a function of when the gamble was introduced (p&lt;.01) </a:t>
+            </a:r>
+            <a:r>
+              <a:rPr lang="nb-NO" sz="2000" b="1" dirty="0">
+                <a:latin typeface="Avenir Roman" panose="02000503020000020003" pitchFamily="2" charset="0"/>
+              </a:rPr>
+              <a:t>B.</a:t>
+            </a:r>
+            <a:r>
+              <a:rPr lang="nb-NO" sz="2000" dirty="0">
+                <a:latin typeface="Avenir Roman" panose="02000503020000020003" pitchFamily="2" charset="0"/>
+              </a:rPr>
+              <a:t> Overall RT decreases as a function of when the gamble was introduced (p&lt;.001)  </a:t>
+            </a:r>
+            <a:r>
+              <a:rPr lang="nb-NO" sz="2000" b="1" dirty="0">
+                <a:latin typeface="Avenir Roman" panose="02000503020000020003" pitchFamily="2" charset="0"/>
+              </a:rPr>
+              <a:t>C. </a:t>
+            </a:r>
+            <a:r>
+              <a:rPr lang="nb-NO" sz="2000" dirty="0">
+                <a:latin typeface="Avenir Roman" panose="02000503020000020003" pitchFamily="2" charset="0"/>
+              </a:rPr>
+              <a:t>Each participant’s gamble slope is plotted against their RT slope (remove line, it’s meaningful) </a:t>
+            </a:r>
+            <a:r>
+              <a:rPr lang="nb-NO" sz="2000" b="1" dirty="0">
+                <a:latin typeface="Avenir Roman" panose="02000503020000020003" pitchFamily="2" charset="0"/>
+              </a:rPr>
+              <a:t>D. </a:t>
+            </a:r>
+            <a:r>
+              <a:rPr lang="nb-NO" sz="2000" dirty="0">
+                <a:latin typeface="Avenir Roman" panose="02000503020000020003" pitchFamily="2" charset="0"/>
+              </a:rPr>
+              <a:t>Histogram of all individual gamble slopes. Mean of distribution is sig. more than 0 (p&lt;.01) </a:t>
+            </a:r>
+            <a:r>
+              <a:rPr lang="nb-NO" sz="2000" b="1" dirty="0">
+                <a:latin typeface="Avenir Roman" panose="02000503020000020003" pitchFamily="2" charset="0"/>
+              </a:rPr>
+              <a:t>E. </a:t>
+            </a:r>
+            <a:r>
+              <a:rPr lang="nb-NO" sz="2000" dirty="0">
+                <a:latin typeface="Avenir Roman" panose="02000503020000020003" pitchFamily="2" charset="0"/>
+              </a:rPr>
+              <a:t>Histogram of all individual RT slopes. Mean of distribution is sig. less than than 0 (p&lt;.01). </a:t>
+            </a:r>
+            <a:r>
+              <a:rPr lang="nb-NO" sz="2000" b="1" dirty="0">
+                <a:latin typeface="Avenir Roman" panose="02000503020000020003" pitchFamily="2" charset="0"/>
+              </a:rPr>
+              <a:t>F. </a:t>
+            </a:r>
+            <a:r>
+              <a:rPr lang="nb-NO" sz="2000" dirty="0">
+                <a:latin typeface="Avenir Roman" panose="02000503020000020003" pitchFamily="2" charset="0"/>
+              </a:rPr>
+              <a:t>Magnitude has no effect on participants’ decision to gamble (n.s.). </a:t>
+            </a:r>
+            <a:r>
+              <a:rPr lang="nb-NO" sz="2000" b="1" dirty="0">
+                <a:latin typeface="Avenir Roman" panose="02000503020000020003" pitchFamily="2" charset="0"/>
+              </a:rPr>
+              <a:t>G. </a:t>
+            </a:r>
+            <a:r>
+              <a:rPr lang="nb-NO" sz="2000" dirty="0">
+                <a:latin typeface="Avenir Roman" panose="02000503020000020003" pitchFamily="2" charset="0"/>
+              </a:rPr>
+              <a:t>A trial’s value significantly increases a participant’s propensity to gamble (p&lt;.001). </a:t>
+            </a:r>
+            <a:endParaRPr lang="nb-NO" sz="2000" b="1" dirty="0">
+              <a:effectLst/>
+              <a:latin typeface="Avenir Roman" panose="02000503020000020003" pitchFamily="2" charset="0"/>
+            </a:endParaRPr>
+          </a:p>
+        </p:txBody>
+      </p:sp>
+      <p:pic>
+        <p:nvPicPr>
+          <p:cNvPr id="12" name="Picture 11">
+            <a:extLst>
+              <a:ext uri="{FF2B5EF4-FFF2-40B4-BE49-F238E27FC236}">
+                <a16:creationId xmlns:a16="http://schemas.microsoft.com/office/drawing/2014/main" id="{685D7811-258B-4CF3-9A11-45BF909D3B44}"/>
+              </a:ext>
+            </a:extLst>
+          </p:cNvPr>
+          <p:cNvPicPr>
+            <a:picLocks noChangeAspect="1"/>
+          </p:cNvPicPr>
+          <p:nvPr/>
+        </p:nvPicPr>
+        <p:blipFill>
+          <a:blip r:embed="rId24">
+            <a:extLst>
+              <a:ext uri="{28A0092B-C50C-407E-A947-70E740481C1C}">
+                <a14:useLocalDpi xmlns:a14="http://schemas.microsoft.com/office/drawing/2010/main" val="0"/>
+              </a:ext>
+            </a:extLst>
+          </a:blip>
+          <a:stretch>
+            <a:fillRect/>
+          </a:stretch>
+        </p:blipFill>
+        <p:spPr>
+          <a:xfrm>
+            <a:off x="12692688" y="12569392"/>
+            <a:ext cx="4965069" cy="3281011"/>
+          </a:xfrm>
+          <a:prstGeom prst="rect">
+            <a:avLst/>
+          </a:prstGeom>
+        </p:spPr>
+      </p:pic>
+      <p:sp>
+        <p:nvSpPr>
+          <p:cNvPr id="107" name="TextBox 106">
+            <a:extLst>
+              <a:ext uri="{FF2B5EF4-FFF2-40B4-BE49-F238E27FC236}">
+                <a16:creationId xmlns:a16="http://schemas.microsoft.com/office/drawing/2014/main" id="{0679BD3F-2858-4B39-BA44-2DA448166F93}"/>
+              </a:ext>
+            </a:extLst>
+          </p:cNvPr>
+          <p:cNvSpPr txBox="1"/>
+          <p:nvPr/>
+        </p:nvSpPr>
+        <p:spPr>
+          <a:xfrm>
+            <a:off x="18351073" y="11420871"/>
+            <a:ext cx="407484" cy="461665"/>
+          </a:xfrm>
+          <a:prstGeom prst="rect">
+            <a:avLst/>
+          </a:prstGeom>
+          <a:noFill/>
+        </p:spPr>
+        <p:txBody>
+          <a:bodyPr wrap="square" rtlCol="0">
+            <a:spAutoFit/>
+          </a:bodyPr>
+          <a:lstStyle/>
+          <a:p>
+            <a:r>
+              <a:rPr lang="en-US" sz="2400" b="1" dirty="0">
+                <a:latin typeface="Avenir Roman" panose="02000503020000020003" pitchFamily="2" charset="0"/>
+              </a:rPr>
+              <a:t>D</a:t>
             </a:r>
           </a:p>
         </p:txBody>

--- a/rampPosterNSGPRetreat.pptx
+++ b/rampPosterNSGPRetreat.pptx
@@ -209,7 +209,7 @@
             <a:fld id="{7528212C-E14D-47E6-BF5A-B7E00B760EDE}" type="datetimeFigureOut">
               <a:rPr lang="de-DE" smtClean="0"/>
               <a:pPr/>
-              <a:t>14.10.2018</a:t>
+              <a:t>15.10.2018</a:t>
             </a:fld>
             <a:endParaRPr lang="de-DE" dirty="0"/>
           </a:p>
@@ -746,7 +746,7 @@
             <a:fld id="{0DBF1F82-4E5B-4407-973D-C7AE76259AD1}" type="datetimeFigureOut">
               <a:rPr lang="de-DE" smtClean="0"/>
               <a:pPr/>
-              <a:t>14.10.2018</a:t>
+              <a:t>15.10.2018</a:t>
             </a:fld>
             <a:endParaRPr lang="de-DE" dirty="0"/>
           </a:p>
@@ -911,7 +911,7 @@
             <a:fld id="{0DBF1F82-4E5B-4407-973D-C7AE76259AD1}" type="datetimeFigureOut">
               <a:rPr lang="de-DE" smtClean="0"/>
               <a:pPr/>
-              <a:t>14.10.2018</a:t>
+              <a:t>15.10.2018</a:t>
             </a:fld>
             <a:endParaRPr lang="de-DE" dirty="0"/>
           </a:p>
@@ -1086,7 +1086,7 @@
             <a:fld id="{0DBF1F82-4E5B-4407-973D-C7AE76259AD1}" type="datetimeFigureOut">
               <a:rPr lang="de-DE" smtClean="0"/>
               <a:pPr/>
-              <a:t>14.10.2018</a:t>
+              <a:t>15.10.2018</a:t>
             </a:fld>
             <a:endParaRPr lang="de-DE" dirty="0"/>
           </a:p>
@@ -1251,7 +1251,7 @@
             <a:fld id="{0DBF1F82-4E5B-4407-973D-C7AE76259AD1}" type="datetimeFigureOut">
               <a:rPr lang="de-DE" smtClean="0"/>
               <a:pPr/>
-              <a:t>14.10.2018</a:t>
+              <a:t>15.10.2018</a:t>
             </a:fld>
             <a:endParaRPr lang="de-DE" dirty="0"/>
           </a:p>
@@ -1493,7 +1493,7 @@
             <a:fld id="{0DBF1F82-4E5B-4407-973D-C7AE76259AD1}" type="datetimeFigureOut">
               <a:rPr lang="de-DE" smtClean="0"/>
               <a:pPr/>
-              <a:t>14.10.2018</a:t>
+              <a:t>15.10.2018</a:t>
             </a:fld>
             <a:endParaRPr lang="de-DE" dirty="0"/>
           </a:p>
@@ -1775,7 +1775,7 @@
             <a:fld id="{0DBF1F82-4E5B-4407-973D-C7AE76259AD1}" type="datetimeFigureOut">
               <a:rPr lang="de-DE" smtClean="0"/>
               <a:pPr/>
-              <a:t>14.10.2018</a:t>
+              <a:t>15.10.2018</a:t>
             </a:fld>
             <a:endParaRPr lang="de-DE" dirty="0"/>
           </a:p>
@@ -2196,7 +2196,7 @@
             <a:fld id="{0DBF1F82-4E5B-4407-973D-C7AE76259AD1}" type="datetimeFigureOut">
               <a:rPr lang="de-DE" smtClean="0"/>
               <a:pPr/>
-              <a:t>14.10.2018</a:t>
+              <a:t>15.10.2018</a:t>
             </a:fld>
             <a:endParaRPr lang="de-DE" dirty="0"/>
           </a:p>
@@ -2310,7 +2310,7 @@
             <a:fld id="{0DBF1F82-4E5B-4407-973D-C7AE76259AD1}" type="datetimeFigureOut">
               <a:rPr lang="de-DE" smtClean="0"/>
               <a:pPr/>
-              <a:t>14.10.2018</a:t>
+              <a:t>15.10.2018</a:t>
             </a:fld>
             <a:endParaRPr lang="de-DE" dirty="0"/>
           </a:p>
@@ -2402,7 +2402,7 @@
             <a:fld id="{0DBF1F82-4E5B-4407-973D-C7AE76259AD1}" type="datetimeFigureOut">
               <a:rPr lang="de-DE" smtClean="0"/>
               <a:pPr/>
-              <a:t>14.10.2018</a:t>
+              <a:t>15.10.2018</a:t>
             </a:fld>
             <a:endParaRPr lang="de-DE" dirty="0"/>
           </a:p>
@@ -2674,7 +2674,7 @@
             <a:fld id="{0DBF1F82-4E5B-4407-973D-C7AE76259AD1}" type="datetimeFigureOut">
               <a:rPr lang="de-DE" smtClean="0"/>
               <a:pPr/>
-              <a:t>14.10.2018</a:t>
+              <a:t>15.10.2018</a:t>
             </a:fld>
             <a:endParaRPr lang="de-DE" dirty="0"/>
           </a:p>
@@ -2923,7 +2923,7 @@
             <a:fld id="{0DBF1F82-4E5B-4407-973D-C7AE76259AD1}" type="datetimeFigureOut">
               <a:rPr lang="de-DE" smtClean="0"/>
               <a:pPr/>
-              <a:t>14.10.2018</a:t>
+              <a:t>15.10.2018</a:t>
             </a:fld>
             <a:endParaRPr lang="de-DE" dirty="0"/>
           </a:p>
@@ -3131,7 +3131,7 @@
             <a:fld id="{0DBF1F82-4E5B-4407-973D-C7AE76259AD1}" type="datetimeFigureOut">
               <a:rPr lang="de-DE" smtClean="0"/>
               <a:pPr/>
-              <a:t>14.10.2018</a:t>
+              <a:t>15.10.2018</a:t>
             </a:fld>
             <a:endParaRPr lang="de-DE" dirty="0"/>
           </a:p>
@@ -3854,7 +3854,7 @@
         <p:spPr>
           <a:xfrm>
             <a:off x="1149732" y="4751094"/>
-            <a:ext cx="19985245" cy="6369888"/>
+            <a:ext cx="19985245" cy="7037198"/>
           </a:xfrm>
           <a:prstGeom prst="roundRect">
             <a:avLst>
@@ -3886,19 +3886,27 @@
           <a:bodyPr lIns="398636" tIns="199320" rIns="398636" bIns="199320" rtlCol="0" anchor="t"/>
           <a:lstStyle/>
           <a:p>
+            <a:pPr marL="342900" indent="-342900">
+              <a:buFont typeface="Arial" panose="020B0604020202020204" pitchFamily="34" charset="0"/>
+              <a:buChar char="•"/>
+            </a:pPr>
             <a:endParaRPr lang="en-US" sz="2600" b="1" noProof="1">
               <a:solidFill>
                 <a:schemeClr val="tx1"/>
               </a:solidFill>
-              <a:latin typeface="Avenir Roman" panose="02000503020000020003" pitchFamily="2" charset="0"/>
+              <a:latin typeface="Avenir Roman" panose="02000503020000020003"/>
             </a:endParaRPr>
           </a:p>
           <a:p>
+            <a:pPr marL="342900" indent="-342900">
+              <a:buFont typeface="Arial" panose="020B0604020202020204" pitchFamily="34" charset="0"/>
+              <a:buChar char="•"/>
+            </a:pPr>
             <a:endParaRPr lang="en-US" sz="2600" noProof="1">
               <a:solidFill>
                 <a:schemeClr val="tx1"/>
               </a:solidFill>
-              <a:latin typeface="Avenir Roman" panose="02000503020000020003" pitchFamily="2" charset="0"/>
+              <a:latin typeface="Avenir Roman" panose="02000503020000020003"/>
             </a:endParaRPr>
           </a:p>
           <a:p>
@@ -3911,17 +3919,21 @@
                 <a:solidFill>
                   <a:schemeClr val="tx1"/>
                 </a:solidFill>
-                <a:latin typeface="Avenir Roman" panose="02000503020000020003" pitchFamily="2" charset="0"/>
-              </a:rPr>
-              <a:t>Phasic dopamine (DA) spikes in the striatum occur when participants experience reward, effectively reinforcing rewarding actions. This DA spike is called a positive Reward Prediction Error (RPE). Phasic RPEs are key to learning, evidenced in rodents and in humans (Fig 1A).</a:t>
-            </a:r>
-          </a:p>
-          <a:p>
+                <a:latin typeface="Avenir Roman" panose="02000503020000020003"/>
+              </a:rPr>
+              <a:t>Phasic dopamine (DA) spikes in the striatum occur when agents experience an unexpected reward. These fast DA spikes, called Reward Prediction Errors, (RPEs) are instrumental in learning how to maximize reward (Fig 1A).</a:t>
+            </a:r>
+          </a:p>
+          <a:p>
+            <a:pPr marL="342900" indent="-342900">
+              <a:buFont typeface="Arial" panose="020B0604020202020204" pitchFamily="34" charset="0"/>
+              <a:buChar char="•"/>
+            </a:pPr>
             <a:endParaRPr lang="en-US" sz="2600" noProof="1">
               <a:solidFill>
                 <a:schemeClr val="tx1"/>
               </a:solidFill>
-              <a:latin typeface="Avenir Roman" panose="02000503020000020003" pitchFamily="2" charset="0"/>
+              <a:latin typeface="Avenir Roman" panose="02000503020000020003"/>
             </a:endParaRPr>
           </a:p>
           <a:p>
@@ -3930,67 +3942,122 @@
               <a:buChar char="•"/>
             </a:pPr>
             <a:r>
-              <a:rPr lang="en-US" sz="2600" noProof="1">
+              <a:rPr lang="en-US" sz="2600" dirty="0">
                 <a:solidFill>
                   <a:schemeClr val="tx1"/>
                 </a:solidFill>
-                <a:latin typeface="Avenir Roman" panose="02000503020000020003" pitchFamily="2" charset="0"/>
-              </a:rPr>
-              <a:t>There is also evidence that rodents experience striatal DA ramping as they approach an anticipated reward. This striatal DA ramp scales to the distance to the reward (Fig. 1B).</a:t>
-            </a:r>
-          </a:p>
-          <a:p>
+                <a:latin typeface="Avenir Roman" panose="02000503020000020003"/>
+              </a:rPr>
+              <a:t>Aside from providing phasic RPEs that drive learning, DA may also organize motivated behavior at the time of action selection. Striatal DA may generally promote vigor in responding (</a:t>
+            </a:r>
+            <a:r>
+              <a:rPr lang="en-US" sz="2600" dirty="0" err="1">
+                <a:solidFill>
+                  <a:schemeClr val="tx1"/>
+                </a:solidFill>
+                <a:latin typeface="Avenir Roman" panose="02000503020000020003"/>
+              </a:rPr>
+              <a:t>Niv</a:t>
+            </a:r>
+            <a:r>
+              <a:rPr lang="en-US" sz="2600" dirty="0">
+                <a:solidFill>
+                  <a:schemeClr val="tx1"/>
+                </a:solidFill>
+                <a:latin typeface="Avenir Roman" panose="02000503020000020003"/>
+              </a:rPr>
+              <a:t> et al., 2007), and/or affect an agent’s instantaneous willingness to work for reward (Hamid et al., 2016). </a:t>
+            </a:r>
+          </a:p>
+          <a:p>
+            <a:pPr marL="342900" indent="-342900">
+              <a:buFont typeface="Arial" panose="020B0604020202020204" pitchFamily="34" charset="0"/>
+              <a:buChar char="•"/>
+            </a:pPr>
+            <a:endParaRPr lang="en-US" sz="2600" dirty="0">
+              <a:solidFill>
+                <a:schemeClr val="tx1"/>
+              </a:solidFill>
+              <a:latin typeface="Avenir Roman" panose="02000503020000020003"/>
+            </a:endParaRPr>
+          </a:p>
+          <a:p>
+            <a:pPr marL="342900" indent="-342900">
+              <a:buFont typeface="Arial" panose="020B0604020202020204" pitchFamily="34" charset="0"/>
+              <a:buChar char="•"/>
+            </a:pPr>
+            <a:r>
+              <a:rPr lang="en-US" sz="2600" dirty="0">
+                <a:solidFill>
+                  <a:schemeClr val="tx1"/>
+                </a:solidFill>
+                <a:latin typeface="Avenir Roman" panose="02000503020000020003"/>
+              </a:rPr>
+              <a:t>More generally, increasing striatal DA tone is hypothesized to bias the expression of the benefits of actions relative to their costs (value) (Fig 1B).</a:t>
+            </a:r>
+          </a:p>
+          <a:p>
+            <a:endParaRPr lang="en-US" sz="2600" dirty="0">
+              <a:solidFill>
+                <a:schemeClr val="tx1"/>
+              </a:solidFill>
+              <a:latin typeface="Avenir Roman" panose="02000503020000020003"/>
+            </a:endParaRPr>
+          </a:p>
+          <a:p>
+            <a:pPr marL="342900" indent="-342900">
+              <a:buFont typeface="Arial" panose="020B0604020202020204" pitchFamily="34" charset="0"/>
+              <a:buChar char="•"/>
+            </a:pPr>
+            <a:r>
+              <a:rPr lang="en-US" sz="2600" dirty="0">
+                <a:solidFill>
+                  <a:schemeClr val="tx1"/>
+                </a:solidFill>
+                <a:latin typeface="Avenir Roman" panose="02000503020000020003"/>
+              </a:rPr>
+              <a:t>Recent work has shown that striatal DA ramps as animals progress through a series of states towards an anticipated reward (Fig. 1C). Thus, we hypothesize that agents will become increasingly sensitive to benefits versus costs as they approach an anticipated reward.</a:t>
+            </a:r>
+            <a:br>
+              <a:rPr lang="en-US" sz="2600" dirty="0">
+                <a:solidFill>
+                  <a:schemeClr val="tx1"/>
+                </a:solidFill>
+                <a:latin typeface="Avenir Roman" panose="02000503020000020003"/>
+              </a:rPr>
+            </a:br>
+            <a:endParaRPr lang="en-US" sz="2600" dirty="0">
+              <a:solidFill>
+                <a:schemeClr val="tx1"/>
+              </a:solidFill>
+              <a:latin typeface="Avenir Roman" panose="02000503020000020003"/>
+            </a:endParaRPr>
+          </a:p>
+          <a:p>
+            <a:pPr marL="342900" indent="-342900">
+              <a:buFont typeface="Arial" panose="020B0604020202020204" pitchFamily="34" charset="0"/>
+              <a:buChar char="•"/>
+            </a:pPr>
+            <a:r>
+              <a:rPr lang="en-US" sz="2600" dirty="0">
+                <a:solidFill>
+                  <a:schemeClr val="tx1"/>
+                </a:solidFill>
+                <a:latin typeface="Avenir Roman" panose="02000503020000020003"/>
+              </a:rPr>
+              <a:t>To test the hypothesis that humans’ value calculations should change as a function of proximity to reward, we offered risky gambles to test the specific prediction that human participants will become increasingly likely to gamble as gambles are offered closer in time to an anticipated, rewarding outcome.</a:t>
+            </a:r>
+          </a:p>
+          <a:p>
+            <a:pPr marL="342900" indent="-342900">
+              <a:buFont typeface="Arial" panose="020B0604020202020204" pitchFamily="34" charset="0"/>
+              <a:buChar char="•"/>
+            </a:pPr>
             <a:endParaRPr lang="en-US" sz="2600" noProof="1">
               <a:solidFill>
                 <a:schemeClr val="tx1"/>
               </a:solidFill>
-              <a:latin typeface="Avenir Roman" panose="02000503020000020003" pitchFamily="2" charset="0"/>
-            </a:endParaRPr>
-          </a:p>
-          <a:p>
-            <a:pPr marL="342900" indent="-342900">
-              <a:buFont typeface="Arial" panose="020B0604020202020204" pitchFamily="34" charset="0"/>
-              <a:buChar char="•"/>
-            </a:pPr>
-            <a:r>
-              <a:rPr lang="en-US" sz="2600" noProof="1">
-                <a:solidFill>
-                  <a:schemeClr val="tx1"/>
-                </a:solidFill>
-                <a:latin typeface="Avenir Roman" panose="02000503020000020003" pitchFamily="2" charset="0"/>
-              </a:rPr>
-              <a:t>It is unclear how striatal DA affects performance. Striatal DA may be affecting general vigor, speeding up all actions indiscriminately. However, recent work suggests that striatal DA also affects cost/benefit weighting (i.e. a value) (Fig. 1C). There has been recent evidence that rodents’ striatal DA concentrations encode such a value function (Fig. 1D).</a:t>
-            </a:r>
-          </a:p>
-          <a:p>
-            <a:endParaRPr lang="en-US" sz="2600" noProof="1">
-              <a:solidFill>
-                <a:schemeClr val="tx1"/>
-              </a:solidFill>
-              <a:latin typeface="Avenir Roman" panose="02000503020000020003" pitchFamily="2" charset="0"/>
-            </a:endParaRPr>
-          </a:p>
-          <a:p>
-            <a:pPr marL="342900" indent="-342900">
-              <a:buFont typeface="Arial" panose="020B0604020202020204" pitchFamily="34" charset="0"/>
-              <a:buChar char="•"/>
-            </a:pPr>
-            <a:r>
-              <a:rPr lang="en-US" sz="2600" noProof="1">
-                <a:solidFill>
-                  <a:schemeClr val="tx1"/>
-                </a:solidFill>
-                <a:latin typeface="Avenir Roman" panose="02000503020000020003" pitchFamily="2" charset="0"/>
-              </a:rPr>
-              <a:t>If humans and rodents striatal DA dynamics are similar and DA modulates value calculation, than humans’ cost/benefit calculations should change as a function of proximity to a reward. More precisely, people should become increasingly risk-seeking the closer they are to an anticipated reward. </a:t>
-            </a:r>
-          </a:p>
-          <a:p>
-            <a:endParaRPr lang="en-US" sz="2600" noProof="1">
-              <a:solidFill>
-                <a:schemeClr val="tx1"/>
-              </a:solidFill>
-              <a:latin typeface="Avenir Roman" panose="02000503020000020003" pitchFamily="2" charset="0"/>
+              <a:latin typeface="Avenir Roman" panose="02000503020000020003"/>
             </a:endParaRPr>
           </a:p>
           <a:p>
@@ -4002,7 +4069,72 @@
               <a:solidFill>
                 <a:schemeClr val="tx1"/>
               </a:solidFill>
-              <a:latin typeface="Avenir Roman" panose="02000503020000020003" pitchFamily="2" charset="0"/>
+              <a:latin typeface="Avenir Roman" panose="02000503020000020003"/>
+            </a:endParaRPr>
+          </a:p>
+          <a:p>
+            <a:pPr marL="342900" indent="-342900">
+              <a:buFont typeface="Arial" panose="020B0604020202020204" pitchFamily="34" charset="0"/>
+              <a:buChar char="•"/>
+            </a:pPr>
+            <a:endParaRPr lang="en-US" sz="2400" dirty="0">
+              <a:solidFill>
+                <a:schemeClr val="tx1"/>
+              </a:solidFill>
+              <a:latin typeface="Avenir Roman" panose="02000503020000020003"/>
+              <a:ea typeface="MS Mincho" panose="02020609040205080304" pitchFamily="49" charset="-128"/>
+            </a:endParaRPr>
+          </a:p>
+          <a:p>
+            <a:pPr marL="342900" indent="-342900">
+              <a:buFont typeface="Arial" panose="020B0604020202020204" pitchFamily="34" charset="0"/>
+              <a:buChar char="•"/>
+            </a:pPr>
+            <a:endParaRPr lang="en-US" sz="2400" dirty="0">
+              <a:solidFill>
+                <a:schemeClr val="tx1"/>
+              </a:solidFill>
+              <a:latin typeface="Avenir Roman" panose="02000503020000020003"/>
+              <a:ea typeface="MS Mincho" panose="02020609040205080304" pitchFamily="49" charset="-128"/>
+            </a:endParaRPr>
+          </a:p>
+          <a:p>
+            <a:pPr marL="342900" indent="-342900">
+              <a:buFont typeface="Arial" panose="020B0604020202020204" pitchFamily="34" charset="0"/>
+              <a:buChar char="•"/>
+            </a:pPr>
+            <a:endParaRPr lang="en-US" sz="2400" dirty="0">
+              <a:solidFill>
+                <a:schemeClr val="tx1"/>
+              </a:solidFill>
+              <a:latin typeface="Avenir Roman" panose="02000503020000020003"/>
+              <a:ea typeface="MS Mincho" panose="02020609040205080304" pitchFamily="49" charset="-128"/>
+            </a:endParaRPr>
+          </a:p>
+          <a:p>
+            <a:pPr marL="342900" indent="-342900">
+              <a:buFont typeface="Arial" panose="020B0604020202020204" pitchFamily="34" charset="0"/>
+              <a:buChar char="•"/>
+            </a:pPr>
+            <a:endParaRPr lang="en-US" sz="2400" dirty="0">
+              <a:solidFill>
+                <a:schemeClr val="tx1"/>
+              </a:solidFill>
+              <a:latin typeface="Avenir Roman" panose="02000503020000020003"/>
+              <a:ea typeface="MS Mincho" panose="02020609040205080304" pitchFamily="49" charset="-128"/>
+            </a:endParaRPr>
+          </a:p>
+          <a:p>
+            <a:pPr marL="342900" indent="-342900">
+              <a:buFont typeface="Arial" panose="020B0604020202020204" pitchFamily="34" charset="0"/>
+              <a:buChar char="•"/>
+            </a:pPr>
+            <a:endParaRPr lang="en-US" sz="2400" dirty="0">
+              <a:solidFill>
+                <a:schemeClr val="tx1"/>
+              </a:solidFill>
+              <a:latin typeface="Avenir Roman" panose="02000503020000020003"/>
+              <a:ea typeface="MS Mincho" panose="02020609040205080304" pitchFamily="49" charset="-128"/>
             </a:endParaRPr>
           </a:p>
           <a:p>
@@ -4014,94 +4146,45 @@
               <a:solidFill>
                 <a:schemeClr val="tx1"/>
               </a:solidFill>
-              <a:latin typeface="Avenir Roman" panose="02000503020000020003" pitchFamily="2" charset="0"/>
+              <a:latin typeface="Avenir Roman" panose="02000503020000020003"/>
             </a:endParaRPr>
           </a:p>
           <a:p>
+            <a:pPr marL="342900" indent="-342900">
+              <a:buFont typeface="Arial" panose="020B0604020202020204" pitchFamily="34" charset="0"/>
+              <a:buChar char="•"/>
+            </a:pPr>
             <a:endParaRPr lang="en-US" sz="2400" noProof="1">
               <a:solidFill>
                 <a:schemeClr val="tx1"/>
               </a:solidFill>
-              <a:latin typeface="Avenir Roman" panose="02000503020000020003" pitchFamily="2" charset="0"/>
-            </a:endParaRPr>
-          </a:p>
-          <a:p>
-            <a:endParaRPr lang="en-US" sz="2400" dirty="0">
-              <a:solidFill>
-                <a:sysClr val="windowText" lastClr="000000"/>
-              </a:solidFill>
-              <a:latin typeface="Avenir Roman" panose="02000503020000020003" pitchFamily="2" charset="0"/>
-              <a:ea typeface="MS Mincho" panose="02020609040205080304" pitchFamily="49" charset="-128"/>
-            </a:endParaRPr>
-          </a:p>
-          <a:p>
-            <a:endParaRPr lang="en-US" sz="2400" dirty="0">
-              <a:solidFill>
-                <a:sysClr val="windowText" lastClr="000000"/>
-              </a:solidFill>
-              <a:latin typeface="Avenir Roman" panose="02000503020000020003" pitchFamily="2" charset="0"/>
-              <a:ea typeface="MS Mincho" panose="02020609040205080304" pitchFamily="49" charset="-128"/>
-            </a:endParaRPr>
-          </a:p>
-          <a:p>
-            <a:endParaRPr lang="en-US" sz="2400" dirty="0">
-              <a:solidFill>
-                <a:sysClr val="windowText" lastClr="000000"/>
-              </a:solidFill>
-              <a:latin typeface="Avenir Roman" panose="02000503020000020003" pitchFamily="2" charset="0"/>
-              <a:ea typeface="MS Mincho" panose="02020609040205080304" pitchFamily="49" charset="-128"/>
-            </a:endParaRPr>
-          </a:p>
-          <a:p>
-            <a:endParaRPr lang="en-US" sz="2400" dirty="0">
-              <a:solidFill>
-                <a:sysClr val="windowText" lastClr="000000"/>
-              </a:solidFill>
-              <a:latin typeface="Avenir Roman" panose="02000503020000020003" pitchFamily="2" charset="0"/>
-              <a:ea typeface="MS Mincho" panose="02020609040205080304" pitchFamily="49" charset="-128"/>
-            </a:endParaRPr>
-          </a:p>
-          <a:p>
-            <a:endParaRPr lang="en-US" sz="2400" dirty="0">
-              <a:solidFill>
-                <a:sysClr val="windowText" lastClr="000000"/>
-              </a:solidFill>
-              <a:latin typeface="Avenir Roman" panose="02000503020000020003" pitchFamily="2" charset="0"/>
-              <a:ea typeface="MS Mincho" panose="02020609040205080304" pitchFamily="49" charset="-128"/>
-            </a:endParaRPr>
-          </a:p>
-          <a:p>
-            <a:endParaRPr lang="en-US" sz="2400" noProof="1">
-              <a:solidFill>
-                <a:sysClr val="windowText" lastClr="000000"/>
-              </a:solidFill>
-              <a:latin typeface="Avenir Roman" panose="02000503020000020003" pitchFamily="2" charset="0"/>
-            </a:endParaRPr>
-          </a:p>
-          <a:p>
-            <a:endParaRPr lang="en-US" sz="2400" noProof="1">
-              <a:solidFill>
-                <a:sysClr val="windowText" lastClr="000000"/>
-              </a:solidFill>
-              <a:latin typeface="Avenir Roman" panose="02000503020000020003" pitchFamily="2" charset="0"/>
+              <a:latin typeface="Avenir Roman" panose="02000503020000020003"/>
               <a:cs typeface="Avenir Light"/>
             </a:endParaRPr>
           </a:p>
           <a:p>
-            <a:endParaRPr lang="en-US" sz="2400" noProof="1">
-              <a:solidFill>
-                <a:sysClr val="windowText" lastClr="000000"/>
-              </a:solidFill>
-              <a:latin typeface="Avenir Roman" panose="02000503020000020003" pitchFamily="2" charset="0"/>
-              <a:cs typeface="Avenir Light"/>
-            </a:endParaRPr>
-          </a:p>
-          <a:p>
+            <a:pPr marL="342900" indent="-342900">
+              <a:buFont typeface="Arial" panose="020B0604020202020204" pitchFamily="34" charset="0"/>
+              <a:buChar char="•"/>
+            </a:pPr>
             <a:endParaRPr lang="en-US" sz="2400" noProof="1">
               <a:solidFill>
                 <a:schemeClr val="tx1"/>
               </a:solidFill>
-              <a:latin typeface="Avenir Roman" panose="02000503020000020003" pitchFamily="2" charset="0"/>
+              <a:latin typeface="Avenir Roman" panose="02000503020000020003"/>
+              <a:cs typeface="Avenir Light"/>
+            </a:endParaRPr>
+          </a:p>
+          <a:p>
+            <a:pPr marL="342900" indent="-342900">
+              <a:buFont typeface="Arial" panose="020B0604020202020204" pitchFamily="34" charset="0"/>
+              <a:buChar char="•"/>
+            </a:pPr>
+            <a:endParaRPr lang="en-US" sz="2400" noProof="1">
+              <a:solidFill>
+                <a:schemeClr val="tx1"/>
+              </a:solidFill>
+              <a:latin typeface="Avenir Roman" panose="02000503020000020003"/>
               <a:cs typeface="Avenir Light"/>
             </a:endParaRPr>
           </a:p>
@@ -4110,11 +4193,11 @@
               <a:buFont typeface="Arial"/>
               <a:buChar char="•"/>
             </a:pPr>
-            <a:endParaRPr lang="en-US" sz="3200" noProof="1">
+            <a:endParaRPr lang="en-US" sz="2400" noProof="1">
               <a:solidFill>
                 <a:schemeClr val="tx1"/>
               </a:solidFill>
-              <a:latin typeface="Avenir Roman" panose="02000503020000020003" pitchFamily="2" charset="0"/>
+              <a:latin typeface="Avenir Roman" panose="02000503020000020003"/>
               <a:cs typeface="Avenir Light"/>
             </a:endParaRPr>
           </a:p>
@@ -4207,8 +4290,8 @@
         </p:nvSpPr>
         <p:spPr>
           <a:xfrm>
-            <a:off x="22281467" y="26615818"/>
-            <a:ext cx="19646663" cy="2341525"/>
+            <a:off x="22281467" y="26352805"/>
+            <a:ext cx="19646663" cy="2618524"/>
           </a:xfrm>
           <a:prstGeom prst="rect">
             <a:avLst/>
@@ -4275,40 +4358,94 @@
               <a:buAutoNum type="arabicPeriod"/>
             </a:pPr>
             <a:r>
+              <a:rPr lang="en-US" sz="1800" dirty="0" err="1">
+                <a:latin typeface="Avenir Roman" panose="02000503020000020003"/>
+              </a:rPr>
+              <a:t>Niv</a:t>
+            </a:r>
+            <a:r>
               <a:rPr lang="en-US" sz="1800" dirty="0">
                 <a:latin typeface="Avenir Roman" panose="02000503020000020003"/>
               </a:rPr>
-              <a:t>Howe, M. W., Tierney, P. L., Sandberg, S. G., Phillips, P. E., &amp; </a:t>
+              <a:t>, Y., </a:t>
             </a:r>
             <a:r>
               <a:rPr lang="en-US" sz="1800" dirty="0" err="1">
                 <a:latin typeface="Avenir Roman" panose="02000503020000020003"/>
               </a:rPr>
-              <a:t>Graybiel</a:t>
+              <a:t>Daw</a:t>
             </a:r>
             <a:r>
               <a:rPr lang="en-US" sz="1800" dirty="0">
                 <a:latin typeface="Avenir Roman" panose="02000503020000020003"/>
               </a:rPr>
-              <a:t>, A. M. (2013). Prolonged dopamine </a:t>
+              <a:t>, N. D., Joel, D., &amp; Dayan, P. (2007). Tonic dopamine: opportunity costs and the control of response vigor. </a:t>
+            </a:r>
+            <a:r>
+              <a:rPr lang="en-US" sz="1800" i="1" dirty="0">
+                <a:latin typeface="Avenir Roman" panose="02000503020000020003"/>
+              </a:rPr>
+              <a:t>Psychopharmacology</a:t>
+            </a:r>
+            <a:r>
+              <a:rPr lang="en-US" sz="1800" dirty="0">
+                <a:latin typeface="Avenir Roman" panose="02000503020000020003"/>
+              </a:rPr>
+              <a:t>, </a:t>
+            </a:r>
+            <a:r>
+              <a:rPr lang="en-US" sz="1800" i="1" dirty="0">
+                <a:latin typeface="Avenir Roman" panose="02000503020000020003"/>
+              </a:rPr>
+              <a:t>191</a:t>
+            </a:r>
+            <a:r>
+              <a:rPr lang="en-US" sz="1800" dirty="0">
+                <a:latin typeface="Avenir Roman" panose="02000503020000020003"/>
+              </a:rPr>
+              <a:t>(3), 507-520.</a:t>
+            </a:r>
+          </a:p>
+          <a:p>
+            <a:pPr marL="457200" indent="-457200">
+              <a:buFontTx/>
+              <a:buAutoNum type="arabicPeriod"/>
+            </a:pPr>
+            <a:r>
+              <a:rPr lang="en-US" sz="1800" dirty="0">
+                <a:latin typeface="Avenir Roman" panose="02000503020000020003"/>
+              </a:rPr>
+              <a:t>Hamid, A. A., Pettibone, J. R., Mabrouk, O. S., Hetrick, V. L., Schmidt, R., Vander </a:t>
             </a:r>
             <a:r>
               <a:rPr lang="en-US" sz="1800" dirty="0" err="1">
                 <a:latin typeface="Avenir Roman" panose="02000503020000020003"/>
               </a:rPr>
-              <a:t>signalling</a:t>
+              <a:t>Weele</a:t>
             </a:r>
             <a:r>
               <a:rPr lang="en-US" sz="1800" dirty="0">
                 <a:latin typeface="Avenir Roman" panose="02000503020000020003"/>
               </a:rPr>
-              <a:t> in striatum signals proximity and value of distant rewards. </a:t>
+              <a:t>, C. M., ... &amp; </a:t>
+            </a:r>
+            <a:r>
+              <a:rPr lang="en-US" sz="1800" dirty="0" err="1">
+                <a:latin typeface="Avenir Roman" panose="02000503020000020003"/>
+              </a:rPr>
+              <a:t>Berke</a:t>
+            </a:r>
+            <a:r>
+              <a:rPr lang="en-US" sz="1800" dirty="0">
+                <a:latin typeface="Avenir Roman" panose="02000503020000020003"/>
+              </a:rPr>
+              <a:t>, J. D. (2016). Mesolimbic dopamine signals the value of work. </a:t>
             </a:r>
             <a:r>
               <a:rPr lang="en-US" sz="1800" i="1" dirty="0">
                 <a:latin typeface="Avenir Roman" panose="02000503020000020003"/>
               </a:rPr>
-              <a:t>Nature</a:t>
+              <a:t>Nature neuroscience</a:t>
             </a:r>
             <a:r>
               <a:rPr lang="en-US" sz="1800" dirty="0">
@@ -4320,13 +4457,61 @@
               <a:rPr lang="en-US" sz="1800" i="1" dirty="0">
                 <a:latin typeface="Avenir Roman" panose="02000503020000020003"/>
               </a:rPr>
-              <a:t>500</a:t>
+              <a:t>19</a:t>
             </a:r>
             <a:r>
               <a:rPr lang="en-US" sz="1800" dirty="0">
                 <a:latin typeface="Avenir Roman" panose="02000503020000020003"/>
               </a:rPr>
-              <a:t>(7464), 575.</a:t>
+              <a:t>(1), 117.</a:t>
+            </a:r>
+          </a:p>
+          <a:p>
+            <a:pPr marL="457200" indent="-457200">
+              <a:buFontTx/>
+              <a:buAutoNum type="arabicPeriod"/>
+            </a:pPr>
+            <a:r>
+              <a:rPr lang="en-US" sz="1800" dirty="0">
+                <a:latin typeface="Avenir Roman" panose="02000503020000020003"/>
+              </a:rPr>
+              <a:t>Collins, A. G., &amp; Frank, M. J. (2014). Opponent actor learning (</a:t>
+            </a:r>
+            <a:r>
+              <a:rPr lang="en-US" sz="1800" dirty="0" err="1">
+                <a:latin typeface="Avenir Roman" panose="02000503020000020003"/>
+              </a:rPr>
+              <a:t>OpAL</a:t>
+            </a:r>
+            <a:r>
+              <a:rPr lang="en-US" sz="1800" dirty="0">
+                <a:latin typeface="Avenir Roman" panose="02000503020000020003"/>
+              </a:rPr>
+              <a:t>): Modeling interactive effects of striatal dopamine on reinforcement learning and choice incentive. </a:t>
+            </a:r>
+            <a:r>
+              <a:rPr lang="en-US" sz="1800" i="1" dirty="0">
+                <a:latin typeface="Avenir Roman" panose="02000503020000020003"/>
+              </a:rPr>
+              <a:t>Psychological review</a:t>
+            </a:r>
+            <a:r>
+              <a:rPr lang="en-US" sz="1800" dirty="0">
+                <a:latin typeface="Avenir Roman" panose="02000503020000020003"/>
+              </a:rPr>
+              <a:t>, </a:t>
+            </a:r>
+            <a:r>
+              <a:rPr lang="en-US" sz="1800" i="1" dirty="0">
+                <a:latin typeface="Avenir Roman" panose="02000503020000020003"/>
+              </a:rPr>
+              <a:t>121</a:t>
+            </a:r>
+            <a:r>
+              <a:rPr lang="en-US" sz="1800" dirty="0">
+                <a:latin typeface="Avenir Roman" panose="02000503020000020003"/>
+              </a:rPr>
+              <a:t>(3), 337.</a:t>
             </a:r>
           </a:p>
           <a:p>
@@ -4337,37 +4522,37 @@
               <a:rPr lang="en-US" sz="1800" dirty="0">
                 <a:latin typeface="Avenir Roman" panose="02000503020000020003"/>
               </a:rPr>
-              <a:t>Hamid, A. A., Pettibone, J. R., Mabrouk, O. S., Hetrick, V. L., Schmidt, R., Vander </a:t>
+              <a:t>Howe, M. W., Tierney, P. L., Sandberg, S. G., Phillips, P. E., &amp; </a:t>
             </a:r>
             <a:r>
               <a:rPr lang="en-US" sz="1800" dirty="0" err="1">
                 <a:latin typeface="Avenir Roman" panose="02000503020000020003"/>
               </a:rPr>
-              <a:t>Weele</a:t>
+              <a:t>Graybiel</a:t>
             </a:r>
             <a:r>
               <a:rPr lang="en-US" sz="1800" dirty="0">
                 <a:latin typeface="Avenir Roman" panose="02000503020000020003"/>
               </a:rPr>
-              <a:t>, C. M., ... &amp; </a:t>
+              <a:t>, A. M. (2013). Prolonged dopamine </a:t>
             </a:r>
             <a:r>
               <a:rPr lang="en-US" sz="1800" dirty="0" err="1">
                 <a:latin typeface="Avenir Roman" panose="02000503020000020003"/>
               </a:rPr>
-              <a:t>Berke</a:t>
+              <a:t>signalling</a:t>
             </a:r>
             <a:r>
               <a:rPr lang="en-US" sz="1800" dirty="0">
                 <a:latin typeface="Avenir Roman" panose="02000503020000020003"/>
               </a:rPr>
-              <a:t>, J. D. (2016). Mesolimbic dopamine signals the value of work. </a:t>
+              <a:t> in striatum signals proximity and value of distant rewards. </a:t>
             </a:r>
             <a:r>
               <a:rPr lang="en-US" sz="1800" i="1" dirty="0">
                 <a:latin typeface="Avenir Roman" panose="02000503020000020003"/>
               </a:rPr>
-              <a:t>Nature neuroscience</a:t>
+              <a:t>Nature</a:t>
             </a:r>
             <a:r>
               <a:rPr lang="en-US" sz="1800" dirty="0">
@@ -4379,64 +4564,14 @@
               <a:rPr lang="en-US" sz="1800" i="1" dirty="0">
                 <a:latin typeface="Avenir Roman" panose="02000503020000020003"/>
               </a:rPr>
-              <a:t>19</a:t>
+              <a:t>500</a:t>
             </a:r>
             <a:r>
               <a:rPr lang="en-US" sz="1800" dirty="0">
                 <a:latin typeface="Avenir Roman" panose="02000503020000020003"/>
               </a:rPr>
-              <a:t>(1), 117.</a:t>
-            </a:r>
-          </a:p>
-          <a:p>
-            <a:pPr marL="457200" indent="-457200">
-              <a:buAutoNum type="arabicPeriod"/>
-            </a:pPr>
-            <a:r>
-              <a:rPr lang="en-US" sz="1800" dirty="0">
-                <a:latin typeface="Avenir Roman" panose="02000503020000020003"/>
-              </a:rPr>
-              <a:t>Collins, A. G., &amp; Frank, M. J. (2014). Opponent actor learning (</a:t>
-            </a:r>
-            <a:r>
-              <a:rPr lang="en-US" sz="1800" dirty="0" err="1">
-                <a:latin typeface="Avenir Roman" panose="02000503020000020003"/>
-              </a:rPr>
-              <a:t>OpAL</a:t>
-            </a:r>
-            <a:r>
-              <a:rPr lang="en-US" sz="1800" dirty="0">
-                <a:latin typeface="Avenir Roman" panose="02000503020000020003"/>
-              </a:rPr>
-              <a:t>): Modeling interactive effects of striatal dopamine on reinforcement learning and choice incentive. </a:t>
-            </a:r>
-            <a:r>
-              <a:rPr lang="en-US" sz="1800" i="1" dirty="0">
-                <a:latin typeface="Avenir Roman" panose="02000503020000020003"/>
-              </a:rPr>
-              <a:t>Psychological review</a:t>
-            </a:r>
-            <a:r>
-              <a:rPr lang="en-US" sz="1800" dirty="0">
-                <a:latin typeface="Avenir Roman" panose="02000503020000020003"/>
-              </a:rPr>
-              <a:t>, </a:t>
-            </a:r>
-            <a:r>
-              <a:rPr lang="en-US" sz="1800" i="1" dirty="0">
-                <a:latin typeface="Avenir Roman" panose="02000503020000020003"/>
-              </a:rPr>
-              <a:t>121</a:t>
-            </a:r>
-            <a:r>
-              <a:rPr lang="en-US" sz="1800" dirty="0">
-                <a:latin typeface="Avenir Roman" panose="02000503020000020003"/>
-              </a:rPr>
-              <a:t>(3), 337.</a:t>
-            </a:r>
-            <a:endParaRPr lang="en-US" sz="1800" noProof="1">
-              <a:latin typeface="Avenir Roman" panose="02000503020000020003"/>
-            </a:endParaRPr>
+              <a:t>(7464), 575.</a:t>
+            </a:r>
           </a:p>
         </p:txBody>
       </p:sp>
@@ -4625,7 +4760,7 @@
         </p:nvSpPr>
         <p:spPr>
           <a:xfrm>
-            <a:off x="794082" y="17590706"/>
+            <a:off x="814242" y="17945918"/>
             <a:ext cx="19276760" cy="1079641"/>
           </a:xfrm>
           <a:prstGeom prst="rect">
@@ -4718,7 +4853,7 @@
               <a:rPr lang="en-US" sz="2400" noProof="1">
                 <a:latin typeface="Avenir Roman" panose="02000503020000020003" pitchFamily="2" charset="0"/>
               </a:rPr>
-              <a:t>Participants underwent 133 trials (~45 minutes) and were given $3 base pay plus whatever they won on a chosen trial (0$ - $4 extra).</a:t>
+              <a:t>Participants underwent 133 trials (~45 minutes) and were given $3 base pay plus whatever they won on a chosen trial (0$ - $4 bonus).</a:t>
             </a:r>
           </a:p>
           <a:p>
@@ -4745,7 +4880,7 @@
                 <a:latin typeface="Avenir Roman" panose="02000503020000020003" pitchFamily="2" charset="0"/>
                 <a:cs typeface="Avenir Heavy"/>
               </a:rPr>
-              <a:t>Each trial had a value attribute (low/mid/high) and a magnitude attribute (low/mid/high)</a:t>
+              <a:t>Each trial had a value attribute (low/mid/high) and a magnitude attribute (low/mid/high). </a:t>
             </a:r>
             <a:endParaRPr lang="en-US" sz="3200" noProof="1">
               <a:latin typeface="Avenir Heavy"/>
@@ -4849,7 +4984,7 @@
         </p:nvSpPr>
         <p:spPr>
           <a:xfrm>
-            <a:off x="1635456" y="11424731"/>
+            <a:off x="1652650" y="12311546"/>
             <a:ext cx="407484" cy="461665"/>
           </a:xfrm>
           <a:prstGeom prst="rect">
@@ -4886,7 +5021,7 @@
         </p:nvSpPr>
         <p:spPr>
           <a:xfrm>
-            <a:off x="6243063" y="11424730"/>
+            <a:off x="6605056" y="12311545"/>
             <a:ext cx="407484" cy="461665"/>
           </a:xfrm>
           <a:prstGeom prst="rect">
@@ -5034,8 +5169,8 @@
         </p:nvSpPr>
         <p:spPr>
           <a:xfrm>
-            <a:off x="22387045" y="23869297"/>
-            <a:ext cx="19253053" cy="2462213"/>
+            <a:off x="22387045" y="23606371"/>
+            <a:ext cx="19253053" cy="2862322"/>
           </a:xfrm>
           <a:prstGeom prst="rect">
             <a:avLst/>
@@ -5056,7 +5191,7 @@
               <a:rPr lang="en-US" sz="2600" noProof="1">
                 <a:latin typeface="Avenir Roman" panose="02000503020000020003" pitchFamily="2" charset="0"/>
               </a:rPr>
-              <a:t>The later the gamble interrupted in the progress bar (i.e. the closer the participant was to the reward), the more likely a participant gambled and the lower their RT tended to be. </a:t>
+              <a:t>The later the gamble interrupted the progress bar (i.e. the closer the participant was to the reward), the more likely a participant gambled and the lower their RT tended to be. </a:t>
             </a:r>
           </a:p>
           <a:p>
@@ -5092,7 +5227,7 @@
               <a:rPr lang="en-US" sz="2600" noProof="1">
                 <a:latin typeface="Avenir Roman" panose="02000503020000020003" pitchFamily="2" charset="0"/>
               </a:rPr>
-              <a:t>These pilot data are consistent with the theory that DA dynamics affect how humans calculate the value of a reward.</a:t>
+              <a:t>These pilot data are consistent with the theory that DA dynamics affect how humans calculate the value of a reward and that the value of a calculation may shift as a promixity to a reward.</a:t>
             </a:r>
           </a:p>
           <a:p>
@@ -5294,36 +5429,6 @@
           </a:prstGeom>
         </p:spPr>
       </p:pic>
-      <p:pic>
-        <p:nvPicPr>
-          <p:cNvPr id="3" name="Picture 2">
-            <a:extLst>
-              <a:ext uri="{FF2B5EF4-FFF2-40B4-BE49-F238E27FC236}">
-                <a16:creationId xmlns:a16="http://schemas.microsoft.com/office/drawing/2014/main" id="{48403E6E-102D-4D9F-82FF-4E086E89CCAA}"/>
-              </a:ext>
-            </a:extLst>
-          </p:cNvPr>
-          <p:cNvPicPr>
-            <a:picLocks noChangeAspect="1"/>
-          </p:cNvPicPr>
-          <p:nvPr/>
-        </p:nvPicPr>
-        <p:blipFill>
-          <a:blip r:embed="rId6"/>
-          <a:stretch>
-            <a:fillRect/>
-          </a:stretch>
-        </p:blipFill>
-        <p:spPr>
-          <a:xfrm>
-            <a:off x="18651236" y="12366835"/>
-            <a:ext cx="2403797" cy="3865847"/>
-          </a:xfrm>
-          <a:prstGeom prst="rect">
-            <a:avLst/>
-          </a:prstGeom>
-        </p:spPr>
-      </p:pic>
       <p:sp>
         <p:nvSpPr>
           <p:cNvPr id="42" name="TextBox 41">
@@ -5338,7 +5443,7 @@
         </p:nvSpPr>
         <p:spPr>
           <a:xfrm>
-            <a:off x="12482193" y="11420871"/>
+            <a:off x="13853422" y="12309642"/>
             <a:ext cx="407484" cy="461665"/>
           </a:xfrm>
           <a:prstGeom prst="rect">
@@ -5376,15 +5481,15 @@
           <p:nvPr/>
         </p:nvPicPr>
         <p:blipFill>
-          <a:blip r:embed="rId7"/>
+          <a:blip r:embed="rId6"/>
           <a:stretch>
             <a:fillRect/>
           </a:stretch>
         </p:blipFill>
         <p:spPr>
           <a:xfrm>
-            <a:off x="6301245" y="12677351"/>
-            <a:ext cx="5869179" cy="3278179"/>
+            <a:off x="14057164" y="13389099"/>
+            <a:ext cx="6236677" cy="3483442"/>
           </a:xfrm>
           <a:prstGeom prst="rect">
             <a:avLst/>
@@ -5405,7 +5510,7 @@
         </p:nvSpPr>
         <p:spPr>
           <a:xfrm>
-            <a:off x="14520348" y="17021778"/>
+            <a:off x="14528840" y="17196028"/>
             <a:ext cx="6236677" cy="369332"/>
           </a:xfrm>
           <a:prstGeom prst="rect">
@@ -5497,14 +5602,14 @@
           <p:nvPr/>
         </p:nvPicPr>
         <p:blipFill>
-          <a:blip r:embed="rId8"/>
+          <a:blip r:embed="rId7"/>
           <a:stretch>
             <a:fillRect/>
           </a:stretch>
         </p:blipFill>
         <p:spPr>
           <a:xfrm>
-            <a:off x="1905835" y="11987888"/>
+            <a:off x="2147066" y="12935573"/>
             <a:ext cx="3655466" cy="2064078"/>
           </a:xfrm>
           <a:prstGeom prst="rect">
@@ -5527,14 +5632,14 @@
           <p:nvPr/>
         </p:nvPicPr>
         <p:blipFill>
-          <a:blip r:embed="rId9"/>
+          <a:blip r:embed="rId8"/>
           <a:stretch>
             <a:fillRect/>
           </a:stretch>
         </p:blipFill>
         <p:spPr>
           <a:xfrm>
-            <a:off x="2026760" y="14126196"/>
+            <a:off x="2267991" y="15073881"/>
             <a:ext cx="3498756" cy="2067099"/>
           </a:xfrm>
           <a:prstGeom prst="rect">
@@ -5556,7 +5661,7 @@
         </p:nvSpPr>
         <p:spPr>
           <a:xfrm>
-            <a:off x="719506" y="20220309"/>
+            <a:off x="719506" y="20322661"/>
             <a:ext cx="19276760" cy="1079641"/>
           </a:xfrm>
           <a:prstGeom prst="rect">
@@ -5608,7 +5713,7 @@
         </p:nvSpPr>
         <p:spPr>
           <a:xfrm>
-            <a:off x="1889280" y="18573372"/>
+            <a:off x="2085859" y="18861404"/>
             <a:ext cx="17375775" cy="1892826"/>
           </a:xfrm>
           <a:prstGeom prst="rect">
@@ -5666,15 +5771,15 @@
           <p:nvPr/>
         </p:nvPicPr>
         <p:blipFill>
-          <a:blip r:embed="rId10"/>
+          <a:blip r:embed="rId9"/>
           <a:stretch>
             <a:fillRect/>
           </a:stretch>
         </p:blipFill>
         <p:spPr>
           <a:xfrm>
-            <a:off x="15390818" y="21947588"/>
-            <a:ext cx="4367611" cy="3152816"/>
+            <a:off x="15219732" y="21559790"/>
+            <a:ext cx="5107094" cy="3686621"/>
           </a:xfrm>
           <a:prstGeom prst="rect">
             <a:avLst/>
@@ -5696,13 +5801,13 @@
           <p:nvPr>
             <p:extLst>
               <p:ext uri="{D42A27DB-BD31-4B8C-83A1-F6EECF244321}">
-                <p14:modId xmlns:p14="http://schemas.microsoft.com/office/powerpoint/2010/main" val="3726479041"/>
+                <p14:modId xmlns:p14="http://schemas.microsoft.com/office/powerpoint/2010/main" val="1743919321"/>
               </p:ext>
             </p:extLst>
           </p:nvPr>
         </p:nvGraphicFramePr>
         <p:xfrm>
-          <a:off x="2657939" y="26211279"/>
+          <a:off x="2290777" y="26352805"/>
           <a:ext cx="7676624" cy="2247807"/>
         </p:xfrm>
         <a:graphic>
@@ -5941,7 +6046,7 @@
         </p:nvSpPr>
         <p:spPr>
           <a:xfrm>
-            <a:off x="3435078" y="25588413"/>
+            <a:off x="3179907" y="25837752"/>
             <a:ext cx="1925438" cy="461665"/>
           </a:xfrm>
           <a:prstGeom prst="rect">
@@ -5984,7 +6089,7 @@
         </p:nvSpPr>
         <p:spPr>
           <a:xfrm>
-            <a:off x="7613598" y="25579465"/>
+            <a:off x="7516610" y="25864446"/>
             <a:ext cx="1430613" cy="461665"/>
           </a:xfrm>
           <a:prstGeom prst="rect">
@@ -6032,7 +6137,7 @@
         <p:spPr>
           <a:xfrm>
             <a:off x="1536976" y="26250741"/>
-            <a:ext cx="1430613" cy="461665"/>
+            <a:ext cx="731015" cy="461665"/>
           </a:xfrm>
           <a:prstGeom prst="rect">
             <a:avLst/>
@@ -6074,8 +6179,8 @@
         </p:nvSpPr>
         <p:spPr>
           <a:xfrm>
-            <a:off x="1585653" y="27132780"/>
-            <a:ext cx="1430613" cy="461665"/>
+            <a:off x="1536975" y="27097034"/>
+            <a:ext cx="731015" cy="461665"/>
           </a:xfrm>
           <a:prstGeom prst="rect">
             <a:avLst/>
@@ -6117,8 +6222,8 @@
         </p:nvSpPr>
         <p:spPr>
           <a:xfrm>
-            <a:off x="1585653" y="27903102"/>
-            <a:ext cx="1430613" cy="461665"/>
+            <a:off x="1531616" y="27925080"/>
+            <a:ext cx="882093" cy="461665"/>
           </a:xfrm>
           <a:prstGeom prst="rect">
             <a:avLst/>
@@ -6161,7 +6266,7 @@
           <p:nvPr/>
         </p:nvPicPr>
         <p:blipFill>
-          <a:blip r:embed="rId11"/>
+          <a:blip r:embed="rId10"/>
           <a:stretch>
             <a:fillRect/>
           </a:stretch>
@@ -6191,7 +6296,7 @@
           <p:nvPr/>
         </p:nvPicPr>
         <p:blipFill>
-          <a:blip r:embed="rId12"/>
+          <a:blip r:embed="rId11"/>
           <a:stretch>
             <a:fillRect/>
           </a:stretch>
@@ -6221,7 +6326,7 @@
           <p:nvPr/>
         </p:nvPicPr>
         <p:blipFill>
-          <a:blip r:embed="rId13"/>
+          <a:blip r:embed="rId12"/>
           <a:stretch>
             <a:fillRect/>
           </a:stretch>
@@ -6251,7 +6356,7 @@
           <p:nvPr/>
         </p:nvPicPr>
         <p:blipFill>
-          <a:blip r:embed="rId14"/>
+          <a:blip r:embed="rId13"/>
           <a:stretch>
             <a:fillRect/>
           </a:stretch>
@@ -6281,7 +6386,7 @@
           <p:nvPr/>
         </p:nvPicPr>
         <p:blipFill>
-          <a:blip r:embed="rId15"/>
+          <a:blip r:embed="rId14"/>
           <a:stretch>
             <a:fillRect/>
           </a:stretch>
@@ -6311,7 +6416,7 @@
           <p:nvPr/>
         </p:nvPicPr>
         <p:blipFill>
-          <a:blip r:embed="rId16"/>
+          <a:blip r:embed="rId15"/>
           <a:stretch>
             <a:fillRect/>
           </a:stretch>
@@ -6341,7 +6446,7 @@
           <p:nvPr/>
         </p:nvPicPr>
         <p:blipFill>
-          <a:blip r:embed="rId17"/>
+          <a:blip r:embed="rId16"/>
           <a:stretch>
             <a:fillRect/>
           </a:stretch>
@@ -6370,8 +6475,8 @@
         </p:nvSpPr>
         <p:spPr>
           <a:xfrm>
-            <a:off x="7481851" y="17129833"/>
-            <a:ext cx="6236677" cy="369332"/>
+            <a:off x="7334284" y="17248064"/>
+            <a:ext cx="6236677" cy="446276"/>
           </a:xfrm>
           <a:prstGeom prst="rect">
             <a:avLst/>
@@ -6388,78 +6493,52 @@
                 <a:latin typeface="Avenir Roman" panose="02000503020000020003"/>
                 <a:cs typeface="Arial" panose="020B0604020202020204" pitchFamily="34" charset="0"/>
               </a:rPr>
-              <a:t>Adapted from Fig. 4a Hamid, A. A., Pettibone, J. R., </a:t>
+              <a:t>Adapted from Fig. 1B  </a:t>
+            </a:r>
+            <a:r>
+              <a:rPr lang="en-US" sz="900" dirty="0">
+                <a:latin typeface="Avenir Roman" panose="02000503020000020003"/>
+              </a:rPr>
+              <a:t>Collins, A. G., &amp; Frank, M. J. (2014). Opponent actor learning (</a:t>
             </a:r>
             <a:r>
               <a:rPr lang="en-US" sz="900" dirty="0" err="1">
                 <a:latin typeface="Avenir Roman" panose="02000503020000020003"/>
-                <a:cs typeface="Arial" panose="020B0604020202020204" pitchFamily="34" charset="0"/>
-              </a:rPr>
-              <a:t>Mabrouk</a:t>
+              </a:rPr>
+              <a:t>OpAL</a:t>
             </a:r>
             <a:r>
               <a:rPr lang="en-US" sz="900" dirty="0">
                 <a:latin typeface="Avenir Roman" panose="02000503020000020003"/>
-                <a:cs typeface="Arial" panose="020B0604020202020204" pitchFamily="34" charset="0"/>
-              </a:rPr>
-              <a:t>, O. S., Hetrick, V. L., Schmidt, R., Vander </a:t>
-            </a:r>
-            <a:r>
-              <a:rPr lang="en-US" sz="900" dirty="0" err="1">
+              </a:rPr>
+              <a:t>): Modeling interactive effects of striatal dopamine on reinforcement learning and choice incentive. </a:t>
+            </a:r>
+            <a:r>
+              <a:rPr lang="en-US" sz="900" i="1" dirty="0">
                 <a:latin typeface="Avenir Roman" panose="02000503020000020003"/>
-                <a:cs typeface="Arial" panose="020B0604020202020204" pitchFamily="34" charset="0"/>
-              </a:rPr>
-              <a:t>Weele</a:t>
+              </a:rPr>
+              <a:t>Psychological review</a:t>
             </a:r>
             <a:r>
               <a:rPr lang="en-US" sz="900" dirty="0">
                 <a:latin typeface="Avenir Roman" panose="02000503020000020003"/>
-                <a:cs typeface="Arial" panose="020B0604020202020204" pitchFamily="34" charset="0"/>
-              </a:rPr>
-              <a:t>, C. M., ... &amp; </a:t>
-            </a:r>
-            <a:r>
-              <a:rPr lang="en-US" sz="900" dirty="0" err="1">
+              </a:rPr>
+              <a:t>, </a:t>
+            </a:r>
+            <a:r>
+              <a:rPr lang="en-US" sz="900" i="1" dirty="0">
                 <a:latin typeface="Avenir Roman" panose="02000503020000020003"/>
-                <a:cs typeface="Arial" panose="020B0604020202020204" pitchFamily="34" charset="0"/>
-              </a:rPr>
-              <a:t>Berke</a:t>
+              </a:rPr>
+              <a:t>121</a:t>
             </a:r>
             <a:r>
               <a:rPr lang="en-US" sz="900" dirty="0">
                 <a:latin typeface="Avenir Roman" panose="02000503020000020003"/>
-                <a:cs typeface="Arial" panose="020B0604020202020204" pitchFamily="34" charset="0"/>
-              </a:rPr>
-              <a:t>, J. D. (2016). Mesolimbic dopamine signals the value of work. </a:t>
-            </a:r>
-            <a:r>
-              <a:rPr lang="en-US" sz="900" i="1" dirty="0">
-                <a:latin typeface="Avenir Roman" panose="02000503020000020003"/>
-                <a:cs typeface="Arial" panose="020B0604020202020204" pitchFamily="34" charset="0"/>
-              </a:rPr>
-              <a:t>Nature neuroscience</a:t>
-            </a:r>
-            <a:r>
-              <a:rPr lang="en-US" sz="900" dirty="0">
-                <a:latin typeface="Avenir Roman" panose="02000503020000020003"/>
-                <a:cs typeface="Arial" panose="020B0604020202020204" pitchFamily="34" charset="0"/>
-              </a:rPr>
-              <a:t>, </a:t>
-            </a:r>
-            <a:r>
-              <a:rPr lang="en-US" sz="900" i="1" dirty="0">
-                <a:latin typeface="Avenir Roman" panose="02000503020000020003"/>
-                <a:cs typeface="Arial" panose="020B0604020202020204" pitchFamily="34" charset="0"/>
-              </a:rPr>
-              <a:t>19</a:t>
-            </a:r>
-            <a:r>
-              <a:rPr lang="en-US" sz="900" dirty="0">
-                <a:latin typeface="Avenir Roman" panose="02000503020000020003"/>
-                <a:cs typeface="Arial" panose="020B0604020202020204" pitchFamily="34" charset="0"/>
-              </a:rPr>
-              <a:t>(1), 117. </a:t>
-            </a:r>
+              </a:rPr>
+              <a:t>(3), 337.</a:t>
+            </a:r>
+          </a:p>
+          <a:p>
             <a:endParaRPr lang="en-US" sz="500" dirty="0">
               <a:latin typeface="Avenir Roman" panose="02000503020000020003"/>
               <a:cs typeface="Arial" panose="020B0604020202020204" pitchFamily="34" charset="0"/>
@@ -6481,7 +6560,7 @@
         </p:nvSpPr>
         <p:spPr>
           <a:xfrm>
-            <a:off x="1279458" y="17194103"/>
+            <a:off x="1218051" y="17282010"/>
             <a:ext cx="6236677" cy="230832"/>
           </a:xfrm>
           <a:prstGeom prst="rect">
@@ -6569,7 +6648,7 @@
             <p:nvPr/>
           </p:nvPicPr>
           <p:blipFill>
-            <a:blip r:embed="rId18"/>
+            <a:blip r:embed="rId17"/>
             <a:stretch>
               <a:fillRect/>
             </a:stretch>
@@ -6665,7 +6744,7 @@
             <p:nvPr/>
           </p:nvPicPr>
           <p:blipFill>
-            <a:blip r:embed="rId19"/>
+            <a:blip r:embed="rId18"/>
             <a:stretch>
               <a:fillRect/>
             </a:stretch>
@@ -6761,7 +6840,7 @@
             <p:nvPr/>
           </p:nvPicPr>
           <p:blipFill>
-            <a:blip r:embed="rId20"/>
+            <a:blip r:embed="rId19"/>
             <a:stretch>
               <a:fillRect/>
             </a:stretch>
@@ -6857,7 +6936,7 @@
             <p:nvPr/>
           </p:nvPicPr>
           <p:blipFill>
-            <a:blip r:embed="rId21"/>
+            <a:blip r:embed="rId20"/>
             <a:stretch>
               <a:fillRect/>
             </a:stretch>
@@ -6953,7 +7032,7 @@
             <p:nvPr/>
           </p:nvPicPr>
           <p:blipFill>
-            <a:blip r:embed="rId22"/>
+            <a:blip r:embed="rId21"/>
             <a:stretch>
               <a:fillRect/>
             </a:stretch>
@@ -7049,7 +7128,7 @@
             <p:nvPr/>
           </p:nvPicPr>
           <p:blipFill>
-            <a:blip r:embed="rId23"/>
+            <a:blip r:embed="rId22"/>
             <a:stretch>
               <a:fillRect/>
             </a:stretch>
@@ -7258,7 +7337,7 @@
           <a:noFill/>
         </p:spPr>
         <p:txBody>
-          <a:bodyPr wrap="none" rtlCol="0">
+          <a:bodyPr wrap="square" rtlCol="0">
             <a:spAutoFit/>
           </a:bodyPr>
           <a:lstStyle/>
@@ -7294,7 +7373,7 @@
           <a:noFill/>
         </p:spPr>
         <p:txBody>
-          <a:bodyPr wrap="none" rtlCol="0">
+          <a:bodyPr wrap="square" rtlCol="0">
             <a:spAutoFit/>
           </a:bodyPr>
           <a:lstStyle/>
@@ -7551,7 +7630,7 @@
         </p:nvSpPr>
         <p:spPr>
           <a:xfrm>
-            <a:off x="22859190" y="20656725"/>
+            <a:off x="22844013" y="21185170"/>
             <a:ext cx="18340658" cy="1323439"/>
           </a:xfrm>
           <a:prstGeom prst="rect">
@@ -7670,7 +7749,7 @@
           <p:nvPr/>
         </p:nvPicPr>
         <p:blipFill>
-          <a:blip r:embed="rId24">
+          <a:blip r:embed="rId23">
             <a:extLst>
               <a:ext uri="{28A0092B-C50C-407E-A947-70E740481C1C}">
                 <a14:useLocalDpi xmlns:a14="http://schemas.microsoft.com/office/drawing/2010/main" val="0"/>
@@ -7683,51 +7762,14 @@
         </p:blipFill>
         <p:spPr>
           <a:xfrm>
-            <a:off x="12692688" y="12569392"/>
-            <a:ext cx="4965069" cy="3281011"/>
+            <a:off x="7414588" y="13261355"/>
+            <a:ext cx="5349992" cy="3535375"/>
           </a:xfrm>
           <a:prstGeom prst="rect">
             <a:avLst/>
           </a:prstGeom>
         </p:spPr>
       </p:pic>
-      <p:sp>
-        <p:nvSpPr>
-          <p:cNvPr id="107" name="TextBox 106">
-            <a:extLst>
-              <a:ext uri="{FF2B5EF4-FFF2-40B4-BE49-F238E27FC236}">
-                <a16:creationId xmlns:a16="http://schemas.microsoft.com/office/drawing/2014/main" id="{0679BD3F-2858-4B39-BA44-2DA448166F93}"/>
-              </a:ext>
-            </a:extLst>
-          </p:cNvPr>
-          <p:cNvSpPr txBox="1"/>
-          <p:nvPr/>
-        </p:nvSpPr>
-        <p:spPr>
-          <a:xfrm>
-            <a:off x="18351073" y="11420871"/>
-            <a:ext cx="407484" cy="461665"/>
-          </a:xfrm>
-          <a:prstGeom prst="rect">
-            <a:avLst/>
-          </a:prstGeom>
-          <a:noFill/>
-        </p:spPr>
-        <p:txBody>
-          <a:bodyPr wrap="square" rtlCol="0">
-            <a:spAutoFit/>
-          </a:bodyPr>
-          <a:lstStyle/>
-          <a:p>
-            <a:r>
-              <a:rPr lang="en-US" sz="2400" b="1" dirty="0">
-                <a:latin typeface="Avenir Roman" panose="02000503020000020003" pitchFamily="2" charset="0"/>
-              </a:rPr>
-              <a:t>D</a:t>
-            </a:r>
-          </a:p>
-        </p:txBody>
-      </p:sp>
     </p:spTree>
   </p:cSld>
   <p:clrMapOvr>

--- a/rampPosterNSGPRetreat.pptx
+++ b/rampPosterNSGPRetreat.pptx
@@ -3510,6 +3510,66 @@
           <a:chExt cx="0" cy="0"/>
         </a:xfrm>
       </p:grpSpPr>
+      <p:pic>
+        <p:nvPicPr>
+          <p:cNvPr id="27" name="Picture 26">
+            <a:extLst>
+              <a:ext uri="{FF2B5EF4-FFF2-40B4-BE49-F238E27FC236}">
+                <a16:creationId xmlns:a16="http://schemas.microsoft.com/office/drawing/2014/main" id="{8D533106-5685-467E-B890-6ACA0AFA661B}"/>
+              </a:ext>
+            </a:extLst>
+          </p:cNvPr>
+          <p:cNvPicPr>
+            <a:picLocks noChangeAspect="1"/>
+          </p:cNvPicPr>
+          <p:nvPr/>
+        </p:nvPicPr>
+        <p:blipFill>
+          <a:blip r:embed="rId3"/>
+          <a:stretch>
+            <a:fillRect/>
+          </a:stretch>
+        </p:blipFill>
+        <p:spPr>
+          <a:xfrm>
+            <a:off x="33551560" y="17235998"/>
+            <a:ext cx="6651740" cy="4801645"/>
+          </a:xfrm>
+          <a:prstGeom prst="rect">
+            <a:avLst/>
+          </a:prstGeom>
+        </p:spPr>
+      </p:pic>
+      <p:pic>
+        <p:nvPicPr>
+          <p:cNvPr id="28" name="Picture 27">
+            <a:extLst>
+              <a:ext uri="{FF2B5EF4-FFF2-40B4-BE49-F238E27FC236}">
+                <a16:creationId xmlns:a16="http://schemas.microsoft.com/office/drawing/2014/main" id="{655A71A9-9201-4887-A848-88A8BEDFC7CE}"/>
+              </a:ext>
+            </a:extLst>
+          </p:cNvPr>
+          <p:cNvPicPr>
+            <a:picLocks noChangeAspect="1"/>
+          </p:cNvPicPr>
+          <p:nvPr/>
+        </p:nvPicPr>
+        <p:blipFill>
+          <a:blip r:embed="rId4"/>
+          <a:stretch>
+            <a:fillRect/>
+          </a:stretch>
+        </p:blipFill>
+        <p:spPr>
+          <a:xfrm>
+            <a:off x="23369756" y="17248729"/>
+            <a:ext cx="6651740" cy="4801645"/>
+          </a:xfrm>
+          <a:prstGeom prst="rect">
+            <a:avLst/>
+          </a:prstGeom>
+        </p:spPr>
+      </p:pic>
       <p:sp>
         <p:nvSpPr>
           <p:cNvPr id="144" name="Abgerundetes Rechteck 143"/>
@@ -4251,7 +4311,7 @@
         </p:nvSpPr>
         <p:spPr>
           <a:xfrm>
-            <a:off x="21835384" y="22569526"/>
+            <a:off x="21774544" y="23274510"/>
             <a:ext cx="19793546" cy="1079641"/>
           </a:xfrm>
           <a:prstGeom prst="rect">
@@ -4290,7 +4350,7 @@
         </p:nvSpPr>
         <p:spPr>
           <a:xfrm>
-            <a:off x="22281467" y="26352805"/>
+            <a:off x="22065443" y="26653708"/>
             <a:ext cx="19646663" cy="2618524"/>
           </a:xfrm>
           <a:prstGeom prst="rect">
@@ -4639,7 +4699,7 @@
           <p:nvPr/>
         </p:nvPicPr>
         <p:blipFill>
-          <a:blip r:embed="rId3">
+          <a:blip r:embed="rId5">
             <a:extLst>
               <a:ext uri="{28A0092B-C50C-407E-A947-70E740481C1C}">
                 <a14:useLocalDpi xmlns:a14="http://schemas.microsoft.com/office/drawing/2010/main" val="0"/>
@@ -4799,7 +4859,7 @@
         </p:nvSpPr>
         <p:spPr>
           <a:xfrm>
-            <a:off x="11358488" y="25336999"/>
+            <a:off x="11358488" y="25794790"/>
             <a:ext cx="9683989" cy="3447098"/>
           </a:xfrm>
           <a:prstGeom prst="rect">
@@ -4884,59 +4944,6 @@
             </a:r>
             <a:endParaRPr lang="en-US" sz="3200" noProof="1">
               <a:latin typeface="Avenir Heavy"/>
-              <a:cs typeface="Avenir Heavy"/>
-            </a:endParaRPr>
-          </a:p>
-        </p:txBody>
-      </p:sp>
-      <p:sp>
-        <p:nvSpPr>
-          <p:cNvPr id="108" name="Textfeld 21">
-            <a:extLst>
-              <a:ext uri="{FF2B5EF4-FFF2-40B4-BE49-F238E27FC236}">
-                <a16:creationId xmlns:a16="http://schemas.microsoft.com/office/drawing/2014/main" id="{D50DA873-9B99-3848-9472-381EDD5CE4D1}"/>
-              </a:ext>
-            </a:extLst>
-          </p:cNvPr>
-          <p:cNvSpPr txBox="1"/>
-          <p:nvPr/>
-        </p:nvSpPr>
-        <p:spPr>
-          <a:xfrm>
-            <a:off x="6900799" y="21073016"/>
-            <a:ext cx="974479" cy="1000274"/>
-          </a:xfrm>
-          <a:prstGeom prst="rect">
-            <a:avLst/>
-          </a:prstGeom>
-          <a:noFill/>
-        </p:spPr>
-        <p:txBody>
-          <a:bodyPr wrap="square" rtlCol="0">
-            <a:spAutoFit/>
-          </a:bodyPr>
-          <a:lstStyle/>
-          <a:p>
-            <a:pPr>
-              <a:spcAft>
-                <a:spcPts val="600"/>
-              </a:spcAft>
-            </a:pPr>
-            <a:r>
-              <a:rPr lang="en-US" sz="3000" b="1" noProof="1">
-                <a:latin typeface="Avenir Roman" panose="02000503020000020003" pitchFamily="2" charset="0"/>
-                <a:cs typeface="Avenir Heavy"/>
-              </a:rPr>
-              <a:t>Task</a:t>
-            </a:r>
-            <a:endParaRPr lang="en-US" sz="2400" noProof="1">
-              <a:latin typeface="Avenir Roman" panose="02000503020000020003" pitchFamily="2" charset="0"/>
-              <a:cs typeface="Avenir Light"/>
-            </a:endParaRPr>
-          </a:p>
-          <a:p>
-            <a:endParaRPr lang="en-US" sz="2400" noProof="1">
-              <a:latin typeface="Avenir Roman" panose="02000503020000020003" pitchFamily="2" charset="0"/>
               <a:cs typeface="Avenir Heavy"/>
             </a:endParaRPr>
           </a:p>
@@ -4955,7 +4962,7 @@
           <p:nvPr/>
         </p:nvPicPr>
         <p:blipFill>
-          <a:blip r:embed="rId4"/>
+          <a:blip r:embed="rId6"/>
           <a:stretch>
             <a:fillRect/>
           </a:stretch>
@@ -5132,7 +5139,7 @@
         </p:nvSpPr>
         <p:spPr>
           <a:xfrm>
-            <a:off x="22707358" y="11622604"/>
+            <a:off x="22774002" y="11867991"/>
             <a:ext cx="407484" cy="461665"/>
           </a:xfrm>
           <a:prstGeom prst="rect">
@@ -5169,7 +5176,7 @@
         </p:nvSpPr>
         <p:spPr>
           <a:xfrm>
-            <a:off x="22387045" y="23606371"/>
+            <a:off x="22363934" y="24229985"/>
             <a:ext cx="19253053" cy="2862322"/>
           </a:xfrm>
           <a:prstGeom prst="rect">
@@ -5215,7 +5222,7 @@
               <a:rPr lang="en-US" sz="2600" noProof="1">
                 <a:latin typeface="Avenir Roman" panose="02000503020000020003" pitchFamily="2" charset="0"/>
               </a:rPr>
-              <a:t>Magnitude had no effect on driving the decision to gamble but a higher value gamble increased a participant’s propensity to gamble.</a:t>
+              <a:t>Magnitude had no effect on driving the propensity  to gamble but a higher value gamble increased a participant’s propensity to gamble.</a:t>
             </a:r>
           </a:p>
           <a:p>
@@ -5227,7 +5234,7 @@
               <a:rPr lang="en-US" sz="2600" noProof="1">
                 <a:latin typeface="Avenir Roman" panose="02000503020000020003" pitchFamily="2" charset="0"/>
               </a:rPr>
-              <a:t>These pilot data are consistent with the theory that DA dynamics affect how humans calculate the value of a reward and that the value of a calculation may shift as a promixity to a reward.</a:t>
+              <a:t>These pilot data are consistent with the theory that DA dynamics affect how humans calculate the value of an acion and that the value of such a calculation may shift as a promixity to a reward.</a:t>
             </a:r>
           </a:p>
           <a:p>
@@ -5408,7 +5415,7 @@
           <p:nvPr/>
         </p:nvPicPr>
         <p:blipFill>
-          <a:blip r:embed="rId5" cstate="print">
+          <a:blip r:embed="rId7" cstate="print">
             <a:extLst>
               <a:ext uri="{28A0092B-C50C-407E-A947-70E740481C1C}">
                 <a14:useLocalDpi xmlns:a14="http://schemas.microsoft.com/office/drawing/2010/main" val="0"/>
@@ -5481,7 +5488,7 @@
           <p:nvPr/>
         </p:nvPicPr>
         <p:blipFill>
-          <a:blip r:embed="rId6"/>
+          <a:blip r:embed="rId8"/>
           <a:stretch>
             <a:fillRect/>
           </a:stretch>
@@ -5602,7 +5609,7 @@
           <p:nvPr/>
         </p:nvPicPr>
         <p:blipFill>
-          <a:blip r:embed="rId7"/>
+          <a:blip r:embed="rId9"/>
           <a:stretch>
             <a:fillRect/>
           </a:stretch>
@@ -5632,7 +5639,7 @@
           <p:nvPr/>
         </p:nvPicPr>
         <p:blipFill>
-          <a:blip r:embed="rId8"/>
+          <a:blip r:embed="rId10"/>
           <a:stretch>
             <a:fillRect/>
           </a:stretch>
@@ -5771,7 +5778,7 @@
           <p:nvPr/>
         </p:nvPicPr>
         <p:blipFill>
-          <a:blip r:embed="rId9"/>
+          <a:blip r:embed="rId11"/>
           <a:stretch>
             <a:fillRect/>
           </a:stretch>
@@ -5801,13 +5808,13 @@
           <p:nvPr>
             <p:extLst>
               <p:ext uri="{D42A27DB-BD31-4B8C-83A1-F6EECF244321}">
-                <p14:modId xmlns:p14="http://schemas.microsoft.com/office/powerpoint/2010/main" val="1743919321"/>
+                <p14:modId xmlns:p14="http://schemas.microsoft.com/office/powerpoint/2010/main" val="4079822360"/>
               </p:ext>
             </p:extLst>
           </p:nvPr>
         </p:nvGraphicFramePr>
         <p:xfrm>
-          <a:off x="2290777" y="26352805"/>
+          <a:off x="2290777" y="26741891"/>
           <a:ext cx="7676624" cy="2247807"/>
         </p:xfrm>
         <a:graphic>
@@ -6046,7 +6053,7 @@
         </p:nvSpPr>
         <p:spPr>
           <a:xfrm>
-            <a:off x="3179907" y="25837752"/>
+            <a:off x="3179907" y="26226838"/>
             <a:ext cx="1925438" cy="461665"/>
           </a:xfrm>
           <a:prstGeom prst="rect">
@@ -6089,7 +6096,7 @@
         </p:nvSpPr>
         <p:spPr>
           <a:xfrm>
-            <a:off x="7516610" y="25864446"/>
+            <a:off x="7516610" y="26253532"/>
             <a:ext cx="1430613" cy="461665"/>
           </a:xfrm>
           <a:prstGeom prst="rect">
@@ -6136,7 +6143,7 @@
         </p:nvSpPr>
         <p:spPr>
           <a:xfrm>
-            <a:off x="1536976" y="26250741"/>
+            <a:off x="1536976" y="26639827"/>
             <a:ext cx="731015" cy="461665"/>
           </a:xfrm>
           <a:prstGeom prst="rect">
@@ -6179,7 +6186,7 @@
         </p:nvSpPr>
         <p:spPr>
           <a:xfrm>
-            <a:off x="1536975" y="27097034"/>
+            <a:off x="1536975" y="27486120"/>
             <a:ext cx="731015" cy="461665"/>
           </a:xfrm>
           <a:prstGeom prst="rect">
@@ -6222,7 +6229,7 @@
         </p:nvSpPr>
         <p:spPr>
           <a:xfrm>
-            <a:off x="1531616" y="27925080"/>
+            <a:off x="1531616" y="28314166"/>
             <a:ext cx="882093" cy="461665"/>
           </a:xfrm>
           <a:prstGeom prst="rect">
@@ -6251,216 +6258,6 @@
           </a:p>
         </p:txBody>
       </p:sp>
-      <p:pic>
-        <p:nvPicPr>
-          <p:cNvPr id="14" name="Picture 13">
-            <a:extLst>
-              <a:ext uri="{FF2B5EF4-FFF2-40B4-BE49-F238E27FC236}">
-                <a16:creationId xmlns:a16="http://schemas.microsoft.com/office/drawing/2014/main" id="{37EA5C10-EBAE-4F94-BF9C-02C2E7AE6402}"/>
-              </a:ext>
-            </a:extLst>
-          </p:cNvPr>
-          <p:cNvPicPr>
-            <a:picLocks noChangeAspect="1"/>
-          </p:cNvPicPr>
-          <p:nvPr/>
-        </p:nvPicPr>
-        <p:blipFill>
-          <a:blip r:embed="rId10"/>
-          <a:stretch>
-            <a:fillRect/>
-          </a:stretch>
-        </p:blipFill>
-        <p:spPr>
-          <a:xfrm>
-            <a:off x="33190655" y="6707703"/>
-            <a:ext cx="6795295" cy="4702809"/>
-          </a:xfrm>
-          <a:prstGeom prst="rect">
-            <a:avLst/>
-          </a:prstGeom>
-        </p:spPr>
-      </p:pic>
-      <p:pic>
-        <p:nvPicPr>
-          <p:cNvPr id="15" name="Picture 14">
-            <a:extLst>
-              <a:ext uri="{FF2B5EF4-FFF2-40B4-BE49-F238E27FC236}">
-                <a16:creationId xmlns:a16="http://schemas.microsoft.com/office/drawing/2014/main" id="{B21FF649-CC80-4410-B235-3990E73E414A}"/>
-              </a:ext>
-            </a:extLst>
-          </p:cNvPr>
-          <p:cNvPicPr>
-            <a:picLocks noChangeAspect="1"/>
-          </p:cNvPicPr>
-          <p:nvPr/>
-        </p:nvPicPr>
-        <p:blipFill>
-          <a:blip r:embed="rId11"/>
-          <a:stretch>
-            <a:fillRect/>
-          </a:stretch>
-        </p:blipFill>
-        <p:spPr>
-          <a:xfrm>
-            <a:off x="23628496" y="6538803"/>
-            <a:ext cx="7554911" cy="5228516"/>
-          </a:xfrm>
-          <a:prstGeom prst="rect">
-            <a:avLst/>
-          </a:prstGeom>
-        </p:spPr>
-      </p:pic>
-      <p:pic>
-        <p:nvPicPr>
-          <p:cNvPr id="19" name="Picture 18">
-            <a:extLst>
-              <a:ext uri="{FF2B5EF4-FFF2-40B4-BE49-F238E27FC236}">
-                <a16:creationId xmlns:a16="http://schemas.microsoft.com/office/drawing/2014/main" id="{E9B075B2-E420-4DC5-A394-3E1BC9CAAF8E}"/>
-              </a:ext>
-            </a:extLst>
-          </p:cNvPr>
-          <p:cNvPicPr>
-            <a:picLocks noChangeAspect="1"/>
-          </p:cNvPicPr>
-          <p:nvPr/>
-        </p:nvPicPr>
-        <p:blipFill>
-          <a:blip r:embed="rId12"/>
-          <a:stretch>
-            <a:fillRect/>
-          </a:stretch>
-        </p:blipFill>
-        <p:spPr>
-          <a:xfrm>
-            <a:off x="23214190" y="11882536"/>
-            <a:ext cx="6123809" cy="4238095"/>
-          </a:xfrm>
-          <a:prstGeom prst="rect">
-            <a:avLst/>
-          </a:prstGeom>
-        </p:spPr>
-      </p:pic>
-      <p:pic>
-        <p:nvPicPr>
-          <p:cNvPr id="20" name="Picture 19">
-            <a:extLst>
-              <a:ext uri="{FF2B5EF4-FFF2-40B4-BE49-F238E27FC236}">
-                <a16:creationId xmlns:a16="http://schemas.microsoft.com/office/drawing/2014/main" id="{25D0B9FF-EBA7-4057-9FF5-166E224CEB1E}"/>
-              </a:ext>
-            </a:extLst>
-          </p:cNvPr>
-          <p:cNvPicPr>
-            <a:picLocks noChangeAspect="1"/>
-          </p:cNvPicPr>
-          <p:nvPr/>
-        </p:nvPicPr>
-        <p:blipFill>
-          <a:blip r:embed="rId13"/>
-          <a:stretch>
-            <a:fillRect/>
-          </a:stretch>
-        </p:blipFill>
-        <p:spPr>
-          <a:xfrm>
-            <a:off x="30254088" y="12387352"/>
-            <a:ext cx="5208106" cy="3604366"/>
-          </a:xfrm>
-          <a:prstGeom prst="rect">
-            <a:avLst/>
-          </a:prstGeom>
-        </p:spPr>
-      </p:pic>
-      <p:pic>
-        <p:nvPicPr>
-          <p:cNvPr id="21" name="Picture 20">
-            <a:extLst>
-              <a:ext uri="{FF2B5EF4-FFF2-40B4-BE49-F238E27FC236}">
-                <a16:creationId xmlns:a16="http://schemas.microsoft.com/office/drawing/2014/main" id="{8AF87953-9730-4E0D-97C6-8B0264BBA168}"/>
-              </a:ext>
-            </a:extLst>
-          </p:cNvPr>
-          <p:cNvPicPr>
-            <a:picLocks noChangeAspect="1"/>
-          </p:cNvPicPr>
-          <p:nvPr/>
-        </p:nvPicPr>
-        <p:blipFill>
-          <a:blip r:embed="rId14"/>
-          <a:stretch>
-            <a:fillRect/>
-          </a:stretch>
-        </p:blipFill>
-        <p:spPr>
-          <a:xfrm>
-            <a:off x="35697760" y="12309642"/>
-            <a:ext cx="5208105" cy="3604365"/>
-          </a:xfrm>
-          <a:prstGeom prst="rect">
-            <a:avLst/>
-          </a:prstGeom>
-        </p:spPr>
-      </p:pic>
-      <p:pic>
-        <p:nvPicPr>
-          <p:cNvPr id="23" name="Picture 22">
-            <a:extLst>
-              <a:ext uri="{FF2B5EF4-FFF2-40B4-BE49-F238E27FC236}">
-                <a16:creationId xmlns:a16="http://schemas.microsoft.com/office/drawing/2014/main" id="{B4A4C5E0-FC9D-44C5-BB8A-46FE4738229B}"/>
-              </a:ext>
-            </a:extLst>
-          </p:cNvPr>
-          <p:cNvPicPr>
-            <a:picLocks noChangeAspect="1"/>
-          </p:cNvPicPr>
-          <p:nvPr/>
-        </p:nvPicPr>
-        <p:blipFill>
-          <a:blip r:embed="rId15"/>
-          <a:stretch>
-            <a:fillRect/>
-          </a:stretch>
-        </p:blipFill>
-        <p:spPr>
-          <a:xfrm>
-            <a:off x="33845471" y="16681675"/>
-            <a:ext cx="6123809" cy="4238095"/>
-          </a:xfrm>
-          <a:prstGeom prst="rect">
-            <a:avLst/>
-          </a:prstGeom>
-        </p:spPr>
-      </p:pic>
-      <p:pic>
-        <p:nvPicPr>
-          <p:cNvPr id="25" name="Picture 24">
-            <a:extLst>
-              <a:ext uri="{FF2B5EF4-FFF2-40B4-BE49-F238E27FC236}">
-                <a16:creationId xmlns:a16="http://schemas.microsoft.com/office/drawing/2014/main" id="{AF9EA6F7-A073-4F4D-A468-26E2BA902DF3}"/>
-              </a:ext>
-            </a:extLst>
-          </p:cNvPr>
-          <p:cNvPicPr>
-            <a:picLocks noChangeAspect="1"/>
-          </p:cNvPicPr>
-          <p:nvPr/>
-        </p:nvPicPr>
-        <p:blipFill>
-          <a:blip r:embed="rId16"/>
-          <a:stretch>
-            <a:fillRect/>
-          </a:stretch>
-        </p:blipFill>
-        <p:spPr>
-          <a:xfrm>
-            <a:off x="25326359" y="16528016"/>
-            <a:ext cx="5617120" cy="4054790"/>
-          </a:xfrm>
-          <a:prstGeom prst="rect">
-            <a:avLst/>
-          </a:prstGeom>
-        </p:spPr>
-      </p:pic>
       <p:sp>
         <p:nvSpPr>
           <p:cNvPr id="78" name="Rectangle 77">
@@ -6648,7 +6445,7 @@
             <p:nvPr/>
           </p:nvPicPr>
           <p:blipFill>
-            <a:blip r:embed="rId17"/>
+            <a:blip r:embed="rId12"/>
             <a:stretch>
               <a:fillRect/>
             </a:stretch>
@@ -6744,7 +6541,7 @@
             <p:nvPr/>
           </p:nvPicPr>
           <p:blipFill>
-            <a:blip r:embed="rId18"/>
+            <a:blip r:embed="rId13"/>
             <a:stretch>
               <a:fillRect/>
             </a:stretch>
@@ -6840,7 +6637,7 @@
             <p:nvPr/>
           </p:nvPicPr>
           <p:blipFill>
-            <a:blip r:embed="rId19"/>
+            <a:blip r:embed="rId14"/>
             <a:stretch>
               <a:fillRect/>
             </a:stretch>
@@ -6936,7 +6733,7 @@
             <p:nvPr/>
           </p:nvPicPr>
           <p:blipFill>
-            <a:blip r:embed="rId20"/>
+            <a:blip r:embed="rId15"/>
             <a:stretch>
               <a:fillRect/>
             </a:stretch>
@@ -7032,7 +6829,7 @@
             <p:nvPr/>
           </p:nvPicPr>
           <p:blipFill>
-            <a:blip r:embed="rId21"/>
+            <a:blip r:embed="rId16"/>
             <a:stretch>
               <a:fillRect/>
             </a:stretch>
@@ -7128,7 +6925,7 @@
             <p:nvPr/>
           </p:nvPicPr>
           <p:blipFill>
-            <a:blip r:embed="rId22"/>
+            <a:blip r:embed="rId17"/>
             <a:stretch>
               <a:fillRect/>
             </a:stretch>
@@ -7482,7 +7279,7 @@
         </p:nvSpPr>
         <p:spPr>
           <a:xfrm>
-            <a:off x="30119548" y="11567885"/>
+            <a:off x="29963737" y="11866109"/>
             <a:ext cx="407484" cy="461665"/>
           </a:xfrm>
           <a:prstGeom prst="rect">
@@ -7519,7 +7316,7 @@
         </p:nvSpPr>
         <p:spPr>
           <a:xfrm>
-            <a:off x="35478594" y="11628710"/>
+            <a:off x="36561754" y="11866351"/>
             <a:ext cx="407484" cy="461665"/>
           </a:xfrm>
           <a:prstGeom prst="rect">
@@ -7556,7 +7353,7 @@
         </p:nvSpPr>
         <p:spPr>
           <a:xfrm>
-            <a:off x="24813857" y="16466578"/>
+            <a:off x="22770088" y="16857336"/>
             <a:ext cx="407484" cy="461665"/>
           </a:xfrm>
           <a:prstGeom prst="rect">
@@ -7593,7 +7390,7 @@
         </p:nvSpPr>
         <p:spPr>
           <a:xfrm>
-            <a:off x="32837416" y="16531331"/>
+            <a:off x="32565365" y="17011993"/>
             <a:ext cx="407484" cy="461665"/>
           </a:xfrm>
           <a:prstGeom prst="rect">
@@ -7630,8 +7427,8 @@
         </p:nvSpPr>
         <p:spPr>
           <a:xfrm>
-            <a:off x="22844013" y="21185170"/>
-            <a:ext cx="18340658" cy="1323439"/>
+            <a:off x="22843242" y="21927272"/>
+            <a:ext cx="18340658" cy="1631216"/>
           </a:xfrm>
           <a:prstGeom prst="rect">
             <a:avLst/>
@@ -7653,7 +7450,7 @@
               <a:rPr lang="nb-NO" sz="2000" dirty="0">
                 <a:latin typeface="Avenir Roman" panose="02000503020000020003" pitchFamily="2" charset="0"/>
               </a:rPr>
-              <a:t>Overall propensity to gamble increases as a function of when the gamble was introduced (p&lt;.01) </a:t>
+              <a:t>Overall propensity to gamble increases as a function of when the gamble was introduced (p&lt;.01). </a:t>
             </a:r>
             <a:r>
               <a:rPr lang="nb-NO" sz="2000" b="1" dirty="0">
@@ -7665,7 +7462,7 @@
               <a:rPr lang="nb-NO" sz="2000" dirty="0">
                 <a:latin typeface="Avenir Roman" panose="02000503020000020003" pitchFamily="2" charset="0"/>
               </a:rPr>
-              <a:t> Overall RT decreases as a function of when the gamble was introduced (p&lt;.001)  </a:t>
+              <a:t> Overall RT decreases as a function of when the gamble was introduced (p&lt;.001) Error bars represent standard error across participants </a:t>
             </a:r>
             <a:r>
               <a:rPr lang="nb-NO" sz="2000" b="1" dirty="0">
@@ -7677,7 +7474,7 @@
               <a:rPr lang="nb-NO" sz="2000" dirty="0">
                 <a:latin typeface="Avenir Roman" panose="02000503020000020003" pitchFamily="2" charset="0"/>
               </a:rPr>
-              <a:t>Each participant’s gamble slope is plotted against their RT slope (remove line, it’s meaningful) </a:t>
+              <a:t>Each participant’s gamble slope is plotted against their RT slope.  </a:t>
             </a:r>
             <a:r>
               <a:rPr lang="nb-NO" sz="2000" b="1" dirty="0">
@@ -7701,7 +7498,7 @@
               <a:rPr lang="nb-NO" sz="2000" dirty="0">
                 <a:latin typeface="Avenir Roman" panose="02000503020000020003" pitchFamily="2" charset="0"/>
               </a:rPr>
-              <a:t>Histogram of all individual RT slopes. Mean of distribution is sig. less than than 0 (p&lt;.01). </a:t>
+              <a:t>Histogram of all individual RT slopes. Mean of distribution is sig. less than than 0 (p&lt;.001). </a:t>
             </a:r>
             <a:r>
               <a:rPr lang="nb-NO" sz="2000" b="1" dirty="0">
@@ -7713,7 +7510,7 @@
               <a:rPr lang="nb-NO" sz="2000" dirty="0">
                 <a:latin typeface="Avenir Roman" panose="02000503020000020003" pitchFamily="2" charset="0"/>
               </a:rPr>
-              <a:t>Magnitude has no effect on participants’ decision to gamble (n.s.). </a:t>
+              <a:t>Magnitude has no effect on participants’ decision to gamble (n.s.). Error bars represent within-subject standard error. </a:t>
             </a:r>
             <a:r>
               <a:rPr lang="nb-NO" sz="2000" b="1" dirty="0">
@@ -7725,7 +7522,7 @@
               <a:rPr lang="nb-NO" sz="2000" dirty="0">
                 <a:latin typeface="Avenir Roman" panose="02000503020000020003" pitchFamily="2" charset="0"/>
               </a:rPr>
-              <a:t>A trial’s value significantly increases a participant’s propensity to gamble (p&lt;.001). </a:t>
+              <a:t>A trial’s value significantly increases a participant’s propensity to gamble (p&lt;.001). Error bars represent within-subject standard error. </a:t>
             </a:r>
             <a:endParaRPr lang="nb-NO" sz="2000" b="1" dirty="0">
               <a:effectLst/>
@@ -7749,7 +7546,7 @@
           <p:nvPr/>
         </p:nvPicPr>
         <p:blipFill>
-          <a:blip r:embed="rId23">
+          <a:blip r:embed="rId18">
             <a:extLst>
               <a:ext uri="{28A0092B-C50C-407E-A947-70E740481C1C}">
                 <a14:useLocalDpi xmlns:a14="http://schemas.microsoft.com/office/drawing/2010/main" val="0"/>
@@ -7770,6 +7567,234 @@
           </a:prstGeom>
         </p:spPr>
       </p:pic>
+      <p:pic>
+        <p:nvPicPr>
+          <p:cNvPr id="16" name="Picture 15">
+            <a:extLst>
+              <a:ext uri="{FF2B5EF4-FFF2-40B4-BE49-F238E27FC236}">
+                <a16:creationId xmlns:a16="http://schemas.microsoft.com/office/drawing/2014/main" id="{FB1D5C4B-3EC0-4609-A196-8C9E208FB407}"/>
+              </a:ext>
+            </a:extLst>
+          </p:cNvPr>
+          <p:cNvPicPr>
+            <a:picLocks noChangeAspect="1"/>
+          </p:cNvPicPr>
+          <p:nvPr/>
+        </p:nvPicPr>
+        <p:blipFill>
+          <a:blip r:embed="rId19"/>
+          <a:stretch>
+            <a:fillRect/>
+          </a:stretch>
+        </p:blipFill>
+        <p:spPr>
+          <a:xfrm>
+            <a:off x="22891382" y="6601842"/>
+            <a:ext cx="7361905" cy="5314286"/>
+          </a:xfrm>
+          <a:prstGeom prst="rect">
+            <a:avLst/>
+          </a:prstGeom>
+        </p:spPr>
+      </p:pic>
+      <p:pic>
+        <p:nvPicPr>
+          <p:cNvPr id="17" name="Picture 16">
+            <a:extLst>
+              <a:ext uri="{FF2B5EF4-FFF2-40B4-BE49-F238E27FC236}">
+                <a16:creationId xmlns:a16="http://schemas.microsoft.com/office/drawing/2014/main" id="{3EA90EAC-2EE2-48EC-AE8B-240D159B89B3}"/>
+              </a:ext>
+            </a:extLst>
+          </p:cNvPr>
+          <p:cNvPicPr>
+            <a:picLocks noChangeAspect="1"/>
+          </p:cNvPicPr>
+          <p:nvPr/>
+        </p:nvPicPr>
+        <p:blipFill>
+          <a:blip r:embed="rId20"/>
+          <a:stretch>
+            <a:fillRect/>
+          </a:stretch>
+        </p:blipFill>
+        <p:spPr>
+          <a:xfrm>
+            <a:off x="33108760" y="6867743"/>
+            <a:ext cx="6963566" cy="4618257"/>
+          </a:xfrm>
+          <a:prstGeom prst="rect">
+            <a:avLst/>
+          </a:prstGeom>
+        </p:spPr>
+      </p:pic>
+      <p:pic>
+        <p:nvPicPr>
+          <p:cNvPr id="22" name="Picture 21">
+            <a:extLst>
+              <a:ext uri="{FF2B5EF4-FFF2-40B4-BE49-F238E27FC236}">
+                <a16:creationId xmlns:a16="http://schemas.microsoft.com/office/drawing/2014/main" id="{96603B24-1FA7-449F-99CA-D5E55EDD8E9C}"/>
+              </a:ext>
+            </a:extLst>
+          </p:cNvPr>
+          <p:cNvPicPr>
+            <a:picLocks noChangeAspect="1"/>
+          </p:cNvPicPr>
+          <p:nvPr/>
+        </p:nvPicPr>
+        <p:blipFill>
+          <a:blip r:embed="rId21"/>
+          <a:stretch>
+            <a:fillRect/>
+          </a:stretch>
+        </p:blipFill>
+        <p:spPr>
+          <a:xfrm>
+            <a:off x="30021496" y="12213274"/>
+            <a:ext cx="6016307" cy="4342949"/>
+          </a:xfrm>
+          <a:prstGeom prst="rect">
+            <a:avLst/>
+          </a:prstGeom>
+        </p:spPr>
+      </p:pic>
+      <p:pic>
+        <p:nvPicPr>
+          <p:cNvPr id="24" name="Picture 23">
+            <a:extLst>
+              <a:ext uri="{FF2B5EF4-FFF2-40B4-BE49-F238E27FC236}">
+                <a16:creationId xmlns:a16="http://schemas.microsoft.com/office/drawing/2014/main" id="{5B65FC9C-AEDA-4803-8507-53E6D148C149}"/>
+              </a:ext>
+            </a:extLst>
+          </p:cNvPr>
+          <p:cNvPicPr>
+            <a:picLocks noChangeAspect="1"/>
+          </p:cNvPicPr>
+          <p:nvPr/>
+        </p:nvPicPr>
+        <p:blipFill>
+          <a:blip r:embed="rId22"/>
+          <a:stretch>
+            <a:fillRect/>
+          </a:stretch>
+        </p:blipFill>
+        <p:spPr>
+          <a:xfrm>
+            <a:off x="36515071" y="12213274"/>
+            <a:ext cx="6016307" cy="4342949"/>
+          </a:xfrm>
+          <a:prstGeom prst="rect">
+            <a:avLst/>
+          </a:prstGeom>
+        </p:spPr>
+      </p:pic>
+      <p:sp>
+        <p:nvSpPr>
+          <p:cNvPr id="29" name="TextBox 28">
+            <a:extLst>
+              <a:ext uri="{FF2B5EF4-FFF2-40B4-BE49-F238E27FC236}">
+                <a16:creationId xmlns:a16="http://schemas.microsoft.com/office/drawing/2014/main" id="{23D50B7A-2510-4866-A29B-CDD0DF027B62}"/>
+              </a:ext>
+            </a:extLst>
+          </p:cNvPr>
+          <p:cNvSpPr txBox="1"/>
+          <p:nvPr/>
+        </p:nvSpPr>
+        <p:spPr>
+          <a:xfrm>
+            <a:off x="38615762" y="17575767"/>
+            <a:ext cx="466794" cy="769441"/>
+          </a:xfrm>
+          <a:prstGeom prst="rect">
+            <a:avLst/>
+          </a:prstGeom>
+          <a:noFill/>
+        </p:spPr>
+        <p:txBody>
+          <a:bodyPr wrap="none" rtlCol="0">
+            <a:spAutoFit/>
+          </a:bodyPr>
+          <a:lstStyle/>
+          <a:p>
+            <a:r>
+              <a:rPr lang="en-US" sz="4400" dirty="0">
+                <a:latin typeface="Times New Roman" panose="02020603050405020304" pitchFamily="18" charset="0"/>
+                <a:cs typeface="Times New Roman" panose="02020603050405020304" pitchFamily="18" charset="0"/>
+              </a:rPr>
+              <a:t>*</a:t>
+            </a:r>
+            <a:endParaRPr lang="en-US" dirty="0"/>
+          </a:p>
+        </p:txBody>
+      </p:sp>
+      <p:pic>
+        <p:nvPicPr>
+          <p:cNvPr id="30" name="Picture 29">
+            <a:extLst>
+              <a:ext uri="{FF2B5EF4-FFF2-40B4-BE49-F238E27FC236}">
+                <a16:creationId xmlns:a16="http://schemas.microsoft.com/office/drawing/2014/main" id="{2E46DC76-1102-40EF-B497-A1457813501F}"/>
+              </a:ext>
+            </a:extLst>
+          </p:cNvPr>
+          <p:cNvPicPr>
+            <a:picLocks noChangeAspect="1"/>
+          </p:cNvPicPr>
+          <p:nvPr/>
+        </p:nvPicPr>
+        <p:blipFill>
+          <a:blip r:embed="rId23"/>
+          <a:stretch>
+            <a:fillRect/>
+          </a:stretch>
+        </p:blipFill>
+        <p:spPr>
+          <a:xfrm>
+            <a:off x="23207008" y="12213274"/>
+            <a:ext cx="6016307" cy="4342949"/>
+          </a:xfrm>
+          <a:prstGeom prst="rect">
+            <a:avLst/>
+          </a:prstGeom>
+        </p:spPr>
+      </p:pic>
+      <p:sp>
+        <p:nvSpPr>
+          <p:cNvPr id="109" name="TextBox 108">
+            <a:extLst>
+              <a:ext uri="{FF2B5EF4-FFF2-40B4-BE49-F238E27FC236}">
+                <a16:creationId xmlns:a16="http://schemas.microsoft.com/office/drawing/2014/main" id="{C82EF89D-5A4B-4825-91A0-2B5660832B0E}"/>
+              </a:ext>
+            </a:extLst>
+          </p:cNvPr>
+          <p:cNvSpPr txBox="1"/>
+          <p:nvPr/>
+        </p:nvSpPr>
+        <p:spPr>
+          <a:xfrm>
+            <a:off x="34943354" y="19048547"/>
+            <a:ext cx="466794" cy="769441"/>
+          </a:xfrm>
+          <a:prstGeom prst="rect">
+            <a:avLst/>
+          </a:prstGeom>
+          <a:noFill/>
+        </p:spPr>
+        <p:txBody>
+          <a:bodyPr wrap="none" rtlCol="0">
+            <a:spAutoFit/>
+          </a:bodyPr>
+          <a:lstStyle/>
+          <a:p>
+            <a:r>
+              <a:rPr lang="en-US" sz="4400" dirty="0">
+                <a:latin typeface="Times New Roman" panose="02020603050405020304" pitchFamily="18" charset="0"/>
+                <a:cs typeface="Times New Roman" panose="02020603050405020304" pitchFamily="18" charset="0"/>
+              </a:rPr>
+              <a:t>*</a:t>
+            </a:r>
+            <a:endParaRPr lang="en-US" dirty="0"/>
+          </a:p>
+        </p:txBody>
+      </p:sp>
     </p:spTree>
   </p:cSld>
   <p:clrMapOvr>
